--- a/JaveEE.pptx
+++ b/JaveEE.pptx
@@ -32,9 +32,13 @@
     <p:sldId id="279" r:id="rId27"/>
     <p:sldId id="280" r:id="rId28"/>
     <p:sldId id="281" r:id="rId29"/>
+    <p:sldId id="282" r:id="rId30"/>
+    <p:sldId id="283" r:id="rId31"/>
+    <p:sldId id="284" r:id="rId32"/>
+    <p:sldId id="285" r:id="rId33"/>
   </p:sldIdLst>
   <p:sldSz cx="9144000" cy="5143500"/>
-  <p:notesSz cx="6858000" cy="9144000"/>
+  <p:notesSz cx="7772400" cy="10058400"/>
 </p:presentation>
 </file>
 
@@ -79,7 +83,7 @@
       </p:grpSpPr>
       <p:sp>
         <p:nvSpPr>
-          <p:cNvPr id="28" name="PlaceHolder 1"/>
+          <p:cNvPr id="27" name="PlaceHolder 1"/>
           <p:cNvSpPr>
             <a:spLocks noGrp="1"/>
           </p:cNvSpPr>
@@ -89,8 +93,8 @@
         </p:nvSpPr>
         <p:spPr>
           <a:xfrm>
-            <a:off x="729360" y="1318680"/>
-            <a:ext cx="7688520" cy="534960"/>
+            <a:off x="457200" y="205200"/>
+            <a:ext cx="8229240" cy="858600"/>
           </a:xfrm>
           <a:prstGeom prst="rect">
             <a:avLst/>
@@ -99,7 +103,8 @@
         <p:txBody>
           <a:bodyPr lIns="0" rIns="0" tIns="0" bIns="0" anchor="ctr"/>
           <a:p>
-            <a:endParaRPr b="0" lang="en-US" sz="1400" spc="-1" strike="noStrike">
+            <a:pPr algn="ctr"/>
+            <a:endParaRPr b="0" lang="en-US" sz="4400" spc="-1" strike="noStrike">
               <a:solidFill>
                 <a:srgbClr val="000000"/>
               </a:solidFill>
@@ -115,7 +120,7 @@
       </p:sp>
       <p:sp>
         <p:nvSpPr>
-          <p:cNvPr id="29" name="PlaceHolder 2"/>
+          <p:cNvPr id="28" name="PlaceHolder 2"/>
           <p:cNvSpPr>
             <a:spLocks noGrp="1"/>
           </p:cNvSpPr>
@@ -125,8 +130,8 @@
         </p:nvSpPr>
         <p:spPr>
           <a:xfrm>
-            <a:off x="729360" y="2079000"/>
-            <a:ext cx="7688520" cy="1078200"/>
+            <a:off x="457200" y="1203480"/>
+            <a:ext cx="8229240" cy="1422720"/>
           </a:xfrm>
           <a:prstGeom prst="rect">
             <a:avLst/>
@@ -135,7 +140,7 @@
         <p:txBody>
           <a:bodyPr lIns="0" rIns="0" tIns="0" bIns="0"/>
           <a:p>
-            <a:endParaRPr b="0" lang="en-US" sz="1400" spc="-1" strike="noStrike">
+            <a:endParaRPr b="0" lang="en-US" sz="3200" spc="-1" strike="noStrike">
               <a:solidFill>
                 <a:srgbClr val="000000"/>
               </a:solidFill>
@@ -151,7 +156,7 @@
       </p:sp>
       <p:sp>
         <p:nvSpPr>
-          <p:cNvPr id="30" name="PlaceHolder 3"/>
+          <p:cNvPr id="29" name="PlaceHolder 3"/>
           <p:cNvSpPr>
             <a:spLocks noGrp="1"/>
           </p:cNvSpPr>
@@ -161,8 +166,8 @@
         </p:nvSpPr>
         <p:spPr>
           <a:xfrm>
-            <a:off x="729360" y="3260160"/>
-            <a:ext cx="7688520" cy="1078200"/>
+            <a:off x="457200" y="2761920"/>
+            <a:ext cx="8229240" cy="1422720"/>
           </a:xfrm>
           <a:prstGeom prst="rect">
             <a:avLst/>
@@ -171,7 +176,7 @@
         <p:txBody>
           <a:bodyPr lIns="0" rIns="0" tIns="0" bIns="0"/>
           <a:p>
-            <a:endParaRPr b="0" lang="en-US" sz="1400" spc="-1" strike="noStrike">
+            <a:endParaRPr b="0" lang="en-US" sz="3200" spc="-1" strike="noStrike">
               <a:solidFill>
                 <a:srgbClr val="000000"/>
               </a:solidFill>
@@ -209,7 +214,7 @@
       </p:grpSpPr>
       <p:sp>
         <p:nvSpPr>
-          <p:cNvPr id="31" name="PlaceHolder 1"/>
+          <p:cNvPr id="30" name="PlaceHolder 1"/>
           <p:cNvSpPr>
             <a:spLocks noGrp="1"/>
           </p:cNvSpPr>
@@ -219,8 +224,8 @@
         </p:nvSpPr>
         <p:spPr>
           <a:xfrm>
-            <a:off x="729360" y="1318680"/>
-            <a:ext cx="7688520" cy="534960"/>
+            <a:off x="457200" y="205200"/>
+            <a:ext cx="8229240" cy="858600"/>
           </a:xfrm>
           <a:prstGeom prst="rect">
             <a:avLst/>
@@ -229,7 +234,8 @@
         <p:txBody>
           <a:bodyPr lIns="0" rIns="0" tIns="0" bIns="0" anchor="ctr"/>
           <a:p>
-            <a:endParaRPr b="0" lang="en-US" sz="1400" spc="-1" strike="noStrike">
+            <a:pPr algn="ctr"/>
+            <a:endParaRPr b="0" lang="en-US" sz="4400" spc="-1" strike="noStrike">
               <a:solidFill>
                 <a:srgbClr val="000000"/>
               </a:solidFill>
@@ -245,7 +251,7 @@
       </p:sp>
       <p:sp>
         <p:nvSpPr>
-          <p:cNvPr id="32" name="PlaceHolder 2"/>
+          <p:cNvPr id="31" name="PlaceHolder 2"/>
           <p:cNvSpPr>
             <a:spLocks noGrp="1"/>
           </p:cNvSpPr>
@@ -255,8 +261,8 @@
         </p:nvSpPr>
         <p:spPr>
           <a:xfrm>
-            <a:off x="729360" y="2079000"/>
-            <a:ext cx="3751920" cy="1078200"/>
+            <a:off x="457200" y="1203480"/>
+            <a:ext cx="4015800" cy="1422720"/>
           </a:xfrm>
           <a:prstGeom prst="rect">
             <a:avLst/>
@@ -265,7 +271,7 @@
         <p:txBody>
           <a:bodyPr lIns="0" rIns="0" tIns="0" bIns="0"/>
           <a:p>
-            <a:endParaRPr b="0" lang="en-US" sz="1400" spc="-1" strike="noStrike">
+            <a:endParaRPr b="0" lang="en-US" sz="3200" spc="-1" strike="noStrike">
               <a:solidFill>
                 <a:srgbClr val="000000"/>
               </a:solidFill>
@@ -281,7 +287,7 @@
       </p:sp>
       <p:sp>
         <p:nvSpPr>
-          <p:cNvPr id="33" name="PlaceHolder 3"/>
+          <p:cNvPr id="32" name="PlaceHolder 3"/>
           <p:cNvSpPr>
             <a:spLocks noGrp="1"/>
           </p:cNvSpPr>
@@ -291,8 +297,8 @@
         </p:nvSpPr>
         <p:spPr>
           <a:xfrm>
-            <a:off x="4669200" y="2079000"/>
-            <a:ext cx="3751920" cy="1078200"/>
+            <a:off x="4674240" y="1203480"/>
+            <a:ext cx="4015800" cy="1422720"/>
           </a:xfrm>
           <a:prstGeom prst="rect">
             <a:avLst/>
@@ -301,7 +307,7 @@
         <p:txBody>
           <a:bodyPr lIns="0" rIns="0" tIns="0" bIns="0"/>
           <a:p>
-            <a:endParaRPr b="0" lang="en-US" sz="1400" spc="-1" strike="noStrike">
+            <a:endParaRPr b="0" lang="en-US" sz="3200" spc="-1" strike="noStrike">
               <a:solidFill>
                 <a:srgbClr val="000000"/>
               </a:solidFill>
@@ -317,7 +323,7 @@
       </p:sp>
       <p:sp>
         <p:nvSpPr>
-          <p:cNvPr id="34" name="PlaceHolder 4"/>
+          <p:cNvPr id="33" name="PlaceHolder 4"/>
           <p:cNvSpPr>
             <a:spLocks noGrp="1"/>
           </p:cNvSpPr>
@@ -327,8 +333,8 @@
         </p:nvSpPr>
         <p:spPr>
           <a:xfrm>
-            <a:off x="4669200" y="3260160"/>
-            <a:ext cx="3751920" cy="1078200"/>
+            <a:off x="4674240" y="2761920"/>
+            <a:ext cx="4015800" cy="1422720"/>
           </a:xfrm>
           <a:prstGeom prst="rect">
             <a:avLst/>
@@ -337,7 +343,7 @@
         <p:txBody>
           <a:bodyPr lIns="0" rIns="0" tIns="0" bIns="0"/>
           <a:p>
-            <a:endParaRPr b="0" lang="en-US" sz="1400" spc="-1" strike="noStrike">
+            <a:endParaRPr b="0" lang="en-US" sz="3200" spc="-1" strike="noStrike">
               <a:solidFill>
                 <a:srgbClr val="000000"/>
               </a:solidFill>
@@ -353,7 +359,7 @@
       </p:sp>
       <p:sp>
         <p:nvSpPr>
-          <p:cNvPr id="35" name="PlaceHolder 5"/>
+          <p:cNvPr id="34" name="PlaceHolder 5"/>
           <p:cNvSpPr>
             <a:spLocks noGrp="1"/>
           </p:cNvSpPr>
@@ -363,8 +369,8 @@
         </p:nvSpPr>
         <p:spPr>
           <a:xfrm>
-            <a:off x="729360" y="3260160"/>
-            <a:ext cx="3751920" cy="1078200"/>
+            <a:off x="457200" y="2761920"/>
+            <a:ext cx="4015800" cy="1422720"/>
           </a:xfrm>
           <a:prstGeom prst="rect">
             <a:avLst/>
@@ -373,7 +379,7 @@
         <p:txBody>
           <a:bodyPr lIns="0" rIns="0" tIns="0" bIns="0"/>
           <a:p>
-            <a:endParaRPr b="0" lang="en-US" sz="1400" spc="-1" strike="noStrike">
+            <a:endParaRPr b="0" lang="en-US" sz="3200" spc="-1" strike="noStrike">
               <a:solidFill>
                 <a:srgbClr val="000000"/>
               </a:solidFill>
@@ -411,7 +417,7 @@
       </p:grpSpPr>
       <p:sp>
         <p:nvSpPr>
-          <p:cNvPr id="36" name="PlaceHolder 1"/>
+          <p:cNvPr id="35" name="PlaceHolder 1"/>
           <p:cNvSpPr>
             <a:spLocks noGrp="1"/>
           </p:cNvSpPr>
@@ -421,8 +427,8 @@
         </p:nvSpPr>
         <p:spPr>
           <a:xfrm>
-            <a:off x="729360" y="1318680"/>
-            <a:ext cx="7688520" cy="534960"/>
+            <a:off x="457200" y="205200"/>
+            <a:ext cx="8229240" cy="858600"/>
           </a:xfrm>
           <a:prstGeom prst="rect">
             <a:avLst/>
@@ -431,7 +437,8 @@
         <p:txBody>
           <a:bodyPr lIns="0" rIns="0" tIns="0" bIns="0" anchor="ctr"/>
           <a:p>
-            <a:endParaRPr b="0" lang="en-US" sz="1400" spc="-1" strike="noStrike">
+            <a:pPr algn="ctr"/>
+            <a:endParaRPr b="0" lang="en-US" sz="4400" spc="-1" strike="noStrike">
               <a:solidFill>
                 <a:srgbClr val="000000"/>
               </a:solidFill>
@@ -447,7 +454,7 @@
       </p:sp>
       <p:sp>
         <p:nvSpPr>
-          <p:cNvPr id="37" name="PlaceHolder 2"/>
+          <p:cNvPr id="36" name="PlaceHolder 2"/>
           <p:cNvSpPr>
             <a:spLocks noGrp="1"/>
           </p:cNvSpPr>
@@ -457,8 +464,8 @@
         </p:nvSpPr>
         <p:spPr>
           <a:xfrm>
-            <a:off x="729360" y="2079000"/>
-            <a:ext cx="7688520" cy="2260800"/>
+            <a:off x="457200" y="1203480"/>
+            <a:ext cx="8229240" cy="2982960"/>
           </a:xfrm>
           <a:prstGeom prst="rect">
             <a:avLst/>
@@ -467,7 +474,7 @@
         <p:txBody>
           <a:bodyPr lIns="0" rIns="0" tIns="0" bIns="0"/>
           <a:p>
-            <a:endParaRPr b="0" lang="en-US" sz="1400" spc="-1" strike="noStrike">
+            <a:endParaRPr b="0" lang="en-US" sz="3200" spc="-1" strike="noStrike">
               <a:solidFill>
                 <a:srgbClr val="000000"/>
               </a:solidFill>
@@ -483,7 +490,7 @@
       </p:sp>
       <p:sp>
         <p:nvSpPr>
-          <p:cNvPr id="38" name="PlaceHolder 3"/>
+          <p:cNvPr id="37" name="PlaceHolder 3"/>
           <p:cNvSpPr>
             <a:spLocks noGrp="1"/>
           </p:cNvSpPr>
@@ -493,8 +500,8 @@
         </p:nvSpPr>
         <p:spPr>
           <a:xfrm>
-            <a:off x="729360" y="2079000"/>
-            <a:ext cx="7688520" cy="2260800"/>
+            <a:off x="457200" y="1203480"/>
+            <a:ext cx="8229240" cy="2982960"/>
           </a:xfrm>
           <a:prstGeom prst="rect">
             <a:avLst/>
@@ -503,7 +510,7 @@
         <p:txBody>
           <a:bodyPr lIns="0" rIns="0" tIns="0" bIns="0"/>
           <a:p>
-            <a:endParaRPr b="0" lang="en-US" sz="1400" spc="-1" strike="noStrike">
+            <a:endParaRPr b="0" lang="en-US" sz="3200" spc="-1" strike="noStrike">
               <a:solidFill>
                 <a:srgbClr val="000000"/>
               </a:solidFill>
@@ -519,7 +526,7 @@
       </p:sp>
       <p:pic>
         <p:nvPicPr>
-          <p:cNvPr id="39" name="" descr=""/>
+          <p:cNvPr id="38" name="" descr=""/>
           <p:cNvPicPr/>
           <p:nvPr/>
         </p:nvPicPr>
@@ -529,8 +536,8 @@
         </p:blipFill>
         <p:spPr>
           <a:xfrm>
-            <a:off x="3156120" y="2079000"/>
-            <a:ext cx="2834640" cy="2260800"/>
+            <a:off x="2702880" y="1203480"/>
+            <a:ext cx="3737520" cy="2982960"/>
           </a:xfrm>
           <a:prstGeom prst="rect">
             <a:avLst/>
@@ -542,7 +549,7 @@
       </p:pic>
       <p:pic>
         <p:nvPicPr>
-          <p:cNvPr id="40" name="" descr=""/>
+          <p:cNvPr id="39" name="" descr=""/>
           <p:cNvPicPr/>
           <p:nvPr/>
         </p:nvPicPr>
@@ -552,8 +559,8 @@
         </p:blipFill>
         <p:spPr>
           <a:xfrm>
-            <a:off x="3156120" y="2079000"/>
-            <a:ext cx="2834640" cy="2260800"/>
+            <a:off x="2702880" y="1203480"/>
+            <a:ext cx="3737520" cy="2982960"/>
           </a:xfrm>
           <a:prstGeom prst="rect">
             <a:avLst/>
@@ -609,7 +616,7 @@
       </p:grpSpPr>
       <p:sp>
         <p:nvSpPr>
-          <p:cNvPr id="48" name="PlaceHolder 1"/>
+          <p:cNvPr id="46" name="PlaceHolder 1"/>
           <p:cNvSpPr>
             <a:spLocks noGrp="1"/>
           </p:cNvSpPr>
@@ -619,8 +626,8 @@
         </p:nvSpPr>
         <p:spPr>
           <a:xfrm>
-            <a:off x="729360" y="1318680"/>
-            <a:ext cx="7688520" cy="534960"/>
+            <a:off x="457200" y="205200"/>
+            <a:ext cx="8229240" cy="858600"/>
           </a:xfrm>
           <a:prstGeom prst="rect">
             <a:avLst/>
@@ -629,7 +636,8 @@
         <p:txBody>
           <a:bodyPr lIns="0" rIns="0" tIns="0" bIns="0" anchor="ctr"/>
           <a:p>
-            <a:endParaRPr b="0" lang="en-US" sz="1400" spc="-1" strike="noStrike">
+            <a:pPr algn="ctr"/>
+            <a:endParaRPr b="0" lang="en-US" sz="4400" spc="-1" strike="noStrike">
               <a:solidFill>
                 <a:srgbClr val="000000"/>
               </a:solidFill>
@@ -645,7 +653,7 @@
       </p:sp>
       <p:sp>
         <p:nvSpPr>
-          <p:cNvPr id="49" name="PlaceHolder 2"/>
+          <p:cNvPr id="47" name="PlaceHolder 2"/>
           <p:cNvSpPr>
             <a:spLocks noGrp="1"/>
           </p:cNvSpPr>
@@ -655,8 +663,8 @@
         </p:nvSpPr>
         <p:spPr>
           <a:xfrm>
-            <a:off x="729360" y="2079000"/>
-            <a:ext cx="7688520" cy="2260800"/>
+            <a:off x="457200" y="1203480"/>
+            <a:ext cx="8229240" cy="2982960"/>
           </a:xfrm>
           <a:prstGeom prst="rect">
             <a:avLst/>
@@ -704,7 +712,7 @@
       </p:grpSpPr>
       <p:sp>
         <p:nvSpPr>
-          <p:cNvPr id="50" name="PlaceHolder 1"/>
+          <p:cNvPr id="48" name="PlaceHolder 1"/>
           <p:cNvSpPr>
             <a:spLocks noGrp="1"/>
           </p:cNvSpPr>
@@ -714,8 +722,8 @@
         </p:nvSpPr>
         <p:spPr>
           <a:xfrm>
-            <a:off x="729360" y="1318680"/>
-            <a:ext cx="7688520" cy="534960"/>
+            <a:off x="457200" y="205200"/>
+            <a:ext cx="8229240" cy="858600"/>
           </a:xfrm>
           <a:prstGeom prst="rect">
             <a:avLst/>
@@ -724,7 +732,8 @@
         <p:txBody>
           <a:bodyPr lIns="0" rIns="0" tIns="0" bIns="0" anchor="ctr"/>
           <a:p>
-            <a:endParaRPr b="0" lang="en-US" sz="1400" spc="-1" strike="noStrike">
+            <a:pPr algn="ctr"/>
+            <a:endParaRPr b="0" lang="en-US" sz="4400" spc="-1" strike="noStrike">
               <a:solidFill>
                 <a:srgbClr val="000000"/>
               </a:solidFill>
@@ -740,7 +749,7 @@
       </p:sp>
       <p:sp>
         <p:nvSpPr>
-          <p:cNvPr id="51" name="PlaceHolder 2"/>
+          <p:cNvPr id="49" name="PlaceHolder 2"/>
           <p:cNvSpPr>
             <a:spLocks noGrp="1"/>
           </p:cNvSpPr>
@@ -750,8 +759,8 @@
         </p:nvSpPr>
         <p:spPr>
           <a:xfrm>
-            <a:off x="729360" y="2079000"/>
-            <a:ext cx="7688520" cy="2260800"/>
+            <a:off x="457200" y="1203480"/>
+            <a:ext cx="8229240" cy="2982960"/>
           </a:xfrm>
           <a:prstGeom prst="rect">
             <a:avLst/>
@@ -760,7 +769,7 @@
         <p:txBody>
           <a:bodyPr lIns="0" rIns="0" tIns="0" bIns="0"/>
           <a:p>
-            <a:endParaRPr b="0" lang="en-US" sz="1400" spc="-1" strike="noStrike">
+            <a:endParaRPr b="0" lang="en-US" sz="3200" spc="-1" strike="noStrike">
               <a:solidFill>
                 <a:srgbClr val="000000"/>
               </a:solidFill>
@@ -798,7 +807,7 @@
       </p:grpSpPr>
       <p:sp>
         <p:nvSpPr>
-          <p:cNvPr id="52" name="PlaceHolder 1"/>
+          <p:cNvPr id="50" name="PlaceHolder 1"/>
           <p:cNvSpPr>
             <a:spLocks noGrp="1"/>
           </p:cNvSpPr>
@@ -808,8 +817,8 @@
         </p:nvSpPr>
         <p:spPr>
           <a:xfrm>
-            <a:off x="729360" y="1318680"/>
-            <a:ext cx="7688520" cy="534960"/>
+            <a:off x="457200" y="205200"/>
+            <a:ext cx="8229240" cy="858600"/>
           </a:xfrm>
           <a:prstGeom prst="rect">
             <a:avLst/>
@@ -818,7 +827,8 @@
         <p:txBody>
           <a:bodyPr lIns="0" rIns="0" tIns="0" bIns="0" anchor="ctr"/>
           <a:p>
-            <a:endParaRPr b="0" lang="en-US" sz="1400" spc="-1" strike="noStrike">
+            <a:pPr algn="ctr"/>
+            <a:endParaRPr b="0" lang="en-US" sz="4400" spc="-1" strike="noStrike">
               <a:solidFill>
                 <a:srgbClr val="000000"/>
               </a:solidFill>
@@ -834,7 +844,7 @@
       </p:sp>
       <p:sp>
         <p:nvSpPr>
-          <p:cNvPr id="53" name="PlaceHolder 2"/>
+          <p:cNvPr id="51" name="PlaceHolder 2"/>
           <p:cNvSpPr>
             <a:spLocks noGrp="1"/>
           </p:cNvSpPr>
@@ -844,8 +854,8 @@
         </p:nvSpPr>
         <p:spPr>
           <a:xfrm>
-            <a:off x="729360" y="2079000"/>
-            <a:ext cx="3751920" cy="2260800"/>
+            <a:off x="457200" y="1203480"/>
+            <a:ext cx="4015800" cy="2982960"/>
           </a:xfrm>
           <a:prstGeom prst="rect">
             <a:avLst/>
@@ -854,7 +864,7 @@
         <p:txBody>
           <a:bodyPr lIns="0" rIns="0" tIns="0" bIns="0"/>
           <a:p>
-            <a:endParaRPr b="0" lang="en-US" sz="1400" spc="-1" strike="noStrike">
+            <a:endParaRPr b="0" lang="en-US" sz="3200" spc="-1" strike="noStrike">
               <a:solidFill>
                 <a:srgbClr val="000000"/>
               </a:solidFill>
@@ -870,7 +880,7 @@
       </p:sp>
       <p:sp>
         <p:nvSpPr>
-          <p:cNvPr id="54" name="PlaceHolder 3"/>
+          <p:cNvPr id="52" name="PlaceHolder 3"/>
           <p:cNvSpPr>
             <a:spLocks noGrp="1"/>
           </p:cNvSpPr>
@@ -880,8 +890,8 @@
         </p:nvSpPr>
         <p:spPr>
           <a:xfrm>
-            <a:off x="4669200" y="2079000"/>
-            <a:ext cx="3751920" cy="2260800"/>
+            <a:off x="4674240" y="1203480"/>
+            <a:ext cx="4015800" cy="2982960"/>
           </a:xfrm>
           <a:prstGeom prst="rect">
             <a:avLst/>
@@ -890,7 +900,7 @@
         <p:txBody>
           <a:bodyPr lIns="0" rIns="0" tIns="0" bIns="0"/>
           <a:p>
-            <a:endParaRPr b="0" lang="en-US" sz="1400" spc="-1" strike="noStrike">
+            <a:endParaRPr b="0" lang="en-US" sz="3200" spc="-1" strike="noStrike">
               <a:solidFill>
                 <a:srgbClr val="000000"/>
               </a:solidFill>
@@ -928,7 +938,7 @@
       </p:grpSpPr>
       <p:sp>
         <p:nvSpPr>
-          <p:cNvPr id="55" name="PlaceHolder 1"/>
+          <p:cNvPr id="53" name="PlaceHolder 1"/>
           <p:cNvSpPr>
             <a:spLocks noGrp="1"/>
           </p:cNvSpPr>
@@ -938,8 +948,8 @@
         </p:nvSpPr>
         <p:spPr>
           <a:xfrm>
-            <a:off x="729360" y="1318680"/>
-            <a:ext cx="7688520" cy="534960"/>
+            <a:off x="457200" y="205200"/>
+            <a:ext cx="8229240" cy="858600"/>
           </a:xfrm>
           <a:prstGeom prst="rect">
             <a:avLst/>
@@ -948,7 +958,8 @@
         <p:txBody>
           <a:bodyPr lIns="0" rIns="0" tIns="0" bIns="0" anchor="ctr"/>
           <a:p>
-            <a:endParaRPr b="0" lang="en-US" sz="1400" spc="-1" strike="noStrike">
+            <a:pPr algn="ctr"/>
+            <a:endParaRPr b="0" lang="en-US" sz="4400" spc="-1" strike="noStrike">
               <a:solidFill>
                 <a:srgbClr val="000000"/>
               </a:solidFill>
@@ -986,7 +997,7 @@
       </p:grpSpPr>
       <p:sp>
         <p:nvSpPr>
-          <p:cNvPr id="56" name="PlaceHolder 1"/>
+          <p:cNvPr id="54" name="PlaceHolder 1"/>
           <p:cNvSpPr>
             <a:spLocks noGrp="1"/>
           </p:cNvSpPr>
@@ -996,8 +1007,8 @@
         </p:nvSpPr>
         <p:spPr>
           <a:xfrm>
-            <a:off x="729360" y="1318680"/>
-            <a:ext cx="7688520" cy="2481120"/>
+            <a:off x="457200" y="205200"/>
+            <a:ext cx="8229240" cy="3981240"/>
           </a:xfrm>
           <a:prstGeom prst="rect">
             <a:avLst/>
@@ -1045,7 +1056,7 @@
       </p:grpSpPr>
       <p:sp>
         <p:nvSpPr>
-          <p:cNvPr id="57" name="PlaceHolder 1"/>
+          <p:cNvPr id="55" name="PlaceHolder 1"/>
           <p:cNvSpPr>
             <a:spLocks noGrp="1"/>
           </p:cNvSpPr>
@@ -1055,8 +1066,8 @@
         </p:nvSpPr>
         <p:spPr>
           <a:xfrm>
-            <a:off x="729360" y="1318680"/>
-            <a:ext cx="7688520" cy="534960"/>
+            <a:off x="457200" y="205200"/>
+            <a:ext cx="8229240" cy="858600"/>
           </a:xfrm>
           <a:prstGeom prst="rect">
             <a:avLst/>
@@ -1065,7 +1076,8 @@
         <p:txBody>
           <a:bodyPr lIns="0" rIns="0" tIns="0" bIns="0" anchor="ctr"/>
           <a:p>
-            <a:endParaRPr b="0" lang="en-US" sz="1400" spc="-1" strike="noStrike">
+            <a:pPr algn="ctr"/>
+            <a:endParaRPr b="0" lang="en-US" sz="4400" spc="-1" strike="noStrike">
               <a:solidFill>
                 <a:srgbClr val="000000"/>
               </a:solidFill>
@@ -1081,7 +1093,7 @@
       </p:sp>
       <p:sp>
         <p:nvSpPr>
-          <p:cNvPr id="58" name="PlaceHolder 2"/>
+          <p:cNvPr id="56" name="PlaceHolder 2"/>
           <p:cNvSpPr>
             <a:spLocks noGrp="1"/>
           </p:cNvSpPr>
@@ -1091,8 +1103,8 @@
         </p:nvSpPr>
         <p:spPr>
           <a:xfrm>
-            <a:off x="729360" y="2079000"/>
-            <a:ext cx="3751920" cy="1078200"/>
+            <a:off x="457200" y="1203480"/>
+            <a:ext cx="4015800" cy="1422720"/>
           </a:xfrm>
           <a:prstGeom prst="rect">
             <a:avLst/>
@@ -1101,7 +1113,7 @@
         <p:txBody>
           <a:bodyPr lIns="0" rIns="0" tIns="0" bIns="0"/>
           <a:p>
-            <a:endParaRPr b="0" lang="en-US" sz="1400" spc="-1" strike="noStrike">
+            <a:endParaRPr b="0" lang="en-US" sz="3200" spc="-1" strike="noStrike">
               <a:solidFill>
                 <a:srgbClr val="000000"/>
               </a:solidFill>
@@ -1117,7 +1129,7 @@
       </p:sp>
       <p:sp>
         <p:nvSpPr>
-          <p:cNvPr id="59" name="PlaceHolder 3"/>
+          <p:cNvPr id="57" name="PlaceHolder 3"/>
           <p:cNvSpPr>
             <a:spLocks noGrp="1"/>
           </p:cNvSpPr>
@@ -1127,8 +1139,8 @@
         </p:nvSpPr>
         <p:spPr>
           <a:xfrm>
-            <a:off x="729360" y="3260160"/>
-            <a:ext cx="3751920" cy="1078200"/>
+            <a:off x="457200" y="2761920"/>
+            <a:ext cx="4015800" cy="1422720"/>
           </a:xfrm>
           <a:prstGeom prst="rect">
             <a:avLst/>
@@ -1137,7 +1149,7 @@
         <p:txBody>
           <a:bodyPr lIns="0" rIns="0" tIns="0" bIns="0"/>
           <a:p>
-            <a:endParaRPr b="0" lang="en-US" sz="1400" spc="-1" strike="noStrike">
+            <a:endParaRPr b="0" lang="en-US" sz="3200" spc="-1" strike="noStrike">
               <a:solidFill>
                 <a:srgbClr val="000000"/>
               </a:solidFill>
@@ -1153,7 +1165,7 @@
       </p:sp>
       <p:sp>
         <p:nvSpPr>
-          <p:cNvPr id="60" name="PlaceHolder 4"/>
+          <p:cNvPr id="58" name="PlaceHolder 4"/>
           <p:cNvSpPr>
             <a:spLocks noGrp="1"/>
           </p:cNvSpPr>
@@ -1163,8 +1175,8 @@
         </p:nvSpPr>
         <p:spPr>
           <a:xfrm>
-            <a:off x="4669200" y="2079000"/>
-            <a:ext cx="3751920" cy="2260800"/>
+            <a:off x="4674240" y="1203480"/>
+            <a:ext cx="4015800" cy="2982960"/>
           </a:xfrm>
           <a:prstGeom prst="rect">
             <a:avLst/>
@@ -1173,7 +1185,7 @@
         <p:txBody>
           <a:bodyPr lIns="0" rIns="0" tIns="0" bIns="0"/>
           <a:p>
-            <a:endParaRPr b="0" lang="en-US" sz="1400" spc="-1" strike="noStrike">
+            <a:endParaRPr b="0" lang="en-US" sz="3200" spc="-1" strike="noStrike">
               <a:solidFill>
                 <a:srgbClr val="000000"/>
               </a:solidFill>
@@ -1211,7 +1223,7 @@
       </p:grpSpPr>
       <p:sp>
         <p:nvSpPr>
-          <p:cNvPr id="7" name="PlaceHolder 1"/>
+          <p:cNvPr id="6" name="PlaceHolder 1"/>
           <p:cNvSpPr>
             <a:spLocks noGrp="1"/>
           </p:cNvSpPr>
@@ -1221,8 +1233,8 @@
         </p:nvSpPr>
         <p:spPr>
           <a:xfrm>
-            <a:off x="729360" y="1318680"/>
-            <a:ext cx="7688520" cy="534960"/>
+            <a:off x="457200" y="205200"/>
+            <a:ext cx="8229240" cy="858600"/>
           </a:xfrm>
           <a:prstGeom prst="rect">
             <a:avLst/>
@@ -1231,7 +1243,8 @@
         <p:txBody>
           <a:bodyPr lIns="0" rIns="0" tIns="0" bIns="0" anchor="ctr"/>
           <a:p>
-            <a:endParaRPr b="0" lang="en-US" sz="1400" spc="-1" strike="noStrike">
+            <a:pPr algn="ctr"/>
+            <a:endParaRPr b="0" lang="en-US" sz="4400" spc="-1" strike="noStrike">
               <a:solidFill>
                 <a:srgbClr val="000000"/>
               </a:solidFill>
@@ -1247,7 +1260,7 @@
       </p:sp>
       <p:sp>
         <p:nvSpPr>
-          <p:cNvPr id="8" name="PlaceHolder 2"/>
+          <p:cNvPr id="7" name="PlaceHolder 2"/>
           <p:cNvSpPr>
             <a:spLocks noGrp="1"/>
           </p:cNvSpPr>
@@ -1257,8 +1270,8 @@
         </p:nvSpPr>
         <p:spPr>
           <a:xfrm>
-            <a:off x="729360" y="2079000"/>
-            <a:ext cx="7688520" cy="2260800"/>
+            <a:off x="457200" y="1203480"/>
+            <a:ext cx="8229240" cy="2982960"/>
           </a:xfrm>
           <a:prstGeom prst="rect">
             <a:avLst/>
@@ -1306,7 +1319,7 @@
       </p:grpSpPr>
       <p:sp>
         <p:nvSpPr>
-          <p:cNvPr id="61" name="PlaceHolder 1"/>
+          <p:cNvPr id="59" name="PlaceHolder 1"/>
           <p:cNvSpPr>
             <a:spLocks noGrp="1"/>
           </p:cNvSpPr>
@@ -1316,8 +1329,8 @@
         </p:nvSpPr>
         <p:spPr>
           <a:xfrm>
-            <a:off x="729360" y="1318680"/>
-            <a:ext cx="7688520" cy="534960"/>
+            <a:off x="457200" y="205200"/>
+            <a:ext cx="8229240" cy="858600"/>
           </a:xfrm>
           <a:prstGeom prst="rect">
             <a:avLst/>
@@ -1326,7 +1339,8 @@
         <p:txBody>
           <a:bodyPr lIns="0" rIns="0" tIns="0" bIns="0" anchor="ctr"/>
           <a:p>
-            <a:endParaRPr b="0" lang="en-US" sz="1400" spc="-1" strike="noStrike">
+            <a:pPr algn="ctr"/>
+            <a:endParaRPr b="0" lang="en-US" sz="4400" spc="-1" strike="noStrike">
               <a:solidFill>
                 <a:srgbClr val="000000"/>
               </a:solidFill>
@@ -1342,7 +1356,7 @@
       </p:sp>
       <p:sp>
         <p:nvSpPr>
-          <p:cNvPr id="62" name="PlaceHolder 2"/>
+          <p:cNvPr id="60" name="PlaceHolder 2"/>
           <p:cNvSpPr>
             <a:spLocks noGrp="1"/>
           </p:cNvSpPr>
@@ -1352,8 +1366,8 @@
         </p:nvSpPr>
         <p:spPr>
           <a:xfrm>
-            <a:off x="729360" y="2079000"/>
-            <a:ext cx="3751920" cy="2260800"/>
+            <a:off x="457200" y="1203480"/>
+            <a:ext cx="4015800" cy="2982960"/>
           </a:xfrm>
           <a:prstGeom prst="rect">
             <a:avLst/>
@@ -1362,7 +1376,7 @@
         <p:txBody>
           <a:bodyPr lIns="0" rIns="0" tIns="0" bIns="0"/>
           <a:p>
-            <a:endParaRPr b="0" lang="en-US" sz="1400" spc="-1" strike="noStrike">
+            <a:endParaRPr b="0" lang="en-US" sz="3200" spc="-1" strike="noStrike">
               <a:solidFill>
                 <a:srgbClr val="000000"/>
               </a:solidFill>
@@ -1378,7 +1392,7 @@
       </p:sp>
       <p:sp>
         <p:nvSpPr>
-          <p:cNvPr id="63" name="PlaceHolder 3"/>
+          <p:cNvPr id="61" name="PlaceHolder 3"/>
           <p:cNvSpPr>
             <a:spLocks noGrp="1"/>
           </p:cNvSpPr>
@@ -1388,8 +1402,8 @@
         </p:nvSpPr>
         <p:spPr>
           <a:xfrm>
-            <a:off x="4669200" y="2079000"/>
-            <a:ext cx="3751920" cy="1078200"/>
+            <a:off x="4674240" y="1203480"/>
+            <a:ext cx="4015800" cy="1422720"/>
           </a:xfrm>
           <a:prstGeom prst="rect">
             <a:avLst/>
@@ -1398,7 +1412,7 @@
         <p:txBody>
           <a:bodyPr lIns="0" rIns="0" tIns="0" bIns="0"/>
           <a:p>
-            <a:endParaRPr b="0" lang="en-US" sz="1400" spc="-1" strike="noStrike">
+            <a:endParaRPr b="0" lang="en-US" sz="3200" spc="-1" strike="noStrike">
               <a:solidFill>
                 <a:srgbClr val="000000"/>
               </a:solidFill>
@@ -1414,7 +1428,7 @@
       </p:sp>
       <p:sp>
         <p:nvSpPr>
-          <p:cNvPr id="64" name="PlaceHolder 4"/>
+          <p:cNvPr id="62" name="PlaceHolder 4"/>
           <p:cNvSpPr>
             <a:spLocks noGrp="1"/>
           </p:cNvSpPr>
@@ -1424,8 +1438,8 @@
         </p:nvSpPr>
         <p:spPr>
           <a:xfrm>
-            <a:off x="4669200" y="3260160"/>
-            <a:ext cx="3751920" cy="1078200"/>
+            <a:off x="4674240" y="2761920"/>
+            <a:ext cx="4015800" cy="1422720"/>
           </a:xfrm>
           <a:prstGeom prst="rect">
             <a:avLst/>
@@ -1434,7 +1448,7 @@
         <p:txBody>
           <a:bodyPr lIns="0" rIns="0" tIns="0" bIns="0"/>
           <a:p>
-            <a:endParaRPr b="0" lang="en-US" sz="1400" spc="-1" strike="noStrike">
+            <a:endParaRPr b="0" lang="en-US" sz="3200" spc="-1" strike="noStrike">
               <a:solidFill>
                 <a:srgbClr val="000000"/>
               </a:solidFill>
@@ -1472,7 +1486,7 @@
       </p:grpSpPr>
       <p:sp>
         <p:nvSpPr>
-          <p:cNvPr id="65" name="PlaceHolder 1"/>
+          <p:cNvPr id="63" name="PlaceHolder 1"/>
           <p:cNvSpPr>
             <a:spLocks noGrp="1"/>
           </p:cNvSpPr>
@@ -1482,8 +1496,8 @@
         </p:nvSpPr>
         <p:spPr>
           <a:xfrm>
-            <a:off x="729360" y="1318680"/>
-            <a:ext cx="7688520" cy="534960"/>
+            <a:off x="457200" y="205200"/>
+            <a:ext cx="8229240" cy="858600"/>
           </a:xfrm>
           <a:prstGeom prst="rect">
             <a:avLst/>
@@ -1492,7 +1506,8 @@
         <p:txBody>
           <a:bodyPr lIns="0" rIns="0" tIns="0" bIns="0" anchor="ctr"/>
           <a:p>
-            <a:endParaRPr b="0" lang="en-US" sz="1400" spc="-1" strike="noStrike">
+            <a:pPr algn="ctr"/>
+            <a:endParaRPr b="0" lang="en-US" sz="4400" spc="-1" strike="noStrike">
               <a:solidFill>
                 <a:srgbClr val="000000"/>
               </a:solidFill>
@@ -1508,7 +1523,7 @@
       </p:sp>
       <p:sp>
         <p:nvSpPr>
-          <p:cNvPr id="66" name="PlaceHolder 2"/>
+          <p:cNvPr id="64" name="PlaceHolder 2"/>
           <p:cNvSpPr>
             <a:spLocks noGrp="1"/>
           </p:cNvSpPr>
@@ -1518,8 +1533,8 @@
         </p:nvSpPr>
         <p:spPr>
           <a:xfrm>
-            <a:off x="729360" y="2079000"/>
-            <a:ext cx="3751920" cy="1078200"/>
+            <a:off x="457200" y="1203480"/>
+            <a:ext cx="4015800" cy="1422720"/>
           </a:xfrm>
           <a:prstGeom prst="rect">
             <a:avLst/>
@@ -1528,7 +1543,7 @@
         <p:txBody>
           <a:bodyPr lIns="0" rIns="0" tIns="0" bIns="0"/>
           <a:p>
-            <a:endParaRPr b="0" lang="en-US" sz="1400" spc="-1" strike="noStrike">
+            <a:endParaRPr b="0" lang="en-US" sz="3200" spc="-1" strike="noStrike">
               <a:solidFill>
                 <a:srgbClr val="000000"/>
               </a:solidFill>
@@ -1544,7 +1559,7 @@
       </p:sp>
       <p:sp>
         <p:nvSpPr>
-          <p:cNvPr id="67" name="PlaceHolder 3"/>
+          <p:cNvPr id="65" name="PlaceHolder 3"/>
           <p:cNvSpPr>
             <a:spLocks noGrp="1"/>
           </p:cNvSpPr>
@@ -1554,8 +1569,8 @@
         </p:nvSpPr>
         <p:spPr>
           <a:xfrm>
-            <a:off x="4669200" y="2079000"/>
-            <a:ext cx="3751920" cy="1078200"/>
+            <a:off x="4674240" y="1203480"/>
+            <a:ext cx="4015800" cy="1422720"/>
           </a:xfrm>
           <a:prstGeom prst="rect">
             <a:avLst/>
@@ -1564,7 +1579,7 @@
         <p:txBody>
           <a:bodyPr lIns="0" rIns="0" tIns="0" bIns="0"/>
           <a:p>
-            <a:endParaRPr b="0" lang="en-US" sz="1400" spc="-1" strike="noStrike">
+            <a:endParaRPr b="0" lang="en-US" sz="3200" spc="-1" strike="noStrike">
               <a:solidFill>
                 <a:srgbClr val="000000"/>
               </a:solidFill>
@@ -1580,7 +1595,7 @@
       </p:sp>
       <p:sp>
         <p:nvSpPr>
-          <p:cNvPr id="68" name="PlaceHolder 4"/>
+          <p:cNvPr id="66" name="PlaceHolder 4"/>
           <p:cNvSpPr>
             <a:spLocks noGrp="1"/>
           </p:cNvSpPr>
@@ -1590,8 +1605,8 @@
         </p:nvSpPr>
         <p:spPr>
           <a:xfrm>
-            <a:off x="729360" y="3260160"/>
-            <a:ext cx="7688520" cy="1078200"/>
+            <a:off x="457200" y="2761920"/>
+            <a:ext cx="8229240" cy="1422720"/>
           </a:xfrm>
           <a:prstGeom prst="rect">
             <a:avLst/>
@@ -1600,7 +1615,7 @@
         <p:txBody>
           <a:bodyPr lIns="0" rIns="0" tIns="0" bIns="0"/>
           <a:p>
-            <a:endParaRPr b="0" lang="en-US" sz="1400" spc="-1" strike="noStrike">
+            <a:endParaRPr b="0" lang="en-US" sz="3200" spc="-1" strike="noStrike">
               <a:solidFill>
                 <a:srgbClr val="000000"/>
               </a:solidFill>
@@ -1638,7 +1653,7 @@
       </p:grpSpPr>
       <p:sp>
         <p:nvSpPr>
-          <p:cNvPr id="69" name="PlaceHolder 1"/>
+          <p:cNvPr id="67" name="PlaceHolder 1"/>
           <p:cNvSpPr>
             <a:spLocks noGrp="1"/>
           </p:cNvSpPr>
@@ -1648,8 +1663,8 @@
         </p:nvSpPr>
         <p:spPr>
           <a:xfrm>
-            <a:off x="729360" y="1318680"/>
-            <a:ext cx="7688520" cy="534960"/>
+            <a:off x="457200" y="205200"/>
+            <a:ext cx="8229240" cy="858600"/>
           </a:xfrm>
           <a:prstGeom prst="rect">
             <a:avLst/>
@@ -1658,7 +1673,8 @@
         <p:txBody>
           <a:bodyPr lIns="0" rIns="0" tIns="0" bIns="0" anchor="ctr"/>
           <a:p>
-            <a:endParaRPr b="0" lang="en-US" sz="1400" spc="-1" strike="noStrike">
+            <a:pPr algn="ctr"/>
+            <a:endParaRPr b="0" lang="en-US" sz="4400" spc="-1" strike="noStrike">
               <a:solidFill>
                 <a:srgbClr val="000000"/>
               </a:solidFill>
@@ -1674,7 +1690,7 @@
       </p:sp>
       <p:sp>
         <p:nvSpPr>
-          <p:cNvPr id="70" name="PlaceHolder 2"/>
+          <p:cNvPr id="68" name="PlaceHolder 2"/>
           <p:cNvSpPr>
             <a:spLocks noGrp="1"/>
           </p:cNvSpPr>
@@ -1684,8 +1700,8 @@
         </p:nvSpPr>
         <p:spPr>
           <a:xfrm>
-            <a:off x="729360" y="2079000"/>
-            <a:ext cx="7688520" cy="1078200"/>
+            <a:off x="457200" y="1203480"/>
+            <a:ext cx="8229240" cy="1422720"/>
           </a:xfrm>
           <a:prstGeom prst="rect">
             <a:avLst/>
@@ -1694,7 +1710,7 @@
         <p:txBody>
           <a:bodyPr lIns="0" rIns="0" tIns="0" bIns="0"/>
           <a:p>
-            <a:endParaRPr b="0" lang="en-US" sz="1400" spc="-1" strike="noStrike">
+            <a:endParaRPr b="0" lang="en-US" sz="3200" spc="-1" strike="noStrike">
               <a:solidFill>
                 <a:srgbClr val="000000"/>
               </a:solidFill>
@@ -1710,7 +1726,7 @@
       </p:sp>
       <p:sp>
         <p:nvSpPr>
-          <p:cNvPr id="71" name="PlaceHolder 3"/>
+          <p:cNvPr id="69" name="PlaceHolder 3"/>
           <p:cNvSpPr>
             <a:spLocks noGrp="1"/>
           </p:cNvSpPr>
@@ -1720,8 +1736,8 @@
         </p:nvSpPr>
         <p:spPr>
           <a:xfrm>
-            <a:off x="729360" y="3260160"/>
-            <a:ext cx="7688520" cy="1078200"/>
+            <a:off x="457200" y="2761920"/>
+            <a:ext cx="8229240" cy="1422720"/>
           </a:xfrm>
           <a:prstGeom prst="rect">
             <a:avLst/>
@@ -1730,7 +1746,7 @@
         <p:txBody>
           <a:bodyPr lIns="0" rIns="0" tIns="0" bIns="0"/>
           <a:p>
-            <a:endParaRPr b="0" lang="en-US" sz="1400" spc="-1" strike="noStrike">
+            <a:endParaRPr b="0" lang="en-US" sz="3200" spc="-1" strike="noStrike">
               <a:solidFill>
                 <a:srgbClr val="000000"/>
               </a:solidFill>
@@ -1768,7 +1784,7 @@
       </p:grpSpPr>
       <p:sp>
         <p:nvSpPr>
-          <p:cNvPr id="72" name="PlaceHolder 1"/>
+          <p:cNvPr id="70" name="PlaceHolder 1"/>
           <p:cNvSpPr>
             <a:spLocks noGrp="1"/>
           </p:cNvSpPr>
@@ -1778,8 +1794,8 @@
         </p:nvSpPr>
         <p:spPr>
           <a:xfrm>
-            <a:off x="729360" y="1318680"/>
-            <a:ext cx="7688520" cy="534960"/>
+            <a:off x="457200" y="205200"/>
+            <a:ext cx="8229240" cy="858600"/>
           </a:xfrm>
           <a:prstGeom prst="rect">
             <a:avLst/>
@@ -1788,7 +1804,8 @@
         <p:txBody>
           <a:bodyPr lIns="0" rIns="0" tIns="0" bIns="0" anchor="ctr"/>
           <a:p>
-            <a:endParaRPr b="0" lang="en-US" sz="1400" spc="-1" strike="noStrike">
+            <a:pPr algn="ctr"/>
+            <a:endParaRPr b="0" lang="en-US" sz="4400" spc="-1" strike="noStrike">
               <a:solidFill>
                 <a:srgbClr val="000000"/>
               </a:solidFill>
@@ -1804,7 +1821,7 @@
       </p:sp>
       <p:sp>
         <p:nvSpPr>
-          <p:cNvPr id="73" name="PlaceHolder 2"/>
+          <p:cNvPr id="71" name="PlaceHolder 2"/>
           <p:cNvSpPr>
             <a:spLocks noGrp="1"/>
           </p:cNvSpPr>
@@ -1814,8 +1831,8 @@
         </p:nvSpPr>
         <p:spPr>
           <a:xfrm>
-            <a:off x="729360" y="2079000"/>
-            <a:ext cx="3751920" cy="1078200"/>
+            <a:off x="457200" y="1203480"/>
+            <a:ext cx="4015800" cy="1422720"/>
           </a:xfrm>
           <a:prstGeom prst="rect">
             <a:avLst/>
@@ -1824,7 +1841,7 @@
         <p:txBody>
           <a:bodyPr lIns="0" rIns="0" tIns="0" bIns="0"/>
           <a:p>
-            <a:endParaRPr b="0" lang="en-US" sz="1400" spc="-1" strike="noStrike">
+            <a:endParaRPr b="0" lang="en-US" sz="3200" spc="-1" strike="noStrike">
               <a:solidFill>
                 <a:srgbClr val="000000"/>
               </a:solidFill>
@@ -1840,7 +1857,7 @@
       </p:sp>
       <p:sp>
         <p:nvSpPr>
-          <p:cNvPr id="74" name="PlaceHolder 3"/>
+          <p:cNvPr id="72" name="PlaceHolder 3"/>
           <p:cNvSpPr>
             <a:spLocks noGrp="1"/>
           </p:cNvSpPr>
@@ -1850,8 +1867,8 @@
         </p:nvSpPr>
         <p:spPr>
           <a:xfrm>
-            <a:off x="4669200" y="2079000"/>
-            <a:ext cx="3751920" cy="1078200"/>
+            <a:off x="4674240" y="1203480"/>
+            <a:ext cx="4015800" cy="1422720"/>
           </a:xfrm>
           <a:prstGeom prst="rect">
             <a:avLst/>
@@ -1860,7 +1877,7 @@
         <p:txBody>
           <a:bodyPr lIns="0" rIns="0" tIns="0" bIns="0"/>
           <a:p>
-            <a:endParaRPr b="0" lang="en-US" sz="1400" spc="-1" strike="noStrike">
+            <a:endParaRPr b="0" lang="en-US" sz="3200" spc="-1" strike="noStrike">
               <a:solidFill>
                 <a:srgbClr val="000000"/>
               </a:solidFill>
@@ -1876,7 +1893,7 @@
       </p:sp>
       <p:sp>
         <p:nvSpPr>
-          <p:cNvPr id="75" name="PlaceHolder 4"/>
+          <p:cNvPr id="73" name="PlaceHolder 4"/>
           <p:cNvSpPr>
             <a:spLocks noGrp="1"/>
           </p:cNvSpPr>
@@ -1886,8 +1903,8 @@
         </p:nvSpPr>
         <p:spPr>
           <a:xfrm>
-            <a:off x="4669200" y="3260160"/>
-            <a:ext cx="3751920" cy="1078200"/>
+            <a:off x="4674240" y="2761920"/>
+            <a:ext cx="4015800" cy="1422720"/>
           </a:xfrm>
           <a:prstGeom prst="rect">
             <a:avLst/>
@@ -1896,7 +1913,7 @@
         <p:txBody>
           <a:bodyPr lIns="0" rIns="0" tIns="0" bIns="0"/>
           <a:p>
-            <a:endParaRPr b="0" lang="en-US" sz="1400" spc="-1" strike="noStrike">
+            <a:endParaRPr b="0" lang="en-US" sz="3200" spc="-1" strike="noStrike">
               <a:solidFill>
                 <a:srgbClr val="000000"/>
               </a:solidFill>
@@ -1912,7 +1929,7 @@
       </p:sp>
       <p:sp>
         <p:nvSpPr>
-          <p:cNvPr id="76" name="PlaceHolder 5"/>
+          <p:cNvPr id="74" name="PlaceHolder 5"/>
           <p:cNvSpPr>
             <a:spLocks noGrp="1"/>
           </p:cNvSpPr>
@@ -1922,8 +1939,8 @@
         </p:nvSpPr>
         <p:spPr>
           <a:xfrm>
-            <a:off x="729360" y="3260160"/>
-            <a:ext cx="3751920" cy="1078200"/>
+            <a:off x="457200" y="2761920"/>
+            <a:ext cx="4015800" cy="1422720"/>
           </a:xfrm>
           <a:prstGeom prst="rect">
             <a:avLst/>
@@ -1932,7 +1949,7 @@
         <p:txBody>
           <a:bodyPr lIns="0" rIns="0" tIns="0" bIns="0"/>
           <a:p>
-            <a:endParaRPr b="0" lang="en-US" sz="1400" spc="-1" strike="noStrike">
+            <a:endParaRPr b="0" lang="en-US" sz="3200" spc="-1" strike="noStrike">
               <a:solidFill>
                 <a:srgbClr val="000000"/>
               </a:solidFill>
@@ -1970,7 +1987,7 @@
       </p:grpSpPr>
       <p:sp>
         <p:nvSpPr>
-          <p:cNvPr id="77" name="PlaceHolder 1"/>
+          <p:cNvPr id="75" name="PlaceHolder 1"/>
           <p:cNvSpPr>
             <a:spLocks noGrp="1"/>
           </p:cNvSpPr>
@@ -1980,8 +1997,8 @@
         </p:nvSpPr>
         <p:spPr>
           <a:xfrm>
-            <a:off x="729360" y="1318680"/>
-            <a:ext cx="7688520" cy="534960"/>
+            <a:off x="457200" y="205200"/>
+            <a:ext cx="8229240" cy="858600"/>
           </a:xfrm>
           <a:prstGeom prst="rect">
             <a:avLst/>
@@ -1990,7 +2007,8 @@
         <p:txBody>
           <a:bodyPr lIns="0" rIns="0" tIns="0" bIns="0" anchor="ctr"/>
           <a:p>
-            <a:endParaRPr b="0" lang="en-US" sz="1400" spc="-1" strike="noStrike">
+            <a:pPr algn="ctr"/>
+            <a:endParaRPr b="0" lang="en-US" sz="4400" spc="-1" strike="noStrike">
               <a:solidFill>
                 <a:srgbClr val="000000"/>
               </a:solidFill>
@@ -2006,7 +2024,7 @@
       </p:sp>
       <p:sp>
         <p:nvSpPr>
-          <p:cNvPr id="78" name="PlaceHolder 2"/>
+          <p:cNvPr id="76" name="PlaceHolder 2"/>
           <p:cNvSpPr>
             <a:spLocks noGrp="1"/>
           </p:cNvSpPr>
@@ -2016,8 +2034,8 @@
         </p:nvSpPr>
         <p:spPr>
           <a:xfrm>
-            <a:off x="729360" y="2079000"/>
-            <a:ext cx="7688520" cy="2260800"/>
+            <a:off x="457200" y="1203480"/>
+            <a:ext cx="8229240" cy="2982960"/>
           </a:xfrm>
           <a:prstGeom prst="rect">
             <a:avLst/>
@@ -2026,7 +2044,7 @@
         <p:txBody>
           <a:bodyPr lIns="0" rIns="0" tIns="0" bIns="0"/>
           <a:p>
-            <a:endParaRPr b="0" lang="en-US" sz="1400" spc="-1" strike="noStrike">
+            <a:endParaRPr b="0" lang="en-US" sz="3200" spc="-1" strike="noStrike">
               <a:solidFill>
                 <a:srgbClr val="000000"/>
               </a:solidFill>
@@ -2042,7 +2060,7 @@
       </p:sp>
       <p:sp>
         <p:nvSpPr>
-          <p:cNvPr id="79" name="PlaceHolder 3"/>
+          <p:cNvPr id="77" name="PlaceHolder 3"/>
           <p:cNvSpPr>
             <a:spLocks noGrp="1"/>
           </p:cNvSpPr>
@@ -2052,8 +2070,8 @@
         </p:nvSpPr>
         <p:spPr>
           <a:xfrm>
-            <a:off x="729360" y="2079000"/>
-            <a:ext cx="7688520" cy="2260800"/>
+            <a:off x="457200" y="1203480"/>
+            <a:ext cx="8229240" cy="2982960"/>
           </a:xfrm>
           <a:prstGeom prst="rect">
             <a:avLst/>
@@ -2062,7 +2080,7 @@
         <p:txBody>
           <a:bodyPr lIns="0" rIns="0" tIns="0" bIns="0"/>
           <a:p>
-            <a:endParaRPr b="0" lang="en-US" sz="1400" spc="-1" strike="noStrike">
+            <a:endParaRPr b="0" lang="en-US" sz="3200" spc="-1" strike="noStrike">
               <a:solidFill>
                 <a:srgbClr val="000000"/>
               </a:solidFill>
@@ -2078,7 +2096,7 @@
       </p:sp>
       <p:pic>
         <p:nvPicPr>
-          <p:cNvPr id="80" name="" descr=""/>
+          <p:cNvPr id="78" name="" descr=""/>
           <p:cNvPicPr/>
           <p:nvPr/>
         </p:nvPicPr>
@@ -2088,8 +2106,8 @@
         </p:blipFill>
         <p:spPr>
           <a:xfrm>
-            <a:off x="3156120" y="2079000"/>
-            <a:ext cx="2834640" cy="2260800"/>
+            <a:off x="2702880" y="1203480"/>
+            <a:ext cx="3737520" cy="2982960"/>
           </a:xfrm>
           <a:prstGeom prst="rect">
             <a:avLst/>
@@ -2101,7 +2119,7 @@
       </p:pic>
       <p:pic>
         <p:nvPicPr>
-          <p:cNvPr id="81" name="" descr=""/>
+          <p:cNvPr id="79" name="" descr=""/>
           <p:cNvPicPr/>
           <p:nvPr/>
         </p:nvPicPr>
@@ -2111,8 +2129,8 @@
         </p:blipFill>
         <p:spPr>
           <a:xfrm>
-            <a:off x="3156120" y="2079000"/>
-            <a:ext cx="2834640" cy="2260800"/>
+            <a:off x="2702880" y="1203480"/>
+            <a:ext cx="3737520" cy="2982960"/>
           </a:xfrm>
           <a:prstGeom prst="rect">
             <a:avLst/>
@@ -2146,7 +2164,7 @@
       </p:grpSpPr>
       <p:sp>
         <p:nvSpPr>
-          <p:cNvPr id="9" name="PlaceHolder 1"/>
+          <p:cNvPr id="8" name="PlaceHolder 1"/>
           <p:cNvSpPr>
             <a:spLocks noGrp="1"/>
           </p:cNvSpPr>
@@ -2156,8 +2174,8 @@
         </p:nvSpPr>
         <p:spPr>
           <a:xfrm>
-            <a:off x="729360" y="1318680"/>
-            <a:ext cx="7688520" cy="534960"/>
+            <a:off x="457200" y="205200"/>
+            <a:ext cx="8229240" cy="858600"/>
           </a:xfrm>
           <a:prstGeom prst="rect">
             <a:avLst/>
@@ -2166,7 +2184,8 @@
         <p:txBody>
           <a:bodyPr lIns="0" rIns="0" tIns="0" bIns="0" anchor="ctr"/>
           <a:p>
-            <a:endParaRPr b="0" lang="en-US" sz="1400" spc="-1" strike="noStrike">
+            <a:pPr algn="ctr"/>
+            <a:endParaRPr b="0" lang="en-US" sz="4400" spc="-1" strike="noStrike">
               <a:solidFill>
                 <a:srgbClr val="000000"/>
               </a:solidFill>
@@ -2182,7 +2201,7 @@
       </p:sp>
       <p:sp>
         <p:nvSpPr>
-          <p:cNvPr id="10" name="PlaceHolder 2"/>
+          <p:cNvPr id="9" name="PlaceHolder 2"/>
           <p:cNvSpPr>
             <a:spLocks noGrp="1"/>
           </p:cNvSpPr>
@@ -2192,8 +2211,8 @@
         </p:nvSpPr>
         <p:spPr>
           <a:xfrm>
-            <a:off x="729360" y="2079000"/>
-            <a:ext cx="7688520" cy="2260800"/>
+            <a:off x="457200" y="1203480"/>
+            <a:ext cx="8229240" cy="2982960"/>
           </a:xfrm>
           <a:prstGeom prst="rect">
             <a:avLst/>
@@ -2202,7 +2221,7 @@
         <p:txBody>
           <a:bodyPr lIns="0" rIns="0" tIns="0" bIns="0"/>
           <a:p>
-            <a:endParaRPr b="0" lang="en-US" sz="1400" spc="-1" strike="noStrike">
+            <a:endParaRPr b="0" lang="en-US" sz="3200" spc="-1" strike="noStrike">
               <a:solidFill>
                 <a:srgbClr val="000000"/>
               </a:solidFill>
@@ -2240,7 +2259,7 @@
       </p:grpSpPr>
       <p:sp>
         <p:nvSpPr>
-          <p:cNvPr id="11" name="PlaceHolder 1"/>
+          <p:cNvPr id="10" name="PlaceHolder 1"/>
           <p:cNvSpPr>
             <a:spLocks noGrp="1"/>
           </p:cNvSpPr>
@@ -2250,8 +2269,8 @@
         </p:nvSpPr>
         <p:spPr>
           <a:xfrm>
-            <a:off x="729360" y="1318680"/>
-            <a:ext cx="7688520" cy="534960"/>
+            <a:off x="457200" y="205200"/>
+            <a:ext cx="8229240" cy="858600"/>
           </a:xfrm>
           <a:prstGeom prst="rect">
             <a:avLst/>
@@ -2260,7 +2279,8 @@
         <p:txBody>
           <a:bodyPr lIns="0" rIns="0" tIns="0" bIns="0" anchor="ctr"/>
           <a:p>
-            <a:endParaRPr b="0" lang="en-US" sz="1400" spc="-1" strike="noStrike">
+            <a:pPr algn="ctr"/>
+            <a:endParaRPr b="0" lang="en-US" sz="4400" spc="-1" strike="noStrike">
               <a:solidFill>
                 <a:srgbClr val="000000"/>
               </a:solidFill>
@@ -2276,7 +2296,7 @@
       </p:sp>
       <p:sp>
         <p:nvSpPr>
-          <p:cNvPr id="12" name="PlaceHolder 2"/>
+          <p:cNvPr id="11" name="PlaceHolder 2"/>
           <p:cNvSpPr>
             <a:spLocks noGrp="1"/>
           </p:cNvSpPr>
@@ -2286,8 +2306,8 @@
         </p:nvSpPr>
         <p:spPr>
           <a:xfrm>
-            <a:off x="729360" y="2079000"/>
-            <a:ext cx="3751920" cy="2260800"/>
+            <a:off x="457200" y="1203480"/>
+            <a:ext cx="4015800" cy="2982960"/>
           </a:xfrm>
           <a:prstGeom prst="rect">
             <a:avLst/>
@@ -2296,7 +2316,7 @@
         <p:txBody>
           <a:bodyPr lIns="0" rIns="0" tIns="0" bIns="0"/>
           <a:p>
-            <a:endParaRPr b="0" lang="en-US" sz="1400" spc="-1" strike="noStrike">
+            <a:endParaRPr b="0" lang="en-US" sz="3200" spc="-1" strike="noStrike">
               <a:solidFill>
                 <a:srgbClr val="000000"/>
               </a:solidFill>
@@ -2312,7 +2332,7 @@
       </p:sp>
       <p:sp>
         <p:nvSpPr>
-          <p:cNvPr id="13" name="PlaceHolder 3"/>
+          <p:cNvPr id="12" name="PlaceHolder 3"/>
           <p:cNvSpPr>
             <a:spLocks noGrp="1"/>
           </p:cNvSpPr>
@@ -2322,8 +2342,8 @@
         </p:nvSpPr>
         <p:spPr>
           <a:xfrm>
-            <a:off x="4669200" y="2079000"/>
-            <a:ext cx="3751920" cy="2260800"/>
+            <a:off x="4674240" y="1203480"/>
+            <a:ext cx="4015800" cy="2982960"/>
           </a:xfrm>
           <a:prstGeom prst="rect">
             <a:avLst/>
@@ -2332,7 +2352,7 @@
         <p:txBody>
           <a:bodyPr lIns="0" rIns="0" tIns="0" bIns="0"/>
           <a:p>
-            <a:endParaRPr b="0" lang="en-US" sz="1400" spc="-1" strike="noStrike">
+            <a:endParaRPr b="0" lang="en-US" sz="3200" spc="-1" strike="noStrike">
               <a:solidFill>
                 <a:srgbClr val="000000"/>
               </a:solidFill>
@@ -2370,7 +2390,7 @@
       </p:grpSpPr>
       <p:sp>
         <p:nvSpPr>
-          <p:cNvPr id="14" name="PlaceHolder 1"/>
+          <p:cNvPr id="13" name="PlaceHolder 1"/>
           <p:cNvSpPr>
             <a:spLocks noGrp="1"/>
           </p:cNvSpPr>
@@ -2380,8 +2400,8 @@
         </p:nvSpPr>
         <p:spPr>
           <a:xfrm>
-            <a:off x="729360" y="1318680"/>
-            <a:ext cx="7688520" cy="534960"/>
+            <a:off x="457200" y="205200"/>
+            <a:ext cx="8229240" cy="858600"/>
           </a:xfrm>
           <a:prstGeom prst="rect">
             <a:avLst/>
@@ -2390,7 +2410,8 @@
         <p:txBody>
           <a:bodyPr lIns="0" rIns="0" tIns="0" bIns="0" anchor="ctr"/>
           <a:p>
-            <a:endParaRPr b="0" lang="en-US" sz="1400" spc="-1" strike="noStrike">
+            <a:pPr algn="ctr"/>
+            <a:endParaRPr b="0" lang="en-US" sz="4400" spc="-1" strike="noStrike">
               <a:solidFill>
                 <a:srgbClr val="000000"/>
               </a:solidFill>
@@ -2428,7 +2449,7 @@
       </p:grpSpPr>
       <p:sp>
         <p:nvSpPr>
-          <p:cNvPr id="15" name="PlaceHolder 1"/>
+          <p:cNvPr id="14" name="PlaceHolder 1"/>
           <p:cNvSpPr>
             <a:spLocks noGrp="1"/>
           </p:cNvSpPr>
@@ -2438,8 +2459,8 @@
         </p:nvSpPr>
         <p:spPr>
           <a:xfrm>
-            <a:off x="729360" y="1318680"/>
-            <a:ext cx="7688520" cy="2481120"/>
+            <a:off x="457200" y="205200"/>
+            <a:ext cx="8229240" cy="3981240"/>
           </a:xfrm>
           <a:prstGeom prst="rect">
             <a:avLst/>
@@ -2487,7 +2508,7 @@
       </p:grpSpPr>
       <p:sp>
         <p:nvSpPr>
-          <p:cNvPr id="16" name="PlaceHolder 1"/>
+          <p:cNvPr id="15" name="PlaceHolder 1"/>
           <p:cNvSpPr>
             <a:spLocks noGrp="1"/>
           </p:cNvSpPr>
@@ -2497,8 +2518,8 @@
         </p:nvSpPr>
         <p:spPr>
           <a:xfrm>
-            <a:off x="729360" y="1318680"/>
-            <a:ext cx="7688520" cy="534960"/>
+            <a:off x="457200" y="205200"/>
+            <a:ext cx="8229240" cy="858600"/>
           </a:xfrm>
           <a:prstGeom prst="rect">
             <a:avLst/>
@@ -2507,7 +2528,8 @@
         <p:txBody>
           <a:bodyPr lIns="0" rIns="0" tIns="0" bIns="0" anchor="ctr"/>
           <a:p>
-            <a:endParaRPr b="0" lang="en-US" sz="1400" spc="-1" strike="noStrike">
+            <a:pPr algn="ctr"/>
+            <a:endParaRPr b="0" lang="en-US" sz="4400" spc="-1" strike="noStrike">
               <a:solidFill>
                 <a:srgbClr val="000000"/>
               </a:solidFill>
@@ -2523,7 +2545,7 @@
       </p:sp>
       <p:sp>
         <p:nvSpPr>
-          <p:cNvPr id="17" name="PlaceHolder 2"/>
+          <p:cNvPr id="16" name="PlaceHolder 2"/>
           <p:cNvSpPr>
             <a:spLocks noGrp="1"/>
           </p:cNvSpPr>
@@ -2533,8 +2555,8 @@
         </p:nvSpPr>
         <p:spPr>
           <a:xfrm>
-            <a:off x="729360" y="2079000"/>
-            <a:ext cx="3751920" cy="1078200"/>
+            <a:off x="457200" y="1203480"/>
+            <a:ext cx="4015800" cy="1422720"/>
           </a:xfrm>
           <a:prstGeom prst="rect">
             <a:avLst/>
@@ -2543,7 +2565,7 @@
         <p:txBody>
           <a:bodyPr lIns="0" rIns="0" tIns="0" bIns="0"/>
           <a:p>
-            <a:endParaRPr b="0" lang="en-US" sz="1400" spc="-1" strike="noStrike">
+            <a:endParaRPr b="0" lang="en-US" sz="3200" spc="-1" strike="noStrike">
               <a:solidFill>
                 <a:srgbClr val="000000"/>
               </a:solidFill>
@@ -2559,7 +2581,7 @@
       </p:sp>
       <p:sp>
         <p:nvSpPr>
-          <p:cNvPr id="18" name="PlaceHolder 3"/>
+          <p:cNvPr id="17" name="PlaceHolder 3"/>
           <p:cNvSpPr>
             <a:spLocks noGrp="1"/>
           </p:cNvSpPr>
@@ -2569,8 +2591,8 @@
         </p:nvSpPr>
         <p:spPr>
           <a:xfrm>
-            <a:off x="729360" y="3260160"/>
-            <a:ext cx="3751920" cy="1078200"/>
+            <a:off x="457200" y="2761920"/>
+            <a:ext cx="4015800" cy="1422720"/>
           </a:xfrm>
           <a:prstGeom prst="rect">
             <a:avLst/>
@@ -2579,7 +2601,7 @@
         <p:txBody>
           <a:bodyPr lIns="0" rIns="0" tIns="0" bIns="0"/>
           <a:p>
-            <a:endParaRPr b="0" lang="en-US" sz="1400" spc="-1" strike="noStrike">
+            <a:endParaRPr b="0" lang="en-US" sz="3200" spc="-1" strike="noStrike">
               <a:solidFill>
                 <a:srgbClr val="000000"/>
               </a:solidFill>
@@ -2595,7 +2617,7 @@
       </p:sp>
       <p:sp>
         <p:nvSpPr>
-          <p:cNvPr id="19" name="PlaceHolder 4"/>
+          <p:cNvPr id="18" name="PlaceHolder 4"/>
           <p:cNvSpPr>
             <a:spLocks noGrp="1"/>
           </p:cNvSpPr>
@@ -2605,8 +2627,8 @@
         </p:nvSpPr>
         <p:spPr>
           <a:xfrm>
-            <a:off x="4669200" y="2079000"/>
-            <a:ext cx="3751920" cy="2260800"/>
+            <a:off x="4674240" y="1203480"/>
+            <a:ext cx="4015800" cy="2982960"/>
           </a:xfrm>
           <a:prstGeom prst="rect">
             <a:avLst/>
@@ -2615,7 +2637,7 @@
         <p:txBody>
           <a:bodyPr lIns="0" rIns="0" tIns="0" bIns="0"/>
           <a:p>
-            <a:endParaRPr b="0" lang="en-US" sz="1400" spc="-1" strike="noStrike">
+            <a:endParaRPr b="0" lang="en-US" sz="3200" spc="-1" strike="noStrike">
               <a:solidFill>
                 <a:srgbClr val="000000"/>
               </a:solidFill>
@@ -2653,7 +2675,7 @@
       </p:grpSpPr>
       <p:sp>
         <p:nvSpPr>
-          <p:cNvPr id="20" name="PlaceHolder 1"/>
+          <p:cNvPr id="19" name="PlaceHolder 1"/>
           <p:cNvSpPr>
             <a:spLocks noGrp="1"/>
           </p:cNvSpPr>
@@ -2663,8 +2685,8 @@
         </p:nvSpPr>
         <p:spPr>
           <a:xfrm>
-            <a:off x="729360" y="1318680"/>
-            <a:ext cx="7688520" cy="534960"/>
+            <a:off x="457200" y="205200"/>
+            <a:ext cx="8229240" cy="858600"/>
           </a:xfrm>
           <a:prstGeom prst="rect">
             <a:avLst/>
@@ -2673,7 +2695,8 @@
         <p:txBody>
           <a:bodyPr lIns="0" rIns="0" tIns="0" bIns="0" anchor="ctr"/>
           <a:p>
-            <a:endParaRPr b="0" lang="en-US" sz="1400" spc="-1" strike="noStrike">
+            <a:pPr algn="ctr"/>
+            <a:endParaRPr b="0" lang="en-US" sz="4400" spc="-1" strike="noStrike">
               <a:solidFill>
                 <a:srgbClr val="000000"/>
               </a:solidFill>
@@ -2689,7 +2712,7 @@
       </p:sp>
       <p:sp>
         <p:nvSpPr>
-          <p:cNvPr id="21" name="PlaceHolder 2"/>
+          <p:cNvPr id="20" name="PlaceHolder 2"/>
           <p:cNvSpPr>
             <a:spLocks noGrp="1"/>
           </p:cNvSpPr>
@@ -2699,8 +2722,8 @@
         </p:nvSpPr>
         <p:spPr>
           <a:xfrm>
-            <a:off x="729360" y="2079000"/>
-            <a:ext cx="3751920" cy="2260800"/>
+            <a:off x="457200" y="1203480"/>
+            <a:ext cx="4015800" cy="2982960"/>
           </a:xfrm>
           <a:prstGeom prst="rect">
             <a:avLst/>
@@ -2709,7 +2732,7 @@
         <p:txBody>
           <a:bodyPr lIns="0" rIns="0" tIns="0" bIns="0"/>
           <a:p>
-            <a:endParaRPr b="0" lang="en-US" sz="1400" spc="-1" strike="noStrike">
+            <a:endParaRPr b="0" lang="en-US" sz="3200" spc="-1" strike="noStrike">
               <a:solidFill>
                 <a:srgbClr val="000000"/>
               </a:solidFill>
@@ -2725,7 +2748,7 @@
       </p:sp>
       <p:sp>
         <p:nvSpPr>
-          <p:cNvPr id="22" name="PlaceHolder 3"/>
+          <p:cNvPr id="21" name="PlaceHolder 3"/>
           <p:cNvSpPr>
             <a:spLocks noGrp="1"/>
           </p:cNvSpPr>
@@ -2735,8 +2758,8 @@
         </p:nvSpPr>
         <p:spPr>
           <a:xfrm>
-            <a:off x="4669200" y="2079000"/>
-            <a:ext cx="3751920" cy="1078200"/>
+            <a:off x="4674240" y="1203480"/>
+            <a:ext cx="4015800" cy="1422720"/>
           </a:xfrm>
           <a:prstGeom prst="rect">
             <a:avLst/>
@@ -2745,7 +2768,7 @@
         <p:txBody>
           <a:bodyPr lIns="0" rIns="0" tIns="0" bIns="0"/>
           <a:p>
-            <a:endParaRPr b="0" lang="en-US" sz="1400" spc="-1" strike="noStrike">
+            <a:endParaRPr b="0" lang="en-US" sz="3200" spc="-1" strike="noStrike">
               <a:solidFill>
                 <a:srgbClr val="000000"/>
               </a:solidFill>
@@ -2761,7 +2784,7 @@
       </p:sp>
       <p:sp>
         <p:nvSpPr>
-          <p:cNvPr id="23" name="PlaceHolder 4"/>
+          <p:cNvPr id="22" name="PlaceHolder 4"/>
           <p:cNvSpPr>
             <a:spLocks noGrp="1"/>
           </p:cNvSpPr>
@@ -2771,8 +2794,8 @@
         </p:nvSpPr>
         <p:spPr>
           <a:xfrm>
-            <a:off x="4669200" y="3260160"/>
-            <a:ext cx="3751920" cy="1078200"/>
+            <a:off x="4674240" y="2761920"/>
+            <a:ext cx="4015800" cy="1422720"/>
           </a:xfrm>
           <a:prstGeom prst="rect">
             <a:avLst/>
@@ -2781,7 +2804,7 @@
         <p:txBody>
           <a:bodyPr lIns="0" rIns="0" tIns="0" bIns="0"/>
           <a:p>
-            <a:endParaRPr b="0" lang="en-US" sz="1400" spc="-1" strike="noStrike">
+            <a:endParaRPr b="0" lang="en-US" sz="3200" spc="-1" strike="noStrike">
               <a:solidFill>
                 <a:srgbClr val="000000"/>
               </a:solidFill>
@@ -2819,7 +2842,7 @@
       </p:grpSpPr>
       <p:sp>
         <p:nvSpPr>
-          <p:cNvPr id="24" name="PlaceHolder 1"/>
+          <p:cNvPr id="23" name="PlaceHolder 1"/>
           <p:cNvSpPr>
             <a:spLocks noGrp="1"/>
           </p:cNvSpPr>
@@ -2829,8 +2852,8 @@
         </p:nvSpPr>
         <p:spPr>
           <a:xfrm>
-            <a:off x="729360" y="1318680"/>
-            <a:ext cx="7688520" cy="534960"/>
+            <a:off x="457200" y="205200"/>
+            <a:ext cx="8229240" cy="858600"/>
           </a:xfrm>
           <a:prstGeom prst="rect">
             <a:avLst/>
@@ -2839,7 +2862,8 @@
         <p:txBody>
           <a:bodyPr lIns="0" rIns="0" tIns="0" bIns="0" anchor="ctr"/>
           <a:p>
-            <a:endParaRPr b="0" lang="en-US" sz="1400" spc="-1" strike="noStrike">
+            <a:pPr algn="ctr"/>
+            <a:endParaRPr b="0" lang="en-US" sz="4400" spc="-1" strike="noStrike">
               <a:solidFill>
                 <a:srgbClr val="000000"/>
               </a:solidFill>
@@ -2855,7 +2879,7 @@
       </p:sp>
       <p:sp>
         <p:nvSpPr>
-          <p:cNvPr id="25" name="PlaceHolder 2"/>
+          <p:cNvPr id="24" name="PlaceHolder 2"/>
           <p:cNvSpPr>
             <a:spLocks noGrp="1"/>
           </p:cNvSpPr>
@@ -2865,8 +2889,8 @@
         </p:nvSpPr>
         <p:spPr>
           <a:xfrm>
-            <a:off x="729360" y="2079000"/>
-            <a:ext cx="3751920" cy="1078200"/>
+            <a:off x="457200" y="1203480"/>
+            <a:ext cx="4015800" cy="1422720"/>
           </a:xfrm>
           <a:prstGeom prst="rect">
             <a:avLst/>
@@ -2875,7 +2899,7 @@
         <p:txBody>
           <a:bodyPr lIns="0" rIns="0" tIns="0" bIns="0"/>
           <a:p>
-            <a:endParaRPr b="0" lang="en-US" sz="1400" spc="-1" strike="noStrike">
+            <a:endParaRPr b="0" lang="en-US" sz="3200" spc="-1" strike="noStrike">
               <a:solidFill>
                 <a:srgbClr val="000000"/>
               </a:solidFill>
@@ -2891,7 +2915,7 @@
       </p:sp>
       <p:sp>
         <p:nvSpPr>
-          <p:cNvPr id="26" name="PlaceHolder 3"/>
+          <p:cNvPr id="25" name="PlaceHolder 3"/>
           <p:cNvSpPr>
             <a:spLocks noGrp="1"/>
           </p:cNvSpPr>
@@ -2901,8 +2925,8 @@
         </p:nvSpPr>
         <p:spPr>
           <a:xfrm>
-            <a:off x="4669200" y="2079000"/>
-            <a:ext cx="3751920" cy="1078200"/>
+            <a:off x="4674240" y="1203480"/>
+            <a:ext cx="4015800" cy="1422720"/>
           </a:xfrm>
           <a:prstGeom prst="rect">
             <a:avLst/>
@@ -2911,7 +2935,7 @@
         <p:txBody>
           <a:bodyPr lIns="0" rIns="0" tIns="0" bIns="0"/>
           <a:p>
-            <a:endParaRPr b="0" lang="en-US" sz="1400" spc="-1" strike="noStrike">
+            <a:endParaRPr b="0" lang="en-US" sz="3200" spc="-1" strike="noStrike">
               <a:solidFill>
                 <a:srgbClr val="000000"/>
               </a:solidFill>
@@ -2927,7 +2951,7 @@
       </p:sp>
       <p:sp>
         <p:nvSpPr>
-          <p:cNvPr id="27" name="PlaceHolder 4"/>
+          <p:cNvPr id="26" name="PlaceHolder 4"/>
           <p:cNvSpPr>
             <a:spLocks noGrp="1"/>
           </p:cNvSpPr>
@@ -2937,8 +2961,8 @@
         </p:nvSpPr>
         <p:spPr>
           <a:xfrm>
-            <a:off x="729360" y="3260160"/>
-            <a:ext cx="7688520" cy="1078200"/>
+            <a:off x="457200" y="2761920"/>
+            <a:ext cx="8229240" cy="1422720"/>
           </a:xfrm>
           <a:prstGeom prst="rect">
             <a:avLst/>
@@ -2947,7 +2971,7 @@
         <p:txBody>
           <a:bodyPr lIns="0" rIns="0" tIns="0" bIns="0"/>
           <a:p>
-            <a:endParaRPr b="0" lang="en-US" sz="1400" spc="-1" strike="noStrike">
+            <a:endParaRPr b="0" lang="en-US" sz="3200" spc="-1" strike="noStrike">
               <a:solidFill>
                 <a:srgbClr val="000000"/>
               </a:solidFill>
@@ -2999,7 +3023,7 @@
         <p:spPr>
           <a:xfrm>
             <a:off x="0" y="0"/>
-            <a:ext cx="9143640" cy="487440"/>
+            <a:ext cx="9142920" cy="486720"/>
           </a:xfrm>
           <a:prstGeom prst="rect">
             <a:avLst/>
@@ -3026,8 +3050,8 @@
         </p:nvSpPr>
         <p:spPr>
           <a:xfrm rot="16200000">
-            <a:off x="1366560" y="1027800"/>
-            <a:ext cx="45360" cy="372600"/>
+            <a:off x="1366560" y="1028520"/>
+            <a:ext cx="44640" cy="371880"/>
           </a:xfrm>
           <a:prstGeom prst="rect">
             <a:avLst/>
@@ -3054,8 +3078,8 @@
         </p:nvSpPr>
         <p:spPr>
           <a:xfrm rot="16200000">
-            <a:off x="995400" y="1026360"/>
-            <a:ext cx="45360" cy="375480"/>
+            <a:off x="995400" y="1027080"/>
+            <a:ext cx="44640" cy="374760"/>
           </a:xfrm>
           <a:prstGeom prst="rect">
             <a:avLst/>
@@ -3074,101 +3098,9 @@
           <a:fontRef idx="minor"/>
         </p:style>
       </p:sp>
-      <p:sp>
-        <p:nvSpPr>
-          <p:cNvPr id="3" name="PlaceHolder 4"/>
-          <p:cNvSpPr>
-            <a:spLocks noGrp="1"/>
-          </p:cNvSpPr>
-          <p:nvPr>
-            <p:ph type="title"/>
-          </p:nvPr>
-        </p:nvSpPr>
-        <p:spPr>
-          <a:xfrm>
-            <a:off x="729360" y="1322280"/>
-            <a:ext cx="7687800" cy="1664280"/>
-          </a:xfrm>
-          <a:prstGeom prst="rect">
-            <a:avLst/>
-          </a:prstGeom>
-        </p:spPr>
-        <p:txBody>
-          <a:bodyPr tIns="91440" bIns="91440"/>
-          <a:p>
-            <a:endParaRPr b="0" lang="en-US" sz="1400" spc="-1" strike="noStrike">
-              <a:solidFill>
-                <a:srgbClr val="000000"/>
-              </a:solidFill>
-              <a:uFill>
-                <a:solidFill>
-                  <a:srgbClr val="ffffff"/>
-                </a:solidFill>
-              </a:uFill>
-              <a:latin typeface="Arial"/>
-            </a:endParaRPr>
-          </a:p>
-        </p:txBody>
-      </p:sp>
-      <p:sp>
-        <p:nvSpPr>
-          <p:cNvPr id="4" name="PlaceHolder 5"/>
-          <p:cNvSpPr>
-            <a:spLocks noGrp="1"/>
-          </p:cNvSpPr>
-          <p:nvPr>
-            <p:ph type="sldNum"/>
-          </p:nvPr>
-        </p:nvSpPr>
-        <p:spPr>
-          <a:xfrm>
-            <a:off x="8536320" y="4749840"/>
-            <a:ext cx="548280" cy="393120"/>
-          </a:xfrm>
-          <a:prstGeom prst="rect">
-            <a:avLst/>
-          </a:prstGeom>
-        </p:spPr>
-        <p:txBody>
-          <a:bodyPr tIns="91440" bIns="91440" anchor="ctr"/>
-          <a:p>
-            <a:pPr>
-              <a:lnSpc>
-                <a:spcPct val="100000"/>
-              </a:lnSpc>
-            </a:pPr>
-            <a:fld id="{8A10D499-A283-4C34-80D6-B04C238ACD37}" type="slidenum">
-              <a:rPr b="0" lang="en-US" sz="1400" spc="-1" strike="noStrike">
-                <a:solidFill>
-                  <a:srgbClr val="000000"/>
-                </a:solidFill>
-                <a:uFill>
-                  <a:solidFill>
-                    <a:srgbClr val="ffffff"/>
-                  </a:solidFill>
-                </a:uFill>
-                <a:latin typeface="Arial"/>
-                <a:ea typeface="Arial"/>
-              </a:rPr>
-              <a:t>1</a:t>
-            </a:fld>
-            <a:endParaRPr b="0" lang="en-US" sz="1400" spc="-1" strike="noStrike">
-              <a:solidFill>
-                <a:srgbClr val="000000"/>
-              </a:solidFill>
-              <a:uFill>
-                <a:solidFill>
-                  <a:srgbClr val="ffffff"/>
-                </a:solidFill>
-              </a:uFill>
-              <a:latin typeface="Times New Roman"/>
-            </a:endParaRPr>
-          </a:p>
-        </p:txBody>
-      </p:sp>
       <p:pic>
         <p:nvPicPr>
-          <p:cNvPr id="5" name="Shape 17" descr=""/>
+          <p:cNvPr id="3" name="Shape 17" descr=""/>
           <p:cNvPicPr/>
           <p:nvPr/>
         </p:nvPicPr>
@@ -3179,7 +3111,7 @@
         <p:spPr>
           <a:xfrm>
             <a:off x="152280" y="135720"/>
-            <a:ext cx="2257200" cy="256680"/>
+            <a:ext cx="2256480" cy="255960"/>
           </a:xfrm>
           <a:prstGeom prst="rect">
             <a:avLst/>
@@ -3191,7 +3123,44 @@
       </p:pic>
       <p:sp>
         <p:nvSpPr>
-          <p:cNvPr id="6" name="PlaceHolder 6"/>
+          <p:cNvPr id="4" name="PlaceHolder 4"/>
+          <p:cNvSpPr>
+            <a:spLocks noGrp="1"/>
+          </p:cNvSpPr>
+          <p:nvPr>
+            <p:ph type="title"/>
+          </p:nvPr>
+        </p:nvSpPr>
+        <p:spPr>
+          <a:xfrm>
+            <a:off x="729360" y="1273320"/>
+            <a:ext cx="7687800" cy="624960"/>
+          </a:xfrm>
+          <a:prstGeom prst="rect">
+            <a:avLst/>
+          </a:prstGeom>
+        </p:spPr>
+        <p:txBody>
+          <a:bodyPr lIns="0" rIns="0" tIns="0" bIns="0" anchor="ctr"/>
+          <a:p>
+            <a:pPr algn="ctr"/>
+            <a:endParaRPr b="0" lang="en-US" sz="4400" spc="-1" strike="noStrike">
+              <a:solidFill>
+                <a:srgbClr val="000000"/>
+              </a:solidFill>
+              <a:uFill>
+                <a:solidFill>
+                  <a:srgbClr val="ffffff"/>
+                </a:solidFill>
+              </a:uFill>
+              <a:latin typeface="Arial"/>
+            </a:endParaRPr>
+          </a:p>
+        </p:txBody>
+      </p:sp>
+      <p:sp>
+        <p:nvSpPr>
+          <p:cNvPr id="5" name="PlaceHolder 5"/>
           <p:cNvSpPr>
             <a:spLocks noGrp="1"/>
           </p:cNvSpPr>
@@ -3201,8 +3170,8 @@
         </p:nvSpPr>
         <p:spPr>
           <a:xfrm>
-            <a:off x="457200" y="1203480"/>
-            <a:ext cx="8229240" cy="2982960"/>
+            <a:off x="729360" y="2079000"/>
+            <a:ext cx="7687800" cy="2260080"/>
           </a:xfrm>
           <a:prstGeom prst="rect">
             <a:avLst/>
@@ -3220,7 +3189,7 @@
               <a:buChar char=""/>
             </a:pPr>
             <a:r>
-              <a:rPr b="0" lang="en-US" sz="1400" spc="-1" strike="noStrike">
+              <a:rPr b="0" lang="en-US" sz="1800" spc="-1" strike="noStrike">
                 <a:solidFill>
                   <a:srgbClr val="000000"/>
                 </a:solidFill>
@@ -3233,7 +3202,7 @@
               </a:rPr>
               <a:t>Click to edit the outline text format</a:t>
             </a:r>
-            <a:endParaRPr b="0" lang="en-US" sz="1400" spc="-1" strike="noStrike">
+            <a:endParaRPr b="0" lang="en-US" sz="1800" spc="-1" strike="noStrike">
               <a:solidFill>
                 <a:srgbClr val="000000"/>
               </a:solidFill>
@@ -3255,7 +3224,7 @@
               <a:buChar char=""/>
             </a:pPr>
             <a:r>
-              <a:rPr b="0" lang="en-US" sz="1400" spc="-1" strike="noStrike">
+              <a:rPr b="0" lang="en-US" sz="1800" spc="-1" strike="noStrike">
                 <a:solidFill>
                   <a:srgbClr val="000000"/>
                 </a:solidFill>
@@ -3268,7 +3237,7 @@
               </a:rPr>
               <a:t>Second Outline Level</a:t>
             </a:r>
-            <a:endParaRPr b="0" lang="en-US" sz="1400" spc="-1" strike="noStrike">
+            <a:endParaRPr b="0" lang="en-US" sz="1800" spc="-1" strike="noStrike">
               <a:solidFill>
                 <a:srgbClr val="000000"/>
               </a:solidFill>
@@ -3290,7 +3259,7 @@
               <a:buChar char=""/>
             </a:pPr>
             <a:r>
-              <a:rPr b="0" lang="en-US" sz="1400" spc="-1" strike="noStrike">
+              <a:rPr b="0" lang="en-US" sz="1800" spc="-1" strike="noStrike">
                 <a:solidFill>
                   <a:srgbClr val="000000"/>
                 </a:solidFill>
@@ -3303,7 +3272,7 @@
               </a:rPr>
               <a:t>Third Outline Level</a:t>
             </a:r>
-            <a:endParaRPr b="0" lang="en-US" sz="1400" spc="-1" strike="noStrike">
+            <a:endParaRPr b="0" lang="en-US" sz="1800" spc="-1" strike="noStrike">
               <a:solidFill>
                 <a:srgbClr val="000000"/>
               </a:solidFill>
@@ -3325,7 +3294,7 @@
               <a:buChar char=""/>
             </a:pPr>
             <a:r>
-              <a:rPr b="0" lang="en-US" sz="1400" spc="-1" strike="noStrike">
+              <a:rPr b="0" lang="en-US" sz="1800" spc="-1" strike="noStrike">
                 <a:solidFill>
                   <a:srgbClr val="000000"/>
                 </a:solidFill>
@@ -3338,7 +3307,7 @@
               </a:rPr>
               <a:t>Fourth Outline Level</a:t>
             </a:r>
-            <a:endParaRPr b="0" lang="en-US" sz="1400" spc="-1" strike="noStrike">
+            <a:endParaRPr b="0" lang="en-US" sz="1800" spc="-1" strike="noStrike">
               <a:solidFill>
                 <a:srgbClr val="000000"/>
               </a:solidFill>
@@ -3360,7 +3329,7 @@
               <a:buChar char=""/>
             </a:pPr>
             <a:r>
-              <a:rPr b="0" lang="en-US" sz="2000" spc="-1" strike="noStrike">
+              <a:rPr b="0" lang="en-US" sz="1800" spc="-1" strike="noStrike">
                 <a:solidFill>
                   <a:srgbClr val="000000"/>
                 </a:solidFill>
@@ -3373,7 +3342,7 @@
               </a:rPr>
               <a:t>Fifth Outline Level</a:t>
             </a:r>
-            <a:endParaRPr b="0" lang="en-US" sz="2000" spc="-1" strike="noStrike">
+            <a:endParaRPr b="0" lang="en-US" sz="1800" spc="-1" strike="noStrike">
               <a:solidFill>
                 <a:srgbClr val="000000"/>
               </a:solidFill>
@@ -3395,7 +3364,7 @@
               <a:buChar char=""/>
             </a:pPr>
             <a:r>
-              <a:rPr b="0" lang="en-US" sz="2000" spc="-1" strike="noStrike">
+              <a:rPr b="0" lang="en-US" sz="1800" spc="-1" strike="noStrike">
                 <a:solidFill>
                   <a:srgbClr val="000000"/>
                 </a:solidFill>
@@ -3408,7 +3377,7 @@
               </a:rPr>
               <a:t>Sixth Outline Level</a:t>
             </a:r>
-            <a:endParaRPr b="0" lang="en-US" sz="2000" spc="-1" strike="noStrike">
+            <a:endParaRPr b="0" lang="en-US" sz="1800" spc="-1" strike="noStrike">
               <a:solidFill>
                 <a:srgbClr val="000000"/>
               </a:solidFill>
@@ -3430,7 +3399,7 @@
               <a:buChar char=""/>
             </a:pPr>
             <a:r>
-              <a:rPr b="0" lang="en-US" sz="2000" spc="-1" strike="noStrike">
+              <a:rPr b="0" lang="en-US" sz="1800" spc="-1" strike="noStrike">
                 <a:solidFill>
                   <a:srgbClr val="000000"/>
                 </a:solidFill>
@@ -3443,7 +3412,7 @@
               </a:rPr>
               <a:t>Seventh Outline Level</a:t>
             </a:r>
-            <a:endParaRPr b="0" lang="en-US" sz="2000" spc="-1" strike="noStrike">
+            <a:endParaRPr b="0" lang="en-US" sz="1800" spc="-1" strike="noStrike">
               <a:solidFill>
                 <a:srgbClr val="000000"/>
               </a:solidFill>
@@ -3503,14 +3472,14 @@
       </p:grpSpPr>
       <p:sp>
         <p:nvSpPr>
-          <p:cNvPr id="41" name="CustomShape 1"/>
+          <p:cNvPr id="40" name="CustomShape 1"/>
           <p:cNvSpPr/>
           <p:nvPr/>
         </p:nvSpPr>
         <p:spPr>
           <a:xfrm>
             <a:off x="0" y="0"/>
-            <a:ext cx="9143640" cy="487440"/>
+            <a:ext cx="9142920" cy="486720"/>
           </a:xfrm>
           <a:prstGeom prst="rect">
             <a:avLst/>
@@ -3531,14 +3500,14 @@
       </p:sp>
       <p:sp>
         <p:nvSpPr>
-          <p:cNvPr id="42" name="CustomShape 2"/>
+          <p:cNvPr id="41" name="CustomShape 2"/>
           <p:cNvSpPr/>
           <p:nvPr/>
         </p:nvSpPr>
         <p:spPr>
           <a:xfrm rot="16200000">
-            <a:off x="1366560" y="1027800"/>
-            <a:ext cx="45360" cy="372600"/>
+            <a:off x="1366560" y="1028520"/>
+            <a:ext cx="44640" cy="371880"/>
           </a:xfrm>
           <a:prstGeom prst="rect">
             <a:avLst/>
@@ -3559,14 +3528,14 @@
       </p:sp>
       <p:sp>
         <p:nvSpPr>
-          <p:cNvPr id="43" name="CustomShape 3"/>
+          <p:cNvPr id="42" name="CustomShape 3"/>
           <p:cNvSpPr/>
           <p:nvPr/>
         </p:nvSpPr>
         <p:spPr>
           <a:xfrm rot="16200000">
-            <a:off x="995400" y="1026360"/>
-            <a:ext cx="45360" cy="375480"/>
+            <a:off x="995400" y="1027080"/>
+            <a:ext cx="44640" cy="374760"/>
           </a:xfrm>
           <a:prstGeom prst="rect">
             <a:avLst/>
@@ -3585,6 +3554,29 @@
           <a:fontRef idx="minor"/>
         </p:style>
       </p:sp>
+      <p:pic>
+        <p:nvPicPr>
+          <p:cNvPr id="43" name="Shape 32" descr=""/>
+          <p:cNvPicPr/>
+          <p:nvPr/>
+        </p:nvPicPr>
+        <p:blipFill>
+          <a:blip r:embed="rId2"/>
+          <a:stretch/>
+        </p:blipFill>
+        <p:spPr>
+          <a:xfrm>
+            <a:off x="152280" y="152280"/>
+            <a:ext cx="2256480" cy="255960"/>
+          </a:xfrm>
+          <a:prstGeom prst="rect">
+            <a:avLst/>
+          </a:prstGeom>
+          <a:ln>
+            <a:noFill/>
+          </a:ln>
+        </p:spPr>
+      </p:pic>
       <p:sp>
         <p:nvSpPr>
           <p:cNvPr id="44" name="PlaceHolder 4"/>
@@ -3597,17 +3589,32 @@
         </p:nvSpPr>
         <p:spPr>
           <a:xfrm>
-            <a:off x="729360" y="1318680"/>
-            <a:ext cx="7688520" cy="534960"/>
+            <a:off x="457200" y="205200"/>
+            <a:ext cx="8229240" cy="858600"/>
           </a:xfrm>
           <a:prstGeom prst="rect">
             <a:avLst/>
           </a:prstGeom>
         </p:spPr>
         <p:txBody>
-          <a:bodyPr tIns="91440" bIns="91440"/>
-          <a:p>
-            <a:endParaRPr b="0" lang="en-US" sz="1400" spc="-1" strike="noStrike">
+          <a:bodyPr lIns="0" rIns="0" tIns="0" bIns="0" anchor="ctr"/>
+          <a:p>
+            <a:pPr algn="ctr"/>
+            <a:r>
+              <a:rPr b="0" lang="en-US" sz="4400" spc="-1" strike="noStrike">
+                <a:solidFill>
+                  <a:srgbClr val="000000"/>
+                </a:solidFill>
+                <a:uFill>
+                  <a:solidFill>
+                    <a:srgbClr val="ffffff"/>
+                  </a:solidFill>
+                </a:uFill>
+                <a:latin typeface="Arial"/>
+              </a:rPr>
+              <a:t>Click to edit the title text format</a:t>
+            </a:r>
+            <a:endParaRPr b="0" lang="en-US" sz="4400" spc="-1" strike="noStrike">
               <a:solidFill>
                 <a:srgbClr val="000000"/>
               </a:solidFill>
@@ -3633,15 +3640,15 @@
         </p:nvSpPr>
         <p:spPr>
           <a:xfrm>
-            <a:off x="729360" y="2079000"/>
-            <a:ext cx="7688520" cy="2260800"/>
+            <a:off x="457200" y="1203480"/>
+            <a:ext cx="8229240" cy="2982960"/>
           </a:xfrm>
           <a:prstGeom prst="rect">
             <a:avLst/>
           </a:prstGeom>
         </p:spPr>
         <p:txBody>
-          <a:bodyPr tIns="91440" bIns="91440"/>
+          <a:bodyPr lIns="0" rIns="0" tIns="0" bIns="0"/>
           <a:p>
             <a:pPr marL="432000" indent="-324000">
               <a:buClr>
@@ -3652,7 +3659,7 @@
               <a:buChar char=""/>
             </a:pPr>
             <a:r>
-              <a:rPr b="0" lang="en-US" sz="1300" spc="-1" strike="noStrike">
+              <a:rPr b="0" lang="en-US" sz="3200" spc="-1" strike="noStrike">
                 <a:solidFill>
                   <a:srgbClr val="000000"/>
                 </a:solidFill>
@@ -3665,7 +3672,7 @@
               </a:rPr>
               <a:t>Click to edit the outline text format</a:t>
             </a:r>
-            <a:endParaRPr b="0" lang="en-US" sz="1300" spc="-1" strike="noStrike">
+            <a:endParaRPr b="0" lang="en-US" sz="3200" spc="-1" strike="noStrike">
               <a:solidFill>
                 <a:srgbClr val="000000"/>
               </a:solidFill>
@@ -3687,7 +3694,7 @@
               <a:buChar char=""/>
             </a:pPr>
             <a:r>
-              <a:rPr b="0" lang="en-US" sz="1300" spc="-1" strike="noStrike">
+              <a:rPr b="0" lang="en-US" sz="2800" spc="-1" strike="noStrike">
                 <a:solidFill>
                   <a:srgbClr val="000000"/>
                 </a:solidFill>
@@ -3700,7 +3707,7 @@
               </a:rPr>
               <a:t>Second Outline Level</a:t>
             </a:r>
-            <a:endParaRPr b="0" lang="en-US" sz="1300" spc="-1" strike="noStrike">
+            <a:endParaRPr b="0" lang="en-US" sz="2800" spc="-1" strike="noStrike">
               <a:solidFill>
                 <a:srgbClr val="000000"/>
               </a:solidFill>
@@ -3722,7 +3729,7 @@
               <a:buChar char=""/>
             </a:pPr>
             <a:r>
-              <a:rPr b="0" lang="en-US" sz="1300" spc="-1" strike="noStrike">
+              <a:rPr b="0" lang="en-US" sz="2400" spc="-1" strike="noStrike">
                 <a:solidFill>
                   <a:srgbClr val="000000"/>
                 </a:solidFill>
@@ -3735,7 +3742,7 @@
               </a:rPr>
               <a:t>Third Outline Level</a:t>
             </a:r>
-            <a:endParaRPr b="0" lang="en-US" sz="1300" spc="-1" strike="noStrike">
+            <a:endParaRPr b="0" lang="en-US" sz="2400" spc="-1" strike="noStrike">
               <a:solidFill>
                 <a:srgbClr val="000000"/>
               </a:solidFill>
@@ -3757,7 +3764,7 @@
               <a:buChar char=""/>
             </a:pPr>
             <a:r>
-              <a:rPr b="0" lang="en-US" sz="1300" spc="-1" strike="noStrike">
+              <a:rPr b="0" lang="en-US" sz="2000" spc="-1" strike="noStrike">
                 <a:solidFill>
                   <a:srgbClr val="000000"/>
                 </a:solidFill>
@@ -3770,7 +3777,7 @@
               </a:rPr>
               <a:t>Fourth Outline Level</a:t>
             </a:r>
-            <a:endParaRPr b="0" lang="en-US" sz="1300" spc="-1" strike="noStrike">
+            <a:endParaRPr b="0" lang="en-US" sz="2000" spc="-1" strike="noStrike">
               <a:solidFill>
                 <a:srgbClr val="000000"/>
               </a:solidFill>
@@ -3792,7 +3799,7 @@
               <a:buChar char=""/>
             </a:pPr>
             <a:r>
-              <a:rPr b="0" lang="en-US" sz="1300" spc="-1" strike="noStrike">
+              <a:rPr b="0" lang="en-US" sz="2000" spc="-1" strike="noStrike">
                 <a:solidFill>
                   <a:srgbClr val="000000"/>
                 </a:solidFill>
@@ -3805,7 +3812,7 @@
               </a:rPr>
               <a:t>Fifth Outline Level</a:t>
             </a:r>
-            <a:endParaRPr b="0" lang="en-US" sz="1300" spc="-1" strike="noStrike">
+            <a:endParaRPr b="0" lang="en-US" sz="2000" spc="-1" strike="noStrike">
               <a:solidFill>
                 <a:srgbClr val="000000"/>
               </a:solidFill>
@@ -3827,7 +3834,7 @@
               <a:buChar char=""/>
             </a:pPr>
             <a:r>
-              <a:rPr b="0" lang="en-US" sz="1300" spc="-1" strike="noStrike">
+              <a:rPr b="0" lang="en-US" sz="2000" spc="-1" strike="noStrike">
                 <a:solidFill>
                   <a:srgbClr val="000000"/>
                 </a:solidFill>
@@ -3840,7 +3847,7 @@
               </a:rPr>
               <a:t>Sixth Outline Level</a:t>
             </a:r>
-            <a:endParaRPr b="0" lang="en-US" sz="1300" spc="-1" strike="noStrike">
+            <a:endParaRPr b="0" lang="en-US" sz="2000" spc="-1" strike="noStrike">
               <a:solidFill>
                 <a:srgbClr val="000000"/>
               </a:solidFill>
@@ -3862,7 +3869,7 @@
               <a:buChar char=""/>
             </a:pPr>
             <a:r>
-              <a:rPr b="0" lang="en-US" sz="1300" spc="-1" strike="noStrike">
+              <a:rPr b="0" lang="en-US" sz="2000" spc="-1" strike="noStrike">
                 <a:solidFill>
                   <a:srgbClr val="000000"/>
                 </a:solidFill>
@@ -3875,7 +3882,7 @@
               </a:rPr>
               <a:t>Seventh Outline Level</a:t>
             </a:r>
-            <a:endParaRPr b="0" lang="en-US" sz="1300" spc="-1" strike="noStrike">
+            <a:endParaRPr b="0" lang="en-US" sz="2000" spc="-1" strike="noStrike">
               <a:solidFill>
                 <a:srgbClr val="000000"/>
               </a:solidFill>
@@ -3889,85 +3896,6 @@
           </a:p>
         </p:txBody>
       </p:sp>
-      <p:sp>
-        <p:nvSpPr>
-          <p:cNvPr id="46" name="PlaceHolder 6"/>
-          <p:cNvSpPr>
-            <a:spLocks noGrp="1"/>
-          </p:cNvSpPr>
-          <p:nvPr>
-            <p:ph type="sldNum"/>
-          </p:nvPr>
-        </p:nvSpPr>
-        <p:spPr>
-          <a:xfrm>
-            <a:off x="8536320" y="4749840"/>
-            <a:ext cx="548280" cy="393120"/>
-          </a:xfrm>
-          <a:prstGeom prst="rect">
-            <a:avLst/>
-          </a:prstGeom>
-        </p:spPr>
-        <p:txBody>
-          <a:bodyPr tIns="91440" bIns="91440" anchor="ctr"/>
-          <a:p>
-            <a:pPr>
-              <a:lnSpc>
-                <a:spcPct val="100000"/>
-              </a:lnSpc>
-            </a:pPr>
-            <a:fld id="{06AF415E-8A8B-417B-A6EF-CFD1695EEB3D}" type="slidenum">
-              <a:rPr b="0" lang="en-US" sz="1400" spc="-1" strike="noStrike">
-                <a:solidFill>
-                  <a:srgbClr val="000000"/>
-                </a:solidFill>
-                <a:uFill>
-                  <a:solidFill>
-                    <a:srgbClr val="ffffff"/>
-                  </a:solidFill>
-                </a:uFill>
-                <a:latin typeface="Arial"/>
-                <a:ea typeface="Arial"/>
-              </a:rPr>
-              <a:t>1</a:t>
-            </a:fld>
-            <a:endParaRPr b="0" lang="en-US" sz="1400" spc="-1" strike="noStrike">
-              <a:solidFill>
-                <a:srgbClr val="000000"/>
-              </a:solidFill>
-              <a:uFill>
-                <a:solidFill>
-                  <a:srgbClr val="ffffff"/>
-                </a:solidFill>
-              </a:uFill>
-              <a:latin typeface="Times New Roman"/>
-            </a:endParaRPr>
-          </a:p>
-        </p:txBody>
-      </p:sp>
-      <p:pic>
-        <p:nvPicPr>
-          <p:cNvPr id="47" name="Shape 32" descr=""/>
-          <p:cNvPicPr/>
-          <p:nvPr/>
-        </p:nvPicPr>
-        <p:blipFill>
-          <a:blip r:embed="rId2"/>
-          <a:stretch/>
-        </p:blipFill>
-        <p:spPr>
-          <a:xfrm>
-            <a:off x="152280" y="152280"/>
-            <a:ext cx="2257200" cy="256680"/>
-          </a:xfrm>
-          <a:prstGeom prst="rect">
-            <a:avLst/>
-          </a:prstGeom>
-          <a:ln>
-            <a:noFill/>
-          </a:ln>
-        </p:spPr>
-      </p:pic>
     </p:spTree>
   </p:cSld>
   <p:clrMap bg1="lt1" bg2="lt2" tx1="dk1" tx2="dk2" accent1="accent1" accent2="accent2" accent3="accent3" accent4="accent4" accent5="accent5" accent6="accent6" hlink="hlink" folHlink="folHlink"/>
@@ -4007,14 +3935,14 @@
       </p:grpSpPr>
       <p:sp>
         <p:nvSpPr>
-          <p:cNvPr id="82" name="TextShape 1"/>
-          <p:cNvSpPr txBox="1"/>
+          <p:cNvPr id="80" name="CustomShape 1"/>
+          <p:cNvSpPr/>
           <p:nvPr/>
         </p:nvSpPr>
         <p:spPr>
           <a:xfrm>
             <a:off x="729360" y="1322280"/>
-            <a:ext cx="7687800" cy="1664280"/>
+            <a:ext cx="7687080" cy="1663560"/>
           </a:xfrm>
           <a:prstGeom prst="rect">
             <a:avLst/>
@@ -4024,8 +3952,14 @@
             <a:noFill/>
           </a:ln>
         </p:spPr>
+        <p:style>
+          <a:lnRef idx="0"/>
+          <a:fillRef idx="0"/>
+          <a:effectRef idx="0"/>
+          <a:fontRef idx="minor"/>
+        </p:style>
         <p:txBody>
-          <a:bodyPr tIns="91440" bIns="91440"/>
+          <a:bodyPr lIns="90000" rIns="90000" tIns="91440" bIns="91440"/>
           <a:p>
             <a:pPr>
               <a:lnSpc>
@@ -4047,7 +3981,7 @@
               </a:rPr>
               <a:t>JaveEE</a:t>
             </a:r>
-            <a:endParaRPr b="0" lang="en-US" sz="1400" spc="-1" strike="noStrike">
+            <a:endParaRPr b="0" lang="en-US" sz="1800" spc="-1" strike="noStrike">
               <a:solidFill>
                 <a:srgbClr val="000000"/>
               </a:solidFill>
@@ -4063,14 +3997,14 @@
       </p:sp>
       <p:sp>
         <p:nvSpPr>
-          <p:cNvPr id="83" name="TextShape 2"/>
-          <p:cNvSpPr txBox="1"/>
+          <p:cNvPr id="81" name="CustomShape 2"/>
+          <p:cNvSpPr/>
           <p:nvPr/>
         </p:nvSpPr>
         <p:spPr>
           <a:xfrm>
             <a:off x="729720" y="3173040"/>
-            <a:ext cx="7687800" cy="540720"/>
+            <a:ext cx="7687080" cy="540000"/>
           </a:xfrm>
           <a:prstGeom prst="rect">
             <a:avLst/>
@@ -4080,8 +4014,14 @@
             <a:noFill/>
           </a:ln>
         </p:spPr>
+        <p:style>
+          <a:lnRef idx="0"/>
+          <a:fillRef idx="0"/>
+          <a:effectRef idx="0"/>
+          <a:fontRef idx="minor"/>
+        </p:style>
         <p:txBody>
-          <a:bodyPr tIns="91440" bIns="91440"/>
+          <a:bodyPr lIns="90000" rIns="90000" tIns="91440" bIns="91440"/>
           <a:p>
             <a:pPr>
               <a:lnSpc>
@@ -4103,7 +4043,7 @@
               </a:rPr>
               <a:t>Instructor: </a:t>
             </a:r>
-            <a:endParaRPr b="0" lang="en-US" sz="3200" spc="-1" strike="noStrike">
+            <a:endParaRPr b="0" lang="en-US" sz="1800" spc="-1" strike="noStrike">
               <a:solidFill>
                 <a:srgbClr val="000000"/>
               </a:solidFill>
@@ -4136,7 +4076,7 @@
               </a:rPr>
               <a:t>Chandler Zhu</a:t>
             </a:r>
-            <a:endParaRPr b="0" lang="en-US" sz="3200" spc="-1" strike="noStrike">
+            <a:endParaRPr b="0" lang="en-US" sz="1800" spc="-1" strike="noStrike">
               <a:solidFill>
                 <a:srgbClr val="000000"/>
               </a:solidFill>
@@ -4169,7 +4109,7 @@
               </a:rPr>
               <a:t>CGI Tech Lead</a:t>
             </a:r>
-            <a:endParaRPr b="0" lang="en-US" sz="3200" spc="-1" strike="noStrike">
+            <a:endParaRPr b="0" lang="en-US" sz="1800" spc="-1" strike="noStrike">
               <a:solidFill>
                 <a:srgbClr val="000000"/>
               </a:solidFill>
@@ -4202,7 +4142,7 @@
               </a:rPr>
               <a:t>10+ years of software development experience</a:t>
             </a:r>
-            <a:endParaRPr b="0" lang="en-US" sz="3200" spc="-1" strike="noStrike">
+            <a:endParaRPr b="0" lang="en-US" sz="1800" spc="-1" strike="noStrike">
               <a:solidFill>
                 <a:srgbClr val="000000"/>
               </a:solidFill>
@@ -4267,14 +4207,14 @@
       </p:grpSpPr>
       <p:sp>
         <p:nvSpPr>
-          <p:cNvPr id="107" name="TextShape 1"/>
-          <p:cNvSpPr txBox="1"/>
+          <p:cNvPr id="105" name="CustomShape 1"/>
+          <p:cNvSpPr/>
           <p:nvPr/>
         </p:nvSpPr>
         <p:spPr>
           <a:xfrm>
             <a:off x="729360" y="1318680"/>
-            <a:ext cx="7688520" cy="534960"/>
+            <a:ext cx="7687800" cy="534240"/>
           </a:xfrm>
           <a:prstGeom prst="rect">
             <a:avLst/>
@@ -4284,8 +4224,14 @@
             <a:noFill/>
           </a:ln>
         </p:spPr>
+        <p:style>
+          <a:lnRef idx="0"/>
+          <a:fillRef idx="0"/>
+          <a:effectRef idx="0"/>
+          <a:fontRef idx="minor"/>
+        </p:style>
         <p:txBody>
-          <a:bodyPr tIns="91440" bIns="91440"/>
+          <a:bodyPr lIns="90000" rIns="90000" tIns="91440" bIns="91440"/>
           <a:p>
             <a:pPr>
               <a:lnSpc>
@@ -4307,7 +4253,7 @@
               </a:rPr>
               <a:t>Git</a:t>
             </a:r>
-            <a:endParaRPr b="0" lang="en-US" sz="1400" spc="-1" strike="noStrike">
+            <a:endParaRPr b="0" lang="en-US" sz="1800" spc="-1" strike="noStrike">
               <a:solidFill>
                 <a:srgbClr val="000000"/>
               </a:solidFill>
@@ -4323,14 +4269,14 @@
       </p:sp>
       <p:sp>
         <p:nvSpPr>
-          <p:cNvPr id="108" name="TextShape 2"/>
-          <p:cNvSpPr txBox="1"/>
+          <p:cNvPr id="106" name="CustomShape 2"/>
+          <p:cNvSpPr/>
           <p:nvPr/>
         </p:nvSpPr>
         <p:spPr>
           <a:xfrm>
             <a:off x="729360" y="2079000"/>
-            <a:ext cx="7688520" cy="2260800"/>
+            <a:ext cx="7687800" cy="2260080"/>
           </a:xfrm>
           <a:prstGeom prst="rect">
             <a:avLst/>
@@ -4340,8 +4286,14 @@
             <a:noFill/>
           </a:ln>
         </p:spPr>
+        <p:style>
+          <a:lnRef idx="0"/>
+          <a:fillRef idx="0"/>
+          <a:effectRef idx="0"/>
+          <a:fontRef idx="minor"/>
+        </p:style>
         <p:txBody>
-          <a:bodyPr tIns="91440" bIns="91440"/>
+          <a:bodyPr lIns="90000" rIns="90000" tIns="91440" bIns="91440"/>
           <a:p>
             <a:pPr>
               <a:lnSpc>
@@ -4366,7 +4318,7 @@
             <a:r>
               <a:rPr b="0" lang="en-US" sz="1300" spc="-1" strike="noStrike" u="sng">
                 <a:solidFill>
-                  <a:srgbClr val="1c3678"/>
+                  <a:srgbClr val="0000ff"/>
                 </a:solidFill>
                 <a:uFill>
                   <a:solidFill>
@@ -4397,7 +4349,7 @@
             <a:r>
               <a:rPr b="0" lang="en-US" sz="1300" spc="-1" strike="noStrike" u="sng">
                 <a:solidFill>
-                  <a:srgbClr val="1c3678"/>
+                  <a:srgbClr val="0000ff"/>
                 </a:solidFill>
                 <a:uFill>
                   <a:solidFill>
@@ -4425,7 +4377,7 @@
               </a:rPr>
               <a:t>)</a:t>
             </a:r>
-            <a:endParaRPr b="0" lang="en-US" sz="1400" spc="-1" strike="noStrike">
+            <a:endParaRPr b="0" lang="en-US" sz="1800" spc="-1" strike="noStrike">
               <a:solidFill>
                 <a:srgbClr val="000000"/>
               </a:solidFill>
@@ -4458,7 +4410,7 @@
               </a:rPr>
               <a:t>Why do we need Git?</a:t>
             </a:r>
-            <a:endParaRPr b="0" lang="en-US" sz="1400" spc="-1" strike="noStrike">
+            <a:endParaRPr b="0" lang="en-US" sz="1800" spc="-1" strike="noStrike">
               <a:solidFill>
                 <a:srgbClr val="000000"/>
               </a:solidFill>
@@ -4491,7 +4443,7 @@
               </a:rPr>
               <a:t>Developers spread across multiple locations, time zones; Code tracking; Centralized control etc.</a:t>
             </a:r>
-            <a:endParaRPr b="0" lang="en-US" sz="1400" spc="-1" strike="noStrike">
+            <a:endParaRPr b="0" lang="en-US" sz="1800" spc="-1" strike="noStrike">
               <a:solidFill>
                 <a:srgbClr val="000000"/>
               </a:solidFill>
@@ -4524,7 +4476,7 @@
               </a:rPr>
               <a:t>Install Git.</a:t>
             </a:r>
-            <a:endParaRPr b="0" lang="en-US" sz="1400" spc="-1" strike="noStrike">
+            <a:endParaRPr b="0" lang="en-US" sz="1800" spc="-1" strike="noStrike">
               <a:solidFill>
                 <a:srgbClr val="000000"/>
               </a:solidFill>
@@ -4542,7 +4494,7 @@
                 <a:spcPct val="100000"/>
               </a:lnSpc>
             </a:pPr>
-            <a:endParaRPr b="0" lang="en-US" sz="1400" spc="-1" strike="noStrike">
+            <a:endParaRPr b="0" lang="en-US" sz="1800" spc="-1" strike="noStrike">
               <a:solidFill>
                 <a:srgbClr val="000000"/>
               </a:solidFill>
@@ -4560,7 +4512,7 @@
                 <a:spcPct val="100000"/>
               </a:lnSpc>
             </a:pPr>
-            <a:endParaRPr b="0" lang="en-US" sz="1400" spc="-1" strike="noStrike">
+            <a:endParaRPr b="0" lang="en-US" sz="1800" spc="-1" strike="noStrike">
               <a:solidFill>
                 <a:srgbClr val="000000"/>
               </a:solidFill>
@@ -4625,14 +4577,14 @@
       </p:grpSpPr>
       <p:sp>
         <p:nvSpPr>
-          <p:cNvPr id="109" name="TextShape 1"/>
-          <p:cNvSpPr txBox="1"/>
+          <p:cNvPr id="107" name="CustomShape 1"/>
+          <p:cNvSpPr/>
           <p:nvPr/>
         </p:nvSpPr>
         <p:spPr>
           <a:xfrm>
             <a:off x="729360" y="1318680"/>
-            <a:ext cx="7688520" cy="534960"/>
+            <a:ext cx="7687800" cy="534240"/>
           </a:xfrm>
           <a:prstGeom prst="rect">
             <a:avLst/>
@@ -4642,8 +4594,14 @@
             <a:noFill/>
           </a:ln>
         </p:spPr>
+        <p:style>
+          <a:lnRef idx="0"/>
+          <a:fillRef idx="0"/>
+          <a:effectRef idx="0"/>
+          <a:fontRef idx="minor"/>
+        </p:style>
         <p:txBody>
-          <a:bodyPr tIns="91440" bIns="91440"/>
+          <a:bodyPr lIns="90000" rIns="90000" tIns="91440" bIns="91440"/>
           <a:p>
             <a:pPr>
               <a:lnSpc>
@@ -4665,7 +4623,7 @@
               </a:rPr>
               <a:t>Advanced Java</a:t>
             </a:r>
-            <a:endParaRPr b="0" lang="en-US" sz="1400" spc="-1" strike="noStrike">
+            <a:endParaRPr b="0" lang="en-US" sz="1800" spc="-1" strike="noStrike">
               <a:solidFill>
                 <a:srgbClr val="000000"/>
               </a:solidFill>
@@ -4681,14 +4639,14 @@
       </p:sp>
       <p:sp>
         <p:nvSpPr>
-          <p:cNvPr id="110" name="TextShape 2"/>
-          <p:cNvSpPr txBox="1"/>
+          <p:cNvPr id="108" name="CustomShape 2"/>
+          <p:cNvSpPr/>
           <p:nvPr/>
         </p:nvSpPr>
         <p:spPr>
           <a:xfrm>
             <a:off x="729360" y="2079000"/>
-            <a:ext cx="7688520" cy="2260800"/>
+            <a:ext cx="7687800" cy="2260080"/>
           </a:xfrm>
           <a:prstGeom prst="rect">
             <a:avLst/>
@@ -4698,8 +4656,14 @@
             <a:noFill/>
           </a:ln>
         </p:spPr>
+        <p:style>
+          <a:lnRef idx="0"/>
+          <a:fillRef idx="0"/>
+          <a:effectRef idx="0"/>
+          <a:fontRef idx="minor"/>
+        </p:style>
         <p:txBody>
-          <a:bodyPr tIns="91440" bIns="91440"/>
+          <a:bodyPr lIns="90000" rIns="90000" tIns="91440" bIns="91440"/>
           <a:p>
             <a:pPr>
               <a:lnSpc>
@@ -4721,7 +4685,7 @@
               </a:rPr>
               <a:t>Reflection: Soul of Spring</a:t>
             </a:r>
-            <a:endParaRPr b="0" lang="en-US" sz="1400" spc="-1" strike="noStrike">
+            <a:endParaRPr b="0" lang="en-US" sz="1800" spc="-1" strike="noStrike">
               <a:solidFill>
                 <a:srgbClr val="000000"/>
               </a:solidFill>
@@ -4754,7 +4718,7 @@
               </a:rPr>
               <a:t>Multithreading: </a:t>
             </a:r>
-            <a:endParaRPr b="0" lang="en-US" sz="1400" spc="-1" strike="noStrike">
+            <a:endParaRPr b="0" lang="en-US" sz="1800" spc="-1" strike="noStrike">
               <a:solidFill>
                 <a:srgbClr val="000000"/>
               </a:solidFill>
@@ -4819,14 +4783,14 @@
       </p:grpSpPr>
       <p:sp>
         <p:nvSpPr>
-          <p:cNvPr id="111" name="TextShape 1"/>
-          <p:cNvSpPr txBox="1"/>
+          <p:cNvPr id="109" name="CustomShape 1"/>
+          <p:cNvSpPr/>
           <p:nvPr/>
         </p:nvSpPr>
         <p:spPr>
           <a:xfrm>
             <a:off x="729360" y="1318680"/>
-            <a:ext cx="7688520" cy="534960"/>
+            <a:ext cx="7687800" cy="534240"/>
           </a:xfrm>
           <a:prstGeom prst="rect">
             <a:avLst/>
@@ -4836,8 +4800,14 @@
             <a:noFill/>
           </a:ln>
         </p:spPr>
+        <p:style>
+          <a:lnRef idx="0"/>
+          <a:fillRef idx="0"/>
+          <a:effectRef idx="0"/>
+          <a:fontRef idx="minor"/>
+        </p:style>
         <p:txBody>
-          <a:bodyPr tIns="91440" bIns="91440"/>
+          <a:bodyPr lIns="90000" rIns="90000" tIns="91440" bIns="91440"/>
           <a:p>
             <a:pPr>
               <a:lnSpc>
@@ -4859,7 +4829,7 @@
               </a:rPr>
               <a:t>Reflection</a:t>
             </a:r>
-            <a:endParaRPr b="0" lang="en-US" sz="1400" spc="-1" strike="noStrike">
+            <a:endParaRPr b="0" lang="en-US" sz="1800" spc="-1" strike="noStrike">
               <a:solidFill>
                 <a:srgbClr val="000000"/>
               </a:solidFill>
@@ -4875,14 +4845,14 @@
       </p:sp>
       <p:sp>
         <p:nvSpPr>
-          <p:cNvPr id="112" name="TextShape 2"/>
-          <p:cNvSpPr txBox="1"/>
+          <p:cNvPr id="110" name="CustomShape 2"/>
+          <p:cNvSpPr/>
           <p:nvPr/>
         </p:nvSpPr>
         <p:spPr>
           <a:xfrm>
             <a:off x="729360" y="2079000"/>
-            <a:ext cx="7688520" cy="2260800"/>
+            <a:ext cx="7687800" cy="2260080"/>
           </a:xfrm>
           <a:prstGeom prst="rect">
             <a:avLst/>
@@ -4892,8 +4862,14 @@
             <a:noFill/>
           </a:ln>
         </p:spPr>
+        <p:style>
+          <a:lnRef idx="0"/>
+          <a:fillRef idx="0"/>
+          <a:effectRef idx="0"/>
+          <a:fontRef idx="minor"/>
+        </p:style>
         <p:txBody>
-          <a:bodyPr tIns="91440" bIns="91440"/>
+          <a:bodyPr lIns="90000" rIns="90000" tIns="91440" bIns="91440"/>
           <a:p>
             <a:pPr>
               <a:lnSpc>
@@ -4928,8 +4904,26 @@
                 <a:latin typeface="Lato"/>
                 <a:ea typeface="Lato"/>
               </a:rPr>
-              <a:t> makes it possible to inspect classes, interfaces, fields, annotations and </a:t>
-            </a:r>
+              <a:t> makes it possible to inspect classes, interfaces, fields, annotations and methods at runtime, without knowing the names of the classes, methods etc.</a:t>
+            </a:r>
+            <a:endParaRPr b="0" lang="en-US" sz="1800" spc="-1" strike="noStrike">
+              <a:solidFill>
+                <a:srgbClr val="000000"/>
+              </a:solidFill>
+              <a:uFill>
+                <a:solidFill>
+                  <a:srgbClr val="ffffff"/>
+                </a:solidFill>
+              </a:uFill>
+              <a:latin typeface="Arial"/>
+            </a:endParaRPr>
+          </a:p>
+          <a:p>
+            <a:pPr>
+              <a:lnSpc>
+                <a:spcPct val="100000"/>
+              </a:lnSpc>
+            </a:pPr>
             <a:r>
               <a:rPr b="0" lang="en-US" sz="1300" spc="-1" strike="noStrike">
                 <a:solidFill>
@@ -4943,9 +4937,9 @@
                 <a:latin typeface="Lato"/>
                 <a:ea typeface="Lato"/>
               </a:rPr>
-              <a:t>methods at runtime, without knowing the names of the classes, methods etc.</a:t>
-            </a:r>
-            <a:endParaRPr b="0" lang="en-US" sz="1400" spc="-1" strike="noStrike">
+              <a:t>Spring uses Reflection to find annotated Java Classes, methods, variables etc. </a:t>
+            </a:r>
+            <a:endParaRPr b="0" lang="en-US" sz="1800" spc="-1" strike="noStrike">
               <a:solidFill>
                 <a:srgbClr val="000000"/>
               </a:solidFill>
@@ -4976,42 +4970,9 @@
                 <a:latin typeface="Lato"/>
                 <a:ea typeface="Lato"/>
               </a:rPr>
-              <a:t>Spring uses Reflection to find annotated Java Classes, methods, variables etc. </a:t>
-            </a:r>
-            <a:endParaRPr b="0" lang="en-US" sz="1400" spc="-1" strike="noStrike">
-              <a:solidFill>
-                <a:srgbClr val="000000"/>
-              </a:solidFill>
-              <a:uFill>
-                <a:solidFill>
-                  <a:srgbClr val="ffffff"/>
-                </a:solidFill>
-              </a:uFill>
-              <a:latin typeface="Arial"/>
-            </a:endParaRPr>
-          </a:p>
-          <a:p>
-            <a:pPr>
-              <a:lnSpc>
-                <a:spcPct val="100000"/>
-              </a:lnSpc>
-            </a:pPr>
-            <a:r>
-              <a:rPr b="0" lang="en-US" sz="1300" spc="-1" strike="noStrike">
-                <a:solidFill>
-                  <a:srgbClr val="222222"/>
-                </a:solidFill>
-                <a:uFill>
-                  <a:solidFill>
-                    <a:srgbClr val="ffffff"/>
-                  </a:solidFill>
-                </a:uFill>
-                <a:latin typeface="Lato"/>
-                <a:ea typeface="Lato"/>
-              </a:rPr>
               <a:t>Spring is not intrusive to Java code by using reflection.</a:t>
             </a:r>
-            <a:endParaRPr b="0" lang="en-US" sz="1400" spc="-1" strike="noStrike">
+            <a:endParaRPr b="0" lang="en-US" sz="1800" spc="-1" strike="noStrike">
               <a:solidFill>
                 <a:srgbClr val="000000"/>
               </a:solidFill>
@@ -5076,14 +5037,14 @@
       </p:grpSpPr>
       <p:sp>
         <p:nvSpPr>
-          <p:cNvPr id="113" name="TextShape 1"/>
-          <p:cNvSpPr txBox="1"/>
+          <p:cNvPr id="111" name="CustomShape 1"/>
+          <p:cNvSpPr/>
           <p:nvPr/>
         </p:nvSpPr>
         <p:spPr>
           <a:xfrm>
             <a:off x="729360" y="1318680"/>
-            <a:ext cx="7688520" cy="534960"/>
+            <a:ext cx="7687800" cy="534240"/>
           </a:xfrm>
           <a:prstGeom prst="rect">
             <a:avLst/>
@@ -5093,8 +5054,14 @@
             <a:noFill/>
           </a:ln>
         </p:spPr>
+        <p:style>
+          <a:lnRef idx="0"/>
+          <a:fillRef idx="0"/>
+          <a:effectRef idx="0"/>
+          <a:fontRef idx="minor"/>
+        </p:style>
         <p:txBody>
-          <a:bodyPr tIns="91440" bIns="91440"/>
+          <a:bodyPr lIns="90000" rIns="90000" tIns="91440" bIns="91440"/>
           <a:p>
             <a:pPr>
               <a:lnSpc>
@@ -5116,7 +5083,7 @@
               </a:rPr>
               <a:t>Multithreading</a:t>
             </a:r>
-            <a:endParaRPr b="0" lang="en-US" sz="1400" spc="-1" strike="noStrike">
+            <a:endParaRPr b="0" lang="en-US" sz="1800" spc="-1" strike="noStrike">
               <a:solidFill>
                 <a:srgbClr val="000000"/>
               </a:solidFill>
@@ -5132,14 +5099,14 @@
       </p:sp>
       <p:sp>
         <p:nvSpPr>
-          <p:cNvPr id="114" name="TextShape 2"/>
-          <p:cNvSpPr txBox="1"/>
+          <p:cNvPr id="112" name="CustomShape 2"/>
+          <p:cNvSpPr/>
           <p:nvPr/>
         </p:nvSpPr>
         <p:spPr>
           <a:xfrm>
             <a:off x="729360" y="2079000"/>
-            <a:ext cx="7688520" cy="2260800"/>
+            <a:ext cx="7687800" cy="2260080"/>
           </a:xfrm>
           <a:prstGeom prst="rect">
             <a:avLst/>
@@ -5149,8 +5116,14 @@
             <a:noFill/>
           </a:ln>
         </p:spPr>
+        <p:style>
+          <a:lnRef idx="0"/>
+          <a:fillRef idx="0"/>
+          <a:effectRef idx="0"/>
+          <a:fontRef idx="minor"/>
+        </p:style>
         <p:txBody>
-          <a:bodyPr tIns="91440" bIns="91440"/>
+          <a:bodyPr lIns="90000" rIns="90000" tIns="91440" bIns="91440"/>
           <a:p>
             <a:pPr>
               <a:lnSpc>
@@ -5172,7 +5145,7 @@
               </a:rPr>
               <a:t>Multithreading (Concurrency) allows the system to do more than one thing at a time.</a:t>
             </a:r>
-            <a:endParaRPr b="0" lang="en-US" sz="1400" spc="-1" strike="noStrike">
+            <a:endParaRPr b="0" lang="en-US" sz="1800" spc="-1" strike="noStrike">
               <a:solidFill>
                 <a:srgbClr val="000000"/>
               </a:solidFill>
@@ -5205,7 +5178,7 @@
               </a:rPr>
               <a:t>Extends Thread, Implements Runnable, Implements Callable</a:t>
             </a:r>
-            <a:endParaRPr b="0" lang="en-US" sz="1400" spc="-1" strike="noStrike">
+            <a:endParaRPr b="0" lang="en-US" sz="1800" spc="-1" strike="noStrike">
               <a:solidFill>
                 <a:srgbClr val="000000"/>
               </a:solidFill>
@@ -5238,7 +5211,7 @@
               </a:rPr>
               <a:t>Lambda expression</a:t>
             </a:r>
-            <a:endParaRPr b="0" lang="en-US" sz="1400" spc="-1" strike="noStrike">
+            <a:endParaRPr b="0" lang="en-US" sz="1800" spc="-1" strike="noStrike">
               <a:solidFill>
                 <a:srgbClr val="000000"/>
               </a:solidFill>
@@ -5271,7 +5244,7 @@
               </a:rPr>
               <a:t>Synchronization</a:t>
             </a:r>
-            <a:endParaRPr b="0" lang="en-US" sz="1400" spc="-1" strike="noStrike">
+            <a:endParaRPr b="0" lang="en-US" sz="1800" spc="-1" strike="noStrike">
               <a:solidFill>
                 <a:srgbClr val="000000"/>
               </a:solidFill>
@@ -5304,7 +5277,7 @@
               </a:rPr>
               <a:t>ConcurrentHashMap </a:t>
             </a:r>
-            <a:endParaRPr b="0" lang="en-US" sz="1400" spc="-1" strike="noStrike">
+            <a:endParaRPr b="0" lang="en-US" sz="1800" spc="-1" strike="noStrike">
               <a:solidFill>
                 <a:srgbClr val="000000"/>
               </a:solidFill>
@@ -5337,7 +5310,7 @@
               </a:rPr>
               <a:t>Readwrite Locks</a:t>
             </a:r>
-            <a:endParaRPr b="0" lang="en-US" sz="1400" spc="-1" strike="noStrike">
+            <a:endParaRPr b="0" lang="en-US" sz="1800" spc="-1" strike="noStrike">
               <a:solidFill>
                 <a:srgbClr val="000000"/>
               </a:solidFill>
@@ -5402,14 +5375,14 @@
       </p:grpSpPr>
       <p:sp>
         <p:nvSpPr>
-          <p:cNvPr id="115" name="TextShape 1"/>
-          <p:cNvSpPr txBox="1"/>
+          <p:cNvPr id="113" name="CustomShape 1"/>
+          <p:cNvSpPr/>
           <p:nvPr/>
         </p:nvSpPr>
         <p:spPr>
           <a:xfrm>
             <a:off x="729360" y="1318680"/>
-            <a:ext cx="7688520" cy="534960"/>
+            <a:ext cx="7687800" cy="534240"/>
           </a:xfrm>
           <a:prstGeom prst="rect">
             <a:avLst/>
@@ -5419,8 +5392,14 @@
             <a:noFill/>
           </a:ln>
         </p:spPr>
+        <p:style>
+          <a:lnRef idx="0"/>
+          <a:fillRef idx="0"/>
+          <a:effectRef idx="0"/>
+          <a:fontRef idx="minor"/>
+        </p:style>
         <p:txBody>
-          <a:bodyPr tIns="91440" bIns="91440"/>
+          <a:bodyPr lIns="90000" rIns="90000" tIns="91440" bIns="91440"/>
           <a:p>
             <a:pPr>
               <a:lnSpc>
@@ -5442,7 +5421,7 @@
               </a:rPr>
               <a:t>Iterator</a:t>
             </a:r>
-            <a:endParaRPr b="0" lang="en-US" sz="1400" spc="-1" strike="noStrike">
+            <a:endParaRPr b="0" lang="en-US" sz="1800" spc="-1" strike="noStrike">
               <a:solidFill>
                 <a:srgbClr val="000000"/>
               </a:solidFill>
@@ -5458,14 +5437,14 @@
       </p:sp>
       <p:sp>
         <p:nvSpPr>
-          <p:cNvPr id="116" name="TextShape 2"/>
-          <p:cNvSpPr txBox="1"/>
+          <p:cNvPr id="114" name="CustomShape 2"/>
+          <p:cNvSpPr/>
           <p:nvPr/>
         </p:nvSpPr>
         <p:spPr>
           <a:xfrm>
             <a:off x="729360" y="2079000"/>
-            <a:ext cx="7688520" cy="2260800"/>
+            <a:ext cx="7687800" cy="2260080"/>
           </a:xfrm>
           <a:prstGeom prst="rect">
             <a:avLst/>
@@ -5475,8 +5454,14 @@
             <a:noFill/>
           </a:ln>
         </p:spPr>
+        <p:style>
+          <a:lnRef idx="0"/>
+          <a:fillRef idx="0"/>
+          <a:effectRef idx="0"/>
+          <a:fontRef idx="minor"/>
+        </p:style>
         <p:txBody>
-          <a:bodyPr tIns="91440" bIns="91440"/>
+          <a:bodyPr lIns="90000" rIns="90000" tIns="91440" bIns="91440"/>
           <a:p>
             <a:pPr>
               <a:lnSpc>
@@ -5528,7 +5513,7 @@
               </a:rPr>
               <a:t>any need to know its underlying representation.</a:t>
             </a:r>
-            <a:endParaRPr b="0" lang="en-US" sz="1400" spc="-1" strike="noStrike">
+            <a:endParaRPr b="0" lang="en-US" sz="1800" spc="-1" strike="noStrike">
               <a:solidFill>
                 <a:srgbClr val="000000"/>
               </a:solidFill>
@@ -5561,7 +5546,7 @@
               </a:rPr>
               <a:t>Iterator is implemented by basic Java library.</a:t>
             </a:r>
-            <a:endParaRPr b="0" lang="en-US" sz="1400" spc="-1" strike="noStrike">
+            <a:endParaRPr b="0" lang="en-US" sz="1800" spc="-1" strike="noStrike">
               <a:solidFill>
                 <a:srgbClr val="000000"/>
               </a:solidFill>
@@ -5626,14 +5611,14 @@
       </p:grpSpPr>
       <p:sp>
         <p:nvSpPr>
-          <p:cNvPr id="117" name="TextShape 1"/>
-          <p:cNvSpPr txBox="1"/>
+          <p:cNvPr id="115" name="CustomShape 1"/>
+          <p:cNvSpPr/>
           <p:nvPr/>
         </p:nvSpPr>
         <p:spPr>
           <a:xfrm>
             <a:off x="729360" y="1318680"/>
-            <a:ext cx="7688520" cy="534960"/>
+            <a:ext cx="7687800" cy="534240"/>
           </a:xfrm>
           <a:prstGeom prst="rect">
             <a:avLst/>
@@ -5643,8 +5628,14 @@
             <a:noFill/>
           </a:ln>
         </p:spPr>
+        <p:style>
+          <a:lnRef idx="0"/>
+          <a:fillRef idx="0"/>
+          <a:effectRef idx="0"/>
+          <a:fontRef idx="minor"/>
+        </p:style>
         <p:txBody>
-          <a:bodyPr tIns="91440" bIns="91440"/>
+          <a:bodyPr lIns="90000" rIns="90000" tIns="91440" bIns="91440"/>
           <a:p>
             <a:pPr>
               <a:lnSpc>
@@ -5666,7 +5657,7 @@
               </a:rPr>
               <a:t>Generics</a:t>
             </a:r>
-            <a:endParaRPr b="0" lang="en-US" sz="1400" spc="-1" strike="noStrike">
+            <a:endParaRPr b="0" lang="en-US" sz="1800" spc="-1" strike="noStrike">
               <a:solidFill>
                 <a:srgbClr val="000000"/>
               </a:solidFill>
@@ -5682,14 +5673,14 @@
       </p:sp>
       <p:sp>
         <p:nvSpPr>
-          <p:cNvPr id="118" name="TextShape 2"/>
-          <p:cNvSpPr txBox="1"/>
+          <p:cNvPr id="116" name="CustomShape 2"/>
+          <p:cNvSpPr/>
           <p:nvPr/>
         </p:nvSpPr>
         <p:spPr>
           <a:xfrm>
             <a:off x="729360" y="2079000"/>
-            <a:ext cx="7688520" cy="2260800"/>
+            <a:ext cx="7687800" cy="2260080"/>
           </a:xfrm>
           <a:prstGeom prst="rect">
             <a:avLst/>
@@ -5699,8 +5690,14 @@
             <a:noFill/>
           </a:ln>
         </p:spPr>
+        <p:style>
+          <a:lnRef idx="0"/>
+          <a:fillRef idx="0"/>
+          <a:effectRef idx="0"/>
+          <a:fontRef idx="minor"/>
+        </p:style>
         <p:txBody>
-          <a:bodyPr tIns="91440" bIns="91440"/>
+          <a:bodyPr lIns="90000" rIns="90000" tIns="91440" bIns="91440"/>
           <a:p>
             <a:pPr>
               <a:lnSpc>
@@ -5722,7 +5719,7 @@
               </a:rPr>
               <a:t>Designed to extend Java's Type System to allow “a type or method to operate on objects of various types while providing compile-time type safety”. </a:t>
             </a:r>
-            <a:endParaRPr b="0" lang="en-US" sz="1400" spc="-1" strike="noStrike">
+            <a:endParaRPr b="0" lang="en-US" sz="1800" spc="-1" strike="noStrike">
               <a:solidFill>
                 <a:srgbClr val="000000"/>
               </a:solidFill>
@@ -5755,7 +5752,7 @@
               </a:rPr>
               <a:t>It avoids ClassCastException in most cases.</a:t>
             </a:r>
-            <a:endParaRPr b="0" lang="en-US" sz="1400" spc="-1" strike="noStrike">
+            <a:endParaRPr b="0" lang="en-US" sz="1800" spc="-1" strike="noStrike">
               <a:solidFill>
                 <a:srgbClr val="000000"/>
               </a:solidFill>
@@ -5788,7 +5785,7 @@
               </a:rPr>
               <a:t>A simple example:</a:t>
             </a:r>
-            <a:endParaRPr b="0" lang="en-US" sz="1400" spc="-1" strike="noStrike">
+            <a:endParaRPr b="0" lang="en-US" sz="1800" spc="-1" strike="noStrike">
               <a:solidFill>
                 <a:srgbClr val="000000"/>
               </a:solidFill>
@@ -5821,7 +5818,7 @@
               </a:rPr>
               <a:t>Map&lt;K,V&gt;, K and V are Generics that can be replaced by any Class.</a:t>
             </a:r>
-            <a:endParaRPr b="0" lang="en-US" sz="1400" spc="-1" strike="noStrike">
+            <a:endParaRPr b="0" lang="en-US" sz="1800" spc="-1" strike="noStrike">
               <a:solidFill>
                 <a:srgbClr val="000000"/>
               </a:solidFill>
@@ -5854,7 +5851,7 @@
               </a:rPr>
               <a:t>Map&lt;Integer, String&gt; map; </a:t>
             </a:r>
-            <a:endParaRPr b="0" lang="en-US" sz="1400" spc="-1" strike="noStrike">
+            <a:endParaRPr b="0" lang="en-US" sz="1800" spc="-1" strike="noStrike">
               <a:solidFill>
                 <a:srgbClr val="000000"/>
               </a:solidFill>
@@ -5887,7 +5884,7 @@
               </a:rPr>
               <a:t>Map&lt;int, String&gt; does NOT work - primitive type is not allowed.</a:t>
             </a:r>
-            <a:endParaRPr b="0" lang="en-US" sz="1400" spc="-1" strike="noStrike">
+            <a:endParaRPr b="0" lang="en-US" sz="1800" spc="-1" strike="noStrike">
               <a:solidFill>
                 <a:srgbClr val="000000"/>
               </a:solidFill>
@@ -5952,14 +5949,14 @@
       </p:grpSpPr>
       <p:sp>
         <p:nvSpPr>
-          <p:cNvPr id="119" name="TextShape 1"/>
-          <p:cNvSpPr txBox="1"/>
+          <p:cNvPr id="117" name="CustomShape 1"/>
+          <p:cNvSpPr/>
           <p:nvPr/>
         </p:nvSpPr>
         <p:spPr>
           <a:xfrm>
             <a:off x="729360" y="1318680"/>
-            <a:ext cx="7688520" cy="534960"/>
+            <a:ext cx="7687800" cy="534240"/>
           </a:xfrm>
           <a:prstGeom prst="rect">
             <a:avLst/>
@@ -5969,8 +5966,14 @@
             <a:noFill/>
           </a:ln>
         </p:spPr>
+        <p:style>
+          <a:lnRef idx="0"/>
+          <a:fillRef idx="0"/>
+          <a:effectRef idx="0"/>
+          <a:fontRef idx="minor"/>
+        </p:style>
         <p:txBody>
-          <a:bodyPr tIns="91440" bIns="91440"/>
+          <a:bodyPr lIns="90000" rIns="90000" tIns="91440" bIns="91440"/>
           <a:p>
             <a:pPr>
               <a:lnSpc>
@@ -5992,7 +5995,7 @@
               </a:rPr>
               <a:t>Regular Expression</a:t>
             </a:r>
-            <a:endParaRPr b="0" lang="en-US" sz="1400" spc="-1" strike="noStrike">
+            <a:endParaRPr b="0" lang="en-US" sz="1800" spc="-1" strike="noStrike">
               <a:solidFill>
                 <a:srgbClr val="000000"/>
               </a:solidFill>
@@ -6008,14 +6011,14 @@
       </p:sp>
       <p:sp>
         <p:nvSpPr>
-          <p:cNvPr id="120" name="TextShape 2"/>
-          <p:cNvSpPr txBox="1"/>
+          <p:cNvPr id="118" name="CustomShape 2"/>
+          <p:cNvSpPr/>
           <p:nvPr/>
         </p:nvSpPr>
         <p:spPr>
           <a:xfrm>
             <a:off x="729360" y="2079000"/>
-            <a:ext cx="7688520" cy="2260800"/>
+            <a:ext cx="7687800" cy="2260080"/>
           </a:xfrm>
           <a:prstGeom prst="rect">
             <a:avLst/>
@@ -6025,8 +6028,14 @@
             <a:noFill/>
           </a:ln>
         </p:spPr>
+        <p:style>
+          <a:lnRef idx="0"/>
+          <a:fillRef idx="0"/>
+          <a:effectRef idx="0"/>
+          <a:fontRef idx="minor"/>
+        </p:style>
         <p:txBody>
-          <a:bodyPr tIns="91440" bIns="91440"/>
+          <a:bodyPr lIns="90000" rIns="90000" tIns="91440" bIns="91440"/>
           <a:p>
             <a:pPr>
               <a:lnSpc>
@@ -6048,7 +6057,7 @@
               </a:rPr>
               <a:t>Regular expression helps to match a specific sequence of Strings by pre-defined syntax.</a:t>
             </a:r>
-            <a:endParaRPr b="0" lang="en-US" sz="1400" spc="-1" strike="noStrike">
+            <a:endParaRPr b="0" lang="en-US" sz="1800" spc="-1" strike="noStrike">
               <a:solidFill>
                 <a:srgbClr val="000000"/>
               </a:solidFill>
@@ -6081,7 +6090,7 @@
               </a:rPr>
               <a:t>[abc]                a, b, or c (simple class)</a:t>
             </a:r>
-            <a:endParaRPr b="0" lang="en-US" sz="1400" spc="-1" strike="noStrike">
+            <a:endParaRPr b="0" lang="en-US" sz="1800" spc="-1" strike="noStrike">
               <a:solidFill>
                 <a:srgbClr val="000000"/>
               </a:solidFill>
@@ -6114,7 +6123,7 @@
               </a:rPr>
               <a:t>[^abc]            Any character except a, b, or c (negation)</a:t>
             </a:r>
-            <a:endParaRPr b="0" lang="en-US" sz="1400" spc="-1" strike="noStrike">
+            <a:endParaRPr b="0" lang="en-US" sz="1800" spc="-1" strike="noStrike">
               <a:solidFill>
                 <a:srgbClr val="000000"/>
               </a:solidFill>
@@ -6150,7 +6159,7 @@
             <a:r>
               <a:rPr b="0" lang="en-US" sz="1300" spc="-1" strike="noStrike" u="sng">
                 <a:solidFill>
-                  <a:srgbClr val="1c3678"/>
+                  <a:srgbClr val="0000ff"/>
                 </a:solidFill>
                 <a:uFill>
                   <a:solidFill>
@@ -6178,7 +6187,7 @@
               </a:rPr>
               <a:t>)</a:t>
             </a:r>
-            <a:endParaRPr b="0" lang="en-US" sz="1400" spc="-1" strike="noStrike">
+            <a:endParaRPr b="0" lang="en-US" sz="1800" spc="-1" strike="noStrike">
               <a:solidFill>
                 <a:srgbClr val="000000"/>
               </a:solidFill>
@@ -6211,7 +6220,7 @@
               </a:rPr>
               <a:t>\d                     A digit: [0-9]</a:t>
             </a:r>
-            <a:endParaRPr b="0" lang="en-US" sz="1400" spc="-1" strike="noStrike">
+            <a:endParaRPr b="0" lang="en-US" sz="1800" spc="-1" strike="noStrike">
               <a:solidFill>
                 <a:srgbClr val="000000"/>
               </a:solidFill>
@@ -6244,7 +6253,7 @@
               </a:rPr>
               <a:t>\D                    A non-digit: [^0-9]</a:t>
             </a:r>
-            <a:endParaRPr b="0" lang="en-US" sz="1400" spc="-1" strike="noStrike">
+            <a:endParaRPr b="0" lang="en-US" sz="1800" spc="-1" strike="noStrike">
               <a:solidFill>
                 <a:srgbClr val="000000"/>
               </a:solidFill>
@@ -6262,7 +6271,7 @@
                 <a:spcPct val="100000"/>
               </a:lnSpc>
             </a:pPr>
-            <a:endParaRPr b="0" lang="en-US" sz="1400" spc="-1" strike="noStrike">
+            <a:endParaRPr b="0" lang="en-US" sz="1800" spc="-1" strike="noStrike">
               <a:solidFill>
                 <a:srgbClr val="000000"/>
               </a:solidFill>
@@ -6327,14 +6336,14 @@
       </p:grpSpPr>
       <p:sp>
         <p:nvSpPr>
-          <p:cNvPr id="121" name="TextShape 1"/>
-          <p:cNvSpPr txBox="1"/>
+          <p:cNvPr id="119" name="CustomShape 1"/>
+          <p:cNvSpPr/>
           <p:nvPr/>
         </p:nvSpPr>
         <p:spPr>
           <a:xfrm>
             <a:off x="729360" y="1318680"/>
-            <a:ext cx="7688520" cy="534960"/>
+            <a:ext cx="7687800" cy="534240"/>
           </a:xfrm>
           <a:prstGeom prst="rect">
             <a:avLst/>
@@ -6344,8 +6353,14 @@
             <a:noFill/>
           </a:ln>
         </p:spPr>
+        <p:style>
+          <a:lnRef idx="0"/>
+          <a:fillRef idx="0"/>
+          <a:effectRef idx="0"/>
+          <a:fontRef idx="minor"/>
+        </p:style>
         <p:txBody>
-          <a:bodyPr tIns="91440" bIns="91440"/>
+          <a:bodyPr lIns="90000" rIns="90000" tIns="91440" bIns="91440"/>
           <a:p>
             <a:pPr>
               <a:lnSpc>
@@ -6367,7 +6382,7 @@
               </a:rPr>
               <a:t>Regular Expression</a:t>
             </a:r>
-            <a:endParaRPr b="0" lang="en-US" sz="1400" spc="-1" strike="noStrike">
+            <a:endParaRPr b="0" lang="en-US" sz="1800" spc="-1" strike="noStrike">
               <a:solidFill>
                 <a:srgbClr val="000000"/>
               </a:solidFill>
@@ -6383,14 +6398,14 @@
       </p:sp>
       <p:sp>
         <p:nvSpPr>
-          <p:cNvPr id="122" name="TextShape 2"/>
-          <p:cNvSpPr txBox="1"/>
+          <p:cNvPr id="120" name="CustomShape 2"/>
+          <p:cNvSpPr/>
           <p:nvPr/>
         </p:nvSpPr>
         <p:spPr>
           <a:xfrm>
             <a:off x="729360" y="2079000"/>
-            <a:ext cx="7688520" cy="2260800"/>
+            <a:ext cx="7687800" cy="2260080"/>
           </a:xfrm>
           <a:prstGeom prst="rect">
             <a:avLst/>
@@ -6400,8 +6415,14 @@
             <a:noFill/>
           </a:ln>
         </p:spPr>
+        <p:style>
+          <a:lnRef idx="0"/>
+          <a:fillRef idx="0"/>
+          <a:effectRef idx="0"/>
+          <a:fontRef idx="minor"/>
+        </p:style>
         <p:txBody>
-          <a:bodyPr tIns="91440" bIns="91440"/>
+          <a:bodyPr lIns="90000" rIns="90000" tIns="91440" bIns="91440"/>
           <a:p>
             <a:pPr>
               <a:lnSpc>
@@ -6453,7 +6474,7 @@
               </a:rPr>
               <a:t>;</a:t>
             </a:r>
-            <a:endParaRPr b="0" lang="en-US" sz="1400" spc="-1" strike="noStrike">
+            <a:endParaRPr b="0" lang="en-US" sz="1800" spc="-1" strike="noStrike">
               <a:solidFill>
                 <a:srgbClr val="000000"/>
               </a:solidFill>
@@ -6546,7 +6567,7 @@
               </a:rPr>
               <a:t>;</a:t>
             </a:r>
-            <a:endParaRPr b="0" lang="en-US" sz="1400" spc="-1" strike="noStrike">
+            <a:endParaRPr b="0" lang="en-US" sz="1800" spc="-1" strike="noStrike">
               <a:solidFill>
                 <a:srgbClr val="000000"/>
               </a:solidFill>
@@ -6609,7 +6630,7 @@
               </a:rPr>
               <a:t>(pattern);</a:t>
             </a:r>
-            <a:endParaRPr b="0" lang="en-US" sz="1400" spc="-1" strike="noStrike">
+            <a:endParaRPr b="0" lang="en-US" sz="1800" spc="-1" strike="noStrike">
               <a:solidFill>
                 <a:srgbClr val="000000"/>
               </a:solidFill>
@@ -6642,7 +6663,7 @@
               </a:rPr>
               <a:t>Matcher m = r.matcher(line);</a:t>
             </a:r>
-            <a:endParaRPr b="0" lang="en-US" sz="1400" spc="-1" strike="noStrike">
+            <a:endParaRPr b="0" lang="en-US" sz="1800" spc="-1" strike="noStrike">
               <a:solidFill>
                 <a:srgbClr val="000000"/>
               </a:solidFill>
@@ -6690,7 +6711,7 @@
               </a:rPr>
               <a:t>(m.find( )) {</a:t>
             </a:r>
-            <a:endParaRPr b="0" lang="en-US" sz="1400" spc="-1" strike="noStrike">
+            <a:endParaRPr b="0" lang="en-US" sz="1800" spc="-1" strike="noStrike">
               <a:solidFill>
                 <a:srgbClr val="000000"/>
               </a:solidFill>
@@ -6798,7 +6819,7 @@
               </a:rPr>
               <a:t>+ m.group() );</a:t>
             </a:r>
-            <a:endParaRPr b="0" lang="en-US" sz="1400" spc="-1" strike="noStrike">
+            <a:endParaRPr b="0" lang="en-US" sz="1800" spc="-1" strike="noStrike">
               <a:solidFill>
                 <a:srgbClr val="000000"/>
               </a:solidFill>
@@ -6831,7 +6852,7 @@
               </a:rPr>
               <a:t>}</a:t>
             </a:r>
-            <a:endParaRPr b="0" lang="en-US" sz="1400" spc="-1" strike="noStrike">
+            <a:endParaRPr b="0" lang="en-US" sz="1800" spc="-1" strike="noStrike">
               <a:solidFill>
                 <a:srgbClr val="000000"/>
               </a:solidFill>
@@ -6896,14 +6917,14 @@
       </p:grpSpPr>
       <p:sp>
         <p:nvSpPr>
-          <p:cNvPr id="123" name="TextShape 1"/>
-          <p:cNvSpPr txBox="1"/>
+          <p:cNvPr id="121" name="CustomShape 1"/>
+          <p:cNvSpPr/>
           <p:nvPr/>
         </p:nvSpPr>
         <p:spPr>
           <a:xfrm>
             <a:off x="729360" y="1318680"/>
-            <a:ext cx="7688520" cy="534960"/>
+            <a:ext cx="7687800" cy="534240"/>
           </a:xfrm>
           <a:prstGeom prst="rect">
             <a:avLst/>
@@ -6913,8 +6934,14 @@
             <a:noFill/>
           </a:ln>
         </p:spPr>
+        <p:style>
+          <a:lnRef idx="0"/>
+          <a:fillRef idx="0"/>
+          <a:effectRef idx="0"/>
+          <a:fontRef idx="minor"/>
+        </p:style>
         <p:txBody>
-          <a:bodyPr tIns="91440" bIns="91440"/>
+          <a:bodyPr lIns="90000" rIns="90000" tIns="91440" bIns="91440"/>
           <a:p>
             <a:pPr>
               <a:lnSpc>
@@ -6936,7 +6963,7 @@
               </a:rPr>
               <a:t>Stream</a:t>
             </a:r>
-            <a:endParaRPr b="0" lang="en-US" sz="1400" spc="-1" strike="noStrike">
+            <a:endParaRPr b="0" lang="en-US" sz="1800" spc="-1" strike="noStrike">
               <a:solidFill>
                 <a:srgbClr val="000000"/>
               </a:solidFill>
@@ -6952,14 +6979,14 @@
       </p:sp>
       <p:sp>
         <p:nvSpPr>
-          <p:cNvPr id="124" name="TextShape 2"/>
-          <p:cNvSpPr txBox="1"/>
+          <p:cNvPr id="122" name="CustomShape 2"/>
+          <p:cNvSpPr/>
           <p:nvPr/>
         </p:nvSpPr>
         <p:spPr>
           <a:xfrm>
             <a:off x="729360" y="2079000"/>
-            <a:ext cx="7688520" cy="2260800"/>
+            <a:ext cx="7687800" cy="2260080"/>
           </a:xfrm>
           <a:prstGeom prst="rect">
             <a:avLst/>
@@ -6969,8 +6996,14 @@
             <a:noFill/>
           </a:ln>
         </p:spPr>
+        <p:style>
+          <a:lnRef idx="0"/>
+          <a:fillRef idx="0"/>
+          <a:effectRef idx="0"/>
+          <a:fontRef idx="minor"/>
+        </p:style>
         <p:txBody>
-          <a:bodyPr tIns="91440" bIns="91440"/>
+          <a:bodyPr lIns="90000" rIns="90000" tIns="91440" bIns="91440"/>
           <a:p>
             <a:pPr>
               <a:lnSpc>
@@ -6992,7 +7025,7 @@
               </a:rPr>
               <a:t>Stream makes Java Collection a pipeline that can be freely manipulated.</a:t>
             </a:r>
-            <a:endParaRPr b="0" lang="en-US" sz="1400" spc="-1" strike="noStrike">
+            <a:endParaRPr b="0" lang="en-US" sz="1800" spc="-1" strike="noStrike">
               <a:solidFill>
                 <a:srgbClr val="000000"/>
               </a:solidFill>
@@ -7280,7 +7313,7 @@
               </a:rPr>
               <a:t>);</a:t>
             </a:r>
-            <a:endParaRPr b="0" lang="en-US" sz="1400" spc="-1" strike="noStrike">
+            <a:endParaRPr b="0" lang="en-US" sz="1800" spc="-1" strike="noStrike">
               <a:solidFill>
                 <a:srgbClr val="000000"/>
               </a:solidFill>
@@ -7373,7 +7406,7 @@
               </a:rPr>
               <a:t>).count();</a:t>
             </a:r>
-            <a:endParaRPr b="0" lang="en-US" sz="1400" spc="-1" strike="noStrike">
+            <a:endParaRPr b="0" lang="en-US" sz="1800" spc="-1" strike="noStrike">
               <a:solidFill>
                 <a:srgbClr val="000000"/>
               </a:solidFill>
@@ -7481,7 +7514,7 @@
               </a:rPr>
               <a:t>+ count); </a:t>
             </a:r>
-            <a:endParaRPr b="0" lang="en-US" sz="1400" spc="-1" strike="noStrike">
+            <a:endParaRPr b="0" lang="en-US" sz="1800" spc="-1" strike="noStrike">
               <a:solidFill>
                 <a:srgbClr val="000000"/>
               </a:solidFill>
@@ -7559,7 +7592,7 @@
               </a:rPr>
               <a:t>::println); </a:t>
             </a:r>
-            <a:endParaRPr b="0" lang="en-US" sz="1400" spc="-1" strike="noStrike">
+            <a:endParaRPr b="0" lang="en-US" sz="1800" spc="-1" strike="noStrike">
               <a:solidFill>
                 <a:srgbClr val="000000"/>
               </a:solidFill>
@@ -7637,7 +7670,7 @@
               </a:rPr>
               <a:t>.println(strings.stream().reduce((a,b) -&gt; a + b).get());</a:t>
             </a:r>
-            <a:endParaRPr b="0" lang="en-US" sz="1400" spc="-1" strike="noStrike">
+            <a:endParaRPr b="0" lang="en-US" sz="1800" spc="-1" strike="noStrike">
               <a:solidFill>
                 <a:srgbClr val="000000"/>
               </a:solidFill>
@@ -7655,7 +7688,7 @@
                 <a:spcPct val="100000"/>
               </a:lnSpc>
             </a:pPr>
-            <a:endParaRPr b="0" lang="en-US" sz="1400" spc="-1" strike="noStrike">
+            <a:endParaRPr b="0" lang="en-US" sz="1800" spc="-1" strike="noStrike">
               <a:solidFill>
                 <a:srgbClr val="000000"/>
               </a:solidFill>
@@ -7720,14 +7753,14 @@
       </p:grpSpPr>
       <p:sp>
         <p:nvSpPr>
-          <p:cNvPr id="125" name="TextShape 1"/>
-          <p:cNvSpPr txBox="1"/>
+          <p:cNvPr id="123" name="CustomShape 1"/>
+          <p:cNvSpPr/>
           <p:nvPr/>
         </p:nvSpPr>
         <p:spPr>
           <a:xfrm>
             <a:off x="729360" y="1318680"/>
-            <a:ext cx="7688520" cy="534960"/>
+            <a:ext cx="7687800" cy="534240"/>
           </a:xfrm>
           <a:prstGeom prst="rect">
             <a:avLst/>
@@ -7737,8 +7770,14 @@
             <a:noFill/>
           </a:ln>
         </p:spPr>
+        <p:style>
+          <a:lnRef idx="0"/>
+          <a:fillRef idx="0"/>
+          <a:effectRef idx="0"/>
+          <a:fontRef idx="minor"/>
+        </p:style>
         <p:txBody>
-          <a:bodyPr tIns="91440" bIns="91440"/>
+          <a:bodyPr lIns="90000" rIns="90000" tIns="91440" bIns="91440"/>
           <a:p>
             <a:pPr>
               <a:lnSpc>
@@ -7760,7 +7799,7 @@
               </a:rPr>
               <a:t>Annotation</a:t>
             </a:r>
-            <a:endParaRPr b="0" lang="en-US" sz="1400" spc="-1" strike="noStrike">
+            <a:endParaRPr b="0" lang="en-US" sz="1800" spc="-1" strike="noStrike">
               <a:solidFill>
                 <a:srgbClr val="000000"/>
               </a:solidFill>
@@ -7776,14 +7815,14 @@
       </p:sp>
       <p:sp>
         <p:nvSpPr>
-          <p:cNvPr id="126" name="TextShape 2"/>
-          <p:cNvSpPr txBox="1"/>
+          <p:cNvPr id="124" name="CustomShape 2"/>
+          <p:cNvSpPr/>
           <p:nvPr/>
         </p:nvSpPr>
         <p:spPr>
           <a:xfrm>
             <a:off x="729360" y="2079000"/>
-            <a:ext cx="7688520" cy="2260800"/>
+            <a:ext cx="7687800" cy="2260080"/>
           </a:xfrm>
           <a:prstGeom prst="rect">
             <a:avLst/>
@@ -7793,8 +7832,14 @@
             <a:noFill/>
           </a:ln>
         </p:spPr>
+        <p:style>
+          <a:lnRef idx="0"/>
+          <a:fillRef idx="0"/>
+          <a:effectRef idx="0"/>
+          <a:fontRef idx="minor"/>
+        </p:style>
         <p:txBody>
-          <a:bodyPr tIns="91440" bIns="91440"/>
+          <a:bodyPr lIns="90000" rIns="90000" tIns="91440" bIns="91440"/>
           <a:p>
             <a:pPr>
               <a:lnSpc>
@@ -7906,7 +7951,7 @@
               </a:rPr>
               <a:t> source code.</a:t>
             </a:r>
-            <a:endParaRPr b="0" lang="en-US" sz="1400" spc="-1" strike="noStrike">
+            <a:endParaRPr b="0" lang="en-US" sz="1800" spc="-1" strike="noStrike">
               <a:solidFill>
                 <a:srgbClr val="000000"/>
               </a:solidFill>
@@ -7939,7 +7984,7 @@
               </a:rPr>
               <a:t>It’s one of the most important feature that Spring relies on:</a:t>
             </a:r>
-            <a:endParaRPr b="0" lang="en-US" sz="1400" spc="-1" strike="noStrike">
+            <a:endParaRPr b="0" lang="en-US" sz="1800" spc="-1" strike="noStrike">
               <a:solidFill>
                 <a:srgbClr val="000000"/>
               </a:solidFill>
@@ -7972,7 +8017,7 @@
               </a:rPr>
               <a:t>@SpringBootApplication</a:t>
             </a:r>
-            <a:endParaRPr b="0" lang="en-US" sz="1400" spc="-1" strike="noStrike">
+            <a:endParaRPr b="0" lang="en-US" sz="1800" spc="-1" strike="noStrike">
               <a:solidFill>
                 <a:srgbClr val="000000"/>
               </a:solidFill>
@@ -8020,7 +8065,7 @@
               </a:rPr>
               <a:t>Boot {</a:t>
             </a:r>
-            <a:endParaRPr b="0" lang="en-US" sz="1400" spc="-1" strike="noStrike">
+            <a:endParaRPr b="0" lang="en-US" sz="1800" spc="-1" strike="noStrike">
               <a:solidFill>
                 <a:srgbClr val="000000"/>
               </a:solidFill>
@@ -8113,7 +8158,7 @@
               </a:rPr>
               <a:t>Exception {</a:t>
             </a:r>
-            <a:endParaRPr b="0" lang="en-US" sz="1400" spc="-1" strike="noStrike">
+            <a:endParaRPr b="0" lang="en-US" sz="1800" spc="-1" strike="noStrike">
               <a:solidFill>
                 <a:srgbClr val="000000"/>
               </a:solidFill>
@@ -8221,7 +8266,7 @@
               </a:rPr>
               <a:t>, args);</a:t>
             </a:r>
-            <a:endParaRPr b="0" lang="en-US" sz="1400" spc="-1" strike="noStrike">
+            <a:endParaRPr b="0" lang="en-US" sz="1800" spc="-1" strike="noStrike">
               <a:solidFill>
                 <a:srgbClr val="000000"/>
               </a:solidFill>
@@ -8269,7 +8314,7 @@
               </a:rPr>
               <a:t>}}</a:t>
             </a:r>
-            <a:endParaRPr b="0" lang="en-US" sz="1400" spc="-1" strike="noStrike">
+            <a:endParaRPr b="0" lang="en-US" sz="1800" spc="-1" strike="noStrike">
               <a:solidFill>
                 <a:srgbClr val="000000"/>
               </a:solidFill>
@@ -8334,14 +8379,14 @@
       </p:grpSpPr>
       <p:sp>
         <p:nvSpPr>
-          <p:cNvPr id="84" name="TextShape 1"/>
-          <p:cNvSpPr txBox="1"/>
+          <p:cNvPr id="82" name="CustomShape 1"/>
+          <p:cNvSpPr/>
           <p:nvPr/>
         </p:nvSpPr>
         <p:spPr>
           <a:xfrm>
             <a:off x="729360" y="1318680"/>
-            <a:ext cx="7688520" cy="534960"/>
+            <a:ext cx="7687800" cy="534240"/>
           </a:xfrm>
           <a:prstGeom prst="rect">
             <a:avLst/>
@@ -8351,8 +8396,14 @@
             <a:noFill/>
           </a:ln>
         </p:spPr>
+        <p:style>
+          <a:lnRef idx="0"/>
+          <a:fillRef idx="0"/>
+          <a:effectRef idx="0"/>
+          <a:fontRef idx="minor"/>
+        </p:style>
         <p:txBody>
-          <a:bodyPr tIns="91440" bIns="91440"/>
+          <a:bodyPr lIns="90000" rIns="90000" tIns="91440" bIns="91440"/>
           <a:p>
             <a:pPr>
               <a:lnSpc>
@@ -8374,7 +8425,7 @@
               </a:rPr>
               <a:t>Introduction</a:t>
             </a:r>
-            <a:endParaRPr b="0" lang="en-US" sz="1400" spc="-1" strike="noStrike">
+            <a:endParaRPr b="0" lang="en-US" sz="1800" spc="-1" strike="noStrike">
               <a:solidFill>
                 <a:srgbClr val="000000"/>
               </a:solidFill>
@@ -8390,14 +8441,14 @@
       </p:sp>
       <p:sp>
         <p:nvSpPr>
-          <p:cNvPr id="85" name="TextShape 2"/>
-          <p:cNvSpPr txBox="1"/>
+          <p:cNvPr id="83" name="CustomShape 2"/>
+          <p:cNvSpPr/>
           <p:nvPr/>
         </p:nvSpPr>
         <p:spPr>
           <a:xfrm>
             <a:off x="729360" y="2079000"/>
-            <a:ext cx="7688520" cy="2260800"/>
+            <a:ext cx="7687800" cy="2260080"/>
           </a:xfrm>
           <a:prstGeom prst="rect">
             <a:avLst/>
@@ -8407,8 +8458,14 @@
             <a:noFill/>
           </a:ln>
         </p:spPr>
+        <p:style>
+          <a:lnRef idx="0"/>
+          <a:fillRef idx="0"/>
+          <a:effectRef idx="0"/>
+          <a:fontRef idx="minor"/>
+        </p:style>
         <p:txBody>
-          <a:bodyPr tIns="91440" bIns="91440"/>
+          <a:bodyPr lIns="90000" rIns="90000" tIns="91440" bIns="91440"/>
           <a:p>
             <a:pPr>
               <a:lnSpc>
@@ -8595,7 +8652,7 @@
               </a:rPr>
               <a:t> SE), providing an API for object-relational mapping, distributed and multi-tier architectures, and web services.</a:t>
             </a:r>
-            <a:endParaRPr b="0" lang="en-US" sz="1400" spc="-1" strike="noStrike">
+            <a:endParaRPr b="0" lang="en-US" sz="1800" spc="-1" strike="noStrike">
               <a:solidFill>
                 <a:srgbClr val="000000"/>
               </a:solidFill>
@@ -8628,7 +8685,7 @@
               </a:rPr>
               <a:t>JavaEE is a set of standards - not a programming language.</a:t>
             </a:r>
-            <a:endParaRPr b="0" lang="en-US" sz="1400" spc="-1" strike="noStrike">
+            <a:endParaRPr b="0" lang="en-US" sz="1800" spc="-1" strike="noStrike">
               <a:solidFill>
                 <a:srgbClr val="000000"/>
               </a:solidFill>
@@ -8693,14 +8750,14 @@
       </p:grpSpPr>
       <p:sp>
         <p:nvSpPr>
-          <p:cNvPr id="127" name="TextShape 1"/>
-          <p:cNvSpPr txBox="1"/>
+          <p:cNvPr id="125" name="CustomShape 1"/>
+          <p:cNvSpPr/>
           <p:nvPr/>
         </p:nvSpPr>
         <p:spPr>
           <a:xfrm>
             <a:off x="729360" y="1318680"/>
-            <a:ext cx="7688520" cy="534960"/>
+            <a:ext cx="7687800" cy="534240"/>
           </a:xfrm>
           <a:prstGeom prst="rect">
             <a:avLst/>
@@ -8710,8 +8767,14 @@
             <a:noFill/>
           </a:ln>
         </p:spPr>
+        <p:style>
+          <a:lnRef idx="0"/>
+          <a:fillRef idx="0"/>
+          <a:effectRef idx="0"/>
+          <a:fontRef idx="minor"/>
+        </p:style>
         <p:txBody>
-          <a:bodyPr tIns="91440" bIns="91440"/>
+          <a:bodyPr lIns="90000" rIns="90000" tIns="91440" bIns="91440"/>
           <a:p>
             <a:pPr>
               <a:lnSpc>
@@ -8733,7 +8796,7 @@
               </a:rPr>
               <a:t>Lambda</a:t>
             </a:r>
-            <a:endParaRPr b="0" lang="en-US" sz="1400" spc="-1" strike="noStrike">
+            <a:endParaRPr b="0" lang="en-US" sz="1800" spc="-1" strike="noStrike">
               <a:solidFill>
                 <a:srgbClr val="000000"/>
               </a:solidFill>
@@ -8749,14 +8812,14 @@
       </p:sp>
       <p:sp>
         <p:nvSpPr>
-          <p:cNvPr id="128" name="TextShape 2"/>
-          <p:cNvSpPr txBox="1"/>
+          <p:cNvPr id="126" name="CustomShape 2"/>
+          <p:cNvSpPr/>
           <p:nvPr/>
         </p:nvSpPr>
         <p:spPr>
           <a:xfrm>
             <a:off x="729360" y="2079000"/>
-            <a:ext cx="7688520" cy="2260800"/>
+            <a:ext cx="7687800" cy="2260080"/>
           </a:xfrm>
           <a:prstGeom prst="rect">
             <a:avLst/>
@@ -8766,8 +8829,14 @@
             <a:noFill/>
           </a:ln>
         </p:spPr>
+        <p:style>
+          <a:lnRef idx="0"/>
+          <a:fillRef idx="0"/>
+          <a:effectRef idx="0"/>
+          <a:fontRef idx="minor"/>
+        </p:style>
         <p:txBody>
-          <a:bodyPr tIns="91440" bIns="91440"/>
+          <a:bodyPr lIns="90000" rIns="90000" tIns="91440" bIns="91440"/>
           <a:p>
             <a:pPr>
               <a:lnSpc>
@@ -8789,7 +8858,7 @@
               </a:rPr>
               <a:t>A lambda expression represents an anonymous function. The basic format is ()-&gt;{expression}</a:t>
             </a:r>
-            <a:endParaRPr b="0" lang="en-US" sz="1400" spc="-1" strike="noStrike">
+            <a:endParaRPr b="0" lang="en-US" sz="1800" spc="-1" strike="noStrike">
               <a:solidFill>
                 <a:srgbClr val="000000"/>
               </a:solidFill>
@@ -8972,20 +9041,20 @@
               </a:rPr>
               <a:t>);};</a:t>
             </a:r>
-            <a:endParaRPr b="0" lang="en-US" sz="1400" spc="-1" strike="noStrike">
-              <a:solidFill>
-                <a:srgbClr val="000000"/>
-              </a:solidFill>
-              <a:uFill>
-                <a:solidFill>
-                  <a:srgbClr val="ffffff"/>
-                </a:solidFill>
-              </a:uFill>
-              <a:latin typeface="Arial"/>
-            </a:endParaRPr>
-          </a:p>
-          <a:p>
-            <a:pPr>
+            <a:endParaRPr b="0" lang="en-US" sz="1800" spc="-1" strike="noStrike">
+              <a:solidFill>
+                <a:srgbClr val="000000"/>
+              </a:solidFill>
+              <a:uFill>
+                <a:solidFill>
+                  <a:srgbClr val="ffffff"/>
+                </a:solidFill>
+              </a:uFill>
+              <a:latin typeface="Arial"/>
+            </a:endParaRPr>
+          </a:p>
+          <a:p>
+            <a:pPr marL="88920">
               <a:lnSpc>
                 <a:spcPct val="142000"/>
               </a:lnSpc>
@@ -9005,7 +9074,7 @@
               </a:rPr>
               <a:t>Before Java 8, it’s so painful....</a:t>
             </a:r>
-            <a:endParaRPr b="0" lang="en-US" sz="1400" spc="-1" strike="noStrike">
+            <a:endParaRPr b="0" lang="en-US" sz="1800" spc="-1" strike="noStrike">
               <a:solidFill>
                 <a:srgbClr val="000000"/>
               </a:solidFill>
@@ -9083,7 +9152,7 @@
               </a:rPr>
               <a:t>Callable&lt;String&gt;() {</a:t>
             </a:r>
-            <a:endParaRPr b="0" lang="en-US" sz="1400" spc="-1" strike="noStrike">
+            <a:endParaRPr b="0" lang="en-US" sz="1800" spc="-1" strike="noStrike">
               <a:solidFill>
                 <a:srgbClr val="000000"/>
               </a:solidFill>
@@ -9176,7 +9245,7 @@
               </a:rPr>
               <a:t>Exception {</a:t>
             </a:r>
-            <a:endParaRPr b="0" lang="en-US" sz="1400" spc="-1" strike="noStrike">
+            <a:endParaRPr b="0" lang="en-US" sz="1800" spc="-1" strike="noStrike">
               <a:solidFill>
                 <a:srgbClr val="000000"/>
               </a:solidFill>
@@ -9284,7 +9353,7 @@
               </a:rPr>
               <a:t>);</a:t>
             </a:r>
-            <a:endParaRPr b="0" lang="en-US" sz="1400" spc="-1" strike="noStrike">
+            <a:endParaRPr b="0" lang="en-US" sz="1800" spc="-1" strike="noStrike">
               <a:solidFill>
                 <a:srgbClr val="000000"/>
               </a:solidFill>
@@ -9392,7 +9461,7 @@
               </a:rPr>
               <a:t>);</a:t>
             </a:r>
-            <a:endParaRPr b="0" lang="en-US" sz="1400" spc="-1" strike="noStrike">
+            <a:endParaRPr b="0" lang="en-US" sz="1800" spc="-1" strike="noStrike">
               <a:solidFill>
                 <a:srgbClr val="000000"/>
               </a:solidFill>
@@ -9440,7 +9509,7 @@
               </a:rPr>
               <a:t>}};</a:t>
             </a:r>
-            <a:endParaRPr b="0" lang="en-US" sz="1400" spc="-1" strike="noStrike">
+            <a:endParaRPr b="0" lang="en-US" sz="1800" spc="-1" strike="noStrike">
               <a:solidFill>
                 <a:srgbClr val="000000"/>
               </a:solidFill>
@@ -9458,7 +9527,7 @@
                 <a:spcPct val="142000"/>
               </a:lnSpc>
             </a:pPr>
-            <a:endParaRPr b="0" lang="en-US" sz="1400" spc="-1" strike="noStrike">
+            <a:endParaRPr b="0" lang="en-US" sz="1800" spc="-1" strike="noStrike">
               <a:solidFill>
                 <a:srgbClr val="000000"/>
               </a:solidFill>
@@ -9476,7 +9545,7 @@
                 <a:spcPct val="100000"/>
               </a:lnSpc>
             </a:pPr>
-            <a:endParaRPr b="0" lang="en-US" sz="1400" spc="-1" strike="noStrike">
+            <a:endParaRPr b="0" lang="en-US" sz="1800" spc="-1" strike="noStrike">
               <a:solidFill>
                 <a:srgbClr val="000000"/>
               </a:solidFill>
@@ -9541,14 +9610,14 @@
       </p:grpSpPr>
       <p:sp>
         <p:nvSpPr>
-          <p:cNvPr id="129" name="TextShape 1"/>
-          <p:cNvSpPr txBox="1"/>
+          <p:cNvPr id="127" name="CustomShape 1"/>
+          <p:cNvSpPr/>
           <p:nvPr/>
         </p:nvSpPr>
         <p:spPr>
           <a:xfrm>
             <a:off x="729360" y="1318680"/>
-            <a:ext cx="7688520" cy="534960"/>
+            <a:ext cx="7687800" cy="534240"/>
           </a:xfrm>
           <a:prstGeom prst="rect">
             <a:avLst/>
@@ -9558,8 +9627,14 @@
             <a:noFill/>
           </a:ln>
         </p:spPr>
+        <p:style>
+          <a:lnRef idx="0"/>
+          <a:fillRef idx="0"/>
+          <a:effectRef idx="0"/>
+          <a:fontRef idx="minor"/>
+        </p:style>
         <p:txBody>
-          <a:bodyPr tIns="91440" bIns="91440"/>
+          <a:bodyPr lIns="90000" rIns="90000" tIns="91440" bIns="91440"/>
           <a:p>
             <a:pPr>
               <a:lnSpc>
@@ -9581,7 +9656,7 @@
               </a:rPr>
               <a:t>OOP and SOLID</a:t>
             </a:r>
-            <a:endParaRPr b="0" lang="en-US" sz="1400" spc="-1" strike="noStrike">
+            <a:endParaRPr b="0" lang="en-US" sz="1800" spc="-1" strike="noStrike">
               <a:solidFill>
                 <a:srgbClr val="000000"/>
               </a:solidFill>
@@ -9597,14 +9672,14 @@
       </p:sp>
       <p:sp>
         <p:nvSpPr>
-          <p:cNvPr id="130" name="TextShape 2"/>
-          <p:cNvSpPr txBox="1"/>
+          <p:cNvPr id="128" name="CustomShape 2"/>
+          <p:cNvSpPr/>
           <p:nvPr/>
         </p:nvSpPr>
         <p:spPr>
           <a:xfrm>
             <a:off x="729360" y="2079000"/>
-            <a:ext cx="4563000" cy="2260800"/>
+            <a:ext cx="4562280" cy="2260080"/>
           </a:xfrm>
           <a:prstGeom prst="rect">
             <a:avLst/>
@@ -9614,8 +9689,14 @@
             <a:noFill/>
           </a:ln>
         </p:spPr>
+        <p:style>
+          <a:lnRef idx="0"/>
+          <a:fillRef idx="0"/>
+          <a:effectRef idx="0"/>
+          <a:fontRef idx="minor"/>
+        </p:style>
         <p:txBody>
-          <a:bodyPr tIns="91440" bIns="91440"/>
+          <a:bodyPr lIns="90000" rIns="90000" tIns="91440" bIns="91440"/>
           <a:p>
             <a:pPr>
               <a:lnSpc>
@@ -9637,7 +9718,7 @@
               </a:rPr>
               <a:t>Java is an Object-oriented programming language</a:t>
             </a:r>
-            <a:endParaRPr b="0" lang="en-US" sz="1400" spc="-1" strike="noStrike">
+            <a:endParaRPr b="0" lang="en-US" sz="1800" spc="-1" strike="noStrike">
               <a:solidFill>
                 <a:srgbClr val="000000"/>
               </a:solidFill>
@@ -9670,7 +9751,7 @@
               </a:rPr>
               <a:t>Everything in the world can be considered an Object</a:t>
             </a:r>
-            <a:endParaRPr b="0" lang="en-US" sz="1400" spc="-1" strike="noStrike">
+            <a:endParaRPr b="0" lang="en-US" sz="1800" spc="-1" strike="noStrike">
               <a:solidFill>
                 <a:srgbClr val="000000"/>
               </a:solidFill>
@@ -9703,7 +9784,7 @@
               </a:rPr>
               <a:t>A cat is an Object, but the nose, the legs of a cat are also Objects</a:t>
             </a:r>
-            <a:endParaRPr b="0" lang="en-US" sz="1400" spc="-1" strike="noStrike">
+            <a:endParaRPr b="0" lang="en-US" sz="1800" spc="-1" strike="noStrike">
               <a:solidFill>
                 <a:srgbClr val="000000"/>
               </a:solidFill>
@@ -9719,7 +9800,7 @@
       </p:sp>
       <p:pic>
         <p:nvPicPr>
-          <p:cNvPr id="131" name="Shape 217" descr=""/>
+          <p:cNvPr id="129" name="Shape 217" descr=""/>
           <p:cNvPicPr/>
           <p:nvPr/>
         </p:nvPicPr>
@@ -9730,7 +9811,7 @@
         <p:spPr>
           <a:xfrm>
             <a:off x="5465520" y="2079000"/>
-            <a:ext cx="2952360" cy="2761920"/>
+            <a:ext cx="2951640" cy="2761200"/>
           </a:xfrm>
           <a:prstGeom prst="rect">
             <a:avLst/>
@@ -9791,14 +9872,14 @@
       </p:grpSpPr>
       <p:sp>
         <p:nvSpPr>
-          <p:cNvPr id="132" name="TextShape 1"/>
-          <p:cNvSpPr txBox="1"/>
+          <p:cNvPr id="130" name="CustomShape 1"/>
+          <p:cNvSpPr/>
           <p:nvPr/>
         </p:nvSpPr>
         <p:spPr>
           <a:xfrm>
             <a:off x="729360" y="1318680"/>
-            <a:ext cx="7688520" cy="534960"/>
+            <a:ext cx="7687800" cy="534240"/>
           </a:xfrm>
           <a:prstGeom prst="rect">
             <a:avLst/>
@@ -9808,6 +9889,12 @@
             <a:noFill/>
           </a:ln>
         </p:spPr>
+        <p:style>
+          <a:lnRef idx="0"/>
+          <a:fillRef idx="0"/>
+          <a:effectRef idx="0"/>
+          <a:fontRef idx="minor"/>
+        </p:style>
         <p:txBody>
           <a:bodyPr lIns="0" rIns="0" tIns="0" bIns="0" anchor="ctr"/>
           <a:p>
@@ -9822,10 +9909,11 @@
                   </a:solidFill>
                 </a:uFill>
                 <a:latin typeface="Arial"/>
+                <a:ea typeface="DejaVu Sans"/>
               </a:rPr>
               <a:t>Web Application Architecture</a:t>
             </a:r>
-            <a:endParaRPr b="0" lang="en-US" sz="1400" spc="-1" strike="noStrike">
+            <a:endParaRPr b="0" lang="en-US" sz="1800" spc="-1" strike="noStrike">
               <a:solidFill>
                 <a:srgbClr val="000000"/>
               </a:solidFill>
@@ -9841,7 +9929,7 @@
       </p:sp>
       <p:pic>
         <p:nvPicPr>
-          <p:cNvPr id="133" name="" descr=""/>
+          <p:cNvPr id="131" name="" descr=""/>
           <p:cNvPicPr/>
           <p:nvPr/>
         </p:nvPicPr>
@@ -9852,7 +9940,7 @@
         <p:spPr>
           <a:xfrm>
             <a:off x="1920240" y="1828800"/>
-            <a:ext cx="5029200" cy="3074400"/>
+            <a:ext cx="5028480" cy="3073680"/>
           </a:xfrm>
           <a:prstGeom prst="rect">
             <a:avLst/>
@@ -9864,6 +9952,33 @@
       </p:pic>
     </p:spTree>
   </p:cSld>
+  <p:timing>
+    <p:tnLst>
+      <p:par>
+        <p:cTn id="43" dur="indefinite" restart="never" nodeType="tmRoot">
+          <p:childTnLst>
+            <p:seq>
+              <p:cTn id="44" nodeType="mainSeq"/>
+              <p:prevCondLst>
+                <p:cond delay="0" evt="onPrev">
+                  <p:tgtEl>
+                    <p:sldTgt/>
+                  </p:tgtEl>
+                </p:cond>
+              </p:prevCondLst>
+              <p:nextCondLst>
+                <p:cond delay="0" evt="onNext">
+                  <p:tgtEl>
+                    <p:sldTgt/>
+                  </p:tgtEl>
+                </p:cond>
+              </p:nextCondLst>
+            </p:seq>
+          </p:childTnLst>
+        </p:cTn>
+      </p:par>
+    </p:tnLst>
+  </p:timing>
 </p:sld>
 </file>
 
@@ -9886,14 +10001,14 @@
       </p:grpSpPr>
       <p:sp>
         <p:nvSpPr>
-          <p:cNvPr id="134" name="TextShape 1"/>
-          <p:cNvSpPr txBox="1"/>
+          <p:cNvPr id="132" name="CustomShape 1"/>
+          <p:cNvSpPr/>
           <p:nvPr/>
         </p:nvSpPr>
         <p:spPr>
           <a:xfrm>
             <a:off x="729360" y="1318680"/>
-            <a:ext cx="7688520" cy="534960"/>
+            <a:ext cx="7687800" cy="534240"/>
           </a:xfrm>
           <a:prstGeom prst="rect">
             <a:avLst/>
@@ -9903,8 +10018,14 @@
             <a:noFill/>
           </a:ln>
         </p:spPr>
+        <p:style>
+          <a:lnRef idx="0"/>
+          <a:fillRef idx="0"/>
+          <a:effectRef idx="0"/>
+          <a:fontRef idx="minor"/>
+        </p:style>
         <p:txBody>
-          <a:bodyPr tIns="91440" bIns="91440"/>
+          <a:bodyPr lIns="90000" rIns="90000" tIns="91440" bIns="91440"/>
           <a:p>
             <a:pPr>
               <a:lnSpc>
@@ -9926,7 +10047,7 @@
               </a:rPr>
               <a:t>Tomcat</a:t>
             </a:r>
-            <a:endParaRPr b="0" lang="en-US" sz="1400" spc="-1" strike="noStrike">
+            <a:endParaRPr b="0" lang="en-US" sz="1800" spc="-1" strike="noStrike">
               <a:solidFill>
                 <a:srgbClr val="000000"/>
               </a:solidFill>
@@ -9942,14 +10063,14 @@
       </p:sp>
       <p:sp>
         <p:nvSpPr>
-          <p:cNvPr id="135" name="TextShape 2"/>
-          <p:cNvSpPr txBox="1"/>
+          <p:cNvPr id="133" name="CustomShape 2"/>
+          <p:cNvSpPr/>
           <p:nvPr/>
         </p:nvSpPr>
         <p:spPr>
           <a:xfrm>
             <a:off x="729360" y="2079000"/>
-            <a:ext cx="7688520" cy="2260800"/>
+            <a:ext cx="7687800" cy="2260080"/>
           </a:xfrm>
           <a:prstGeom prst="rect">
             <a:avLst/>
@@ -9959,10 +10080,19 @@
             <a:noFill/>
           </a:ln>
         </p:spPr>
+        <p:style>
+          <a:lnRef idx="0"/>
+          <a:fillRef idx="0"/>
+          <a:effectRef idx="0"/>
+          <a:fontRef idx="minor"/>
+        </p:style>
         <p:txBody>
-          <a:bodyPr tIns="91440" bIns="91440"/>
-          <a:p>
-            <a:pPr marL="432000" indent="-324000">
+          <a:bodyPr lIns="90000" rIns="90000" tIns="91440" bIns="91440"/>
+          <a:p>
+            <a:pPr marL="432000" indent="-323280">
+              <a:lnSpc>
+                <a:spcPct val="100000"/>
+              </a:lnSpc>
               <a:buClr>
                 <a:srgbClr val="000000"/>
               </a:buClr>
@@ -9981,23 +10111,27 @@
                   </a:solidFill>
                 </a:uFill>
                 <a:latin typeface="Arial"/>
+                <a:ea typeface="DejaVu Sans"/>
               </a:rPr>
               <a:t>The Apache Tomcat® software is an open source implementation of the Java Servlet, JavaServer Pages, Java Expression Language and Java WebSocket technologies. </a:t>
             </a:r>
-            <a:endParaRPr b="0" lang="en-US" sz="1300" spc="-1" strike="noStrike">
-              <a:solidFill>
-                <a:srgbClr val="000000"/>
-              </a:solidFill>
-              <a:uFill>
-                <a:solidFill>
-                  <a:srgbClr val="ffffff"/>
-                </a:solidFill>
-              </a:uFill>
-              <a:latin typeface="Arial"/>
-            </a:endParaRPr>
-          </a:p>
-          <a:p>
-            <a:pPr marL="432000" indent="-324000">
+            <a:endParaRPr b="0" lang="en-US" sz="1800" spc="-1" strike="noStrike">
+              <a:solidFill>
+                <a:srgbClr val="000000"/>
+              </a:solidFill>
+              <a:uFill>
+                <a:solidFill>
+                  <a:srgbClr val="ffffff"/>
+                </a:solidFill>
+              </a:uFill>
+              <a:latin typeface="Arial"/>
+            </a:endParaRPr>
+          </a:p>
+          <a:p>
+            <a:pPr marL="432000" indent="-323280">
+              <a:lnSpc>
+                <a:spcPct val="100000"/>
+              </a:lnSpc>
               <a:buClr>
                 <a:srgbClr val="000000"/>
               </a:buClr>
@@ -10016,80 +10150,11 @@
                   </a:solidFill>
                 </a:uFill>
                 <a:latin typeface="Arial"/>
-              </a:rPr>
-              <a:t>Installation: http://tomcat.apache.org/</a:t>
-            </a:r>
-            <a:endParaRPr b="0" lang="en-US" sz="1300" spc="-1" strike="noStrike">
-              <a:solidFill>
-                <a:srgbClr val="000000"/>
-              </a:solidFill>
-              <a:uFill>
-                <a:solidFill>
-                  <a:srgbClr val="ffffff"/>
-                </a:solidFill>
-              </a:uFill>
-              <a:latin typeface="Arial"/>
-            </a:endParaRPr>
-          </a:p>
-          <a:p>
-            <a:pPr marL="432000" indent="-324000">
-              <a:buClr>
-                <a:srgbClr val="000000"/>
-              </a:buClr>
-              <a:buSzPct val="45000"/>
-              <a:buFont typeface="Wingdings" charset="2"/>
-              <a:buChar char=""/>
-            </a:pPr>
-            <a:r>
-              <a:rPr b="0" lang="en-US" sz="1300" spc="-1" strike="noStrike">
-                <a:solidFill>
-                  <a:srgbClr val="000000"/>
-                </a:solidFill>
-                <a:uFill>
-                  <a:solidFill>
-                    <a:srgbClr val="ffffff"/>
-                  </a:solidFill>
-                </a:uFill>
-                <a:latin typeface="Arial"/>
-              </a:rPr>
-              <a:t>Configuration</a:t>
-            </a:r>
-            <a:endParaRPr b="0" lang="en-US" sz="1300" spc="-1" strike="noStrike">
-              <a:solidFill>
-                <a:srgbClr val="000000"/>
-              </a:solidFill>
-              <a:uFill>
-                <a:solidFill>
-                  <a:srgbClr val="ffffff"/>
-                </a:solidFill>
-              </a:uFill>
-              <a:latin typeface="Arial"/>
-            </a:endParaRPr>
-          </a:p>
-          <a:p>
-            <a:pPr marL="432000" indent="-324000">
-              <a:buClr>
-                <a:srgbClr val="000000"/>
-              </a:buClr>
-              <a:buSzPct val="45000"/>
-              <a:buFont typeface="Wingdings" charset="2"/>
-              <a:buChar char=""/>
-            </a:pPr>
-            <a:r>
-              <a:rPr b="0" lang="en-US" sz="1300" spc="-1" strike="noStrike">
-                <a:solidFill>
-                  <a:srgbClr val="000000"/>
-                </a:solidFill>
-                <a:uFill>
-                  <a:solidFill>
-                    <a:srgbClr val="ffffff"/>
-                  </a:solidFill>
-                </a:uFill>
-                <a:latin typeface="Arial"/>
-              </a:rPr>
-              <a:t> </a:t>
-            </a:r>
-            <a:endParaRPr b="0" lang="en-US" sz="1300" spc="-1" strike="noStrike">
+                <a:ea typeface="DejaVu Sans"/>
+              </a:rPr>
+              <a:t>Installation: http://tomcat.apache.org/ </a:t>
+            </a:r>
+            <a:endParaRPr b="0" lang="en-US" sz="1800" spc="-1" strike="noStrike">
               <a:solidFill>
                 <a:srgbClr val="000000"/>
               </a:solidFill>
@@ -10108,10 +10173,10 @@
   <p:timing>
     <p:tnLst>
       <p:par>
-        <p:cTn id="43" dur="indefinite" restart="never" nodeType="tmRoot">
+        <p:cTn id="45" dur="indefinite" restart="never" nodeType="tmRoot">
           <p:childTnLst>
             <p:seq>
-              <p:cTn id="44" nodeType="mainSeq"/>
+              <p:cTn id="46" nodeType="mainSeq"/>
               <p:prevCondLst>
                 <p:cond delay="0" evt="onPrev">
                   <p:tgtEl>
@@ -10154,14 +10219,14 @@
       </p:grpSpPr>
       <p:sp>
         <p:nvSpPr>
-          <p:cNvPr id="136" name="TextShape 1"/>
-          <p:cNvSpPr txBox="1"/>
+          <p:cNvPr id="134" name="CustomShape 1"/>
+          <p:cNvSpPr/>
           <p:nvPr/>
         </p:nvSpPr>
         <p:spPr>
           <a:xfrm>
             <a:off x="729360" y="1318680"/>
-            <a:ext cx="7688520" cy="534960"/>
+            <a:ext cx="7687800" cy="534240"/>
           </a:xfrm>
           <a:prstGeom prst="rect">
             <a:avLst/>
@@ -10171,8 +10236,14 @@
             <a:noFill/>
           </a:ln>
         </p:spPr>
+        <p:style>
+          <a:lnRef idx="0"/>
+          <a:fillRef idx="0"/>
+          <a:effectRef idx="0"/>
+          <a:fontRef idx="minor"/>
+        </p:style>
         <p:txBody>
-          <a:bodyPr tIns="91440" bIns="91440"/>
+          <a:bodyPr lIns="90000" rIns="90000" tIns="91440" bIns="91440"/>
           <a:p>
             <a:pPr>
               <a:lnSpc>
@@ -10194,7 +10265,7 @@
               </a:rPr>
               <a:t>Tomcat for windows</a:t>
             </a:r>
-            <a:endParaRPr b="0" lang="en-US" sz="1400" spc="-1" strike="noStrike">
+            <a:endParaRPr b="0" lang="en-US" sz="1800" spc="-1" strike="noStrike">
               <a:solidFill>
                 <a:srgbClr val="000000"/>
               </a:solidFill>
@@ -10210,14 +10281,14 @@
       </p:sp>
       <p:sp>
         <p:nvSpPr>
-          <p:cNvPr id="137" name="TextShape 2"/>
-          <p:cNvSpPr txBox="1"/>
+          <p:cNvPr id="135" name="CustomShape 2"/>
+          <p:cNvSpPr/>
           <p:nvPr/>
         </p:nvSpPr>
         <p:spPr>
           <a:xfrm>
             <a:off x="729360" y="2079000"/>
-            <a:ext cx="7688520" cy="2260800"/>
+            <a:ext cx="7687800" cy="2260080"/>
           </a:xfrm>
           <a:prstGeom prst="rect">
             <a:avLst/>
@@ -10227,10 +10298,19 @@
             <a:noFill/>
           </a:ln>
         </p:spPr>
+        <p:style>
+          <a:lnRef idx="0"/>
+          <a:fillRef idx="0"/>
+          <a:effectRef idx="0"/>
+          <a:fontRef idx="minor"/>
+        </p:style>
         <p:txBody>
-          <a:bodyPr tIns="91440" bIns="91440"/>
-          <a:p>
-            <a:pPr marL="432000" indent="-324000">
+          <a:bodyPr lIns="90000" rIns="90000" tIns="91440" bIns="91440"/>
+          <a:p>
+            <a:pPr marL="432000" indent="-323280">
+              <a:lnSpc>
+                <a:spcPct val="100000"/>
+              </a:lnSpc>
               <a:buClr>
                 <a:srgbClr val="000000"/>
               </a:buClr>
@@ -10249,23 +10329,27 @@
                   </a:solidFill>
                 </a:uFill>
                 <a:latin typeface="Arial"/>
+                <a:ea typeface="DejaVu Sans"/>
               </a:rPr>
               <a:t>Goto http://tomcat.apache.org ⇒ Under "Tomcat 8.5.{xx} Released" (where {xx} is the latest upgrade number) ⇒ Downloads ⇒ Under "8.5.{xx}" ⇒ Binary Distributions ⇒ Core ⇒ "ZIP" package (e.g., "apache-tomcat-8.5.{xx}.zip", about 9 MB).</a:t>
             </a:r>
-            <a:endParaRPr b="0" lang="en-US" sz="1200" spc="-1" strike="noStrike">
-              <a:solidFill>
-                <a:srgbClr val="000000"/>
-              </a:solidFill>
-              <a:uFill>
-                <a:solidFill>
-                  <a:srgbClr val="ffffff"/>
-                </a:solidFill>
-              </a:uFill>
-              <a:latin typeface="Arial"/>
-            </a:endParaRPr>
-          </a:p>
-          <a:p>
-            <a:pPr marL="432000" indent="-324000">
+            <a:endParaRPr b="0" lang="en-US" sz="1800" spc="-1" strike="noStrike">
+              <a:solidFill>
+                <a:srgbClr val="000000"/>
+              </a:solidFill>
+              <a:uFill>
+                <a:solidFill>
+                  <a:srgbClr val="ffffff"/>
+                </a:solidFill>
+              </a:uFill>
+              <a:latin typeface="Arial"/>
+            </a:endParaRPr>
+          </a:p>
+          <a:p>
+            <a:pPr marL="432000" indent="-323280">
+              <a:lnSpc>
+                <a:spcPct val="100000"/>
+              </a:lnSpc>
               <a:buClr>
                 <a:srgbClr val="000000"/>
               </a:buClr>
@@ -10284,23 +10368,27 @@
                   </a:solidFill>
                 </a:uFill>
                 <a:latin typeface="Arial"/>
+                <a:ea typeface="DejaVu Sans"/>
               </a:rPr>
               <a:t>Create your project directory, say "d:\myProject" or "c:\myProject". UNZIP the downloaded file into your project directory. Tomcat will be unzipped into directory "d:\myProject\apache-tomcat-8.0.{xx}".</a:t>
             </a:r>
-            <a:endParaRPr b="0" lang="en-US" sz="1200" spc="-1" strike="noStrike">
-              <a:solidFill>
-                <a:srgbClr val="000000"/>
-              </a:solidFill>
-              <a:uFill>
-                <a:solidFill>
-                  <a:srgbClr val="ffffff"/>
-                </a:solidFill>
-              </a:uFill>
-              <a:latin typeface="Arial"/>
-            </a:endParaRPr>
-          </a:p>
-          <a:p>
-            <a:pPr marL="432000" indent="-324000">
+            <a:endParaRPr b="0" lang="en-US" sz="1800" spc="-1" strike="noStrike">
+              <a:solidFill>
+                <a:srgbClr val="000000"/>
+              </a:solidFill>
+              <a:uFill>
+                <a:solidFill>
+                  <a:srgbClr val="ffffff"/>
+                </a:solidFill>
+              </a:uFill>
+              <a:latin typeface="Arial"/>
+            </a:endParaRPr>
+          </a:p>
+          <a:p>
+            <a:pPr marL="432000" indent="-323280">
+              <a:lnSpc>
+                <a:spcPct val="100000"/>
+              </a:lnSpc>
               <a:buClr>
                 <a:srgbClr val="000000"/>
               </a:buClr>
@@ -10319,23 +10407,27 @@
                   </a:solidFill>
                 </a:uFill>
                 <a:latin typeface="Arial"/>
+                <a:ea typeface="DejaVu Sans"/>
               </a:rPr>
               <a:t>For ease of use, we shall shorten and rename this directory to "d:\myProject\tomcat".</a:t>
             </a:r>
-            <a:endParaRPr b="0" lang="en-US" sz="1200" spc="-1" strike="noStrike">
-              <a:solidFill>
-                <a:srgbClr val="000000"/>
-              </a:solidFill>
-              <a:uFill>
-                <a:solidFill>
-                  <a:srgbClr val="ffffff"/>
-                </a:solidFill>
-              </a:uFill>
-              <a:latin typeface="Arial"/>
-            </a:endParaRPr>
-          </a:p>
-          <a:p>
-            <a:pPr marL="432000" indent="-324000">
+            <a:endParaRPr b="0" lang="en-US" sz="1800" spc="-1" strike="noStrike">
+              <a:solidFill>
+                <a:srgbClr val="000000"/>
+              </a:solidFill>
+              <a:uFill>
+                <a:solidFill>
+                  <a:srgbClr val="ffffff"/>
+                </a:solidFill>
+              </a:uFill>
+              <a:latin typeface="Arial"/>
+            </a:endParaRPr>
+          </a:p>
+          <a:p>
+            <a:pPr marL="432000" indent="-323280">
+              <a:lnSpc>
+                <a:spcPct val="100000"/>
+              </a:lnSpc>
               <a:buClr>
                 <a:srgbClr val="000000"/>
               </a:buClr>
@@ -10354,10 +10446,11 @@
                   </a:solidFill>
                 </a:uFill>
                 <a:latin typeface="Arial"/>
+                <a:ea typeface="DejaVu Sans"/>
               </a:rPr>
               <a:t>Take note of Your Tomcat Installed Directory. Hereafter, I shall refer to the Tomcat installed directory as &lt;TOMCAT_HOME&gt;.</a:t>
             </a:r>
-            <a:endParaRPr b="0" lang="en-US" sz="1200" spc="-1" strike="noStrike">
+            <a:endParaRPr b="0" lang="en-US" sz="1800" spc="-1" strike="noStrike">
               <a:solidFill>
                 <a:srgbClr val="000000"/>
               </a:solidFill>
@@ -10376,10 +10469,10 @@
   <p:timing>
     <p:tnLst>
       <p:par>
-        <p:cTn id="45" dur="indefinite" restart="never" nodeType="tmRoot">
+        <p:cTn id="47" dur="indefinite" restart="never" nodeType="tmRoot">
           <p:childTnLst>
             <p:seq>
-              <p:cTn id="46" nodeType="mainSeq"/>
+              <p:cTn id="48" nodeType="mainSeq"/>
               <p:prevCondLst>
                 <p:cond delay="0" evt="onPrev">
                   <p:tgtEl>
@@ -10422,14 +10515,14 @@
       </p:grpSpPr>
       <p:sp>
         <p:nvSpPr>
-          <p:cNvPr id="138" name="TextShape 1"/>
-          <p:cNvSpPr txBox="1"/>
+          <p:cNvPr id="136" name="CustomShape 1"/>
+          <p:cNvSpPr/>
           <p:nvPr/>
         </p:nvSpPr>
         <p:spPr>
           <a:xfrm>
             <a:off x="729360" y="1318680"/>
-            <a:ext cx="7688520" cy="534960"/>
+            <a:ext cx="7687800" cy="534240"/>
           </a:xfrm>
           <a:prstGeom prst="rect">
             <a:avLst/>
@@ -10439,8 +10532,14 @@
             <a:noFill/>
           </a:ln>
         </p:spPr>
+        <p:style>
+          <a:lnRef idx="0"/>
+          <a:fillRef idx="0"/>
+          <a:effectRef idx="0"/>
+          <a:fontRef idx="minor"/>
+        </p:style>
         <p:txBody>
-          <a:bodyPr tIns="91440" bIns="91440"/>
+          <a:bodyPr lIns="90000" rIns="90000" tIns="91440" bIns="91440"/>
           <a:p>
             <a:pPr>
               <a:lnSpc>
@@ -10462,7 +10561,7 @@
               </a:rPr>
               <a:t>Tomcat for Mac</a:t>
             </a:r>
-            <a:endParaRPr b="0" lang="en-US" sz="1400" spc="-1" strike="noStrike">
+            <a:endParaRPr b="0" lang="en-US" sz="1800" spc="-1" strike="noStrike">
               <a:solidFill>
                 <a:srgbClr val="000000"/>
               </a:solidFill>
@@ -10478,14 +10577,14 @@
       </p:sp>
       <p:sp>
         <p:nvSpPr>
-          <p:cNvPr id="139" name="TextShape 2"/>
-          <p:cNvSpPr txBox="1"/>
+          <p:cNvPr id="137" name="CustomShape 2"/>
+          <p:cNvSpPr/>
           <p:nvPr/>
         </p:nvSpPr>
         <p:spPr>
           <a:xfrm>
             <a:off x="729360" y="2079000"/>
-            <a:ext cx="7688520" cy="2260800"/>
+            <a:ext cx="7687800" cy="2260080"/>
           </a:xfrm>
           <a:prstGeom prst="rect">
             <a:avLst/>
@@ -10495,10 +10594,19 @@
             <a:noFill/>
           </a:ln>
         </p:spPr>
+        <p:style>
+          <a:lnRef idx="0"/>
+          <a:fillRef idx="0"/>
+          <a:effectRef idx="0"/>
+          <a:fontRef idx="minor"/>
+        </p:style>
         <p:txBody>
-          <a:bodyPr tIns="91440" bIns="91440"/>
-          <a:p>
-            <a:pPr marL="432000" indent="-324000">
+          <a:bodyPr lIns="90000" rIns="90000" tIns="91440" bIns="91440"/>
+          <a:p>
+            <a:pPr marL="432000" indent="-323280">
+              <a:lnSpc>
+                <a:spcPct val="100000"/>
+              </a:lnSpc>
               <a:buClr>
                 <a:srgbClr val="000000"/>
               </a:buClr>
@@ -10517,23 +10625,27 @@
                   </a:solidFill>
                 </a:uFill>
                 <a:latin typeface="Arial"/>
+                <a:ea typeface="DejaVu Sans"/>
               </a:rPr>
               <a:t>Goto http://tomcat.apache.org ⇒ Under "Tomcat 8.5.{xx} Released" (where {xx} is the latest upgrade number) ⇒ Downloads ⇒ Under "8.5.{xx}"⇒ Binary distribution ⇒ Core ⇒ "tar.gz" package (e.g., "apache-tomcat-8.0.{xx}.tar.gz", about 9 MB).</a:t>
             </a:r>
-            <a:endParaRPr b="0" lang="en-US" sz="1200" spc="-1" strike="noStrike">
-              <a:solidFill>
-                <a:srgbClr val="000000"/>
-              </a:solidFill>
-              <a:uFill>
-                <a:solidFill>
-                  <a:srgbClr val="ffffff"/>
-                </a:solidFill>
-              </a:uFill>
-              <a:latin typeface="Arial"/>
-            </a:endParaRPr>
-          </a:p>
-          <a:p>
-            <a:pPr marL="432000" indent="-324000">
+            <a:endParaRPr b="0" lang="en-US" sz="1800" spc="-1" strike="noStrike">
+              <a:solidFill>
+                <a:srgbClr val="000000"/>
+              </a:solidFill>
+              <a:uFill>
+                <a:solidFill>
+                  <a:srgbClr val="ffffff"/>
+                </a:solidFill>
+              </a:uFill>
+              <a:latin typeface="Arial"/>
+            </a:endParaRPr>
+          </a:p>
+          <a:p>
+            <a:pPr marL="432000" indent="-323280">
+              <a:lnSpc>
+                <a:spcPct val="100000"/>
+              </a:lnSpc>
               <a:buClr>
                 <a:srgbClr val="000000"/>
               </a:buClr>
@@ -10552,23 +10664,27 @@
                   </a:solidFill>
                 </a:uFill>
                 <a:latin typeface="Arial"/>
+                <a:ea typeface="DejaVu Sans"/>
               </a:rPr>
               <a:t>To install Tomcat:</a:t>
             </a:r>
-            <a:endParaRPr b="0" lang="en-US" sz="1200" spc="-1" strike="noStrike">
-              <a:solidFill>
-                <a:srgbClr val="000000"/>
-              </a:solidFill>
-              <a:uFill>
-                <a:solidFill>
-                  <a:srgbClr val="ffffff"/>
-                </a:solidFill>
-              </a:uFill>
-              <a:latin typeface="Arial"/>
-            </a:endParaRPr>
-          </a:p>
-          <a:p>
-            <a:pPr marL="432000" indent="-324000">
+            <a:endParaRPr b="0" lang="en-US" sz="1800" spc="-1" strike="noStrike">
+              <a:solidFill>
+                <a:srgbClr val="000000"/>
+              </a:solidFill>
+              <a:uFill>
+                <a:solidFill>
+                  <a:srgbClr val="ffffff"/>
+                </a:solidFill>
+              </a:uFill>
+              <a:latin typeface="Arial"/>
+            </a:endParaRPr>
+          </a:p>
+          <a:p>
+            <a:pPr marL="432000" indent="-323280">
+              <a:lnSpc>
+                <a:spcPct val="100000"/>
+              </a:lnSpc>
               <a:buClr>
                 <a:srgbClr val="000000"/>
               </a:buClr>
@@ -10587,23 +10703,27 @@
                   </a:solidFill>
                 </a:uFill>
                 <a:latin typeface="Arial"/>
+                <a:ea typeface="DejaVu Sans"/>
               </a:rPr>
               <a:t>Goto "~/Downloads", double-click the downloaded tarball (e.g., "apache-tomcat-8.0.{xx}.tar.gz") to expand it into a folder (e.g., "apache-tomcat-8.0.{xx}").</a:t>
             </a:r>
-            <a:endParaRPr b="0" lang="en-US" sz="1200" spc="-1" strike="noStrike">
-              <a:solidFill>
-                <a:srgbClr val="000000"/>
-              </a:solidFill>
-              <a:uFill>
-                <a:solidFill>
-                  <a:srgbClr val="ffffff"/>
-                </a:solidFill>
-              </a:uFill>
-              <a:latin typeface="Arial"/>
-            </a:endParaRPr>
-          </a:p>
-          <a:p>
-            <a:pPr marL="432000" indent="-324000">
+            <a:endParaRPr b="0" lang="en-US" sz="1800" spc="-1" strike="noStrike">
+              <a:solidFill>
+                <a:srgbClr val="000000"/>
+              </a:solidFill>
+              <a:uFill>
+                <a:solidFill>
+                  <a:srgbClr val="ffffff"/>
+                </a:solidFill>
+              </a:uFill>
+              <a:latin typeface="Arial"/>
+            </a:endParaRPr>
+          </a:p>
+          <a:p>
+            <a:pPr marL="432000" indent="-323280">
+              <a:lnSpc>
+                <a:spcPct val="100000"/>
+              </a:lnSpc>
               <a:buClr>
                 <a:srgbClr val="000000"/>
               </a:buClr>
@@ -10622,23 +10742,27 @@
                   </a:solidFill>
                 </a:uFill>
                 <a:latin typeface="Arial"/>
+                <a:ea typeface="DejaVu Sans"/>
               </a:rPr>
               <a:t>Move the extracted folder (e.g., "apache-tomcat-8.0.{xx}") to "/Applications".</a:t>
             </a:r>
-            <a:endParaRPr b="0" lang="en-US" sz="1200" spc="-1" strike="noStrike">
-              <a:solidFill>
-                <a:srgbClr val="000000"/>
-              </a:solidFill>
-              <a:uFill>
-                <a:solidFill>
-                  <a:srgbClr val="ffffff"/>
-                </a:solidFill>
-              </a:uFill>
-              <a:latin typeface="Arial"/>
-            </a:endParaRPr>
-          </a:p>
-          <a:p>
-            <a:pPr marL="432000" indent="-324000">
+            <a:endParaRPr b="0" lang="en-US" sz="1800" spc="-1" strike="noStrike">
+              <a:solidFill>
+                <a:srgbClr val="000000"/>
+              </a:solidFill>
+              <a:uFill>
+                <a:solidFill>
+                  <a:srgbClr val="ffffff"/>
+                </a:solidFill>
+              </a:uFill>
+              <a:latin typeface="Arial"/>
+            </a:endParaRPr>
+          </a:p>
+          <a:p>
+            <a:pPr marL="432000" indent="-323280">
+              <a:lnSpc>
+                <a:spcPct val="100000"/>
+              </a:lnSpc>
               <a:buClr>
                 <a:srgbClr val="000000"/>
               </a:buClr>
@@ -10657,23 +10781,27 @@
                   </a:solidFill>
                 </a:uFill>
                 <a:latin typeface="Arial"/>
+                <a:ea typeface="DejaVu Sans"/>
               </a:rPr>
               <a:t>For ease of use, we shall shorten and rename this folder to "tomcat".</a:t>
             </a:r>
-            <a:endParaRPr b="0" lang="en-US" sz="1200" spc="-1" strike="noStrike">
-              <a:solidFill>
-                <a:srgbClr val="000000"/>
-              </a:solidFill>
-              <a:uFill>
-                <a:solidFill>
-                  <a:srgbClr val="ffffff"/>
-                </a:solidFill>
-              </a:uFill>
-              <a:latin typeface="Arial"/>
-            </a:endParaRPr>
-          </a:p>
-          <a:p>
-            <a:pPr marL="432000" indent="-324000">
+            <a:endParaRPr b="0" lang="en-US" sz="1800" spc="-1" strike="noStrike">
+              <a:solidFill>
+                <a:srgbClr val="000000"/>
+              </a:solidFill>
+              <a:uFill>
+                <a:solidFill>
+                  <a:srgbClr val="ffffff"/>
+                </a:solidFill>
+              </a:uFill>
+              <a:latin typeface="Arial"/>
+            </a:endParaRPr>
+          </a:p>
+          <a:p>
+            <a:pPr marL="432000" indent="-323280">
+              <a:lnSpc>
+                <a:spcPct val="100000"/>
+              </a:lnSpc>
               <a:buClr>
                 <a:srgbClr val="000000"/>
               </a:buClr>
@@ -10692,10 +10820,11 @@
                   </a:solidFill>
                 </a:uFill>
                 <a:latin typeface="Arial"/>
+                <a:ea typeface="DejaVu Sans"/>
               </a:rPr>
               <a:t>Take note of Your Tomcat Installed Directory. Hereafter, I shall refer to the Tomcat installed directory as &lt;TOMCAT_HOME&gt;.</a:t>
             </a:r>
-            <a:endParaRPr b="0" lang="en-US" sz="1200" spc="-1" strike="noStrike">
+            <a:endParaRPr b="0" lang="en-US" sz="1800" spc="-1" strike="noStrike">
               <a:solidFill>
                 <a:srgbClr val="000000"/>
               </a:solidFill>
@@ -10714,10 +10843,10 @@
   <p:timing>
     <p:tnLst>
       <p:par>
-        <p:cTn id="47" dur="indefinite" restart="never" nodeType="tmRoot">
+        <p:cTn id="49" dur="indefinite" restart="never" nodeType="tmRoot">
           <p:childTnLst>
             <p:seq>
-              <p:cTn id="48" nodeType="mainSeq"/>
+              <p:cTn id="50" nodeType="mainSeq"/>
               <p:prevCondLst>
                 <p:cond delay="0" evt="onPrev">
                   <p:tgtEl>
@@ -10760,14 +10889,14 @@
       </p:grpSpPr>
       <p:sp>
         <p:nvSpPr>
-          <p:cNvPr id="140" name="TextShape 1"/>
-          <p:cNvSpPr txBox="1"/>
+          <p:cNvPr id="138" name="CustomShape 1"/>
+          <p:cNvSpPr/>
           <p:nvPr/>
         </p:nvSpPr>
         <p:spPr>
           <a:xfrm>
             <a:off x="729360" y="1318680"/>
-            <a:ext cx="7688520" cy="534960"/>
+            <a:ext cx="7687800" cy="534240"/>
           </a:xfrm>
           <a:prstGeom prst="rect">
             <a:avLst/>
@@ -10777,8 +10906,14 @@
             <a:noFill/>
           </a:ln>
         </p:spPr>
+        <p:style>
+          <a:lnRef idx="0"/>
+          <a:fillRef idx="0"/>
+          <a:effectRef idx="0"/>
+          <a:fontRef idx="minor"/>
+        </p:style>
         <p:txBody>
-          <a:bodyPr tIns="91440" bIns="91440"/>
+          <a:bodyPr lIns="90000" rIns="90000" tIns="91440" bIns="91440"/>
           <a:p>
             <a:pPr>
               <a:lnSpc>
@@ -10800,7 +10935,7 @@
               </a:rPr>
               <a:t>Tomcat</a:t>
             </a:r>
-            <a:endParaRPr b="0" lang="en-US" sz="1400" spc="-1" strike="noStrike">
+            <a:endParaRPr b="0" lang="en-US" sz="1800" spc="-1" strike="noStrike">
               <a:solidFill>
                 <a:srgbClr val="000000"/>
               </a:solidFill>
@@ -10816,14 +10951,14 @@
       </p:sp>
       <p:sp>
         <p:nvSpPr>
-          <p:cNvPr id="141" name="TextShape 2"/>
-          <p:cNvSpPr txBox="1"/>
+          <p:cNvPr id="139" name="CustomShape 2"/>
+          <p:cNvSpPr/>
           <p:nvPr/>
         </p:nvSpPr>
         <p:spPr>
           <a:xfrm>
             <a:off x="729360" y="2079000"/>
-            <a:ext cx="7688520" cy="2260800"/>
+            <a:ext cx="7687800" cy="2260080"/>
           </a:xfrm>
           <a:prstGeom prst="rect">
             <a:avLst/>
@@ -10833,10 +10968,19 @@
             <a:noFill/>
           </a:ln>
         </p:spPr>
+        <p:style>
+          <a:lnRef idx="0"/>
+          <a:fillRef idx="0"/>
+          <a:effectRef idx="0"/>
+          <a:fontRef idx="minor"/>
+        </p:style>
         <p:txBody>
-          <a:bodyPr tIns="91440" bIns="91440"/>
-          <a:p>
-            <a:pPr marL="432000" indent="-324000">
+          <a:bodyPr lIns="90000" rIns="90000" tIns="91440" bIns="91440"/>
+          <a:p>
+            <a:pPr marL="432000" indent="-323280">
+              <a:lnSpc>
+                <a:spcPct val="100000"/>
+              </a:lnSpc>
               <a:buClr>
                 <a:srgbClr val="000000"/>
               </a:buClr>
@@ -10855,23 +10999,27 @@
                   </a:solidFill>
                 </a:uFill>
                 <a:latin typeface="Arial"/>
+                <a:ea typeface="DejaVu Sans"/>
               </a:rPr>
               <a:t>Configure Server.xml</a:t>
             </a:r>
-            <a:endParaRPr b="0" lang="en-US" sz="1300" spc="-1" strike="noStrike">
-              <a:solidFill>
-                <a:srgbClr val="000000"/>
-              </a:solidFill>
-              <a:uFill>
-                <a:solidFill>
-                  <a:srgbClr val="ffffff"/>
-                </a:solidFill>
-              </a:uFill>
-              <a:latin typeface="Arial"/>
-            </a:endParaRPr>
-          </a:p>
-          <a:p>
-            <a:pPr marL="432000" indent="-324000">
+            <a:endParaRPr b="0" lang="en-US" sz="1800" spc="-1" strike="noStrike">
+              <a:solidFill>
+                <a:srgbClr val="000000"/>
+              </a:solidFill>
+              <a:uFill>
+                <a:solidFill>
+                  <a:srgbClr val="ffffff"/>
+                </a:solidFill>
+              </a:uFill>
+              <a:latin typeface="Arial"/>
+            </a:endParaRPr>
+          </a:p>
+          <a:p>
+            <a:pPr marL="432000" indent="-323280">
+              <a:lnSpc>
+                <a:spcPct val="100000"/>
+              </a:lnSpc>
               <a:buClr>
                 <a:srgbClr val="000000"/>
               </a:buClr>
@@ -10890,10 +11038,677 @@
                   </a:solidFill>
                 </a:uFill>
                 <a:latin typeface="Arial"/>
+                <a:ea typeface="DejaVu Sans"/>
+              </a:rPr>
+              <a:t> </a:t>
+            </a:r>
+            <a:endParaRPr b="0" lang="en-US" sz="1800" spc="-1" strike="noStrike">
+              <a:solidFill>
+                <a:srgbClr val="000000"/>
+              </a:solidFill>
+              <a:uFill>
+                <a:solidFill>
+                  <a:srgbClr val="ffffff"/>
+                </a:solidFill>
+              </a:uFill>
+              <a:latin typeface="Arial"/>
+            </a:endParaRPr>
+          </a:p>
+          <a:p>
+            <a:pPr>
+              <a:lnSpc>
+                <a:spcPct val="100000"/>
+              </a:lnSpc>
+            </a:pPr>
+            <a:r>
+              <a:rPr b="0" lang="en-US" sz="1300" spc="-1" strike="noStrike">
+                <a:solidFill>
+                  <a:srgbClr val="000000"/>
+                </a:solidFill>
+                <a:uFill>
+                  <a:solidFill>
+                    <a:srgbClr val="ffffff"/>
+                  </a:solidFill>
+                </a:uFill>
+                <a:latin typeface="Arial"/>
+                <a:ea typeface="DejaVu Sans"/>
+              </a:rPr>
+              <a:t>	</a:t>
+            </a:r>
+            <a:r>
+              <a:rPr b="0" lang="en-US" sz="1300" spc="-1" strike="noStrike">
+                <a:solidFill>
+                  <a:srgbClr val="3333ff"/>
+                </a:solidFill>
+                <a:uFill>
+                  <a:solidFill>
+                    <a:srgbClr val="ffffff"/>
+                  </a:solidFill>
+                </a:uFill>
+                <a:latin typeface="Arial"/>
+                <a:ea typeface="DejaVu Sans"/>
+              </a:rPr>
+              <a:t>&lt;Host name="localhost"  appBase="webapps" unpackWARs="true" autoDeploy="true"&gt;</a:t>
+            </a:r>
+            <a:endParaRPr b="0" lang="en-US" sz="1800" spc="-1" strike="noStrike">
+              <a:solidFill>
+                <a:srgbClr val="000000"/>
+              </a:solidFill>
+              <a:uFill>
+                <a:solidFill>
+                  <a:srgbClr val="ffffff"/>
+                </a:solidFill>
+              </a:uFill>
+              <a:latin typeface="Arial"/>
+            </a:endParaRPr>
+          </a:p>
+          <a:p>
+            <a:pPr>
+              <a:lnSpc>
+                <a:spcPct val="100000"/>
+              </a:lnSpc>
+            </a:pPr>
+            <a:r>
+              <a:rPr b="0" lang="en-US" sz="1300" spc="-1" strike="noStrike">
+                <a:solidFill>
+                  <a:srgbClr val="3333ff"/>
+                </a:solidFill>
+                <a:uFill>
+                  <a:solidFill>
+                    <a:srgbClr val="ffffff"/>
+                  </a:solidFill>
+                </a:uFill>
+                <a:latin typeface="Arial"/>
+                <a:ea typeface="DejaVu Sans"/>
+              </a:rPr>
+              <a:t>        </a:t>
+            </a:r>
+            <a:r>
+              <a:rPr b="0" lang="en-US" sz="1300" spc="-1" strike="noStrike">
+                <a:solidFill>
+                  <a:srgbClr val="3333ff"/>
+                </a:solidFill>
+                <a:uFill>
+                  <a:solidFill>
+                    <a:srgbClr val="ffffff"/>
+                  </a:solidFill>
+                </a:uFill>
+                <a:latin typeface="Arial"/>
+                <a:ea typeface="DejaVu Sans"/>
+              </a:rPr>
+              <a:t>	</a:t>
+            </a:r>
+            <a:r>
+              <a:rPr b="0" lang="en-US" sz="1300" spc="-1" strike="noStrike">
+                <a:solidFill>
+                  <a:srgbClr val="3333ff"/>
+                </a:solidFill>
+                <a:uFill>
+                  <a:solidFill>
+                    <a:srgbClr val="ffffff"/>
+                  </a:solidFill>
+                </a:uFill>
+                <a:latin typeface="Arial"/>
+                <a:ea typeface="DejaVu Sans"/>
+              </a:rPr>
+              <a:t>	</a:t>
+            </a:r>
+            <a:r>
+              <a:rPr b="0" lang="en-US" sz="1300" spc="-1" strike="noStrike">
+                <a:solidFill>
+                  <a:srgbClr val="3333ff"/>
+                </a:solidFill>
+                <a:uFill>
+                  <a:solidFill>
+                    <a:srgbClr val="ffffff"/>
+                  </a:solidFill>
+                </a:uFill>
+                <a:latin typeface="Arial"/>
+                <a:ea typeface="DejaVu Sans"/>
+              </a:rPr>
+              <a:t>&lt;Context deployOnStartup="true" docBase="/home/chandler/IdeaProjects/javaee/target" </a:t>
+            </a:r>
+            <a:r>
+              <a:rPr b="0" lang="en-US" sz="1300" spc="-1" strike="noStrike">
+                <a:solidFill>
+                  <a:srgbClr val="3333ff"/>
+                </a:solidFill>
+                <a:uFill>
+                  <a:solidFill>
+                    <a:srgbClr val="ffffff"/>
+                  </a:solidFill>
+                </a:uFill>
+                <a:latin typeface="Arial"/>
+                <a:ea typeface="DejaVu Sans"/>
+              </a:rPr>
+              <a:t>	</a:t>
+            </a:r>
+            <a:r>
+              <a:rPr b="0" lang="en-US" sz="1300" spc="-1" strike="noStrike">
+                <a:solidFill>
+                  <a:srgbClr val="3333ff"/>
+                </a:solidFill>
+                <a:uFill>
+                  <a:solidFill>
+                    <a:srgbClr val="ffffff"/>
+                  </a:solidFill>
+                </a:uFill>
+                <a:latin typeface="Arial"/>
+                <a:ea typeface="DejaVu Sans"/>
+              </a:rPr>
+              <a:t>	</a:t>
+            </a:r>
+            <a:r>
+              <a:rPr b="0" lang="en-US" sz="1300" spc="-1" strike="noStrike">
+                <a:solidFill>
+                  <a:srgbClr val="3333ff"/>
+                </a:solidFill>
+                <a:uFill>
+                  <a:solidFill>
+                    <a:srgbClr val="ffffff"/>
+                  </a:solidFill>
+                </a:uFill>
+                <a:latin typeface="Arial"/>
+                <a:ea typeface="DejaVu Sans"/>
+              </a:rPr>
+              <a:t>path="/javaee" reloadable="true" /&gt;</a:t>
+            </a:r>
+            <a:endParaRPr b="0" lang="en-US" sz="1800" spc="-1" strike="noStrike">
+              <a:solidFill>
+                <a:srgbClr val="000000"/>
+              </a:solidFill>
+              <a:uFill>
+                <a:solidFill>
+                  <a:srgbClr val="ffffff"/>
+                </a:solidFill>
+              </a:uFill>
+              <a:latin typeface="Arial"/>
+            </a:endParaRPr>
+          </a:p>
+          <a:p>
+            <a:pPr>
+              <a:lnSpc>
+                <a:spcPct val="100000"/>
+              </a:lnSpc>
+            </a:pPr>
+            <a:r>
+              <a:rPr b="0" lang="en-US" sz="1300" spc="-1" strike="noStrike">
+                <a:solidFill>
+                  <a:srgbClr val="3333ff"/>
+                </a:solidFill>
+                <a:uFill>
+                  <a:solidFill>
+                    <a:srgbClr val="ffffff"/>
+                  </a:solidFill>
+                </a:uFill>
+                <a:latin typeface="Arial"/>
+                <a:ea typeface="DejaVu Sans"/>
+              </a:rPr>
+              <a:t>      </a:t>
+            </a:r>
+            <a:r>
+              <a:rPr b="0" lang="en-US" sz="1300" spc="-1" strike="noStrike">
+                <a:solidFill>
+                  <a:srgbClr val="3333ff"/>
+                </a:solidFill>
+                <a:uFill>
+                  <a:solidFill>
+                    <a:srgbClr val="ffffff"/>
+                  </a:solidFill>
+                </a:uFill>
+                <a:latin typeface="Arial"/>
+                <a:ea typeface="DejaVu Sans"/>
+              </a:rPr>
+              <a:t>	</a:t>
+            </a:r>
+            <a:r>
+              <a:rPr b="0" lang="en-US" sz="1300" spc="-1" strike="noStrike">
+                <a:solidFill>
+                  <a:srgbClr val="3333ff"/>
+                </a:solidFill>
+                <a:uFill>
+                  <a:solidFill>
+                    <a:srgbClr val="ffffff"/>
+                  </a:solidFill>
+                </a:uFill>
+                <a:latin typeface="Arial"/>
+                <a:ea typeface="DejaVu Sans"/>
+              </a:rPr>
+              <a:t>&lt;/Host&gt;</a:t>
+            </a:r>
+            <a:endParaRPr b="0" lang="en-US" sz="1800" spc="-1" strike="noStrike">
+              <a:solidFill>
+                <a:srgbClr val="000000"/>
+              </a:solidFill>
+              <a:uFill>
+                <a:solidFill>
+                  <a:srgbClr val="ffffff"/>
+                </a:solidFill>
+              </a:uFill>
+              <a:latin typeface="Arial"/>
+            </a:endParaRPr>
+          </a:p>
+          <a:p>
+            <a:pPr>
+              <a:lnSpc>
+                <a:spcPct val="100000"/>
+              </a:lnSpc>
+            </a:pPr>
+            <a:endParaRPr b="0" lang="en-US" sz="1800" spc="-1" strike="noStrike">
+              <a:solidFill>
+                <a:srgbClr val="000000"/>
+              </a:solidFill>
+              <a:uFill>
+                <a:solidFill>
+                  <a:srgbClr val="ffffff"/>
+                </a:solidFill>
+              </a:uFill>
+              <a:latin typeface="Arial"/>
+            </a:endParaRPr>
+          </a:p>
+          <a:p>
+            <a:pPr marL="432000" indent="-323280">
+              <a:lnSpc>
+                <a:spcPct val="100000"/>
+              </a:lnSpc>
+              <a:buClr>
+                <a:srgbClr val="000000"/>
+              </a:buClr>
+              <a:buSzPct val="45000"/>
+              <a:buFont typeface="Wingdings" charset="2"/>
+              <a:buChar char=""/>
+            </a:pPr>
+            <a:r>
+              <a:rPr b="0" lang="en-US" sz="1300" spc="-1" strike="noStrike">
+                <a:solidFill>
+                  <a:srgbClr val="000000"/>
+                </a:solidFill>
+                <a:uFill>
+                  <a:solidFill>
+                    <a:srgbClr val="ffffff"/>
+                  </a:solidFill>
+                </a:uFill>
+                <a:latin typeface="Arial"/>
+                <a:ea typeface="DejaVu Sans"/>
               </a:rPr>
               <a:t>Configure web.xml</a:t>
             </a:r>
-            <a:endParaRPr b="0" lang="en-US" sz="1300" spc="-1" strike="noStrike">
+            <a:endParaRPr b="0" lang="en-US" sz="1800" spc="-1" strike="noStrike">
+              <a:solidFill>
+                <a:srgbClr val="000000"/>
+              </a:solidFill>
+              <a:uFill>
+                <a:solidFill>
+                  <a:srgbClr val="ffffff"/>
+                </a:solidFill>
+              </a:uFill>
+              <a:latin typeface="Arial"/>
+            </a:endParaRPr>
+          </a:p>
+          <a:p>
+            <a:pPr marL="432000" indent="-323280">
+              <a:lnSpc>
+                <a:spcPct val="100000"/>
+              </a:lnSpc>
+              <a:buClr>
+                <a:srgbClr val="000000"/>
+              </a:buClr>
+              <a:buSzPct val="45000"/>
+              <a:buFont typeface="Wingdings" charset="2"/>
+              <a:buChar char=""/>
+            </a:pPr>
+            <a:r>
+              <a:rPr b="0" lang="en-US" sz="1300" spc="-1" strike="noStrike">
+                <a:solidFill>
+                  <a:srgbClr val="000000"/>
+                </a:solidFill>
+                <a:uFill>
+                  <a:solidFill>
+                    <a:srgbClr val="ffffff"/>
+                  </a:solidFill>
+                </a:uFill>
+                <a:latin typeface="Arial"/>
+                <a:ea typeface="DejaVu Sans"/>
+              </a:rPr>
+              <a:t> </a:t>
+            </a:r>
+            <a:endParaRPr b="0" lang="en-US" sz="1800" spc="-1" strike="noStrike">
+              <a:solidFill>
+                <a:srgbClr val="000000"/>
+              </a:solidFill>
+              <a:uFill>
+                <a:solidFill>
+                  <a:srgbClr val="ffffff"/>
+                </a:solidFill>
+              </a:uFill>
+              <a:latin typeface="Arial"/>
+            </a:endParaRPr>
+          </a:p>
+          <a:p>
+            <a:pPr marL="432000" indent="-323280">
+              <a:lnSpc>
+                <a:spcPct val="100000"/>
+              </a:lnSpc>
+              <a:buClr>
+                <a:srgbClr val="000000"/>
+              </a:buClr>
+              <a:buSzPct val="45000"/>
+              <a:buFont typeface="Wingdings" charset="2"/>
+              <a:buChar char=""/>
+            </a:pPr>
+            <a:r>
+              <a:rPr b="0" lang="en-US" sz="1300" spc="-1" strike="noStrike">
+                <a:solidFill>
+                  <a:srgbClr val="3333ff"/>
+                </a:solidFill>
+                <a:uFill>
+                  <a:solidFill>
+                    <a:srgbClr val="ffffff"/>
+                  </a:solidFill>
+                </a:uFill>
+                <a:latin typeface="Arial"/>
+                <a:ea typeface="DejaVu Sans"/>
+              </a:rPr>
+              <a:t>&lt;web-app&gt;</a:t>
+            </a:r>
+            <a:endParaRPr b="0" lang="en-US" sz="1800" spc="-1" strike="noStrike">
+              <a:solidFill>
+                <a:srgbClr val="000000"/>
+              </a:solidFill>
+              <a:uFill>
+                <a:solidFill>
+                  <a:srgbClr val="ffffff"/>
+                </a:solidFill>
+              </a:uFill>
+              <a:latin typeface="Arial"/>
+            </a:endParaRPr>
+          </a:p>
+          <a:p>
+            <a:pPr>
+              <a:lnSpc>
+                <a:spcPct val="100000"/>
+              </a:lnSpc>
+            </a:pPr>
+            <a:r>
+              <a:rPr b="0" lang="en-US" sz="1300" spc="-1" strike="noStrike">
+                <a:solidFill>
+                  <a:srgbClr val="3333ff"/>
+                </a:solidFill>
+                <a:uFill>
+                  <a:solidFill>
+                    <a:srgbClr val="ffffff"/>
+                  </a:solidFill>
+                </a:uFill>
+                <a:latin typeface="Arial"/>
+                <a:ea typeface="DejaVu Sans"/>
+              </a:rPr>
+              <a:t>  </a:t>
+            </a:r>
+            <a:r>
+              <a:rPr b="0" lang="en-US" sz="1300" spc="-1" strike="noStrike">
+                <a:solidFill>
+                  <a:srgbClr val="3333ff"/>
+                </a:solidFill>
+                <a:uFill>
+                  <a:solidFill>
+                    <a:srgbClr val="ffffff"/>
+                  </a:solidFill>
+                </a:uFill>
+                <a:latin typeface="Arial"/>
+                <a:ea typeface="DejaVu Sans"/>
+              </a:rPr>
+              <a:t>	</a:t>
+            </a:r>
+            <a:r>
+              <a:rPr b="0" lang="en-US" sz="1300" spc="-1" strike="noStrike">
+                <a:solidFill>
+                  <a:srgbClr val="3333ff"/>
+                </a:solidFill>
+                <a:uFill>
+                  <a:solidFill>
+                    <a:srgbClr val="ffffff"/>
+                  </a:solidFill>
+                </a:uFill>
+                <a:latin typeface="Arial"/>
+                <a:ea typeface="DejaVu Sans"/>
+              </a:rPr>
+              <a:t>	</a:t>
+            </a:r>
+            <a:r>
+              <a:rPr b="0" lang="en-US" sz="1300" spc="-1" strike="noStrike">
+                <a:solidFill>
+                  <a:srgbClr val="3333ff"/>
+                </a:solidFill>
+                <a:uFill>
+                  <a:solidFill>
+                    <a:srgbClr val="ffffff"/>
+                  </a:solidFill>
+                </a:uFill>
+                <a:latin typeface="Arial"/>
+                <a:ea typeface="DejaVu Sans"/>
+              </a:rPr>
+              <a:t>&lt;welcome-file-list&gt;</a:t>
+            </a:r>
+            <a:endParaRPr b="0" lang="en-US" sz="1800" spc="-1" strike="noStrike">
+              <a:solidFill>
+                <a:srgbClr val="000000"/>
+              </a:solidFill>
+              <a:uFill>
+                <a:solidFill>
+                  <a:srgbClr val="ffffff"/>
+                </a:solidFill>
+              </a:uFill>
+              <a:latin typeface="Arial"/>
+            </a:endParaRPr>
+          </a:p>
+          <a:p>
+            <a:pPr>
+              <a:lnSpc>
+                <a:spcPct val="100000"/>
+              </a:lnSpc>
+            </a:pPr>
+            <a:r>
+              <a:rPr b="0" lang="en-US" sz="1300" spc="-1" strike="noStrike">
+                <a:solidFill>
+                  <a:srgbClr val="3333ff"/>
+                </a:solidFill>
+                <a:uFill>
+                  <a:solidFill>
+                    <a:srgbClr val="ffffff"/>
+                  </a:solidFill>
+                </a:uFill>
+                <a:latin typeface="Arial"/>
+                <a:ea typeface="DejaVu Sans"/>
+              </a:rPr>
+              <a:t>        </a:t>
+            </a:r>
+            <a:r>
+              <a:rPr b="0" lang="en-US" sz="1300" spc="-1" strike="noStrike">
+                <a:solidFill>
+                  <a:srgbClr val="3333ff"/>
+                </a:solidFill>
+                <a:uFill>
+                  <a:solidFill>
+                    <a:srgbClr val="ffffff"/>
+                  </a:solidFill>
+                </a:uFill>
+                <a:latin typeface="Arial"/>
+                <a:ea typeface="DejaVu Sans"/>
+              </a:rPr>
+              <a:t>	</a:t>
+            </a:r>
+            <a:r>
+              <a:rPr b="0" lang="en-US" sz="1300" spc="-1" strike="noStrike">
+                <a:solidFill>
+                  <a:srgbClr val="3333ff"/>
+                </a:solidFill>
+                <a:uFill>
+                  <a:solidFill>
+                    <a:srgbClr val="ffffff"/>
+                  </a:solidFill>
+                </a:uFill>
+                <a:latin typeface="Arial"/>
+                <a:ea typeface="DejaVu Sans"/>
+              </a:rPr>
+              <a:t>	</a:t>
+            </a:r>
+            <a:r>
+              <a:rPr b="0" lang="en-US" sz="1300" spc="-1" strike="noStrike">
+                <a:solidFill>
+                  <a:srgbClr val="3333ff"/>
+                </a:solidFill>
+                <a:uFill>
+                  <a:solidFill>
+                    <a:srgbClr val="ffffff"/>
+                  </a:solidFill>
+                </a:uFill>
+                <a:latin typeface="Arial"/>
+                <a:ea typeface="DejaVu Sans"/>
+              </a:rPr>
+              <a:t>	</a:t>
+            </a:r>
+            <a:r>
+              <a:rPr b="0" lang="en-US" sz="1300" spc="-1" strike="noStrike">
+                <a:solidFill>
+                  <a:srgbClr val="3333ff"/>
+                </a:solidFill>
+                <a:uFill>
+                  <a:solidFill>
+                    <a:srgbClr val="ffffff"/>
+                  </a:solidFill>
+                </a:uFill>
+                <a:latin typeface="Arial"/>
+                <a:ea typeface="DejaVu Sans"/>
+              </a:rPr>
+              <a:t>&lt;welcome-file&gt;index.html&lt;/welcome-file&gt;</a:t>
+            </a:r>
+            <a:endParaRPr b="0" lang="en-US" sz="1800" spc="-1" strike="noStrike">
+              <a:solidFill>
+                <a:srgbClr val="000000"/>
+              </a:solidFill>
+              <a:uFill>
+                <a:solidFill>
+                  <a:srgbClr val="ffffff"/>
+                </a:solidFill>
+              </a:uFill>
+              <a:latin typeface="Arial"/>
+            </a:endParaRPr>
+          </a:p>
+          <a:p>
+            <a:pPr>
+              <a:lnSpc>
+                <a:spcPct val="100000"/>
+              </a:lnSpc>
+            </a:pPr>
+            <a:r>
+              <a:rPr b="0" lang="en-US" sz="1300" spc="-1" strike="noStrike">
+                <a:solidFill>
+                  <a:srgbClr val="3333ff"/>
+                </a:solidFill>
+                <a:uFill>
+                  <a:solidFill>
+                    <a:srgbClr val="ffffff"/>
+                  </a:solidFill>
+                </a:uFill>
+                <a:latin typeface="Arial"/>
+                <a:ea typeface="DejaVu Sans"/>
+              </a:rPr>
+              <a:t>    </a:t>
+            </a:r>
+            <a:r>
+              <a:rPr b="0" lang="en-US" sz="1300" spc="-1" strike="noStrike">
+                <a:solidFill>
+                  <a:srgbClr val="3333ff"/>
+                </a:solidFill>
+                <a:uFill>
+                  <a:solidFill>
+                    <a:srgbClr val="ffffff"/>
+                  </a:solidFill>
+                </a:uFill>
+                <a:latin typeface="Arial"/>
+                <a:ea typeface="DejaVu Sans"/>
+              </a:rPr>
+              <a:t>	</a:t>
+            </a:r>
+            <a:r>
+              <a:rPr b="0" lang="en-US" sz="1300" spc="-1" strike="noStrike">
+                <a:solidFill>
+                  <a:srgbClr val="3333ff"/>
+                </a:solidFill>
+                <a:uFill>
+                  <a:solidFill>
+                    <a:srgbClr val="ffffff"/>
+                  </a:solidFill>
+                </a:uFill>
+                <a:latin typeface="Arial"/>
+                <a:ea typeface="DejaVu Sans"/>
+              </a:rPr>
+              <a:t>	</a:t>
+            </a:r>
+            <a:r>
+              <a:rPr b="0" lang="en-US" sz="1300" spc="-1" strike="noStrike">
+                <a:solidFill>
+                  <a:srgbClr val="3333ff"/>
+                </a:solidFill>
+                <a:uFill>
+                  <a:solidFill>
+                    <a:srgbClr val="ffffff"/>
+                  </a:solidFill>
+                </a:uFill>
+                <a:latin typeface="Arial"/>
+                <a:ea typeface="DejaVu Sans"/>
+              </a:rPr>
+              <a:t>&lt;/welcome-file-list&gt;</a:t>
+            </a:r>
+            <a:endParaRPr b="0" lang="en-US" sz="1800" spc="-1" strike="noStrike">
+              <a:solidFill>
+                <a:srgbClr val="000000"/>
+              </a:solidFill>
+              <a:uFill>
+                <a:solidFill>
+                  <a:srgbClr val="ffffff"/>
+                </a:solidFill>
+              </a:uFill>
+              <a:latin typeface="Arial"/>
+            </a:endParaRPr>
+          </a:p>
+          <a:p>
+            <a:pPr>
+              <a:lnSpc>
+                <a:spcPct val="100000"/>
+              </a:lnSpc>
+            </a:pPr>
+            <a:r>
+              <a:rPr b="0" lang="en-US" sz="1300" spc="-1" strike="noStrike">
+                <a:solidFill>
+                  <a:srgbClr val="3333ff"/>
+                </a:solidFill>
+                <a:uFill>
+                  <a:solidFill>
+                    <a:srgbClr val="ffffff"/>
+                  </a:solidFill>
+                </a:uFill>
+                <a:latin typeface="Arial"/>
+                <a:ea typeface="DejaVu Sans"/>
+              </a:rPr>
+              <a:t>	</a:t>
+            </a:r>
+            <a:r>
+              <a:rPr b="0" lang="en-US" sz="1300" spc="-1" strike="noStrike">
+                <a:solidFill>
+                  <a:srgbClr val="3333ff"/>
+                </a:solidFill>
+                <a:uFill>
+                  <a:solidFill>
+                    <a:srgbClr val="ffffff"/>
+                  </a:solidFill>
+                </a:uFill>
+                <a:latin typeface="Arial"/>
+                <a:ea typeface="DejaVu Sans"/>
+              </a:rPr>
+              <a:t>&lt;/web-app&gt;</a:t>
+            </a:r>
+            <a:endParaRPr b="0" lang="en-US" sz="1800" spc="-1" strike="noStrike">
               <a:solidFill>
                 <a:srgbClr val="000000"/>
               </a:solidFill>
@@ -10912,10 +11727,733 @@
   <p:timing>
     <p:tnLst>
       <p:par>
-        <p:cTn id="49" dur="indefinite" restart="never" nodeType="tmRoot">
+        <p:cTn id="51" dur="indefinite" restart="never" nodeType="tmRoot">
           <p:childTnLst>
             <p:seq>
-              <p:cTn id="50" nodeType="mainSeq"/>
+              <p:cTn id="52" nodeType="mainSeq"/>
+              <p:prevCondLst>
+                <p:cond delay="0" evt="onPrev">
+                  <p:tgtEl>
+                    <p:sldTgt/>
+                  </p:tgtEl>
+                </p:cond>
+              </p:prevCondLst>
+              <p:nextCondLst>
+                <p:cond delay="0" evt="onNext">
+                  <p:tgtEl>
+                    <p:sldTgt/>
+                  </p:tgtEl>
+                </p:cond>
+              </p:nextCondLst>
+            </p:seq>
+          </p:childTnLst>
+        </p:cTn>
+      </p:par>
+    </p:tnLst>
+  </p:timing>
+</p:sld>
+</file>
+
+<file path=ppt/slides/slide27.xml><?xml version="1.0" encoding="utf-8"?>
+<p:sld xmlns:a="http://schemas.openxmlformats.org/drawingml/2006/main" xmlns:p="http://schemas.openxmlformats.org/presentationml/2006/main" xmlns:r="http://schemas.openxmlformats.org/officeDocument/2006/relationships" xmlns:p14="http://schemas.microsoft.com/office/powerpoint/2010/main" xmlns:p15="http://schemas.microsoft.com/office/powerpoint/2012/main" xmlns:mc="http://schemas.openxmlformats.org/markup-compatibility/2006">
+  <p:cSld>
+    <p:spTree>
+      <p:nvGrpSpPr>
+        <p:cNvPr id="1" name=""/>
+        <p:cNvGrpSpPr/>
+        <p:nvPr/>
+      </p:nvGrpSpPr>
+      <p:grpSpPr>
+        <a:xfrm>
+          <a:off x="0" y="0"/>
+          <a:ext cx="0" cy="0"/>
+          <a:chOff x="0" y="0"/>
+          <a:chExt cx="0" cy="0"/>
+        </a:xfrm>
+      </p:grpSpPr>
+      <p:sp>
+        <p:nvSpPr>
+          <p:cNvPr id="140" name="CustomShape 1"/>
+          <p:cNvSpPr/>
+          <p:nvPr/>
+        </p:nvSpPr>
+        <p:spPr>
+          <a:xfrm>
+            <a:off x="729360" y="1318680"/>
+            <a:ext cx="7687800" cy="534240"/>
+          </a:xfrm>
+          <a:prstGeom prst="rect">
+            <a:avLst/>
+          </a:prstGeom>
+          <a:noFill/>
+          <a:ln>
+            <a:noFill/>
+          </a:ln>
+        </p:spPr>
+        <p:style>
+          <a:lnRef idx="0"/>
+          <a:fillRef idx="0"/>
+          <a:effectRef idx="0"/>
+          <a:fontRef idx="minor"/>
+        </p:style>
+        <p:txBody>
+          <a:bodyPr lIns="90000" rIns="90000" tIns="91440" bIns="91440"/>
+          <a:p>
+            <a:pPr>
+              <a:lnSpc>
+                <a:spcPct val="100000"/>
+              </a:lnSpc>
+            </a:pPr>
+            <a:r>
+              <a:rPr b="1" lang="en-US" sz="2600" spc="-1" strike="noStrike">
+                <a:solidFill>
+                  <a:srgbClr val="1a1a1a"/>
+                </a:solidFill>
+                <a:uFill>
+                  <a:solidFill>
+                    <a:srgbClr val="ffffff"/>
+                  </a:solidFill>
+                </a:uFill>
+                <a:latin typeface="Raleway"/>
+                <a:ea typeface="Raleway"/>
+              </a:rPr>
+              <a:t>JSP &amp; Servlet</a:t>
+            </a:r>
+            <a:endParaRPr b="0" lang="en-US" sz="1800" spc="-1" strike="noStrike">
+              <a:solidFill>
+                <a:srgbClr val="000000"/>
+              </a:solidFill>
+              <a:uFill>
+                <a:solidFill>
+                  <a:srgbClr val="ffffff"/>
+                </a:solidFill>
+              </a:uFill>
+              <a:latin typeface="Arial"/>
+            </a:endParaRPr>
+          </a:p>
+        </p:txBody>
+      </p:sp>
+      <p:sp>
+        <p:nvSpPr>
+          <p:cNvPr id="141" name="CustomShape 2"/>
+          <p:cNvSpPr/>
+          <p:nvPr/>
+        </p:nvSpPr>
+        <p:spPr>
+          <a:xfrm>
+            <a:off x="729360" y="2079000"/>
+            <a:ext cx="7687800" cy="2260080"/>
+          </a:xfrm>
+          <a:prstGeom prst="rect">
+            <a:avLst/>
+          </a:prstGeom>
+          <a:noFill/>
+          <a:ln>
+            <a:noFill/>
+          </a:ln>
+        </p:spPr>
+        <p:style>
+          <a:lnRef idx="0"/>
+          <a:fillRef idx="0"/>
+          <a:effectRef idx="0"/>
+          <a:fontRef idx="minor"/>
+        </p:style>
+        <p:txBody>
+          <a:bodyPr lIns="90000" rIns="90000" tIns="91440" bIns="91440"/>
+          <a:p>
+            <a:pPr>
+              <a:lnSpc>
+                <a:spcPct val="100000"/>
+              </a:lnSpc>
+            </a:pPr>
+            <a:endParaRPr b="0" lang="en-US" sz="1800" spc="-1" strike="noStrike">
+              <a:solidFill>
+                <a:srgbClr val="000000"/>
+              </a:solidFill>
+              <a:uFill>
+                <a:solidFill>
+                  <a:srgbClr val="ffffff"/>
+                </a:solidFill>
+              </a:uFill>
+              <a:latin typeface="Arial"/>
+            </a:endParaRPr>
+          </a:p>
+          <a:p>
+            <a:pPr>
+              <a:lnSpc>
+                <a:spcPct val="100000"/>
+              </a:lnSpc>
+            </a:pPr>
+            <a:r>
+              <a:rPr b="0" lang="en-US" sz="1300" spc="-1" strike="noStrike">
+                <a:solidFill>
+                  <a:srgbClr val="000000"/>
+                </a:solidFill>
+                <a:uFill>
+                  <a:solidFill>
+                    <a:srgbClr val="ffffff"/>
+                  </a:solidFill>
+                </a:uFill>
+                <a:latin typeface="Arial"/>
+                <a:ea typeface="DejaVu Sans"/>
+              </a:rPr>
+              <a:t>JavaServer Pages (JSP) is a technology for developing Webpages that supports dynamic content. This helps developers insert java code in HTML pages by making use of special JSP tags, most of which start with &lt;% and end with %&gt;. </a:t>
+            </a:r>
+            <a:endParaRPr b="0" lang="en-US" sz="1800" spc="-1" strike="noStrike">
+              <a:solidFill>
+                <a:srgbClr val="000000"/>
+              </a:solidFill>
+              <a:uFill>
+                <a:solidFill>
+                  <a:srgbClr val="ffffff"/>
+                </a:solidFill>
+              </a:uFill>
+              <a:latin typeface="Arial"/>
+            </a:endParaRPr>
+          </a:p>
+          <a:p>
+            <a:pPr>
+              <a:lnSpc>
+                <a:spcPct val="100000"/>
+              </a:lnSpc>
+            </a:pPr>
+            <a:endParaRPr b="0" lang="en-US" sz="1800" spc="-1" strike="noStrike">
+              <a:solidFill>
+                <a:srgbClr val="000000"/>
+              </a:solidFill>
+              <a:uFill>
+                <a:solidFill>
+                  <a:srgbClr val="ffffff"/>
+                </a:solidFill>
+              </a:uFill>
+              <a:latin typeface="Arial"/>
+            </a:endParaRPr>
+          </a:p>
+          <a:p>
+            <a:pPr>
+              <a:lnSpc>
+                <a:spcPct val="100000"/>
+              </a:lnSpc>
+            </a:pPr>
+            <a:r>
+              <a:rPr b="0" lang="en-US" sz="1300" spc="-1" strike="noStrike">
+                <a:solidFill>
+                  <a:srgbClr val="000000"/>
+                </a:solidFill>
+                <a:uFill>
+                  <a:solidFill>
+                    <a:srgbClr val="ffffff"/>
+                  </a:solidFill>
+                </a:uFill>
+                <a:latin typeface="Arial"/>
+                <a:ea typeface="DejaVu Sans"/>
+              </a:rPr>
+              <a:t>Java Servlets are programs that run on a Web or Application server and act as a middle layer between a requests coming from a Web browser or other HTTP client and databases or applications on the HTTP server.</a:t>
+            </a:r>
+            <a:endParaRPr b="0" lang="en-US" sz="1800" spc="-1" strike="noStrike">
+              <a:solidFill>
+                <a:srgbClr val="000000"/>
+              </a:solidFill>
+              <a:uFill>
+                <a:solidFill>
+                  <a:srgbClr val="ffffff"/>
+                </a:solidFill>
+              </a:uFill>
+              <a:latin typeface="Arial"/>
+            </a:endParaRPr>
+          </a:p>
+          <a:p>
+            <a:pPr>
+              <a:lnSpc>
+                <a:spcPct val="100000"/>
+              </a:lnSpc>
+            </a:pPr>
+            <a:r>
+              <a:rPr b="0" lang="en-US" sz="1300" spc="-1" strike="noStrike">
+                <a:solidFill>
+                  <a:srgbClr val="000000"/>
+                </a:solidFill>
+                <a:uFill>
+                  <a:solidFill>
+                    <a:srgbClr val="ffffff"/>
+                  </a:solidFill>
+                </a:uFill>
+                <a:latin typeface="Arial"/>
+                <a:ea typeface="DejaVu Sans"/>
+              </a:rPr>
+              <a:t>	</a:t>
+            </a:r>
+            <a:endParaRPr b="0" lang="en-US" sz="1800" spc="-1" strike="noStrike">
+              <a:solidFill>
+                <a:srgbClr val="000000"/>
+              </a:solidFill>
+              <a:uFill>
+                <a:solidFill>
+                  <a:srgbClr val="ffffff"/>
+                </a:solidFill>
+              </a:uFill>
+              <a:latin typeface="Arial"/>
+            </a:endParaRPr>
+          </a:p>
+        </p:txBody>
+      </p:sp>
+    </p:spTree>
+  </p:cSld>
+  <p:timing>
+    <p:tnLst>
+      <p:par>
+        <p:cTn id="53" dur="indefinite" restart="never" nodeType="tmRoot">
+          <p:childTnLst>
+            <p:seq>
+              <p:cTn id="54" nodeType="mainSeq"/>
+              <p:prevCondLst>
+                <p:cond delay="0" evt="onPrev">
+                  <p:tgtEl>
+                    <p:sldTgt/>
+                  </p:tgtEl>
+                </p:cond>
+              </p:prevCondLst>
+              <p:nextCondLst>
+                <p:cond delay="0" evt="onNext">
+                  <p:tgtEl>
+                    <p:sldTgt/>
+                  </p:tgtEl>
+                </p:cond>
+              </p:nextCondLst>
+            </p:seq>
+          </p:childTnLst>
+        </p:cTn>
+      </p:par>
+    </p:tnLst>
+  </p:timing>
+</p:sld>
+</file>
+
+<file path=ppt/slides/slide28.xml><?xml version="1.0" encoding="utf-8"?>
+<p:sld xmlns:a="http://schemas.openxmlformats.org/drawingml/2006/main" xmlns:p="http://schemas.openxmlformats.org/presentationml/2006/main" xmlns:r="http://schemas.openxmlformats.org/officeDocument/2006/relationships" xmlns:p14="http://schemas.microsoft.com/office/powerpoint/2010/main" xmlns:p15="http://schemas.microsoft.com/office/powerpoint/2012/main" xmlns:mc="http://schemas.openxmlformats.org/markup-compatibility/2006">
+  <p:cSld>
+    <p:spTree>
+      <p:nvGrpSpPr>
+        <p:cNvPr id="1" name=""/>
+        <p:cNvGrpSpPr/>
+        <p:nvPr/>
+      </p:nvGrpSpPr>
+      <p:grpSpPr>
+        <a:xfrm>
+          <a:off x="0" y="0"/>
+          <a:ext cx="0" cy="0"/>
+          <a:chOff x="0" y="0"/>
+          <a:chExt cx="0" cy="0"/>
+        </a:xfrm>
+      </p:grpSpPr>
+      <p:sp>
+        <p:nvSpPr>
+          <p:cNvPr id="142" name="CustomShape 1"/>
+          <p:cNvSpPr/>
+          <p:nvPr/>
+        </p:nvSpPr>
+        <p:spPr>
+          <a:xfrm>
+            <a:off x="729360" y="1318680"/>
+            <a:ext cx="7687800" cy="534240"/>
+          </a:xfrm>
+          <a:prstGeom prst="rect">
+            <a:avLst/>
+          </a:prstGeom>
+          <a:noFill/>
+          <a:ln>
+            <a:noFill/>
+          </a:ln>
+        </p:spPr>
+        <p:style>
+          <a:lnRef idx="0"/>
+          <a:fillRef idx="0"/>
+          <a:effectRef idx="0"/>
+          <a:fontRef idx="minor"/>
+        </p:style>
+        <p:txBody>
+          <a:bodyPr lIns="90000" rIns="90000" tIns="91440" bIns="91440"/>
+          <a:p>
+            <a:pPr>
+              <a:lnSpc>
+                <a:spcPct val="100000"/>
+              </a:lnSpc>
+            </a:pPr>
+            <a:r>
+              <a:rPr b="1" lang="en-US" sz="2600" spc="-1" strike="noStrike">
+                <a:solidFill>
+                  <a:srgbClr val="1a1a1a"/>
+                </a:solidFill>
+                <a:uFill>
+                  <a:solidFill>
+                    <a:srgbClr val="ffffff"/>
+                  </a:solidFill>
+                </a:uFill>
+                <a:latin typeface="Raleway"/>
+                <a:ea typeface="Raleway"/>
+              </a:rPr>
+              <a:t>Spring</a:t>
+            </a:r>
+            <a:endParaRPr b="0" lang="en-US" sz="1800" spc="-1" strike="noStrike">
+              <a:solidFill>
+                <a:srgbClr val="000000"/>
+              </a:solidFill>
+              <a:uFill>
+                <a:solidFill>
+                  <a:srgbClr val="ffffff"/>
+                </a:solidFill>
+              </a:uFill>
+              <a:latin typeface="Arial"/>
+            </a:endParaRPr>
+          </a:p>
+        </p:txBody>
+      </p:sp>
+      <p:sp>
+        <p:nvSpPr>
+          <p:cNvPr id="143" name="CustomShape 2"/>
+          <p:cNvSpPr/>
+          <p:nvPr/>
+        </p:nvSpPr>
+        <p:spPr>
+          <a:xfrm>
+            <a:off x="729360" y="2079000"/>
+            <a:ext cx="7687800" cy="2260080"/>
+          </a:xfrm>
+          <a:prstGeom prst="rect">
+            <a:avLst/>
+          </a:prstGeom>
+          <a:noFill/>
+          <a:ln>
+            <a:noFill/>
+          </a:ln>
+        </p:spPr>
+        <p:style>
+          <a:lnRef idx="0"/>
+          <a:fillRef idx="0"/>
+          <a:effectRef idx="0"/>
+          <a:fontRef idx="minor"/>
+        </p:style>
+        <p:txBody>
+          <a:bodyPr lIns="90000" rIns="90000" tIns="91440" bIns="91440"/>
+          <a:p>
+            <a:pPr>
+              <a:lnSpc>
+                <a:spcPct val="100000"/>
+              </a:lnSpc>
+            </a:pPr>
+            <a:endParaRPr b="0" lang="en-US" sz="1800" spc="-1" strike="noStrike">
+              <a:solidFill>
+                <a:srgbClr val="000000"/>
+              </a:solidFill>
+              <a:uFill>
+                <a:solidFill>
+                  <a:srgbClr val="ffffff"/>
+                </a:solidFill>
+              </a:uFill>
+              <a:latin typeface="Arial"/>
+            </a:endParaRPr>
+          </a:p>
+          <a:p>
+            <a:pPr>
+              <a:lnSpc>
+                <a:spcPct val="100000"/>
+              </a:lnSpc>
+            </a:pPr>
+            <a:r>
+              <a:rPr b="0" lang="en-US" sz="1300" spc="-1" strike="noStrike">
+                <a:solidFill>
+                  <a:srgbClr val="000000"/>
+                </a:solidFill>
+                <a:uFill>
+                  <a:solidFill>
+                    <a:srgbClr val="ffffff"/>
+                  </a:solidFill>
+                </a:uFill>
+                <a:latin typeface="Arial"/>
+                <a:ea typeface="DejaVu Sans"/>
+              </a:rPr>
+              <a:t>The Spring Framework is an application framework and inversion of control container for the Java platform. The framework's core features can be used by any Java application, but there are extensions for building web applications on top of the Java EE (Enterprise Edition) platform. Although the framework does not impose any specific programming model, it has become popular in the Java community as an addition to, or even replacement for the Enterprise JavaBeans (EJB) model. The Spring Framework is open source.</a:t>
+            </a:r>
+            <a:endParaRPr b="0" lang="en-US" sz="1800" spc="-1" strike="noStrike">
+              <a:solidFill>
+                <a:srgbClr val="000000"/>
+              </a:solidFill>
+              <a:uFill>
+                <a:solidFill>
+                  <a:srgbClr val="ffffff"/>
+                </a:solidFill>
+              </a:uFill>
+              <a:latin typeface="Arial"/>
+            </a:endParaRPr>
+          </a:p>
+          <a:p>
+            <a:pPr>
+              <a:lnSpc>
+                <a:spcPct val="100000"/>
+              </a:lnSpc>
+            </a:pPr>
+            <a:r>
+              <a:rPr b="0" lang="en-US" sz="1300" spc="-1" strike="noStrike">
+                <a:solidFill>
+                  <a:srgbClr val="000000"/>
+                </a:solidFill>
+                <a:uFill>
+                  <a:solidFill>
+                    <a:srgbClr val="ffffff"/>
+                  </a:solidFill>
+                </a:uFill>
+                <a:latin typeface="Arial"/>
+                <a:ea typeface="DejaVu Sans"/>
+              </a:rPr>
+              <a:t>	</a:t>
+            </a:r>
+            <a:endParaRPr b="0" lang="en-US" sz="1800" spc="-1" strike="noStrike">
+              <a:solidFill>
+                <a:srgbClr val="000000"/>
+              </a:solidFill>
+              <a:uFill>
+                <a:solidFill>
+                  <a:srgbClr val="ffffff"/>
+                </a:solidFill>
+              </a:uFill>
+              <a:latin typeface="Arial"/>
+            </a:endParaRPr>
+          </a:p>
+        </p:txBody>
+      </p:sp>
+    </p:spTree>
+  </p:cSld>
+  <p:timing>
+    <p:tnLst>
+      <p:par>
+        <p:cTn id="55" dur="indefinite" restart="never" nodeType="tmRoot">
+          <p:childTnLst>
+            <p:seq>
+              <p:cTn id="56" nodeType="mainSeq"/>
+              <p:prevCondLst>
+                <p:cond delay="0" evt="onPrev">
+                  <p:tgtEl>
+                    <p:sldTgt/>
+                  </p:tgtEl>
+                </p:cond>
+              </p:prevCondLst>
+              <p:nextCondLst>
+                <p:cond delay="0" evt="onNext">
+                  <p:tgtEl>
+                    <p:sldTgt/>
+                  </p:tgtEl>
+                </p:cond>
+              </p:nextCondLst>
+            </p:seq>
+          </p:childTnLst>
+        </p:cTn>
+      </p:par>
+    </p:tnLst>
+  </p:timing>
+</p:sld>
+</file>
+
+<file path=ppt/slides/slide29.xml><?xml version="1.0" encoding="utf-8"?>
+<p:sld xmlns:a="http://schemas.openxmlformats.org/drawingml/2006/main" xmlns:p="http://schemas.openxmlformats.org/presentationml/2006/main" xmlns:r="http://schemas.openxmlformats.org/officeDocument/2006/relationships" xmlns:p14="http://schemas.microsoft.com/office/powerpoint/2010/main" xmlns:p15="http://schemas.microsoft.com/office/powerpoint/2012/main" xmlns:mc="http://schemas.openxmlformats.org/markup-compatibility/2006">
+  <p:cSld>
+    <p:spTree>
+      <p:nvGrpSpPr>
+        <p:cNvPr id="1" name=""/>
+        <p:cNvGrpSpPr/>
+        <p:nvPr/>
+      </p:nvGrpSpPr>
+      <p:grpSpPr>
+        <a:xfrm>
+          <a:off x="0" y="0"/>
+          <a:ext cx="0" cy="0"/>
+          <a:chOff x="0" y="0"/>
+          <a:chExt cx="0" cy="0"/>
+        </a:xfrm>
+      </p:grpSpPr>
+      <p:sp>
+        <p:nvSpPr>
+          <p:cNvPr id="144" name="CustomShape 1"/>
+          <p:cNvSpPr/>
+          <p:nvPr/>
+        </p:nvSpPr>
+        <p:spPr>
+          <a:xfrm>
+            <a:off x="729360" y="1318680"/>
+            <a:ext cx="7687800" cy="534240"/>
+          </a:xfrm>
+          <a:prstGeom prst="rect">
+            <a:avLst/>
+          </a:prstGeom>
+          <a:noFill/>
+          <a:ln>
+            <a:noFill/>
+          </a:ln>
+        </p:spPr>
+        <p:style>
+          <a:lnRef idx="0"/>
+          <a:fillRef idx="0"/>
+          <a:effectRef idx="0"/>
+          <a:fontRef idx="minor"/>
+        </p:style>
+        <p:txBody>
+          <a:bodyPr lIns="90000" rIns="90000" tIns="91440" bIns="91440"/>
+          <a:p>
+            <a:pPr>
+              <a:lnSpc>
+                <a:spcPct val="100000"/>
+              </a:lnSpc>
+            </a:pPr>
+            <a:r>
+              <a:rPr b="1" lang="en-US" sz="2600" spc="-1" strike="noStrike">
+                <a:solidFill>
+                  <a:srgbClr val="1a1a1a"/>
+                </a:solidFill>
+                <a:uFill>
+                  <a:solidFill>
+                    <a:srgbClr val="ffffff"/>
+                  </a:solidFill>
+                </a:uFill>
+                <a:latin typeface="Raleway"/>
+                <a:ea typeface="Raleway"/>
+              </a:rPr>
+              <a:t>Spring Boot</a:t>
+            </a:r>
+            <a:endParaRPr b="0" lang="en-US" sz="1800" spc="-1" strike="noStrike">
+              <a:solidFill>
+                <a:srgbClr val="000000"/>
+              </a:solidFill>
+              <a:uFill>
+                <a:solidFill>
+                  <a:srgbClr val="ffffff"/>
+                </a:solidFill>
+              </a:uFill>
+              <a:latin typeface="Arial"/>
+            </a:endParaRPr>
+          </a:p>
+        </p:txBody>
+      </p:sp>
+      <p:sp>
+        <p:nvSpPr>
+          <p:cNvPr id="145" name="CustomShape 2"/>
+          <p:cNvSpPr/>
+          <p:nvPr/>
+        </p:nvSpPr>
+        <p:spPr>
+          <a:xfrm>
+            <a:off x="729360" y="2079000"/>
+            <a:ext cx="7687800" cy="2260080"/>
+          </a:xfrm>
+          <a:prstGeom prst="rect">
+            <a:avLst/>
+          </a:prstGeom>
+          <a:noFill/>
+          <a:ln>
+            <a:noFill/>
+          </a:ln>
+        </p:spPr>
+        <p:style>
+          <a:lnRef idx="0"/>
+          <a:fillRef idx="0"/>
+          <a:effectRef idx="0"/>
+          <a:fontRef idx="minor"/>
+        </p:style>
+        <p:txBody>
+          <a:bodyPr lIns="90000" rIns="90000" tIns="91440" bIns="91440"/>
+          <a:p>
+            <a:pPr>
+              <a:lnSpc>
+                <a:spcPct val="100000"/>
+              </a:lnSpc>
+            </a:pPr>
+            <a:endParaRPr b="0" lang="en-US" sz="1800" spc="-1" strike="noStrike">
+              <a:solidFill>
+                <a:srgbClr val="000000"/>
+              </a:solidFill>
+              <a:uFill>
+                <a:solidFill>
+                  <a:srgbClr val="ffffff"/>
+                </a:solidFill>
+              </a:uFill>
+              <a:latin typeface="Arial"/>
+            </a:endParaRPr>
+          </a:p>
+          <a:p>
+            <a:pPr>
+              <a:lnSpc>
+                <a:spcPct val="100000"/>
+              </a:lnSpc>
+            </a:pPr>
+            <a:r>
+              <a:rPr b="0" lang="en-US" sz="1300" spc="-1" strike="noStrike">
+                <a:solidFill>
+                  <a:srgbClr val="000000"/>
+                </a:solidFill>
+                <a:uFill>
+                  <a:solidFill>
+                    <a:srgbClr val="ffffff"/>
+                  </a:solidFill>
+                </a:uFill>
+                <a:latin typeface="Arial"/>
+                <a:ea typeface="DejaVu Sans"/>
+              </a:rPr>
+              <a:t>Spring Boot is designed to get you up and running as quickly as possible, with minimal upfront configuration of Spring. Spring Boot takes an opinionated view of building production ready applications.</a:t>
+            </a:r>
+            <a:endParaRPr b="0" lang="en-US" sz="1800" spc="-1" strike="noStrike">
+              <a:solidFill>
+                <a:srgbClr val="000000"/>
+              </a:solidFill>
+              <a:uFill>
+                <a:solidFill>
+                  <a:srgbClr val="ffffff"/>
+                </a:solidFill>
+              </a:uFill>
+              <a:latin typeface="Arial"/>
+            </a:endParaRPr>
+          </a:p>
+          <a:p>
+            <a:pPr>
+              <a:lnSpc>
+                <a:spcPct val="100000"/>
+              </a:lnSpc>
+            </a:pPr>
+            <a:r>
+              <a:rPr b="0" lang="en-US" sz="1300" spc="-1" strike="noStrike">
+                <a:solidFill>
+                  <a:srgbClr val="000000"/>
+                </a:solidFill>
+                <a:uFill>
+                  <a:solidFill>
+                    <a:srgbClr val="ffffff"/>
+                  </a:solidFill>
+                </a:uFill>
+                <a:latin typeface="Arial"/>
+                <a:ea typeface="DejaVu Sans"/>
+              </a:rPr>
+              <a:t>	</a:t>
+            </a:r>
+            <a:endParaRPr b="0" lang="en-US" sz="1800" spc="-1" strike="noStrike">
+              <a:solidFill>
+                <a:srgbClr val="000000"/>
+              </a:solidFill>
+              <a:uFill>
+                <a:solidFill>
+                  <a:srgbClr val="ffffff"/>
+                </a:solidFill>
+              </a:uFill>
+              <a:latin typeface="Arial"/>
+            </a:endParaRPr>
+          </a:p>
+        </p:txBody>
+      </p:sp>
+    </p:spTree>
+  </p:cSld>
+  <p:timing>
+    <p:tnLst>
+      <p:par>
+        <p:cTn id="57" dur="indefinite" restart="never" nodeType="tmRoot">
+          <p:childTnLst>
+            <p:seq>
+              <p:cTn id="58" nodeType="mainSeq"/>
               <p:prevCondLst>
                 <p:cond delay="0" evt="onPrev">
                   <p:tgtEl>
@@ -10958,14 +12496,14 @@
       </p:grpSpPr>
       <p:sp>
         <p:nvSpPr>
-          <p:cNvPr id="86" name="TextShape 1"/>
-          <p:cNvSpPr txBox="1"/>
+          <p:cNvPr id="84" name="CustomShape 1"/>
+          <p:cNvSpPr/>
           <p:nvPr/>
         </p:nvSpPr>
         <p:spPr>
           <a:xfrm>
             <a:off x="729360" y="1318680"/>
-            <a:ext cx="7688520" cy="534960"/>
+            <a:ext cx="7687800" cy="534240"/>
           </a:xfrm>
           <a:prstGeom prst="rect">
             <a:avLst/>
@@ -10975,8 +12513,14 @@
             <a:noFill/>
           </a:ln>
         </p:spPr>
+        <p:style>
+          <a:lnRef idx="0"/>
+          <a:fillRef idx="0"/>
+          <a:effectRef idx="0"/>
+          <a:fontRef idx="minor"/>
+        </p:style>
         <p:txBody>
-          <a:bodyPr tIns="91440" bIns="91440"/>
+          <a:bodyPr lIns="90000" rIns="90000" tIns="91440" bIns="91440"/>
           <a:p>
             <a:pPr>
               <a:lnSpc>
@@ -10998,7 +12542,7 @@
               </a:rPr>
               <a:t>Job Market</a:t>
             </a:r>
-            <a:endParaRPr b="0" lang="en-US" sz="1400" spc="-1" strike="noStrike">
+            <a:endParaRPr b="0" lang="en-US" sz="1800" spc="-1" strike="noStrike">
               <a:solidFill>
                 <a:srgbClr val="000000"/>
               </a:solidFill>
@@ -11014,14 +12558,14 @@
       </p:sp>
       <p:sp>
         <p:nvSpPr>
-          <p:cNvPr id="87" name="TextShape 2"/>
-          <p:cNvSpPr txBox="1"/>
+          <p:cNvPr id="85" name="CustomShape 2"/>
+          <p:cNvSpPr/>
           <p:nvPr/>
         </p:nvSpPr>
         <p:spPr>
           <a:xfrm>
             <a:off x="6528960" y="2079000"/>
-            <a:ext cx="1888920" cy="2260800"/>
+            <a:ext cx="1888200" cy="2260080"/>
           </a:xfrm>
           <a:prstGeom prst="rect">
             <a:avLst/>
@@ -11031,8 +12575,14 @@
             <a:noFill/>
           </a:ln>
         </p:spPr>
+        <p:style>
+          <a:lnRef idx="0"/>
+          <a:fillRef idx="0"/>
+          <a:effectRef idx="0"/>
+          <a:fontRef idx="minor"/>
+        </p:style>
         <p:txBody>
-          <a:bodyPr tIns="91440" bIns="91440"/>
+          <a:bodyPr lIns="90000" rIns="90000" tIns="91440" bIns="91440"/>
           <a:p>
             <a:pPr>
               <a:lnSpc>
@@ -11057,7 +12607,7 @@
             <a:r>
               <a:rPr b="0" lang="en-US" sz="1300" spc="-1" strike="noStrike" u="sng">
                 <a:solidFill>
-                  <a:srgbClr val="1c3678"/>
+                  <a:srgbClr val="0000ff"/>
                 </a:solidFill>
                 <a:uFill>
                   <a:solidFill>
@@ -11070,7 +12620,7 @@
               </a:rPr>
               <a:t>www.payscale.com</a:t>
             </a:r>
-            <a:endParaRPr b="0" lang="en-US" sz="1400" spc="-1" strike="noStrike">
+            <a:endParaRPr b="0" lang="en-US" sz="1800" spc="-1" strike="noStrike">
               <a:solidFill>
                 <a:srgbClr val="000000"/>
               </a:solidFill>
@@ -11103,7 +12653,7 @@
               </a:rPr>
               <a:t>2017-09-10</a:t>
             </a:r>
-            <a:endParaRPr b="0" lang="en-US" sz="1400" spc="-1" strike="noStrike">
+            <a:endParaRPr b="0" lang="en-US" sz="1800" spc="-1" strike="noStrike">
               <a:solidFill>
                 <a:srgbClr val="000000"/>
               </a:solidFill>
@@ -11119,7 +12669,7 @@
       </p:sp>
       <p:pic>
         <p:nvPicPr>
-          <p:cNvPr id="88" name="Shape 102" descr=""/>
+          <p:cNvPr id="86" name="Shape 102" descr=""/>
           <p:cNvPicPr/>
           <p:nvPr/>
         </p:nvPicPr>
@@ -11130,7 +12680,7 @@
         <p:spPr>
           <a:xfrm>
             <a:off x="729360" y="2079000"/>
-            <a:ext cx="5799240" cy="2587320"/>
+            <a:ext cx="5798520" cy="2586600"/>
           </a:xfrm>
           <a:prstGeom prst="rect">
             <a:avLst/>
@@ -11149,6 +12699,230 @@
           <p:childTnLst>
             <p:seq>
               <p:cTn id="6" nodeType="mainSeq"/>
+              <p:prevCondLst>
+                <p:cond delay="0" evt="onPrev">
+                  <p:tgtEl>
+                    <p:sldTgt/>
+                  </p:tgtEl>
+                </p:cond>
+              </p:prevCondLst>
+              <p:nextCondLst>
+                <p:cond delay="0" evt="onNext">
+                  <p:tgtEl>
+                    <p:sldTgt/>
+                  </p:tgtEl>
+                </p:cond>
+              </p:nextCondLst>
+            </p:seq>
+          </p:childTnLst>
+        </p:cTn>
+      </p:par>
+    </p:tnLst>
+  </p:timing>
+</p:sld>
+</file>
+
+<file path=ppt/slides/slide30.xml><?xml version="1.0" encoding="utf-8"?>
+<p:sld xmlns:a="http://schemas.openxmlformats.org/drawingml/2006/main" xmlns:p="http://schemas.openxmlformats.org/presentationml/2006/main" xmlns:r="http://schemas.openxmlformats.org/officeDocument/2006/relationships" xmlns:p14="http://schemas.microsoft.com/office/powerpoint/2010/main" xmlns:p15="http://schemas.microsoft.com/office/powerpoint/2012/main" xmlns:mc="http://schemas.openxmlformats.org/markup-compatibility/2006">
+  <p:cSld>
+    <p:spTree>
+      <p:nvGrpSpPr>
+        <p:cNvPr id="1" name=""/>
+        <p:cNvGrpSpPr/>
+        <p:nvPr/>
+      </p:nvGrpSpPr>
+      <p:grpSpPr>
+        <a:xfrm>
+          <a:off x="0" y="0"/>
+          <a:ext cx="0" cy="0"/>
+          <a:chOff x="0" y="0"/>
+          <a:chExt cx="0" cy="0"/>
+        </a:xfrm>
+      </p:grpSpPr>
+      <p:sp>
+        <p:nvSpPr>
+          <p:cNvPr id="146" name="CustomShape 1"/>
+          <p:cNvSpPr/>
+          <p:nvPr/>
+        </p:nvSpPr>
+        <p:spPr>
+          <a:xfrm>
+            <a:off x="729360" y="1318680"/>
+            <a:ext cx="7687800" cy="534240"/>
+          </a:xfrm>
+          <a:prstGeom prst="rect">
+            <a:avLst/>
+          </a:prstGeom>
+          <a:noFill/>
+          <a:ln>
+            <a:noFill/>
+          </a:ln>
+        </p:spPr>
+        <p:style>
+          <a:lnRef idx="0"/>
+          <a:fillRef idx="0"/>
+          <a:effectRef idx="0"/>
+          <a:fontRef idx="minor"/>
+        </p:style>
+        <p:txBody>
+          <a:bodyPr lIns="90000" rIns="90000" tIns="91440" bIns="91440"/>
+          <a:p>
+            <a:pPr>
+              <a:lnSpc>
+                <a:spcPct val="100000"/>
+              </a:lnSpc>
+            </a:pPr>
+            <a:r>
+              <a:rPr b="1" lang="en-US" sz="2600" spc="-1" strike="noStrike">
+                <a:solidFill>
+                  <a:srgbClr val="1a1a1a"/>
+                </a:solidFill>
+                <a:uFill>
+                  <a:solidFill>
+                    <a:srgbClr val="ffffff"/>
+                  </a:solidFill>
+                </a:uFill>
+                <a:latin typeface="Raleway"/>
+                <a:ea typeface="Raleway"/>
+              </a:rPr>
+              <a:t>Spring MVC</a:t>
+            </a:r>
+            <a:endParaRPr b="0" lang="en-US" sz="1800" spc="-1" strike="noStrike">
+              <a:solidFill>
+                <a:srgbClr val="000000"/>
+              </a:solidFill>
+              <a:uFill>
+                <a:solidFill>
+                  <a:srgbClr val="ffffff"/>
+                </a:solidFill>
+              </a:uFill>
+              <a:latin typeface="Arial"/>
+            </a:endParaRPr>
+          </a:p>
+        </p:txBody>
+      </p:sp>
+      <p:sp>
+        <p:nvSpPr>
+          <p:cNvPr id="147" name="CustomShape 2"/>
+          <p:cNvSpPr/>
+          <p:nvPr/>
+        </p:nvSpPr>
+        <p:spPr>
+          <a:xfrm>
+            <a:off x="729360" y="2079000"/>
+            <a:ext cx="7687800" cy="2260080"/>
+          </a:xfrm>
+          <a:prstGeom prst="rect">
+            <a:avLst/>
+          </a:prstGeom>
+          <a:noFill/>
+          <a:ln>
+            <a:noFill/>
+          </a:ln>
+        </p:spPr>
+        <p:style>
+          <a:lnRef idx="0"/>
+          <a:fillRef idx="0"/>
+          <a:effectRef idx="0"/>
+          <a:fontRef idx="minor"/>
+        </p:style>
+        <p:txBody>
+          <a:bodyPr lIns="90000" rIns="90000" tIns="91440" bIns="91440"/>
+          <a:p>
+            <a:pPr>
+              <a:lnSpc>
+                <a:spcPct val="100000"/>
+              </a:lnSpc>
+            </a:pPr>
+            <a:endParaRPr b="0" lang="en-US" sz="1800" spc="-1" strike="noStrike">
+              <a:solidFill>
+                <a:srgbClr val="000000"/>
+              </a:solidFill>
+              <a:uFill>
+                <a:solidFill>
+                  <a:srgbClr val="ffffff"/>
+                </a:solidFill>
+              </a:uFill>
+              <a:latin typeface="Arial"/>
+            </a:endParaRPr>
+          </a:p>
+          <a:p>
+            <a:pPr>
+              <a:lnSpc>
+                <a:spcPct val="100000"/>
+              </a:lnSpc>
+            </a:pPr>
+            <a:r>
+              <a:rPr b="0" lang="en-US" sz="1300" spc="-1" strike="noStrike">
+                <a:solidFill>
+                  <a:srgbClr val="000000"/>
+                </a:solidFill>
+                <a:uFill>
+                  <a:solidFill>
+                    <a:srgbClr val="ffffff"/>
+                  </a:solidFill>
+                </a:uFill>
+                <a:latin typeface="Arial"/>
+                <a:ea typeface="DejaVu Sans"/>
+              </a:rPr>
+              <a:t>Spring Web MVC is the original web framework built on the Servlet API and included in the Spring Framework from the very beginning. The formal name "Spring Web MVC" comes from the name of its source module spring-webmvc but it is more commonly known as "Spring MVC".</a:t>
+            </a:r>
+            <a:endParaRPr b="0" lang="en-US" sz="1800" spc="-1" strike="noStrike">
+              <a:solidFill>
+                <a:srgbClr val="000000"/>
+              </a:solidFill>
+              <a:uFill>
+                <a:solidFill>
+                  <a:srgbClr val="ffffff"/>
+                </a:solidFill>
+              </a:uFill>
+              <a:latin typeface="Arial"/>
+            </a:endParaRPr>
+          </a:p>
+          <a:p>
+            <a:pPr>
+              <a:lnSpc>
+                <a:spcPct val="100000"/>
+              </a:lnSpc>
+            </a:pPr>
+            <a:r>
+              <a:rPr b="0" lang="en-US" sz="1300" spc="-1" strike="noStrike">
+                <a:solidFill>
+                  <a:srgbClr val="000000"/>
+                </a:solidFill>
+                <a:uFill>
+                  <a:solidFill>
+                    <a:srgbClr val="ffffff"/>
+                  </a:solidFill>
+                </a:uFill>
+                <a:latin typeface="Arial"/>
+                <a:ea typeface="DejaVu Sans"/>
+              </a:rPr>
+              <a:t>	</a:t>
+            </a:r>
+            <a:endParaRPr b="0" lang="en-US" sz="1800" spc="-1" strike="noStrike">
+              <a:solidFill>
+                <a:srgbClr val="000000"/>
+              </a:solidFill>
+              <a:uFill>
+                <a:solidFill>
+                  <a:srgbClr val="ffffff"/>
+                </a:solidFill>
+              </a:uFill>
+              <a:latin typeface="Arial"/>
+            </a:endParaRPr>
+          </a:p>
+        </p:txBody>
+      </p:sp>
+    </p:spTree>
+  </p:cSld>
+  <p:timing>
+    <p:tnLst>
+      <p:par>
+        <p:cTn id="59" dur="indefinite" restart="never" nodeType="tmRoot">
+          <p:childTnLst>
+            <p:seq>
+              <p:cTn id="60" nodeType="mainSeq"/>
               <p:prevCondLst>
                 <p:cond delay="0" evt="onPrev">
                   <p:tgtEl>
@@ -11191,14 +12965,14 @@
       </p:grpSpPr>
       <p:sp>
         <p:nvSpPr>
-          <p:cNvPr id="89" name="TextShape 1"/>
-          <p:cNvSpPr txBox="1"/>
+          <p:cNvPr id="87" name="CustomShape 1"/>
+          <p:cNvSpPr/>
           <p:nvPr/>
         </p:nvSpPr>
         <p:spPr>
           <a:xfrm>
             <a:off x="729360" y="1318680"/>
-            <a:ext cx="7688520" cy="534960"/>
+            <a:ext cx="7687800" cy="534240"/>
           </a:xfrm>
           <a:prstGeom prst="rect">
             <a:avLst/>
@@ -11208,8 +12982,14 @@
             <a:noFill/>
           </a:ln>
         </p:spPr>
+        <p:style>
+          <a:lnRef idx="0"/>
+          <a:fillRef idx="0"/>
+          <a:effectRef idx="0"/>
+          <a:fontRef idx="minor"/>
+        </p:style>
         <p:txBody>
-          <a:bodyPr tIns="91440" bIns="91440"/>
+          <a:bodyPr lIns="90000" rIns="90000" tIns="91440" bIns="91440"/>
           <a:p>
             <a:pPr>
               <a:lnSpc>
@@ -11231,7 +13011,7 @@
               </a:rPr>
               <a:t>Career Path</a:t>
             </a:r>
-            <a:endParaRPr b="0" lang="en-US" sz="1400" spc="-1" strike="noStrike">
+            <a:endParaRPr b="0" lang="en-US" sz="1800" spc="-1" strike="noStrike">
               <a:solidFill>
                 <a:srgbClr val="000000"/>
               </a:solidFill>
@@ -11247,14 +13027,14 @@
       </p:sp>
       <p:sp>
         <p:nvSpPr>
-          <p:cNvPr id="90" name="TextShape 2"/>
-          <p:cNvSpPr txBox="1"/>
+          <p:cNvPr id="88" name="CustomShape 2"/>
+          <p:cNvSpPr/>
           <p:nvPr/>
         </p:nvSpPr>
         <p:spPr>
           <a:xfrm>
             <a:off x="5922360" y="2079000"/>
-            <a:ext cx="2495520" cy="2260800"/>
+            <a:ext cx="2494800" cy="2260080"/>
           </a:xfrm>
           <a:prstGeom prst="rect">
             <a:avLst/>
@@ -11264,8 +13044,14 @@
             <a:noFill/>
           </a:ln>
         </p:spPr>
+        <p:style>
+          <a:lnRef idx="0"/>
+          <a:fillRef idx="0"/>
+          <a:effectRef idx="0"/>
+          <a:fontRef idx="minor"/>
+        </p:style>
         <p:txBody>
-          <a:bodyPr tIns="91440" bIns="91440"/>
+          <a:bodyPr lIns="90000" rIns="90000" tIns="91440" bIns="91440"/>
           <a:p>
             <a:pPr>
               <a:lnSpc>
@@ -11287,7 +13073,7 @@
               </a:rPr>
               <a:t>Chart from: https://www.codefellows.org/blog/what-success-developer-looks-like/</a:t>
             </a:r>
-            <a:endParaRPr b="0" lang="en-US" sz="1400" spc="-1" strike="noStrike">
+            <a:endParaRPr b="0" lang="en-US" sz="1800" spc="-1" strike="noStrike">
               <a:solidFill>
                 <a:srgbClr val="000000"/>
               </a:solidFill>
@@ -11303,7 +13089,7 @@
       </p:sp>
       <p:pic>
         <p:nvPicPr>
-          <p:cNvPr id="91" name="Shape 109" descr=""/>
+          <p:cNvPr id="89" name="Shape 109" descr=""/>
           <p:cNvPicPr/>
           <p:nvPr/>
         </p:nvPicPr>
@@ -11314,7 +13100,7 @@
         <p:spPr>
           <a:xfrm>
             <a:off x="729360" y="1909080"/>
-            <a:ext cx="5037840" cy="2837160"/>
+            <a:ext cx="5037120" cy="2836440"/>
           </a:xfrm>
           <a:prstGeom prst="rect">
             <a:avLst/>
@@ -11375,14 +13161,14 @@
       </p:grpSpPr>
       <p:sp>
         <p:nvSpPr>
-          <p:cNvPr id="92" name="TextShape 1"/>
-          <p:cNvSpPr txBox="1"/>
+          <p:cNvPr id="90" name="CustomShape 1"/>
+          <p:cNvSpPr/>
           <p:nvPr/>
         </p:nvSpPr>
         <p:spPr>
           <a:xfrm>
             <a:off x="729360" y="1318680"/>
-            <a:ext cx="7688520" cy="534960"/>
+            <a:ext cx="7687800" cy="534240"/>
           </a:xfrm>
           <a:prstGeom prst="rect">
             <a:avLst/>
@@ -11392,8 +13178,14 @@
             <a:noFill/>
           </a:ln>
         </p:spPr>
+        <p:style>
+          <a:lnRef idx="0"/>
+          <a:fillRef idx="0"/>
+          <a:effectRef idx="0"/>
+          <a:fontRef idx="minor"/>
+        </p:style>
         <p:txBody>
-          <a:bodyPr tIns="91440" bIns="91440"/>
+          <a:bodyPr lIns="90000" rIns="90000" tIns="91440" bIns="91440"/>
           <a:p>
             <a:pPr>
               <a:lnSpc>
@@ -11415,7 +13207,7 @@
               </a:rPr>
               <a:t>Top Skills</a:t>
             </a:r>
-            <a:endParaRPr b="0" lang="en-US" sz="1400" spc="-1" strike="noStrike">
+            <a:endParaRPr b="0" lang="en-US" sz="1800" spc="-1" strike="noStrike">
               <a:solidFill>
                 <a:srgbClr val="000000"/>
               </a:solidFill>
@@ -11431,14 +13223,14 @@
       </p:sp>
       <p:sp>
         <p:nvSpPr>
-          <p:cNvPr id="93" name="TextShape 2"/>
-          <p:cNvSpPr txBox="1"/>
+          <p:cNvPr id="91" name="CustomShape 2"/>
+          <p:cNvSpPr/>
           <p:nvPr/>
         </p:nvSpPr>
         <p:spPr>
           <a:xfrm>
             <a:off x="729360" y="2079000"/>
-            <a:ext cx="3790800" cy="2260800"/>
+            <a:ext cx="3790080" cy="2260080"/>
           </a:xfrm>
           <a:prstGeom prst="rect">
             <a:avLst/>
@@ -11448,8 +13240,14 @@
             <a:noFill/>
           </a:ln>
         </p:spPr>
+        <p:style>
+          <a:lnRef idx="0"/>
+          <a:fillRef idx="0"/>
+          <a:effectRef idx="0"/>
+          <a:fontRef idx="minor"/>
+        </p:style>
         <p:txBody>
-          <a:bodyPr tIns="91440" bIns="91440"/>
+          <a:bodyPr lIns="90000" rIns="90000" tIns="91440" bIns="91440"/>
           <a:p>
             <a:pPr>
               <a:lnSpc>
@@ -11471,7 +13269,7 @@
               </a:rPr>
               <a:t>Most commonly required skills for a java developer.</a:t>
             </a:r>
-            <a:endParaRPr b="0" lang="en-US" sz="1400" spc="-1" strike="noStrike">
+            <a:endParaRPr b="0" lang="en-US" sz="1800" spc="-1" strike="noStrike">
               <a:solidFill>
                 <a:srgbClr val="000000"/>
               </a:solidFill>
@@ -11504,7 +13302,7 @@
               </a:rPr>
               <a:t>Are we going to learn them all? Yes, we will and we have to!</a:t>
             </a:r>
-            <a:endParaRPr b="0" lang="en-US" sz="1400" spc="-1" strike="noStrike">
+            <a:endParaRPr b="0" lang="en-US" sz="1800" spc="-1" strike="noStrike">
               <a:solidFill>
                 <a:srgbClr val="000000"/>
               </a:solidFill>
@@ -11520,7 +13318,7 @@
       </p:sp>
       <p:pic>
         <p:nvPicPr>
-          <p:cNvPr id="94" name="Shape 116" descr=""/>
+          <p:cNvPr id="92" name="Shape 116" descr=""/>
           <p:cNvPicPr/>
           <p:nvPr/>
         </p:nvPicPr>
@@ -11531,7 +13329,7 @@
         <p:spPr>
           <a:xfrm>
             <a:off x="4627080" y="1952280"/>
-            <a:ext cx="3790440" cy="2514240"/>
+            <a:ext cx="3789720" cy="2513520"/>
           </a:xfrm>
           <a:prstGeom prst="rect">
             <a:avLst/>
@@ -11592,14 +13390,14 @@
       </p:grpSpPr>
       <p:sp>
         <p:nvSpPr>
-          <p:cNvPr id="95" name="TextShape 1"/>
-          <p:cNvSpPr txBox="1"/>
+          <p:cNvPr id="93" name="CustomShape 1"/>
+          <p:cNvSpPr/>
           <p:nvPr/>
         </p:nvSpPr>
         <p:spPr>
           <a:xfrm>
             <a:off x="729360" y="1318680"/>
-            <a:ext cx="7688520" cy="534960"/>
+            <a:ext cx="7687800" cy="534240"/>
           </a:xfrm>
           <a:prstGeom prst="rect">
             <a:avLst/>
@@ -11609,8 +13407,14 @@
             <a:noFill/>
           </a:ln>
         </p:spPr>
+        <p:style>
+          <a:lnRef idx="0"/>
+          <a:fillRef idx="0"/>
+          <a:effectRef idx="0"/>
+          <a:fontRef idx="minor"/>
+        </p:style>
         <p:txBody>
-          <a:bodyPr tIns="91440" bIns="91440"/>
+          <a:bodyPr lIns="90000" rIns="90000" tIns="91440" bIns="91440"/>
           <a:p>
             <a:pPr>
               <a:lnSpc>
@@ -11632,7 +13436,7 @@
               </a:rPr>
               <a:t>How to define a good developer?</a:t>
             </a:r>
-            <a:endParaRPr b="0" lang="en-US" sz="1400" spc="-1" strike="noStrike">
+            <a:endParaRPr b="0" lang="en-US" sz="1800" spc="-1" strike="noStrike">
               <a:solidFill>
                 <a:srgbClr val="000000"/>
               </a:solidFill>
@@ -11648,14 +13452,14 @@
       </p:sp>
       <p:sp>
         <p:nvSpPr>
-          <p:cNvPr id="96" name="TextShape 2"/>
-          <p:cNvSpPr txBox="1"/>
+          <p:cNvPr id="94" name="CustomShape 2"/>
+          <p:cNvSpPr/>
           <p:nvPr/>
         </p:nvSpPr>
         <p:spPr>
           <a:xfrm>
             <a:off x="729360" y="2079000"/>
-            <a:ext cx="7199280" cy="2260800"/>
+            <a:ext cx="7198560" cy="2260080"/>
           </a:xfrm>
           <a:prstGeom prst="rect">
             <a:avLst/>
@@ -11665,26 +13469,16 @@
             <a:noFill/>
           </a:ln>
         </p:spPr>
-        <p:txBody>
-          <a:bodyPr tIns="91440" bIns="91440"/>
-          <a:p>
-            <a:endParaRPr b="0" lang="en-US" sz="1400" spc="-1" strike="noStrike">
-              <a:solidFill>
-                <a:srgbClr val="000000"/>
-              </a:solidFill>
-              <a:uFill>
-                <a:solidFill>
-                  <a:srgbClr val="ffffff"/>
-                </a:solidFill>
-              </a:uFill>
-              <a:latin typeface="Arial"/>
-            </a:endParaRPr>
-          </a:p>
-        </p:txBody>
+        <p:style>
+          <a:lnRef idx="0"/>
+          <a:fillRef idx="0"/>
+          <a:effectRef idx="0"/>
+          <a:fontRef idx="minor"/>
+        </p:style>
       </p:sp>
       <p:pic>
         <p:nvPicPr>
-          <p:cNvPr id="97" name="Shape 123" descr=""/>
+          <p:cNvPr id="95" name="Shape 123" descr=""/>
           <p:cNvPicPr/>
           <p:nvPr/>
         </p:nvPicPr>
@@ -11695,7 +13489,7 @@
         <p:spPr>
           <a:xfrm>
             <a:off x="4300200" y="2002680"/>
-            <a:ext cx="4016160" cy="2817000"/>
+            <a:ext cx="4015440" cy="2816280"/>
           </a:xfrm>
           <a:prstGeom prst="rect">
             <a:avLst/>
@@ -11707,7 +13501,7 @@
       </p:pic>
       <p:pic>
         <p:nvPicPr>
-          <p:cNvPr id="98" name="Shape 124" descr=""/>
+          <p:cNvPr id="96" name="Shape 124" descr=""/>
           <p:cNvPicPr/>
           <p:nvPr/>
         </p:nvPicPr>
@@ -11718,7 +13512,7 @@
         <p:spPr>
           <a:xfrm>
             <a:off x="424800" y="1940760"/>
-            <a:ext cx="3944160" cy="2653200"/>
+            <a:ext cx="3943440" cy="2652480"/>
           </a:xfrm>
           <a:prstGeom prst="rect">
             <a:avLst/>
@@ -11779,14 +13573,14 @@
       </p:grpSpPr>
       <p:sp>
         <p:nvSpPr>
-          <p:cNvPr id="99" name="TextShape 1"/>
-          <p:cNvSpPr txBox="1"/>
+          <p:cNvPr id="97" name="CustomShape 1"/>
+          <p:cNvSpPr/>
           <p:nvPr/>
         </p:nvSpPr>
         <p:spPr>
           <a:xfrm>
             <a:off x="729360" y="1318680"/>
-            <a:ext cx="7688520" cy="534960"/>
+            <a:ext cx="7687800" cy="534240"/>
           </a:xfrm>
           <a:prstGeom prst="rect">
             <a:avLst/>
@@ -11796,8 +13590,14 @@
             <a:noFill/>
           </a:ln>
         </p:spPr>
+        <p:style>
+          <a:lnRef idx="0"/>
+          <a:fillRef idx="0"/>
+          <a:effectRef idx="0"/>
+          <a:fontRef idx="minor"/>
+        </p:style>
         <p:txBody>
-          <a:bodyPr tIns="91440" bIns="91440"/>
+          <a:bodyPr lIns="90000" rIns="90000" tIns="91440" bIns="91440"/>
           <a:p>
             <a:pPr>
               <a:lnSpc>
@@ -11819,7 +13619,7 @@
               </a:rPr>
               <a:t>What matters for interview?</a:t>
             </a:r>
-            <a:endParaRPr b="0" lang="en-US" sz="1400" spc="-1" strike="noStrike">
+            <a:endParaRPr b="0" lang="en-US" sz="1800" spc="-1" strike="noStrike">
               <a:solidFill>
                 <a:srgbClr val="000000"/>
               </a:solidFill>
@@ -11835,14 +13635,14 @@
       </p:sp>
       <p:sp>
         <p:nvSpPr>
-          <p:cNvPr id="100" name="TextShape 2"/>
-          <p:cNvSpPr txBox="1"/>
+          <p:cNvPr id="98" name="CustomShape 2"/>
+          <p:cNvSpPr/>
           <p:nvPr/>
         </p:nvSpPr>
         <p:spPr>
           <a:xfrm>
             <a:off x="729360" y="2079000"/>
-            <a:ext cx="3488400" cy="2260800"/>
+            <a:ext cx="3487680" cy="2260080"/>
           </a:xfrm>
           <a:prstGeom prst="rect">
             <a:avLst/>
@@ -11852,8 +13652,14 @@
             <a:noFill/>
           </a:ln>
         </p:spPr>
+        <p:style>
+          <a:lnRef idx="0"/>
+          <a:fillRef idx="0"/>
+          <a:effectRef idx="0"/>
+          <a:fontRef idx="minor"/>
+        </p:style>
         <p:txBody>
-          <a:bodyPr tIns="91440" bIns="91440"/>
+          <a:bodyPr lIns="90000" rIns="90000" tIns="91440" bIns="91440"/>
           <a:p>
             <a:pPr>
               <a:lnSpc>
@@ -11875,7 +13681,7 @@
               </a:rPr>
               <a:t>That’s why a lot of companies/projects fail.</a:t>
             </a:r>
-            <a:endParaRPr b="0" lang="en-US" sz="1400" spc="-1" strike="noStrike">
+            <a:endParaRPr b="0" lang="en-US" sz="1800" spc="-1" strike="noStrike">
               <a:solidFill>
                 <a:srgbClr val="000000"/>
               </a:solidFill>
@@ -11908,7 +13714,7 @@
               </a:rPr>
               <a:t>Focus on Technology and Communication to get a job.</a:t>
             </a:r>
-            <a:endParaRPr b="0" lang="en-US" sz="1400" spc="-1" strike="noStrike">
+            <a:endParaRPr b="0" lang="en-US" sz="1800" spc="-1" strike="noStrike">
               <a:solidFill>
                 <a:srgbClr val="000000"/>
               </a:solidFill>
@@ -11941,7 +13747,7 @@
               </a:rPr>
               <a:t>Focus on Soft Skills to advance your career!</a:t>
             </a:r>
-            <a:endParaRPr b="0" lang="en-US" sz="1400" spc="-1" strike="noStrike">
+            <a:endParaRPr b="0" lang="en-US" sz="1800" spc="-1" strike="noStrike">
               <a:solidFill>
                 <a:srgbClr val="000000"/>
               </a:solidFill>
@@ -11957,7 +13763,7 @@
       </p:sp>
       <p:pic>
         <p:nvPicPr>
-          <p:cNvPr id="101" name="Shape 131" descr=""/>
+          <p:cNvPr id="99" name="Shape 131" descr=""/>
           <p:cNvPicPr/>
           <p:nvPr/>
         </p:nvPicPr>
@@ -11968,7 +13774,7 @@
         <p:spPr>
           <a:xfrm>
             <a:off x="4579920" y="1987920"/>
-            <a:ext cx="3837960" cy="2806920"/>
+            <a:ext cx="3837240" cy="2806200"/>
           </a:xfrm>
           <a:prstGeom prst="rect">
             <a:avLst/>
@@ -12029,14 +13835,14 @@
       </p:grpSpPr>
       <p:sp>
         <p:nvSpPr>
-          <p:cNvPr id="102" name="TextShape 1"/>
-          <p:cNvSpPr txBox="1"/>
+          <p:cNvPr id="100" name="CustomShape 1"/>
+          <p:cNvSpPr/>
           <p:nvPr/>
         </p:nvSpPr>
         <p:spPr>
           <a:xfrm>
             <a:off x="729360" y="1318680"/>
-            <a:ext cx="7688520" cy="534960"/>
+            <a:ext cx="7687800" cy="534240"/>
           </a:xfrm>
           <a:prstGeom prst="rect">
             <a:avLst/>
@@ -12046,8 +13852,14 @@
             <a:noFill/>
           </a:ln>
         </p:spPr>
+        <p:style>
+          <a:lnRef idx="0"/>
+          <a:fillRef idx="0"/>
+          <a:effectRef idx="0"/>
+          <a:fontRef idx="minor"/>
+        </p:style>
         <p:txBody>
-          <a:bodyPr tIns="91440" bIns="91440"/>
+          <a:bodyPr lIns="90000" rIns="90000" tIns="91440" bIns="91440"/>
           <a:p>
             <a:pPr>
               <a:lnSpc>
@@ -12069,7 +13881,7 @@
               </a:rPr>
               <a:t>How to study this course?</a:t>
             </a:r>
-            <a:endParaRPr b="0" lang="en-US" sz="1400" spc="-1" strike="noStrike">
+            <a:endParaRPr b="0" lang="en-US" sz="1800" spc="-1" strike="noStrike">
               <a:solidFill>
                 <a:srgbClr val="000000"/>
               </a:solidFill>
@@ -12085,14 +13897,14 @@
       </p:sp>
       <p:sp>
         <p:nvSpPr>
-          <p:cNvPr id="103" name="TextShape 2"/>
-          <p:cNvSpPr txBox="1"/>
+          <p:cNvPr id="101" name="CustomShape 2"/>
+          <p:cNvSpPr/>
           <p:nvPr/>
         </p:nvSpPr>
         <p:spPr>
           <a:xfrm>
             <a:off x="729360" y="2079000"/>
-            <a:ext cx="3379320" cy="2260800"/>
+            <a:ext cx="3378600" cy="2260080"/>
           </a:xfrm>
           <a:prstGeom prst="rect">
             <a:avLst/>
@@ -12102,8 +13914,14 @@
             <a:noFill/>
           </a:ln>
         </p:spPr>
+        <p:style>
+          <a:lnRef idx="0"/>
+          <a:fillRef idx="0"/>
+          <a:effectRef idx="0"/>
+          <a:fontRef idx="minor"/>
+        </p:style>
         <p:txBody>
-          <a:bodyPr tIns="91440" bIns="91440"/>
+          <a:bodyPr lIns="90000" rIns="90000" tIns="91440" bIns="91440"/>
           <a:p>
             <a:pPr>
               <a:lnSpc>
@@ -12125,20 +13943,20 @@
               </a:rPr>
               <a:t>How does this course help ?</a:t>
             </a:r>
-            <a:endParaRPr b="0" lang="en-US" sz="1400" spc="-1" strike="noStrike">
-              <a:solidFill>
-                <a:srgbClr val="000000"/>
-              </a:solidFill>
-              <a:uFill>
-                <a:solidFill>
-                  <a:srgbClr val="ffffff"/>
-                </a:solidFill>
-              </a:uFill>
-              <a:latin typeface="Arial"/>
-            </a:endParaRPr>
-          </a:p>
-          <a:p>
-            <a:pPr marL="457200" indent="-228240">
+            <a:endParaRPr b="0" lang="en-US" sz="1800" spc="-1" strike="noStrike">
+              <a:solidFill>
+                <a:srgbClr val="000000"/>
+              </a:solidFill>
+              <a:uFill>
+                <a:solidFill>
+                  <a:srgbClr val="ffffff"/>
+                </a:solidFill>
+              </a:uFill>
+              <a:latin typeface="Arial"/>
+            </a:endParaRPr>
+          </a:p>
+          <a:p>
+            <a:pPr marL="457200" indent="-227520">
               <a:lnSpc>
                 <a:spcPct val="100000"/>
               </a:lnSpc>
@@ -12163,20 +13981,20 @@
               </a:rPr>
               <a:t>Guide you the simplest way</a:t>
             </a:r>
-            <a:endParaRPr b="0" lang="en-US" sz="1400" spc="-1" strike="noStrike">
-              <a:solidFill>
-                <a:srgbClr val="000000"/>
-              </a:solidFill>
-              <a:uFill>
-                <a:solidFill>
-                  <a:srgbClr val="ffffff"/>
-                </a:solidFill>
-              </a:uFill>
-              <a:latin typeface="Arial"/>
-            </a:endParaRPr>
-          </a:p>
-          <a:p>
-            <a:pPr marL="457200" indent="-228240">
+            <a:endParaRPr b="0" lang="en-US" sz="1800" spc="-1" strike="noStrike">
+              <a:solidFill>
+                <a:srgbClr val="000000"/>
+              </a:solidFill>
+              <a:uFill>
+                <a:solidFill>
+                  <a:srgbClr val="ffffff"/>
+                </a:solidFill>
+              </a:uFill>
+              <a:latin typeface="Arial"/>
+            </a:endParaRPr>
+          </a:p>
+          <a:p>
+            <a:pPr marL="457200" indent="-227520">
               <a:lnSpc>
                 <a:spcPct val="100000"/>
               </a:lnSpc>
@@ -12201,20 +14019,20 @@
               </a:rPr>
               <a:t>No waste of time on theory</a:t>
             </a:r>
-            <a:endParaRPr b="0" lang="en-US" sz="1400" spc="-1" strike="noStrike">
-              <a:solidFill>
-                <a:srgbClr val="000000"/>
-              </a:solidFill>
-              <a:uFill>
-                <a:solidFill>
-                  <a:srgbClr val="ffffff"/>
-                </a:solidFill>
-              </a:uFill>
-              <a:latin typeface="Arial"/>
-            </a:endParaRPr>
-          </a:p>
-          <a:p>
-            <a:pPr marL="457200" indent="-228240">
+            <a:endParaRPr b="0" lang="en-US" sz="1800" spc="-1" strike="noStrike">
+              <a:solidFill>
+                <a:srgbClr val="000000"/>
+              </a:solidFill>
+              <a:uFill>
+                <a:solidFill>
+                  <a:srgbClr val="ffffff"/>
+                </a:solidFill>
+              </a:uFill>
+              <a:latin typeface="Arial"/>
+            </a:endParaRPr>
+          </a:p>
+          <a:p>
+            <a:pPr marL="457200" indent="-227520">
               <a:lnSpc>
                 <a:spcPct val="100000"/>
               </a:lnSpc>
@@ -12269,20 +14087,20 @@
               </a:rPr>
               <a:t>covered</a:t>
             </a:r>
-            <a:endParaRPr b="0" lang="en-US" sz="1400" spc="-1" strike="noStrike">
-              <a:solidFill>
-                <a:srgbClr val="000000"/>
-              </a:solidFill>
-              <a:uFill>
-                <a:solidFill>
-                  <a:srgbClr val="ffffff"/>
-                </a:solidFill>
-              </a:uFill>
-              <a:latin typeface="Arial"/>
-            </a:endParaRPr>
-          </a:p>
-          <a:p>
-            <a:pPr marL="457200" indent="-228240">
+            <a:endParaRPr b="0" lang="en-US" sz="1800" spc="-1" strike="noStrike">
+              <a:solidFill>
+                <a:srgbClr val="000000"/>
+              </a:solidFill>
+              <a:uFill>
+                <a:solidFill>
+                  <a:srgbClr val="ffffff"/>
+                </a:solidFill>
+              </a:uFill>
+              <a:latin typeface="Arial"/>
+            </a:endParaRPr>
+          </a:p>
+          <a:p>
+            <a:pPr marL="457200" indent="-227520">
               <a:lnSpc>
                 <a:spcPct val="100000"/>
               </a:lnSpc>
@@ -12307,7 +14125,7 @@
               </a:rPr>
               <a:t>Real-world experience</a:t>
             </a:r>
-            <a:endParaRPr b="0" lang="en-US" sz="1400" spc="-1" strike="noStrike">
+            <a:endParaRPr b="0" lang="en-US" sz="1800" spc="-1" strike="noStrike">
               <a:solidFill>
                 <a:srgbClr val="000000"/>
               </a:solidFill>
@@ -12340,7 +14158,7 @@
               </a:rPr>
               <a:t>Homework is quite important for the study.</a:t>
             </a:r>
-            <a:endParaRPr b="0" lang="en-US" sz="1400" spc="-1" strike="noStrike">
+            <a:endParaRPr b="0" lang="en-US" sz="1800" spc="-1" strike="noStrike">
               <a:solidFill>
                 <a:srgbClr val="000000"/>
               </a:solidFill>
@@ -12373,7 +14191,7 @@
               </a:rPr>
               <a:t>Internship/Project is the key to success!</a:t>
             </a:r>
-            <a:endParaRPr b="0" lang="en-US" sz="1400" spc="-1" strike="noStrike">
+            <a:endParaRPr b="0" lang="en-US" sz="1800" spc="-1" strike="noStrike">
               <a:solidFill>
                 <a:srgbClr val="000000"/>
               </a:solidFill>
@@ -12389,7 +14207,7 @@
       </p:sp>
       <p:pic>
         <p:nvPicPr>
-          <p:cNvPr id="104" name="Shape 138" descr=""/>
+          <p:cNvPr id="102" name="Shape 138" descr=""/>
           <p:cNvPicPr/>
           <p:nvPr/>
         </p:nvPicPr>
@@ -12400,7 +14218,7 @@
         <p:spPr>
           <a:xfrm>
             <a:off x="4157640" y="2079000"/>
-            <a:ext cx="4260240" cy="2672640"/>
+            <a:ext cx="4259520" cy="2671920"/>
           </a:xfrm>
           <a:prstGeom prst="rect">
             <a:avLst/>
@@ -12461,14 +14279,14 @@
       </p:grpSpPr>
       <p:sp>
         <p:nvSpPr>
-          <p:cNvPr id="105" name="TextShape 1"/>
-          <p:cNvSpPr txBox="1"/>
+          <p:cNvPr id="103" name="CustomShape 1"/>
+          <p:cNvSpPr/>
           <p:nvPr/>
         </p:nvSpPr>
         <p:spPr>
           <a:xfrm>
             <a:off x="729360" y="1318680"/>
-            <a:ext cx="7688520" cy="534960"/>
+            <a:ext cx="7687800" cy="534240"/>
           </a:xfrm>
           <a:prstGeom prst="rect">
             <a:avLst/>
@@ -12478,8 +14296,14 @@
             <a:noFill/>
           </a:ln>
         </p:spPr>
+        <p:style>
+          <a:lnRef idx="0"/>
+          <a:fillRef idx="0"/>
+          <a:effectRef idx="0"/>
+          <a:fontRef idx="minor"/>
+        </p:style>
         <p:txBody>
-          <a:bodyPr tIns="91440" bIns="91440"/>
+          <a:bodyPr lIns="90000" rIns="90000" tIns="91440" bIns="91440"/>
           <a:p>
             <a:pPr>
               <a:lnSpc>
@@ -12501,7 +14325,7 @@
               </a:rPr>
               <a:t>Self Introduction</a:t>
             </a:r>
-            <a:endParaRPr b="0" lang="en-US" sz="1400" spc="-1" strike="noStrike">
+            <a:endParaRPr b="0" lang="en-US" sz="1800" spc="-1" strike="noStrike">
               <a:solidFill>
                 <a:srgbClr val="000000"/>
               </a:solidFill>
@@ -12517,14 +14341,14 @@
       </p:sp>
       <p:sp>
         <p:nvSpPr>
-          <p:cNvPr id="106" name="TextShape 2"/>
-          <p:cNvSpPr txBox="1"/>
+          <p:cNvPr id="104" name="CustomShape 2"/>
+          <p:cNvSpPr/>
           <p:nvPr/>
         </p:nvSpPr>
         <p:spPr>
           <a:xfrm>
             <a:off x="729360" y="2079000"/>
-            <a:ext cx="7688520" cy="2260800"/>
+            <a:ext cx="7687800" cy="2260080"/>
           </a:xfrm>
           <a:prstGeom prst="rect">
             <a:avLst/>
@@ -12534,8 +14358,14 @@
             <a:noFill/>
           </a:ln>
         </p:spPr>
+        <p:style>
+          <a:lnRef idx="0"/>
+          <a:fillRef idx="0"/>
+          <a:effectRef idx="0"/>
+          <a:fontRef idx="minor"/>
+        </p:style>
         <p:txBody>
-          <a:bodyPr tIns="91440" bIns="91440"/>
+          <a:bodyPr lIns="90000" rIns="90000" tIns="91440" bIns="91440"/>
           <a:p>
             <a:pPr>
               <a:lnSpc>
@@ -12557,7 +14387,7 @@
               </a:rPr>
               <a:t>Please take 2-3 minutes to introduce yourself to the class and try to present relevant information.</a:t>
             </a:r>
-            <a:endParaRPr b="0" lang="en-US" sz="1400" spc="-1" strike="noStrike">
+            <a:endParaRPr b="0" lang="en-US" sz="1800" spc="-1" strike="noStrike">
               <a:solidFill>
                 <a:srgbClr val="000000"/>
               </a:solidFill>
@@ -12590,7 +14420,7 @@
               </a:rPr>
               <a:t>Be a good listener!</a:t>
             </a:r>
-            <a:endParaRPr b="0" lang="en-US" sz="1400" spc="-1" strike="noStrike">
+            <a:endParaRPr b="0" lang="en-US" sz="1800" spc="-1" strike="noStrike">
               <a:solidFill>
                 <a:srgbClr val="000000"/>
               </a:solidFill>
@@ -12623,7 +14453,7 @@
               </a:rPr>
               <a:t>It’s the time to show!</a:t>
             </a:r>
-            <a:endParaRPr b="0" lang="en-US" sz="1400" spc="-1" strike="noStrike">
+            <a:endParaRPr b="0" lang="en-US" sz="1800" spc="-1" strike="noStrike">
               <a:solidFill>
                 <a:srgbClr val="000000"/>
               </a:solidFill>

--- a/JaveEE.pptx
+++ b/JaveEE.pptx
@@ -22075,6 +22075,9 @@
           <a:lstStyle/>
           <a:p>
             <a:pPr lvl="0">
+              <a:lnSpc>
+                <a:spcPct val="100000"/>
+              </a:lnSpc>
               <a:spcBef>
                 <a:spcPts val="0"/>
               </a:spcBef>
@@ -22087,6 +22090,9 @@
           </a:p>
           <a:p>
             <a:pPr lvl="0">
+              <a:lnSpc>
+                <a:spcPct val="100000"/>
+              </a:lnSpc>
               <a:spcBef>
                 <a:spcPts val="0"/>
               </a:spcBef>
@@ -22099,6 +22105,9 @@
           </a:p>
           <a:p>
             <a:pPr lvl="0">
+              <a:lnSpc>
+                <a:spcPct val="100000"/>
+              </a:lnSpc>
               <a:spcBef>
                 <a:spcPts val="0"/>
               </a:spcBef>
@@ -22111,6 +22120,9 @@
           </a:p>
           <a:p>
             <a:pPr lvl="0">
+              <a:lnSpc>
+                <a:spcPct val="100000"/>
+              </a:lnSpc>
               <a:spcBef>
                 <a:spcPts val="0"/>
               </a:spcBef>
@@ -22123,6 +22135,9 @@
           </a:p>
           <a:p>
             <a:pPr lvl="0">
+              <a:lnSpc>
+                <a:spcPct val="100000"/>
+              </a:lnSpc>
               <a:spcBef>
                 <a:spcPts val="0"/>
               </a:spcBef>
@@ -22135,6 +22150,9 @@
           </a:p>
           <a:p>
             <a:pPr lvl="0">
+              <a:lnSpc>
+                <a:spcPct val="100000"/>
+              </a:lnSpc>
               <a:spcBef>
                 <a:spcPts val="0"/>
               </a:spcBef>
@@ -22142,7 +22160,22 @@
             </a:pPr>
             <a:r>
               <a:rPr lang="en"/>
-              <a:t>Group by, Table Join, Distinct </a:t>
+              <a:t>Group by, Table Join, Distinct, count(), max(), min()</a:t>
+            </a:r>
+          </a:p>
+          <a:p>
+            <a:pPr lvl="0">
+              <a:lnSpc>
+                <a:spcPct val="100000"/>
+              </a:lnSpc>
+              <a:spcBef>
+                <a:spcPts val="0"/>
+              </a:spcBef>
+              <a:buNone/>
+            </a:pPr>
+            <a:r>
+              <a:rPr lang="en"/>
+              <a:t>Date related functions: https://dev.mysql.com/doc/refman/5.7/en/date-and-time-functions.html</a:t>
             </a:r>
           </a:p>
           <a:p>
@@ -24326,6 +24359,285 @@
 </file>
 
 <file path=ppt/theme/theme1.xml><?xml version="1.0" encoding="utf-8"?>
+<a:theme xmlns:a="http://schemas.openxmlformats.org/drawingml/2006/main" xmlns:r="http://schemas.openxmlformats.org/officeDocument/2006/relationships" name="Custom Theme">
+  <a:themeElements>
+    <a:clrScheme name="Default">
+      <a:dk1>
+        <a:srgbClr val="000000"/>
+      </a:dk1>
+      <a:lt1>
+        <a:srgbClr val="FFFFFF"/>
+      </a:lt1>
+      <a:dk2>
+        <a:srgbClr val="158158"/>
+      </a:dk2>
+      <a:lt2>
+        <a:srgbClr val="F3F3F3"/>
+      </a:lt2>
+      <a:accent1>
+        <a:srgbClr val="058DC7"/>
+      </a:accent1>
+      <a:accent2>
+        <a:srgbClr val="50B432"/>
+      </a:accent2>
+      <a:accent3>
+        <a:srgbClr val="ED561B"/>
+      </a:accent3>
+      <a:accent4>
+        <a:srgbClr val="EDEF00"/>
+      </a:accent4>
+      <a:accent5>
+        <a:srgbClr val="24CBE5"/>
+      </a:accent5>
+      <a:accent6>
+        <a:srgbClr val="64E572"/>
+      </a:accent6>
+      <a:hlink>
+        <a:srgbClr val="2200CC"/>
+      </a:hlink>
+      <a:folHlink>
+        <a:srgbClr val="551A8B"/>
+      </a:folHlink>
+    </a:clrScheme>
+    <a:fontScheme name="Office">
+      <a:majorFont>
+        <a:latin typeface="Arial"/>
+        <a:ea typeface=""/>
+        <a:cs typeface=""/>
+        <a:font script="Jpan" typeface="ＭＳ Ｐゴシック"/>
+        <a:font script="Hang" typeface="맑은 고딕"/>
+        <a:font script="Hans" typeface="宋体"/>
+        <a:font script="Hant" typeface="新細明體"/>
+        <a:font script="Arab" typeface="Times New Roman"/>
+        <a:font script="Hebr" typeface="Times New Roman"/>
+        <a:font script="Thai" typeface="Angsana New"/>
+        <a:font script="Ethi" typeface="Nyala"/>
+        <a:font script="Beng" typeface="Vrinda"/>
+        <a:font script="Gujr" typeface="Shruti"/>
+        <a:font script="Khmr" typeface="MoolBoran"/>
+        <a:font script="Knda" typeface="Tunga"/>
+        <a:font script="Guru" typeface="Raavi"/>
+        <a:font script="Cans" typeface="Euphemia"/>
+        <a:font script="Cher" typeface="Plantagenet Cherokee"/>
+        <a:font script="Yiii" typeface="Microsoft Yi Baiti"/>
+        <a:font script="Tibt" typeface="Microsoft Himalaya"/>
+        <a:font script="Thaa" typeface="MV Boli"/>
+        <a:font script="Deva" typeface="Mangal"/>
+        <a:font script="Telu" typeface="Gautami"/>
+        <a:font script="Taml" typeface="Latha"/>
+        <a:font script="Syrc" typeface="Estrangelo Edessa"/>
+        <a:font script="Orya" typeface="Kalinga"/>
+        <a:font script="Mlym" typeface="Kartika"/>
+        <a:font script="Laoo" typeface="DokChampa"/>
+        <a:font script="Sinh" typeface="Iskoola Pota"/>
+        <a:font script="Mong" typeface="Mongolian Baiti"/>
+        <a:font script="Viet" typeface="Times New Roman"/>
+        <a:font script="Uigh" typeface="Microsoft Uighur"/>
+        <a:font script="Geor" typeface="Sylfaen"/>
+      </a:majorFont>
+      <a:minorFont>
+        <a:latin typeface="Arial"/>
+        <a:ea typeface=""/>
+        <a:cs typeface=""/>
+        <a:font script="Jpan" typeface="ＭＳ Ｐゴシック"/>
+        <a:font script="Hang" typeface="맑은 고딕"/>
+        <a:font script="Hans" typeface="宋体"/>
+        <a:font script="Hant" typeface="新細明體"/>
+        <a:font script="Arab" typeface="Arial"/>
+        <a:font script="Hebr" typeface="Arial"/>
+        <a:font script="Thai" typeface="Cordia New"/>
+        <a:font script="Ethi" typeface="Nyala"/>
+        <a:font script="Beng" typeface="Vrinda"/>
+        <a:font script="Gujr" typeface="Shruti"/>
+        <a:font script="Khmr" typeface="DaunPenh"/>
+        <a:font script="Knda" typeface="Tunga"/>
+        <a:font script="Guru" typeface="Raavi"/>
+        <a:font script="Cans" typeface="Euphemia"/>
+        <a:font script="Cher" typeface="Plantagenet Cherokee"/>
+        <a:font script="Yiii" typeface="Microsoft Yi Baiti"/>
+        <a:font script="Tibt" typeface="Microsoft Himalaya"/>
+        <a:font script="Thaa" typeface="MV Boli"/>
+        <a:font script="Deva" typeface="Mangal"/>
+        <a:font script="Telu" typeface="Gautami"/>
+        <a:font script="Taml" typeface="Latha"/>
+        <a:font script="Syrc" typeface="Estrangelo Edessa"/>
+        <a:font script="Orya" typeface="Kalinga"/>
+        <a:font script="Mlym" typeface="Kartika"/>
+        <a:font script="Laoo" typeface="DokChampa"/>
+        <a:font script="Sinh" typeface="Iskoola Pota"/>
+        <a:font script="Mong" typeface="Mongolian Baiti"/>
+        <a:font script="Viet" typeface="Arial"/>
+        <a:font script="Uigh" typeface="Microsoft Uighur"/>
+        <a:font script="Geor" typeface="Sylfaen"/>
+      </a:minorFont>
+    </a:fontScheme>
+    <a:fmtScheme name="Office">
+      <a:fillStyleLst>
+        <a:solidFill>
+          <a:schemeClr val="phClr"/>
+        </a:solidFill>
+        <a:gradFill rotWithShape="1">
+          <a:gsLst>
+            <a:gs pos="0">
+              <a:schemeClr val="phClr">
+                <a:tint val="50000"/>
+                <a:satMod val="300000"/>
+              </a:schemeClr>
+            </a:gs>
+            <a:gs pos="35000">
+              <a:schemeClr val="phClr">
+                <a:tint val="37000"/>
+                <a:satMod val="300000"/>
+              </a:schemeClr>
+            </a:gs>
+            <a:gs pos="100000">
+              <a:schemeClr val="phClr">
+                <a:tint val="15000"/>
+                <a:satMod val="350000"/>
+              </a:schemeClr>
+            </a:gs>
+          </a:gsLst>
+          <a:lin ang="16200000" scaled="1"/>
+        </a:gradFill>
+        <a:gradFill rotWithShape="1">
+          <a:gsLst>
+            <a:gs pos="0">
+              <a:schemeClr val="phClr">
+                <a:tint val="100000"/>
+                <a:shade val="100000"/>
+                <a:satMod val="130000"/>
+              </a:schemeClr>
+            </a:gs>
+            <a:gs pos="100000">
+              <a:schemeClr val="phClr">
+                <a:tint val="50000"/>
+                <a:shade val="100000"/>
+                <a:satMod val="350000"/>
+              </a:schemeClr>
+            </a:gs>
+          </a:gsLst>
+          <a:lin ang="16200000" scaled="0"/>
+        </a:gradFill>
+      </a:fillStyleLst>
+      <a:lnStyleLst>
+        <a:ln w="9525" cap="flat" cmpd="sng" algn="ctr">
+          <a:solidFill>
+            <a:schemeClr val="phClr">
+              <a:shade val="95000"/>
+              <a:satMod val="105000"/>
+            </a:schemeClr>
+          </a:solidFill>
+          <a:prstDash val="solid"/>
+        </a:ln>
+        <a:ln w="25400" cap="flat" cmpd="sng" algn="ctr">
+          <a:solidFill>
+            <a:schemeClr val="phClr"/>
+          </a:solidFill>
+          <a:prstDash val="solid"/>
+        </a:ln>
+        <a:ln w="38100" cap="flat" cmpd="sng" algn="ctr">
+          <a:solidFill>
+            <a:schemeClr val="phClr"/>
+          </a:solidFill>
+          <a:prstDash val="solid"/>
+        </a:ln>
+      </a:lnStyleLst>
+      <a:effectStyleLst>
+        <a:effectStyle>
+          <a:effectLst>
+            <a:outerShdw blurRad="40000" dist="20000" dir="5400000" rotWithShape="0">
+              <a:srgbClr val="000000">
+                <a:alpha val="38000"/>
+              </a:srgbClr>
+            </a:outerShdw>
+          </a:effectLst>
+        </a:effectStyle>
+        <a:effectStyle>
+          <a:effectLst>
+            <a:outerShdw blurRad="40000" dist="23000" dir="5400000" rotWithShape="0">
+              <a:srgbClr val="000000">
+                <a:alpha val="35000"/>
+              </a:srgbClr>
+            </a:outerShdw>
+          </a:effectLst>
+        </a:effectStyle>
+        <a:effectStyle>
+          <a:effectLst>
+            <a:outerShdw blurRad="40000" dist="23000" dir="5400000" rotWithShape="0">
+              <a:srgbClr val="000000">
+                <a:alpha val="35000"/>
+              </a:srgbClr>
+            </a:outerShdw>
+          </a:effectLst>
+          <a:scene3d>
+            <a:camera prst="orthographicFront">
+              <a:rot lat="0" lon="0" rev="0"/>
+            </a:camera>
+            <a:lightRig rig="threePt" dir="t">
+              <a:rot lat="0" lon="0" rev="1200000"/>
+            </a:lightRig>
+          </a:scene3d>
+          <a:sp3d>
+            <a:bevelT w="63500" h="25400"/>
+          </a:sp3d>
+        </a:effectStyle>
+      </a:effectStyleLst>
+      <a:bgFillStyleLst>
+        <a:solidFill>
+          <a:schemeClr val="phClr"/>
+        </a:solidFill>
+        <a:gradFill rotWithShape="1">
+          <a:gsLst>
+            <a:gs pos="0">
+              <a:schemeClr val="phClr">
+                <a:tint val="40000"/>
+                <a:satMod val="350000"/>
+              </a:schemeClr>
+            </a:gs>
+            <a:gs pos="40000">
+              <a:schemeClr val="phClr">
+                <a:tint val="45000"/>
+                <a:shade val="99000"/>
+                <a:satMod val="350000"/>
+              </a:schemeClr>
+            </a:gs>
+            <a:gs pos="100000">
+              <a:schemeClr val="phClr">
+                <a:shade val="20000"/>
+                <a:satMod val="255000"/>
+              </a:schemeClr>
+            </a:gs>
+          </a:gsLst>
+          <a:path path="circle">
+            <a:fillToRect l="50000" t="-80000" r="50000" b="180000"/>
+          </a:path>
+        </a:gradFill>
+        <a:gradFill rotWithShape="1">
+          <a:gsLst>
+            <a:gs pos="0">
+              <a:schemeClr val="phClr">
+                <a:tint val="80000"/>
+                <a:satMod val="300000"/>
+              </a:schemeClr>
+            </a:gs>
+            <a:gs pos="100000">
+              <a:schemeClr val="phClr">
+                <a:shade val="30000"/>
+                <a:satMod val="200000"/>
+              </a:schemeClr>
+            </a:gs>
+          </a:gsLst>
+          <a:path path="circle">
+            <a:fillToRect l="50000" t="50000" r="50000" b="50000"/>
+          </a:path>
+        </a:gradFill>
+      </a:bgFillStyleLst>
+    </a:fmtScheme>
+  </a:themeElements>
+</a:theme>
+</file>
+
+<file path=ppt/theme/theme2.xml><?xml version="1.0" encoding="utf-8"?>
 <a:theme xmlns:a="http://schemas.openxmlformats.org/drawingml/2006/main" xmlns:r="http://schemas.openxmlformats.org/officeDocument/2006/relationships" name="Streamline">
   <a:themeElements>
     <a:clrScheme name="Streamline">
@@ -24602,283 +24914,4 @@
     </a:fmtScheme>
   </a:themeElements>
 </a:theme>
-</file>
-
-<file path=ppt/theme/theme2.xml><?xml version="1.0" encoding="utf-8"?>
-<a:theme xmlns:a="http://schemas.openxmlformats.org/drawingml/2006/main" xmlns:r="http://schemas.openxmlformats.org/officeDocument/2006/relationships" name="Custom Theme">
-  <a:themeElements>
-    <a:clrScheme name="Default">
-      <a:dk1>
-        <a:srgbClr val="000000"/>
-      </a:dk1>
-      <a:lt1>
-        <a:srgbClr val="FFFFFF"/>
-      </a:lt1>
-      <a:dk2>
-        <a:srgbClr val="158158"/>
-      </a:dk2>
-      <a:lt2>
-        <a:srgbClr val="F3F3F3"/>
-      </a:lt2>
-      <a:accent1>
-        <a:srgbClr val="058DC7"/>
-      </a:accent1>
-      <a:accent2>
-        <a:srgbClr val="50B432"/>
-      </a:accent2>
-      <a:accent3>
-        <a:srgbClr val="ED561B"/>
-      </a:accent3>
-      <a:accent4>
-        <a:srgbClr val="EDEF00"/>
-      </a:accent4>
-      <a:accent5>
-        <a:srgbClr val="24CBE5"/>
-      </a:accent5>
-      <a:accent6>
-        <a:srgbClr val="64E572"/>
-      </a:accent6>
-      <a:hlink>
-        <a:srgbClr val="2200CC"/>
-      </a:hlink>
-      <a:folHlink>
-        <a:srgbClr val="551A8B"/>
-      </a:folHlink>
-    </a:clrScheme>
-    <a:fontScheme name="Office">
-      <a:majorFont>
-        <a:latin typeface="Arial"/>
-        <a:ea typeface=""/>
-        <a:cs typeface=""/>
-        <a:font script="Jpan" typeface="ＭＳ Ｐゴシック"/>
-        <a:font script="Hang" typeface="맑은 고딕"/>
-        <a:font script="Hans" typeface="宋体"/>
-        <a:font script="Hant" typeface="新細明體"/>
-        <a:font script="Arab" typeface="Times New Roman"/>
-        <a:font script="Hebr" typeface="Times New Roman"/>
-        <a:font script="Thai" typeface="Angsana New"/>
-        <a:font script="Ethi" typeface="Nyala"/>
-        <a:font script="Beng" typeface="Vrinda"/>
-        <a:font script="Gujr" typeface="Shruti"/>
-        <a:font script="Khmr" typeface="MoolBoran"/>
-        <a:font script="Knda" typeface="Tunga"/>
-        <a:font script="Guru" typeface="Raavi"/>
-        <a:font script="Cans" typeface="Euphemia"/>
-        <a:font script="Cher" typeface="Plantagenet Cherokee"/>
-        <a:font script="Yiii" typeface="Microsoft Yi Baiti"/>
-        <a:font script="Tibt" typeface="Microsoft Himalaya"/>
-        <a:font script="Thaa" typeface="MV Boli"/>
-        <a:font script="Deva" typeface="Mangal"/>
-        <a:font script="Telu" typeface="Gautami"/>
-        <a:font script="Taml" typeface="Latha"/>
-        <a:font script="Syrc" typeface="Estrangelo Edessa"/>
-        <a:font script="Orya" typeface="Kalinga"/>
-        <a:font script="Mlym" typeface="Kartika"/>
-        <a:font script="Laoo" typeface="DokChampa"/>
-        <a:font script="Sinh" typeface="Iskoola Pota"/>
-        <a:font script="Mong" typeface="Mongolian Baiti"/>
-        <a:font script="Viet" typeface="Times New Roman"/>
-        <a:font script="Uigh" typeface="Microsoft Uighur"/>
-        <a:font script="Geor" typeface="Sylfaen"/>
-      </a:majorFont>
-      <a:minorFont>
-        <a:latin typeface="Arial"/>
-        <a:ea typeface=""/>
-        <a:cs typeface=""/>
-        <a:font script="Jpan" typeface="ＭＳ Ｐゴシック"/>
-        <a:font script="Hang" typeface="맑은 고딕"/>
-        <a:font script="Hans" typeface="宋体"/>
-        <a:font script="Hant" typeface="新細明體"/>
-        <a:font script="Arab" typeface="Arial"/>
-        <a:font script="Hebr" typeface="Arial"/>
-        <a:font script="Thai" typeface="Cordia New"/>
-        <a:font script="Ethi" typeface="Nyala"/>
-        <a:font script="Beng" typeface="Vrinda"/>
-        <a:font script="Gujr" typeface="Shruti"/>
-        <a:font script="Khmr" typeface="DaunPenh"/>
-        <a:font script="Knda" typeface="Tunga"/>
-        <a:font script="Guru" typeface="Raavi"/>
-        <a:font script="Cans" typeface="Euphemia"/>
-        <a:font script="Cher" typeface="Plantagenet Cherokee"/>
-        <a:font script="Yiii" typeface="Microsoft Yi Baiti"/>
-        <a:font script="Tibt" typeface="Microsoft Himalaya"/>
-        <a:font script="Thaa" typeface="MV Boli"/>
-        <a:font script="Deva" typeface="Mangal"/>
-        <a:font script="Telu" typeface="Gautami"/>
-        <a:font script="Taml" typeface="Latha"/>
-        <a:font script="Syrc" typeface="Estrangelo Edessa"/>
-        <a:font script="Orya" typeface="Kalinga"/>
-        <a:font script="Mlym" typeface="Kartika"/>
-        <a:font script="Laoo" typeface="DokChampa"/>
-        <a:font script="Sinh" typeface="Iskoola Pota"/>
-        <a:font script="Mong" typeface="Mongolian Baiti"/>
-        <a:font script="Viet" typeface="Arial"/>
-        <a:font script="Uigh" typeface="Microsoft Uighur"/>
-        <a:font script="Geor" typeface="Sylfaen"/>
-      </a:minorFont>
-    </a:fontScheme>
-    <a:fmtScheme name="Office">
-      <a:fillStyleLst>
-        <a:solidFill>
-          <a:schemeClr val="phClr"/>
-        </a:solidFill>
-        <a:gradFill rotWithShape="1">
-          <a:gsLst>
-            <a:gs pos="0">
-              <a:schemeClr val="phClr">
-                <a:tint val="50000"/>
-                <a:satMod val="300000"/>
-              </a:schemeClr>
-            </a:gs>
-            <a:gs pos="35000">
-              <a:schemeClr val="phClr">
-                <a:tint val="37000"/>
-                <a:satMod val="300000"/>
-              </a:schemeClr>
-            </a:gs>
-            <a:gs pos="100000">
-              <a:schemeClr val="phClr">
-                <a:tint val="15000"/>
-                <a:satMod val="350000"/>
-              </a:schemeClr>
-            </a:gs>
-          </a:gsLst>
-          <a:lin ang="16200000" scaled="1"/>
-        </a:gradFill>
-        <a:gradFill rotWithShape="1">
-          <a:gsLst>
-            <a:gs pos="0">
-              <a:schemeClr val="phClr">
-                <a:tint val="100000"/>
-                <a:shade val="100000"/>
-                <a:satMod val="130000"/>
-              </a:schemeClr>
-            </a:gs>
-            <a:gs pos="100000">
-              <a:schemeClr val="phClr">
-                <a:tint val="50000"/>
-                <a:shade val="100000"/>
-                <a:satMod val="350000"/>
-              </a:schemeClr>
-            </a:gs>
-          </a:gsLst>
-          <a:lin ang="16200000" scaled="0"/>
-        </a:gradFill>
-      </a:fillStyleLst>
-      <a:lnStyleLst>
-        <a:ln w="9525" cap="flat" cmpd="sng" algn="ctr">
-          <a:solidFill>
-            <a:schemeClr val="phClr">
-              <a:shade val="95000"/>
-              <a:satMod val="105000"/>
-            </a:schemeClr>
-          </a:solidFill>
-          <a:prstDash val="solid"/>
-        </a:ln>
-        <a:ln w="25400" cap="flat" cmpd="sng" algn="ctr">
-          <a:solidFill>
-            <a:schemeClr val="phClr"/>
-          </a:solidFill>
-          <a:prstDash val="solid"/>
-        </a:ln>
-        <a:ln w="38100" cap="flat" cmpd="sng" algn="ctr">
-          <a:solidFill>
-            <a:schemeClr val="phClr"/>
-          </a:solidFill>
-          <a:prstDash val="solid"/>
-        </a:ln>
-      </a:lnStyleLst>
-      <a:effectStyleLst>
-        <a:effectStyle>
-          <a:effectLst>
-            <a:outerShdw blurRad="40000" dist="20000" dir="5400000" rotWithShape="0">
-              <a:srgbClr val="000000">
-                <a:alpha val="38000"/>
-              </a:srgbClr>
-            </a:outerShdw>
-          </a:effectLst>
-        </a:effectStyle>
-        <a:effectStyle>
-          <a:effectLst>
-            <a:outerShdw blurRad="40000" dist="23000" dir="5400000" rotWithShape="0">
-              <a:srgbClr val="000000">
-                <a:alpha val="35000"/>
-              </a:srgbClr>
-            </a:outerShdw>
-          </a:effectLst>
-        </a:effectStyle>
-        <a:effectStyle>
-          <a:effectLst>
-            <a:outerShdw blurRad="40000" dist="23000" dir="5400000" rotWithShape="0">
-              <a:srgbClr val="000000">
-                <a:alpha val="35000"/>
-              </a:srgbClr>
-            </a:outerShdw>
-          </a:effectLst>
-          <a:scene3d>
-            <a:camera prst="orthographicFront">
-              <a:rot lat="0" lon="0" rev="0"/>
-            </a:camera>
-            <a:lightRig rig="threePt" dir="t">
-              <a:rot lat="0" lon="0" rev="1200000"/>
-            </a:lightRig>
-          </a:scene3d>
-          <a:sp3d>
-            <a:bevelT w="63500" h="25400"/>
-          </a:sp3d>
-        </a:effectStyle>
-      </a:effectStyleLst>
-      <a:bgFillStyleLst>
-        <a:solidFill>
-          <a:schemeClr val="phClr"/>
-        </a:solidFill>
-        <a:gradFill rotWithShape="1">
-          <a:gsLst>
-            <a:gs pos="0">
-              <a:schemeClr val="phClr">
-                <a:tint val="40000"/>
-                <a:satMod val="350000"/>
-              </a:schemeClr>
-            </a:gs>
-            <a:gs pos="40000">
-              <a:schemeClr val="phClr">
-                <a:tint val="45000"/>
-                <a:shade val="99000"/>
-                <a:satMod val="350000"/>
-              </a:schemeClr>
-            </a:gs>
-            <a:gs pos="100000">
-              <a:schemeClr val="phClr">
-                <a:shade val="20000"/>
-                <a:satMod val="255000"/>
-              </a:schemeClr>
-            </a:gs>
-          </a:gsLst>
-          <a:path path="circle">
-            <a:fillToRect l="50000" t="-80000" r="50000" b="180000"/>
-          </a:path>
-        </a:gradFill>
-        <a:gradFill rotWithShape="1">
-          <a:gsLst>
-            <a:gs pos="0">
-              <a:schemeClr val="phClr">
-                <a:tint val="80000"/>
-                <a:satMod val="300000"/>
-              </a:schemeClr>
-            </a:gs>
-            <a:gs pos="100000">
-              <a:schemeClr val="phClr">
-                <a:shade val="30000"/>
-                <a:satMod val="200000"/>
-              </a:schemeClr>
-            </a:gs>
-          </a:gsLst>
-          <a:path path="circle">
-            <a:fillToRect l="50000" t="50000" r="50000" b="50000"/>
-          </a:path>
-        </a:gradFill>
-      </a:bgFillStyleLst>
-    </a:fmtScheme>
-  </a:themeElements>
-</a:theme>
 </file>
--- a/JaveEE.pptx
+++ b/JaveEE.pptx
@@ -75,6 +75,7 @@
     <p:sldId id="322" r:id="rId70"/>
     <p:sldId id="323" r:id="rId71"/>
     <p:sldId id="324" r:id="rId72"/>
+    <p:sldId id="325" r:id="rId73"/>
   </p:sldIdLst>
   <p:sldSz cx="9144000" cy="5143500"/>
   <p:notesSz cx="7559675" cy="10691812"/>
@@ -132,8 +133,8 @@
         </p:nvSpPr>
         <p:spPr>
           <a:xfrm>
-            <a:off x="729360" y="1273320"/>
-            <a:ext cx="7688160" cy="625320"/>
+            <a:off x="457200" y="205200"/>
+            <a:ext cx="8229240" cy="858600"/>
           </a:xfrm>
           <a:prstGeom prst="rect">
             <a:avLst/>
@@ -169,8 +170,8 @@
         </p:nvSpPr>
         <p:spPr>
           <a:xfrm>
-            <a:off x="729360" y="2079000"/>
-            <a:ext cx="7688160" cy="1078200"/>
+            <a:off x="457200" y="1203480"/>
+            <a:ext cx="8229240" cy="1422720"/>
           </a:xfrm>
           <a:prstGeom prst="rect">
             <a:avLst/>
@@ -205,8 +206,8 @@
         </p:nvSpPr>
         <p:spPr>
           <a:xfrm>
-            <a:off x="729360" y="3260160"/>
-            <a:ext cx="7688160" cy="1078200"/>
+            <a:off x="457200" y="2761920"/>
+            <a:ext cx="8229240" cy="1422720"/>
           </a:xfrm>
           <a:prstGeom prst="rect">
             <a:avLst/>
@@ -263,8 +264,8 @@
         </p:nvSpPr>
         <p:spPr>
           <a:xfrm>
-            <a:off x="729360" y="1273320"/>
-            <a:ext cx="7688160" cy="625320"/>
+            <a:off x="457200" y="205200"/>
+            <a:ext cx="8229240" cy="858600"/>
           </a:xfrm>
           <a:prstGeom prst="rect">
             <a:avLst/>
@@ -300,8 +301,8 @@
         </p:nvSpPr>
         <p:spPr>
           <a:xfrm>
-            <a:off x="729360" y="2079000"/>
-            <a:ext cx="3751560" cy="1078200"/>
+            <a:off x="457200" y="1203480"/>
+            <a:ext cx="4015800" cy="1422720"/>
           </a:xfrm>
           <a:prstGeom prst="rect">
             <a:avLst/>
@@ -336,8 +337,8 @@
         </p:nvSpPr>
         <p:spPr>
           <a:xfrm>
-            <a:off x="4668840" y="2079000"/>
-            <a:ext cx="3751560" cy="1078200"/>
+            <a:off x="4674240" y="1203480"/>
+            <a:ext cx="4015800" cy="1422720"/>
           </a:xfrm>
           <a:prstGeom prst="rect">
             <a:avLst/>
@@ -372,8 +373,8 @@
         </p:nvSpPr>
         <p:spPr>
           <a:xfrm>
-            <a:off x="4668840" y="3260160"/>
-            <a:ext cx="3751560" cy="1078200"/>
+            <a:off x="4674240" y="2761920"/>
+            <a:ext cx="4015800" cy="1422720"/>
           </a:xfrm>
           <a:prstGeom prst="rect">
             <a:avLst/>
@@ -408,8 +409,8 @@
         </p:nvSpPr>
         <p:spPr>
           <a:xfrm>
-            <a:off x="729360" y="3260160"/>
-            <a:ext cx="3751560" cy="1078200"/>
+            <a:off x="457200" y="2761920"/>
+            <a:ext cx="4015800" cy="1422720"/>
           </a:xfrm>
           <a:prstGeom prst="rect">
             <a:avLst/>
@@ -466,8 +467,8 @@
         </p:nvSpPr>
         <p:spPr>
           <a:xfrm>
-            <a:off x="729360" y="1273320"/>
-            <a:ext cx="7688160" cy="625320"/>
+            <a:off x="457200" y="205200"/>
+            <a:ext cx="8229240" cy="858600"/>
           </a:xfrm>
           <a:prstGeom prst="rect">
             <a:avLst/>
@@ -503,8 +504,8 @@
         </p:nvSpPr>
         <p:spPr>
           <a:xfrm>
-            <a:off x="729360" y="2079000"/>
-            <a:ext cx="7688160" cy="2260440"/>
+            <a:off x="457200" y="1203480"/>
+            <a:ext cx="8229240" cy="2982960"/>
           </a:xfrm>
           <a:prstGeom prst="rect">
             <a:avLst/>
@@ -539,8 +540,8 @@
         </p:nvSpPr>
         <p:spPr>
           <a:xfrm>
-            <a:off x="729360" y="2079000"/>
-            <a:ext cx="7688160" cy="2260440"/>
+            <a:off x="457200" y="1203480"/>
+            <a:ext cx="8229240" cy="2982960"/>
           </a:xfrm>
           <a:prstGeom prst="rect">
             <a:avLst/>
@@ -575,8 +576,8 @@
         </p:blipFill>
         <p:spPr>
           <a:xfrm>
-            <a:off x="3156840" y="2078640"/>
-            <a:ext cx="2832840" cy="2260440"/>
+            <a:off x="2702160" y="1203480"/>
+            <a:ext cx="3738600" cy="2982960"/>
           </a:xfrm>
           <a:prstGeom prst="rect">
             <a:avLst/>
@@ -598,8 +599,8 @@
         </p:blipFill>
         <p:spPr>
           <a:xfrm>
-            <a:off x="3156840" y="2078640"/>
-            <a:ext cx="2832840" cy="2260440"/>
+            <a:off x="2702160" y="1203480"/>
+            <a:ext cx="3738600" cy="2982960"/>
           </a:xfrm>
           <a:prstGeom prst="rect">
             <a:avLst/>
@@ -665,8 +666,8 @@
         </p:nvSpPr>
         <p:spPr>
           <a:xfrm>
-            <a:off x="729360" y="1273320"/>
-            <a:ext cx="7688160" cy="625320"/>
+            <a:off x="457200" y="205200"/>
+            <a:ext cx="8229240" cy="858600"/>
           </a:xfrm>
           <a:prstGeom prst="rect">
             <a:avLst/>
@@ -702,8 +703,8 @@
         </p:nvSpPr>
         <p:spPr>
           <a:xfrm>
-            <a:off x="729360" y="2079000"/>
-            <a:ext cx="7688160" cy="2260440"/>
+            <a:off x="457200" y="1203480"/>
+            <a:ext cx="8229240" cy="2982960"/>
           </a:xfrm>
           <a:prstGeom prst="rect">
             <a:avLst/>
@@ -761,8 +762,8 @@
         </p:nvSpPr>
         <p:spPr>
           <a:xfrm>
-            <a:off x="729360" y="1273320"/>
-            <a:ext cx="7688160" cy="625320"/>
+            <a:off x="457200" y="205200"/>
+            <a:ext cx="8229240" cy="858600"/>
           </a:xfrm>
           <a:prstGeom prst="rect">
             <a:avLst/>
@@ -798,8 +799,8 @@
         </p:nvSpPr>
         <p:spPr>
           <a:xfrm>
-            <a:off x="729360" y="2079000"/>
-            <a:ext cx="7688160" cy="2260440"/>
+            <a:off x="457200" y="1203480"/>
+            <a:ext cx="8229240" cy="2982960"/>
           </a:xfrm>
           <a:prstGeom prst="rect">
             <a:avLst/>
@@ -856,8 +857,8 @@
         </p:nvSpPr>
         <p:spPr>
           <a:xfrm>
-            <a:off x="729360" y="1273320"/>
-            <a:ext cx="7688160" cy="625320"/>
+            <a:off x="457200" y="205200"/>
+            <a:ext cx="8229240" cy="858600"/>
           </a:xfrm>
           <a:prstGeom prst="rect">
             <a:avLst/>
@@ -893,8 +894,8 @@
         </p:nvSpPr>
         <p:spPr>
           <a:xfrm>
-            <a:off x="729360" y="2079000"/>
-            <a:ext cx="3751560" cy="2260440"/>
+            <a:off x="457200" y="1203480"/>
+            <a:ext cx="4015800" cy="2982960"/>
           </a:xfrm>
           <a:prstGeom prst="rect">
             <a:avLst/>
@@ -929,8 +930,8 @@
         </p:nvSpPr>
         <p:spPr>
           <a:xfrm>
-            <a:off x="4668840" y="2079000"/>
-            <a:ext cx="3751560" cy="2260440"/>
+            <a:off x="4674240" y="1203480"/>
+            <a:ext cx="4015800" cy="2982960"/>
           </a:xfrm>
           <a:prstGeom prst="rect">
             <a:avLst/>
@@ -987,8 +988,8 @@
         </p:nvSpPr>
         <p:spPr>
           <a:xfrm>
-            <a:off x="729360" y="1273320"/>
-            <a:ext cx="7688160" cy="625320"/>
+            <a:off x="457200" y="205200"/>
+            <a:ext cx="8229240" cy="858600"/>
           </a:xfrm>
           <a:prstGeom prst="rect">
             <a:avLst/>
@@ -1046,8 +1047,8 @@
         </p:nvSpPr>
         <p:spPr>
           <a:xfrm>
-            <a:off x="729360" y="1318680"/>
-            <a:ext cx="7688160" cy="2479320"/>
+            <a:off x="457200" y="205200"/>
+            <a:ext cx="8229240" cy="3981240"/>
           </a:xfrm>
           <a:prstGeom prst="rect">
             <a:avLst/>
@@ -1105,8 +1106,8 @@
         </p:nvSpPr>
         <p:spPr>
           <a:xfrm>
-            <a:off x="729360" y="1273320"/>
-            <a:ext cx="7688160" cy="625320"/>
+            <a:off x="457200" y="205200"/>
+            <a:ext cx="8229240" cy="858600"/>
           </a:xfrm>
           <a:prstGeom prst="rect">
             <a:avLst/>
@@ -1142,8 +1143,8 @@
         </p:nvSpPr>
         <p:spPr>
           <a:xfrm>
-            <a:off x="729360" y="2079000"/>
-            <a:ext cx="3751560" cy="1078200"/>
+            <a:off x="457200" y="1203480"/>
+            <a:ext cx="4015800" cy="1422720"/>
           </a:xfrm>
           <a:prstGeom prst="rect">
             <a:avLst/>
@@ -1178,8 +1179,8 @@
         </p:nvSpPr>
         <p:spPr>
           <a:xfrm>
-            <a:off x="729360" y="3260160"/>
-            <a:ext cx="3751560" cy="1078200"/>
+            <a:off x="457200" y="2761920"/>
+            <a:ext cx="4015800" cy="1422720"/>
           </a:xfrm>
           <a:prstGeom prst="rect">
             <a:avLst/>
@@ -1214,8 +1215,8 @@
         </p:nvSpPr>
         <p:spPr>
           <a:xfrm>
-            <a:off x="4668840" y="2079000"/>
-            <a:ext cx="3751560" cy="2260440"/>
+            <a:off x="4674240" y="1203480"/>
+            <a:ext cx="4015800" cy="2982960"/>
           </a:xfrm>
           <a:prstGeom prst="rect">
             <a:avLst/>
@@ -1272,8 +1273,8 @@
         </p:nvSpPr>
         <p:spPr>
           <a:xfrm>
-            <a:off x="729360" y="1273320"/>
-            <a:ext cx="7688160" cy="625320"/>
+            <a:off x="457200" y="205200"/>
+            <a:ext cx="8229240" cy="858600"/>
           </a:xfrm>
           <a:prstGeom prst="rect">
             <a:avLst/>
@@ -1309,8 +1310,8 @@
         </p:nvSpPr>
         <p:spPr>
           <a:xfrm>
-            <a:off x="729360" y="2079000"/>
-            <a:ext cx="7688160" cy="2260440"/>
+            <a:off x="457200" y="1203480"/>
+            <a:ext cx="8229240" cy="2982960"/>
           </a:xfrm>
           <a:prstGeom prst="rect">
             <a:avLst/>
@@ -1368,8 +1369,8 @@
         </p:nvSpPr>
         <p:spPr>
           <a:xfrm>
-            <a:off x="729360" y="1273320"/>
-            <a:ext cx="7688160" cy="625320"/>
+            <a:off x="457200" y="205200"/>
+            <a:ext cx="8229240" cy="858600"/>
           </a:xfrm>
           <a:prstGeom prst="rect">
             <a:avLst/>
@@ -1405,8 +1406,8 @@
         </p:nvSpPr>
         <p:spPr>
           <a:xfrm>
-            <a:off x="729360" y="2079000"/>
-            <a:ext cx="3751560" cy="2260440"/>
+            <a:off x="457200" y="1203480"/>
+            <a:ext cx="4015800" cy="2982960"/>
           </a:xfrm>
           <a:prstGeom prst="rect">
             <a:avLst/>
@@ -1441,8 +1442,8 @@
         </p:nvSpPr>
         <p:spPr>
           <a:xfrm>
-            <a:off x="4668840" y="2079000"/>
-            <a:ext cx="3751560" cy="1078200"/>
+            <a:off x="4674240" y="1203480"/>
+            <a:ext cx="4015800" cy="1422720"/>
           </a:xfrm>
           <a:prstGeom prst="rect">
             <a:avLst/>
@@ -1477,8 +1478,8 @@
         </p:nvSpPr>
         <p:spPr>
           <a:xfrm>
-            <a:off x="4668840" y="3260160"/>
-            <a:ext cx="3751560" cy="1078200"/>
+            <a:off x="4674240" y="2761920"/>
+            <a:ext cx="4015800" cy="1422720"/>
           </a:xfrm>
           <a:prstGeom prst="rect">
             <a:avLst/>
@@ -1535,8 +1536,8 @@
         </p:nvSpPr>
         <p:spPr>
           <a:xfrm>
-            <a:off x="729360" y="1273320"/>
-            <a:ext cx="7688160" cy="625320"/>
+            <a:off x="457200" y="205200"/>
+            <a:ext cx="8229240" cy="858600"/>
           </a:xfrm>
           <a:prstGeom prst="rect">
             <a:avLst/>
@@ -1572,8 +1573,8 @@
         </p:nvSpPr>
         <p:spPr>
           <a:xfrm>
-            <a:off x="729360" y="2079000"/>
-            <a:ext cx="3751560" cy="1078200"/>
+            <a:off x="457200" y="1203480"/>
+            <a:ext cx="4015800" cy="1422720"/>
           </a:xfrm>
           <a:prstGeom prst="rect">
             <a:avLst/>
@@ -1608,8 +1609,8 @@
         </p:nvSpPr>
         <p:spPr>
           <a:xfrm>
-            <a:off x="4668840" y="2079000"/>
-            <a:ext cx="3751560" cy="1078200"/>
+            <a:off x="4674240" y="1203480"/>
+            <a:ext cx="4015800" cy="1422720"/>
           </a:xfrm>
           <a:prstGeom prst="rect">
             <a:avLst/>
@@ -1644,8 +1645,8 @@
         </p:nvSpPr>
         <p:spPr>
           <a:xfrm>
-            <a:off x="729360" y="3260160"/>
-            <a:ext cx="7688160" cy="1078200"/>
+            <a:off x="457200" y="2761920"/>
+            <a:ext cx="8229240" cy="1422720"/>
           </a:xfrm>
           <a:prstGeom prst="rect">
             <a:avLst/>
@@ -1702,8 +1703,8 @@
         </p:nvSpPr>
         <p:spPr>
           <a:xfrm>
-            <a:off x="729360" y="1273320"/>
-            <a:ext cx="7688160" cy="625320"/>
+            <a:off x="457200" y="205200"/>
+            <a:ext cx="8229240" cy="858600"/>
           </a:xfrm>
           <a:prstGeom prst="rect">
             <a:avLst/>
@@ -1739,8 +1740,8 @@
         </p:nvSpPr>
         <p:spPr>
           <a:xfrm>
-            <a:off x="729360" y="2079000"/>
-            <a:ext cx="7688160" cy="1078200"/>
+            <a:off x="457200" y="1203480"/>
+            <a:ext cx="8229240" cy="1422720"/>
           </a:xfrm>
           <a:prstGeom prst="rect">
             <a:avLst/>
@@ -1775,8 +1776,8 @@
         </p:nvSpPr>
         <p:spPr>
           <a:xfrm>
-            <a:off x="729360" y="3260160"/>
-            <a:ext cx="7688160" cy="1078200"/>
+            <a:off x="457200" y="2761920"/>
+            <a:ext cx="8229240" cy="1422720"/>
           </a:xfrm>
           <a:prstGeom prst="rect">
             <a:avLst/>
@@ -1833,8 +1834,8 @@
         </p:nvSpPr>
         <p:spPr>
           <a:xfrm>
-            <a:off x="729360" y="1273320"/>
-            <a:ext cx="7688160" cy="625320"/>
+            <a:off x="457200" y="205200"/>
+            <a:ext cx="8229240" cy="858600"/>
           </a:xfrm>
           <a:prstGeom prst="rect">
             <a:avLst/>
@@ -1870,8 +1871,8 @@
         </p:nvSpPr>
         <p:spPr>
           <a:xfrm>
-            <a:off x="729360" y="2079000"/>
-            <a:ext cx="3751560" cy="1078200"/>
+            <a:off x="457200" y="1203480"/>
+            <a:ext cx="4015800" cy="1422720"/>
           </a:xfrm>
           <a:prstGeom prst="rect">
             <a:avLst/>
@@ -1906,8 +1907,8 @@
         </p:nvSpPr>
         <p:spPr>
           <a:xfrm>
-            <a:off x="4668840" y="2079000"/>
-            <a:ext cx="3751560" cy="1078200"/>
+            <a:off x="4674240" y="1203480"/>
+            <a:ext cx="4015800" cy="1422720"/>
           </a:xfrm>
           <a:prstGeom prst="rect">
             <a:avLst/>
@@ -1942,8 +1943,8 @@
         </p:nvSpPr>
         <p:spPr>
           <a:xfrm>
-            <a:off x="4668840" y="3260160"/>
-            <a:ext cx="3751560" cy="1078200"/>
+            <a:off x="4674240" y="2761920"/>
+            <a:ext cx="4015800" cy="1422720"/>
           </a:xfrm>
           <a:prstGeom prst="rect">
             <a:avLst/>
@@ -1978,8 +1979,8 @@
         </p:nvSpPr>
         <p:spPr>
           <a:xfrm>
-            <a:off x="729360" y="3260160"/>
-            <a:ext cx="3751560" cy="1078200"/>
+            <a:off x="457200" y="2761920"/>
+            <a:ext cx="4015800" cy="1422720"/>
           </a:xfrm>
           <a:prstGeom prst="rect">
             <a:avLst/>
@@ -2036,8 +2037,8 @@
         </p:nvSpPr>
         <p:spPr>
           <a:xfrm>
-            <a:off x="729360" y="1273320"/>
-            <a:ext cx="7688160" cy="625320"/>
+            <a:off x="457200" y="205200"/>
+            <a:ext cx="8229240" cy="858600"/>
           </a:xfrm>
           <a:prstGeom prst="rect">
             <a:avLst/>
@@ -2073,8 +2074,8 @@
         </p:nvSpPr>
         <p:spPr>
           <a:xfrm>
-            <a:off x="729360" y="2079000"/>
-            <a:ext cx="7688160" cy="2260440"/>
+            <a:off x="457200" y="1203480"/>
+            <a:ext cx="8229240" cy="2982960"/>
           </a:xfrm>
           <a:prstGeom prst="rect">
             <a:avLst/>
@@ -2109,8 +2110,8 @@
         </p:nvSpPr>
         <p:spPr>
           <a:xfrm>
-            <a:off x="729360" y="2079000"/>
-            <a:ext cx="7688160" cy="2260440"/>
+            <a:off x="457200" y="1203480"/>
+            <a:ext cx="8229240" cy="2982960"/>
           </a:xfrm>
           <a:prstGeom prst="rect">
             <a:avLst/>
@@ -2145,8 +2146,8 @@
         </p:blipFill>
         <p:spPr>
           <a:xfrm>
-            <a:off x="3156840" y="2078640"/>
-            <a:ext cx="2832840" cy="2260440"/>
+            <a:off x="2702160" y="1203480"/>
+            <a:ext cx="3738600" cy="2982960"/>
           </a:xfrm>
           <a:prstGeom prst="rect">
             <a:avLst/>
@@ -2168,8 +2169,8 @@
         </p:blipFill>
         <p:spPr>
           <a:xfrm>
-            <a:off x="3156840" y="2078640"/>
-            <a:ext cx="2832840" cy="2260440"/>
+            <a:off x="2702160" y="1203480"/>
+            <a:ext cx="3738600" cy="2982960"/>
           </a:xfrm>
           <a:prstGeom prst="rect">
             <a:avLst/>
@@ -2213,8 +2214,8 @@
         </p:nvSpPr>
         <p:spPr>
           <a:xfrm>
-            <a:off x="729360" y="1273320"/>
-            <a:ext cx="7688160" cy="625320"/>
+            <a:off x="457200" y="205200"/>
+            <a:ext cx="8229240" cy="858600"/>
           </a:xfrm>
           <a:prstGeom prst="rect">
             <a:avLst/>
@@ -2250,8 +2251,8 @@
         </p:nvSpPr>
         <p:spPr>
           <a:xfrm>
-            <a:off x="729360" y="2079000"/>
-            <a:ext cx="7688160" cy="2260440"/>
+            <a:off x="457200" y="1203480"/>
+            <a:ext cx="8229240" cy="2982960"/>
           </a:xfrm>
           <a:prstGeom prst="rect">
             <a:avLst/>
@@ -2308,8 +2309,8 @@
         </p:nvSpPr>
         <p:spPr>
           <a:xfrm>
-            <a:off x="729360" y="1273320"/>
-            <a:ext cx="7688160" cy="625320"/>
+            <a:off x="457200" y="205200"/>
+            <a:ext cx="8229240" cy="858600"/>
           </a:xfrm>
           <a:prstGeom prst="rect">
             <a:avLst/>
@@ -2345,8 +2346,8 @@
         </p:nvSpPr>
         <p:spPr>
           <a:xfrm>
-            <a:off x="729360" y="2079000"/>
-            <a:ext cx="3751560" cy="2260440"/>
+            <a:off x="457200" y="1203480"/>
+            <a:ext cx="4015800" cy="2982960"/>
           </a:xfrm>
           <a:prstGeom prst="rect">
             <a:avLst/>
@@ -2381,8 +2382,8 @@
         </p:nvSpPr>
         <p:spPr>
           <a:xfrm>
-            <a:off x="4668840" y="2079000"/>
-            <a:ext cx="3751560" cy="2260440"/>
+            <a:off x="4674240" y="1203480"/>
+            <a:ext cx="4015800" cy="2982960"/>
           </a:xfrm>
           <a:prstGeom prst="rect">
             <a:avLst/>
@@ -2439,8 +2440,8 @@
         </p:nvSpPr>
         <p:spPr>
           <a:xfrm>
-            <a:off x="729360" y="1273320"/>
-            <a:ext cx="7688160" cy="625320"/>
+            <a:off x="457200" y="205200"/>
+            <a:ext cx="8229240" cy="858600"/>
           </a:xfrm>
           <a:prstGeom prst="rect">
             <a:avLst/>
@@ -2498,8 +2499,8 @@
         </p:nvSpPr>
         <p:spPr>
           <a:xfrm>
-            <a:off x="729360" y="1318680"/>
-            <a:ext cx="7688160" cy="2479320"/>
+            <a:off x="457200" y="205200"/>
+            <a:ext cx="8229240" cy="3981240"/>
           </a:xfrm>
           <a:prstGeom prst="rect">
             <a:avLst/>
@@ -2557,8 +2558,8 @@
         </p:nvSpPr>
         <p:spPr>
           <a:xfrm>
-            <a:off x="729360" y="1273320"/>
-            <a:ext cx="7688160" cy="625320"/>
+            <a:off x="457200" y="205200"/>
+            <a:ext cx="8229240" cy="858600"/>
           </a:xfrm>
           <a:prstGeom prst="rect">
             <a:avLst/>
@@ -2594,8 +2595,8 @@
         </p:nvSpPr>
         <p:spPr>
           <a:xfrm>
-            <a:off x="729360" y="2079000"/>
-            <a:ext cx="3751560" cy="1078200"/>
+            <a:off x="457200" y="1203480"/>
+            <a:ext cx="4015800" cy="1422720"/>
           </a:xfrm>
           <a:prstGeom prst="rect">
             <a:avLst/>
@@ -2630,8 +2631,8 @@
         </p:nvSpPr>
         <p:spPr>
           <a:xfrm>
-            <a:off x="729360" y="3260160"/>
-            <a:ext cx="3751560" cy="1078200"/>
+            <a:off x="457200" y="2761920"/>
+            <a:ext cx="4015800" cy="1422720"/>
           </a:xfrm>
           <a:prstGeom prst="rect">
             <a:avLst/>
@@ -2666,8 +2667,8 @@
         </p:nvSpPr>
         <p:spPr>
           <a:xfrm>
-            <a:off x="4668840" y="2079000"/>
-            <a:ext cx="3751560" cy="2260440"/>
+            <a:off x="4674240" y="1203480"/>
+            <a:ext cx="4015800" cy="2982960"/>
           </a:xfrm>
           <a:prstGeom prst="rect">
             <a:avLst/>
@@ -2724,8 +2725,8 @@
         </p:nvSpPr>
         <p:spPr>
           <a:xfrm>
-            <a:off x="729360" y="1273320"/>
-            <a:ext cx="7688160" cy="625320"/>
+            <a:off x="457200" y="205200"/>
+            <a:ext cx="8229240" cy="858600"/>
           </a:xfrm>
           <a:prstGeom prst="rect">
             <a:avLst/>
@@ -2761,8 +2762,8 @@
         </p:nvSpPr>
         <p:spPr>
           <a:xfrm>
-            <a:off x="729360" y="2079000"/>
-            <a:ext cx="3751560" cy="2260440"/>
+            <a:off x="457200" y="1203480"/>
+            <a:ext cx="4015800" cy="2982960"/>
           </a:xfrm>
           <a:prstGeom prst="rect">
             <a:avLst/>
@@ -2797,8 +2798,8 @@
         </p:nvSpPr>
         <p:spPr>
           <a:xfrm>
-            <a:off x="4668840" y="2079000"/>
-            <a:ext cx="3751560" cy="1078200"/>
+            <a:off x="4674240" y="1203480"/>
+            <a:ext cx="4015800" cy="1422720"/>
           </a:xfrm>
           <a:prstGeom prst="rect">
             <a:avLst/>
@@ -2833,8 +2834,8 @@
         </p:nvSpPr>
         <p:spPr>
           <a:xfrm>
-            <a:off x="4668840" y="3260160"/>
-            <a:ext cx="3751560" cy="1078200"/>
+            <a:off x="4674240" y="2761920"/>
+            <a:ext cx="4015800" cy="1422720"/>
           </a:xfrm>
           <a:prstGeom prst="rect">
             <a:avLst/>
@@ -2891,8 +2892,8 @@
         </p:nvSpPr>
         <p:spPr>
           <a:xfrm>
-            <a:off x="729360" y="1273320"/>
-            <a:ext cx="7688160" cy="625320"/>
+            <a:off x="457200" y="205200"/>
+            <a:ext cx="8229240" cy="858600"/>
           </a:xfrm>
           <a:prstGeom prst="rect">
             <a:avLst/>
@@ -2928,8 +2929,8 @@
         </p:nvSpPr>
         <p:spPr>
           <a:xfrm>
-            <a:off x="729360" y="2079000"/>
-            <a:ext cx="3751560" cy="1078200"/>
+            <a:off x="457200" y="1203480"/>
+            <a:ext cx="4015800" cy="1422720"/>
           </a:xfrm>
           <a:prstGeom prst="rect">
             <a:avLst/>
@@ -2964,8 +2965,8 @@
         </p:nvSpPr>
         <p:spPr>
           <a:xfrm>
-            <a:off x="4668840" y="2079000"/>
-            <a:ext cx="3751560" cy="1078200"/>
+            <a:off x="4674240" y="1203480"/>
+            <a:ext cx="4015800" cy="1422720"/>
           </a:xfrm>
           <a:prstGeom prst="rect">
             <a:avLst/>
@@ -3000,8 +3001,8 @@
         </p:nvSpPr>
         <p:spPr>
           <a:xfrm>
-            <a:off x="729360" y="3260160"/>
-            <a:ext cx="7688160" cy="1078200"/>
+            <a:off x="457200" y="2761920"/>
+            <a:ext cx="8229240" cy="1422720"/>
           </a:xfrm>
           <a:prstGeom prst="rect">
             <a:avLst/>
@@ -3062,7 +3063,7 @@
         <p:spPr>
           <a:xfrm>
             <a:off x="0" y="0"/>
-            <a:ext cx="9143280" cy="487080"/>
+            <a:ext cx="9142560" cy="486360"/>
           </a:xfrm>
           <a:prstGeom prst="rect">
             <a:avLst/>
@@ -3089,8 +3090,8 @@
         </p:nvSpPr>
         <p:spPr>
           <a:xfrm rot="16200000">
-            <a:off x="1366560" y="1028160"/>
-            <a:ext cx="45000" cy="372240"/>
+            <a:off x="1366560" y="1028880"/>
+            <a:ext cx="44280" cy="371520"/>
           </a:xfrm>
           <a:prstGeom prst="rect">
             <a:avLst/>
@@ -3117,8 +3118,8 @@
         </p:nvSpPr>
         <p:spPr>
           <a:xfrm rot="16200000">
-            <a:off x="995400" y="1026720"/>
-            <a:ext cx="45000" cy="375120"/>
+            <a:off x="995400" y="1027440"/>
+            <a:ext cx="44280" cy="374400"/>
           </a:xfrm>
           <a:prstGeom prst="rect">
             <a:avLst/>
@@ -3150,7 +3151,7 @@
         <p:spPr>
           <a:xfrm>
             <a:off x="152280" y="135720"/>
-            <a:ext cx="2256840" cy="256320"/>
+            <a:ext cx="2256120" cy="255600"/>
           </a:xfrm>
           <a:prstGeom prst="rect">
             <a:avLst/>
@@ -3172,8 +3173,8 @@
         </p:nvSpPr>
         <p:spPr>
           <a:xfrm>
-            <a:off x="729360" y="1318680"/>
-            <a:ext cx="7688160" cy="534600"/>
+            <a:off x="457200" y="205200"/>
+            <a:ext cx="8229240" cy="858600"/>
           </a:xfrm>
           <a:prstGeom prst="rect">
             <a:avLst/>
@@ -3183,6 +3184,20 @@
           <a:bodyPr lIns="0" rIns="0" tIns="0" bIns="0" anchor="ctr"/>
           <a:p>
             <a:pPr algn="ctr"/>
+            <a:r>
+              <a:rPr b="0" lang="en-US" sz="4400" spc="-1" strike="noStrike">
+                <a:solidFill>
+                  <a:srgbClr val="000000"/>
+                </a:solidFill>
+                <a:uFill>
+                  <a:solidFill>
+                    <a:srgbClr val="ffffff"/>
+                  </a:solidFill>
+                </a:uFill>
+                <a:latin typeface="Arial"/>
+              </a:rPr>
+              <a:t>Click to edit the title text format</a:t>
+            </a:r>
             <a:endParaRPr b="0" lang="en-US" sz="4400" spc="-1" strike="noStrike">
               <a:solidFill>
                 <a:srgbClr val="000000"/>
@@ -3518,7 +3533,7 @@
         <p:spPr>
           <a:xfrm>
             <a:off x="0" y="0"/>
-            <a:ext cx="9143280" cy="487080"/>
+            <a:ext cx="9142560" cy="486360"/>
           </a:xfrm>
           <a:prstGeom prst="rect">
             <a:avLst/>
@@ -3545,8 +3560,8 @@
         </p:nvSpPr>
         <p:spPr>
           <a:xfrm rot="16200000">
-            <a:off x="1366560" y="1028160"/>
-            <a:ext cx="45000" cy="372240"/>
+            <a:off x="1366560" y="1028880"/>
+            <a:ext cx="44280" cy="371520"/>
           </a:xfrm>
           <a:prstGeom prst="rect">
             <a:avLst/>
@@ -3573,8 +3588,8 @@
         </p:nvSpPr>
         <p:spPr>
           <a:xfrm rot="16200000">
-            <a:off x="995400" y="1026720"/>
-            <a:ext cx="45000" cy="375120"/>
+            <a:off x="995400" y="1027440"/>
+            <a:ext cx="44280" cy="374400"/>
           </a:xfrm>
           <a:prstGeom prst="rect">
             <a:avLst/>
@@ -3606,7 +3621,7 @@
         <p:spPr>
           <a:xfrm>
             <a:off x="152280" y="152280"/>
-            <a:ext cx="2256840" cy="256320"/>
+            <a:ext cx="2256120" cy="255600"/>
           </a:xfrm>
           <a:prstGeom prst="rect">
             <a:avLst/>
@@ -3628,8 +3643,8 @@
         </p:nvSpPr>
         <p:spPr>
           <a:xfrm>
-            <a:off x="729360" y="1318680"/>
-            <a:ext cx="7688160" cy="534600"/>
+            <a:off x="457200" y="205200"/>
+            <a:ext cx="8229240" cy="858600"/>
           </a:xfrm>
           <a:prstGeom prst="rect">
             <a:avLst/>
@@ -3639,6 +3654,20 @@
           <a:bodyPr lIns="0" rIns="0" tIns="0" bIns="0" anchor="ctr"/>
           <a:p>
             <a:pPr algn="ctr"/>
+            <a:r>
+              <a:rPr b="0" lang="en-US" sz="4400" spc="-1" strike="noStrike">
+                <a:solidFill>
+                  <a:srgbClr val="000000"/>
+                </a:solidFill>
+                <a:uFill>
+                  <a:solidFill>
+                    <a:srgbClr val="ffffff"/>
+                  </a:solidFill>
+                </a:uFill>
+                <a:latin typeface="Arial"/>
+              </a:rPr>
+              <a:t>Click to edit the title text format</a:t>
+            </a:r>
             <a:endParaRPr b="0" lang="en-US" sz="4400" spc="-1" strike="noStrike">
               <a:solidFill>
                 <a:srgbClr val="000000"/>
@@ -3665,8 +3694,8 @@
         </p:nvSpPr>
         <p:spPr>
           <a:xfrm>
-            <a:off x="729360" y="2079000"/>
-            <a:ext cx="7688160" cy="2260440"/>
+            <a:off x="457200" y="1203480"/>
+            <a:ext cx="8229240" cy="2982960"/>
           </a:xfrm>
           <a:prstGeom prst="rect">
             <a:avLst/>
@@ -3684,7 +3713,7 @@
               <a:buChar char=""/>
             </a:pPr>
             <a:r>
-              <a:rPr b="0" lang="en-US" sz="1800" spc="-1" strike="noStrike">
+              <a:rPr b="0" lang="en-US" sz="3200" spc="-1" strike="noStrike">
                 <a:solidFill>
                   <a:srgbClr val="000000"/>
                 </a:solidFill>
@@ -3697,7 +3726,7 @@
               </a:rPr>
               <a:t>Click to edit the outline text format</a:t>
             </a:r>
-            <a:endParaRPr b="0" lang="en-US" sz="1800" spc="-1" strike="noStrike">
+            <a:endParaRPr b="0" lang="en-US" sz="3200" spc="-1" strike="noStrike">
               <a:solidFill>
                 <a:srgbClr val="000000"/>
               </a:solidFill>
@@ -3719,7 +3748,7 @@
               <a:buChar char=""/>
             </a:pPr>
             <a:r>
-              <a:rPr b="0" lang="en-US" sz="1800" spc="-1" strike="noStrike">
+              <a:rPr b="0" lang="en-US" sz="2800" spc="-1" strike="noStrike">
                 <a:solidFill>
                   <a:srgbClr val="000000"/>
                 </a:solidFill>
@@ -3732,7 +3761,7 @@
               </a:rPr>
               <a:t>Second Outline Level</a:t>
             </a:r>
-            <a:endParaRPr b="0" lang="en-US" sz="1800" spc="-1" strike="noStrike">
+            <a:endParaRPr b="0" lang="en-US" sz="2800" spc="-1" strike="noStrike">
               <a:solidFill>
                 <a:srgbClr val="000000"/>
               </a:solidFill>
@@ -3754,7 +3783,7 @@
               <a:buChar char=""/>
             </a:pPr>
             <a:r>
-              <a:rPr b="0" lang="en-US" sz="1800" spc="-1" strike="noStrike">
+              <a:rPr b="0" lang="en-US" sz="2400" spc="-1" strike="noStrike">
                 <a:solidFill>
                   <a:srgbClr val="000000"/>
                 </a:solidFill>
@@ -3767,7 +3796,7 @@
               </a:rPr>
               <a:t>Third Outline Level</a:t>
             </a:r>
-            <a:endParaRPr b="0" lang="en-US" sz="1800" spc="-1" strike="noStrike">
+            <a:endParaRPr b="0" lang="en-US" sz="2400" spc="-1" strike="noStrike">
               <a:solidFill>
                 <a:srgbClr val="000000"/>
               </a:solidFill>
@@ -3789,7 +3818,7 @@
               <a:buChar char=""/>
             </a:pPr>
             <a:r>
-              <a:rPr b="0" lang="en-US" sz="1800" spc="-1" strike="noStrike">
+              <a:rPr b="0" lang="en-US" sz="2000" spc="-1" strike="noStrike">
                 <a:solidFill>
                   <a:srgbClr val="000000"/>
                 </a:solidFill>
@@ -3802,7 +3831,7 @@
               </a:rPr>
               <a:t>Fourth Outline Level</a:t>
             </a:r>
-            <a:endParaRPr b="0" lang="en-US" sz="1800" spc="-1" strike="noStrike">
+            <a:endParaRPr b="0" lang="en-US" sz="2000" spc="-1" strike="noStrike">
               <a:solidFill>
                 <a:srgbClr val="000000"/>
               </a:solidFill>
@@ -3824,7 +3853,7 @@
               <a:buChar char=""/>
             </a:pPr>
             <a:r>
-              <a:rPr b="0" lang="en-US" sz="1800" spc="-1" strike="noStrike">
+              <a:rPr b="0" lang="en-US" sz="2000" spc="-1" strike="noStrike">
                 <a:solidFill>
                   <a:srgbClr val="000000"/>
                 </a:solidFill>
@@ -3837,7 +3866,7 @@
               </a:rPr>
               <a:t>Fifth Outline Level</a:t>
             </a:r>
-            <a:endParaRPr b="0" lang="en-US" sz="1800" spc="-1" strike="noStrike">
+            <a:endParaRPr b="0" lang="en-US" sz="2000" spc="-1" strike="noStrike">
               <a:solidFill>
                 <a:srgbClr val="000000"/>
               </a:solidFill>
@@ -3859,7 +3888,7 @@
               <a:buChar char=""/>
             </a:pPr>
             <a:r>
-              <a:rPr b="0" lang="en-US" sz="1800" spc="-1" strike="noStrike">
+              <a:rPr b="0" lang="en-US" sz="2000" spc="-1" strike="noStrike">
                 <a:solidFill>
                   <a:srgbClr val="000000"/>
                 </a:solidFill>
@@ -3872,7 +3901,7 @@
               </a:rPr>
               <a:t>Sixth Outline Level</a:t>
             </a:r>
-            <a:endParaRPr b="0" lang="en-US" sz="1800" spc="-1" strike="noStrike">
+            <a:endParaRPr b="0" lang="en-US" sz="2000" spc="-1" strike="noStrike">
               <a:solidFill>
                 <a:srgbClr val="000000"/>
               </a:solidFill>
@@ -3894,7 +3923,7 @@
               <a:buChar char=""/>
             </a:pPr>
             <a:r>
-              <a:rPr b="0" lang="en-US" sz="1800" spc="-1" strike="noStrike">
+              <a:rPr b="0" lang="en-US" sz="2000" spc="-1" strike="noStrike">
                 <a:solidFill>
                   <a:srgbClr val="000000"/>
                 </a:solidFill>
@@ -3907,7 +3936,7 @@
               </a:rPr>
               <a:t>Seventh Outline Level</a:t>
             </a:r>
-            <a:endParaRPr b="0" lang="en-US" sz="1800" spc="-1" strike="noStrike">
+            <a:endParaRPr b="0" lang="en-US" sz="2000" spc="-1" strike="noStrike">
               <a:solidFill>
                 <a:srgbClr val="000000"/>
               </a:solidFill>
@@ -3967,7 +3996,7 @@
         <p:spPr>
           <a:xfrm>
             <a:off x="729360" y="1322280"/>
-            <a:ext cx="7687440" cy="1663920"/>
+            <a:ext cx="7686720" cy="1663200"/>
           </a:xfrm>
           <a:prstGeom prst="rect">
             <a:avLst/>
@@ -4029,7 +4058,7 @@
         <p:spPr>
           <a:xfrm>
             <a:off x="729720" y="3173040"/>
-            <a:ext cx="7687440" cy="540360"/>
+            <a:ext cx="7686720" cy="539640"/>
           </a:xfrm>
           <a:prstGeom prst="rect">
             <a:avLst/>
@@ -4239,7 +4268,7 @@
         <p:spPr>
           <a:xfrm>
             <a:off x="729360" y="1318680"/>
-            <a:ext cx="7688160" cy="534600"/>
+            <a:ext cx="7687440" cy="533880"/>
           </a:xfrm>
           <a:prstGeom prst="rect">
             <a:avLst/>
@@ -4301,7 +4330,7 @@
         <p:spPr>
           <a:xfrm>
             <a:off x="729360" y="2079000"/>
-            <a:ext cx="7688160" cy="2260440"/>
+            <a:ext cx="7687440" cy="2259720"/>
           </a:xfrm>
           <a:prstGeom prst="rect">
             <a:avLst/>
@@ -4609,7 +4638,7 @@
         <p:spPr>
           <a:xfrm>
             <a:off x="729360" y="1318680"/>
-            <a:ext cx="7688160" cy="534600"/>
+            <a:ext cx="7687440" cy="533880"/>
           </a:xfrm>
           <a:prstGeom prst="rect">
             <a:avLst/>
@@ -4671,7 +4700,7 @@
         <p:spPr>
           <a:xfrm>
             <a:off x="729360" y="2079000"/>
-            <a:ext cx="7688160" cy="2260440"/>
+            <a:ext cx="7687440" cy="2259720"/>
           </a:xfrm>
           <a:prstGeom prst="rect">
             <a:avLst/>
@@ -5046,7 +5075,7 @@
         <p:spPr>
           <a:xfrm>
             <a:off x="729360" y="1318680"/>
-            <a:ext cx="7688160" cy="534600"/>
+            <a:ext cx="7687440" cy="533880"/>
           </a:xfrm>
           <a:prstGeom prst="rect">
             <a:avLst/>
@@ -5108,7 +5137,7 @@
         <p:spPr>
           <a:xfrm>
             <a:off x="729360" y="2079000"/>
-            <a:ext cx="7688160" cy="2260440"/>
+            <a:ext cx="7687440" cy="2259720"/>
           </a:xfrm>
           <a:prstGeom prst="rect">
             <a:avLst/>
@@ -5282,7 +5311,7 @@
         <p:spPr>
           <a:xfrm>
             <a:off x="729360" y="1318680"/>
-            <a:ext cx="7688160" cy="534600"/>
+            <a:ext cx="7687440" cy="533880"/>
           </a:xfrm>
           <a:prstGeom prst="rect">
             <a:avLst/>
@@ -5344,7 +5373,7 @@
         <p:spPr>
           <a:xfrm>
             <a:off x="729360" y="2079000"/>
-            <a:ext cx="7688160" cy="2260440"/>
+            <a:ext cx="7687440" cy="2259720"/>
           </a:xfrm>
           <a:prstGeom prst="rect">
             <a:avLst/>
@@ -5620,7 +5649,7 @@
         <p:spPr>
           <a:xfrm>
             <a:off x="729360" y="1318680"/>
-            <a:ext cx="7688160" cy="534600"/>
+            <a:ext cx="7687440" cy="533880"/>
           </a:xfrm>
           <a:prstGeom prst="rect">
             <a:avLst/>
@@ -5682,7 +5711,7 @@
         <p:spPr>
           <a:xfrm>
             <a:off x="729360" y="2079000"/>
-            <a:ext cx="7688160" cy="2260440"/>
+            <a:ext cx="7687440" cy="2259720"/>
           </a:xfrm>
           <a:prstGeom prst="rect">
             <a:avLst/>
@@ -6007,7 +6036,7 @@
         <p:spPr>
           <a:xfrm>
             <a:off x="729360" y="1318680"/>
-            <a:ext cx="7688160" cy="534600"/>
+            <a:ext cx="7687440" cy="533880"/>
           </a:xfrm>
           <a:prstGeom prst="rect">
             <a:avLst/>
@@ -6069,7 +6098,7 @@
         <p:spPr>
           <a:xfrm>
             <a:off x="729360" y="2079000"/>
-            <a:ext cx="7688160" cy="2260440"/>
+            <a:ext cx="7687440" cy="2259720"/>
           </a:xfrm>
           <a:prstGeom prst="rect">
             <a:avLst/>
@@ -6588,7 +6617,7 @@
         <p:spPr>
           <a:xfrm>
             <a:off x="729360" y="1318680"/>
-            <a:ext cx="7688160" cy="534600"/>
+            <a:ext cx="7687440" cy="533880"/>
           </a:xfrm>
           <a:prstGeom prst="rect">
             <a:avLst/>
@@ -6650,7 +6679,7 @@
         <p:spPr>
           <a:xfrm>
             <a:off x="729360" y="2079000"/>
-            <a:ext cx="7688160" cy="2260440"/>
+            <a:ext cx="7687440" cy="2259720"/>
           </a:xfrm>
           <a:prstGeom prst="rect">
             <a:avLst/>
@@ -7574,7 +7603,7 @@
         <p:spPr>
           <a:xfrm>
             <a:off x="729360" y="1318680"/>
-            <a:ext cx="7688160" cy="534600"/>
+            <a:ext cx="7687440" cy="533880"/>
           </a:xfrm>
           <a:prstGeom prst="rect">
             <a:avLst/>
@@ -7636,7 +7665,7 @@
         <p:spPr>
           <a:xfrm>
             <a:off x="729360" y="2079000"/>
-            <a:ext cx="7688160" cy="2260440"/>
+            <a:ext cx="7687440" cy="2259720"/>
           </a:xfrm>
           <a:prstGeom prst="rect">
             <a:avLst/>
@@ -8200,7 +8229,7 @@
         <p:spPr>
           <a:xfrm>
             <a:off x="729360" y="1318680"/>
-            <a:ext cx="7688160" cy="534600"/>
+            <a:ext cx="7687440" cy="533880"/>
           </a:xfrm>
           <a:prstGeom prst="rect">
             <a:avLst/>
@@ -8262,7 +8291,7 @@
         <p:spPr>
           <a:xfrm>
             <a:off x="729360" y="2079000"/>
-            <a:ext cx="7688160" cy="2260440"/>
+            <a:ext cx="7687440" cy="2259720"/>
           </a:xfrm>
           <a:prstGeom prst="rect">
             <a:avLst/>
@@ -8454,7 +8483,7 @@
         <p:spPr>
           <a:xfrm>
             <a:off x="729360" y="1318680"/>
-            <a:ext cx="7688160" cy="534600"/>
+            <a:ext cx="7687440" cy="533880"/>
           </a:xfrm>
           <a:prstGeom prst="rect">
             <a:avLst/>
@@ -8516,7 +8545,7 @@
         <p:spPr>
           <a:xfrm>
             <a:off x="729360" y="2079000"/>
-            <a:ext cx="7688160" cy="2260440"/>
+            <a:ext cx="7687440" cy="2259720"/>
           </a:xfrm>
           <a:prstGeom prst="rect">
             <a:avLst/>
@@ -8792,7 +8821,7 @@
         <p:spPr>
           <a:xfrm>
             <a:off x="729360" y="1318680"/>
-            <a:ext cx="7688160" cy="534600"/>
+            <a:ext cx="7687440" cy="533880"/>
           </a:xfrm>
           <a:prstGeom prst="rect">
             <a:avLst/>
@@ -8854,7 +8883,7 @@
         <p:spPr>
           <a:xfrm>
             <a:off x="729360" y="2079000"/>
-            <a:ext cx="7688160" cy="2260440"/>
+            <a:ext cx="7687440" cy="2259720"/>
           </a:xfrm>
           <a:prstGeom prst="rect">
             <a:avLst/>
@@ -9156,14 +9185,14 @@
       </p:grpSpPr>
       <p:sp>
         <p:nvSpPr>
-          <p:cNvPr id="125" name="TextShape 1"/>
-          <p:cNvSpPr txBox="1"/>
+          <p:cNvPr id="125" name="CustomShape 1"/>
+          <p:cNvSpPr/>
           <p:nvPr/>
         </p:nvSpPr>
         <p:spPr>
           <a:xfrm>
             <a:off x="729360" y="1273320"/>
-            <a:ext cx="7688160" cy="625320"/>
+            <a:ext cx="7687440" cy="624600"/>
           </a:xfrm>
           <a:prstGeom prst="rect">
             <a:avLst/>
@@ -9173,6 +9202,12 @@
             <a:noFill/>
           </a:ln>
         </p:spPr>
+        <p:style>
+          <a:lnRef idx="0"/>
+          <a:fillRef idx="0"/>
+          <a:effectRef idx="0"/>
+          <a:fontRef idx="minor"/>
+        </p:style>
         <p:txBody>
           <a:bodyPr lIns="0" rIns="0" tIns="0" bIns="0" anchor="ctr"/>
           <a:p>
@@ -9202,6 +9237,7 @@
                   </a:solidFill>
                 </a:uFill>
                 <a:latin typeface="Arial"/>
+                <a:ea typeface="Raleway"/>
               </a:rPr>
               <a:t> </a:t>
             </a:r>
@@ -9220,7 +9256,7 @@
               </a:rPr>
               <a:t>Interface</a:t>
             </a:r>
-            <a:endParaRPr b="0" lang="en-US" sz="4400" spc="-1" strike="noStrike">
+            <a:endParaRPr b="0" lang="en-US" sz="1800" spc="-1" strike="noStrike">
               <a:solidFill>
                 <a:srgbClr val="000000"/>
               </a:solidFill>
@@ -9236,14 +9272,14 @@
       </p:sp>
       <p:sp>
         <p:nvSpPr>
-          <p:cNvPr id="126" name="TextShape 2"/>
-          <p:cNvSpPr txBox="1"/>
+          <p:cNvPr id="126" name="CustomShape 2"/>
+          <p:cNvSpPr/>
           <p:nvPr/>
         </p:nvSpPr>
         <p:spPr>
           <a:xfrm>
             <a:off x="731520" y="2377440"/>
-            <a:ext cx="7680960" cy="2248200"/>
+            <a:ext cx="7680240" cy="2247480"/>
           </a:xfrm>
           <a:prstGeom prst="rect">
             <a:avLst/>
@@ -9253,6 +9289,12 @@
             <a:noFill/>
           </a:ln>
         </p:spPr>
+        <p:style>
+          <a:lnRef idx="0"/>
+          <a:fillRef idx="0"/>
+          <a:effectRef idx="0"/>
+          <a:fontRef idx="minor"/>
+        </p:style>
         <p:txBody>
           <a:bodyPr lIns="90000" rIns="90000" tIns="45000" bIns="45000"/>
           <a:p>
@@ -9267,6 +9309,7 @@
                   </a:solidFill>
                 </a:uFill>
                 <a:latin typeface="Arial"/>
+                <a:ea typeface="DejaVu Sans"/>
               </a:rPr>
               <a:t>@FunctionalInterface annotation is useful for compilation time checking of your code. You </a:t>
             </a:r>
@@ -9281,6 +9324,7 @@
                   </a:solidFill>
                 </a:uFill>
                 <a:latin typeface="Arial"/>
+                <a:ea typeface="DejaVu Sans"/>
               </a:rPr>
               <a:t>cannot have more than one method</a:t>
             </a:r>
@@ -9295,6 +9339,7 @@
                   </a:solidFill>
                 </a:uFill>
                 <a:latin typeface="Arial"/>
+                <a:ea typeface="DejaVu Sans"/>
               </a:rPr>
               <a:t> besides static, default and abstract methods that override methods in Object in your @FunctionalInterface or any other interface used as a functional interface.</a:t>
             </a:r>
@@ -9335,6 +9380,7 @@
                   </a:solidFill>
                 </a:uFill>
                 <a:latin typeface="Arial"/>
+                <a:ea typeface="DejaVu Sans"/>
               </a:rPr>
               <a:t>It’s not necessary to have @FunctionalInterface for lambda to work:</a:t>
             </a:r>
@@ -9362,6 +9408,7 @@
                   </a:solidFill>
                 </a:uFill>
                 <a:latin typeface="Courier 10 Pitch"/>
+                <a:ea typeface="DejaVu Sans"/>
               </a:rPr>
               <a:t>public interface Foo {</a:t>
             </a:r>
@@ -9389,6 +9436,7 @@
                   </a:solidFill>
                 </a:uFill>
                 <a:latin typeface="Courier 10 Pitch"/>
+                <a:ea typeface="DejaVu Sans"/>
               </a:rPr>
               <a:t>  </a:t>
             </a:r>
@@ -9403,6 +9451,7 @@
                   </a:solidFill>
                 </a:uFill>
                 <a:latin typeface="Courier 10 Pitch"/>
+                <a:ea typeface="DejaVu Sans"/>
               </a:rPr>
               <a:t>public void doSomething();</a:t>
             </a:r>
@@ -9430,6 +9479,7 @@
                   </a:solidFill>
                 </a:uFill>
                 <a:latin typeface="Courier 10 Pitch"/>
+                <a:ea typeface="DejaVu Sans"/>
               </a:rPr>
               <a:t>}</a:t>
             </a:r>
@@ -9505,7 +9555,7 @@
         <p:spPr>
           <a:xfrm>
             <a:off x="729360" y="1318680"/>
-            <a:ext cx="7688160" cy="534600"/>
+            <a:ext cx="7687440" cy="533880"/>
           </a:xfrm>
           <a:prstGeom prst="rect">
             <a:avLst/>
@@ -9567,7 +9617,7 @@
         <p:spPr>
           <a:xfrm>
             <a:off x="729360" y="2079000"/>
-            <a:ext cx="7688160" cy="2260440"/>
+            <a:ext cx="7687440" cy="2259720"/>
           </a:xfrm>
           <a:prstGeom prst="rect">
             <a:avLst/>
@@ -10383,7 +10433,7 @@
         <p:spPr>
           <a:xfrm>
             <a:off x="729360" y="1318680"/>
-            <a:ext cx="7688160" cy="534600"/>
+            <a:ext cx="7687440" cy="533880"/>
           </a:xfrm>
           <a:prstGeom prst="rect">
             <a:avLst/>
@@ -10445,7 +10495,7 @@
         <p:spPr>
           <a:xfrm>
             <a:off x="729360" y="2079000"/>
-            <a:ext cx="4562640" cy="2260440"/>
+            <a:ext cx="4561920" cy="2259720"/>
           </a:xfrm>
           <a:prstGeom prst="rect">
             <a:avLst/>
@@ -10577,7 +10627,7 @@
         <p:spPr>
           <a:xfrm>
             <a:off x="5465520" y="2079000"/>
-            <a:ext cx="2952000" cy="2761560"/>
+            <a:ext cx="2951280" cy="2760840"/>
           </a:xfrm>
           <a:prstGeom prst="rect">
             <a:avLst/>
@@ -10645,7 +10695,7 @@
         <p:spPr>
           <a:xfrm>
             <a:off x="729360" y="1318680"/>
-            <a:ext cx="7688160" cy="534600"/>
+            <a:ext cx="7687440" cy="533880"/>
           </a:xfrm>
           <a:prstGeom prst="rect">
             <a:avLst/>
@@ -10711,7 +10761,7 @@
         <p:spPr>
           <a:xfrm>
             <a:off x="2501640" y="2079000"/>
-            <a:ext cx="4405680" cy="2694960"/>
+            <a:ext cx="4404960" cy="2694240"/>
           </a:xfrm>
           <a:prstGeom prst="rect">
             <a:avLst/>
@@ -10779,7 +10829,7 @@
         <p:spPr>
           <a:xfrm>
             <a:off x="729360" y="1318680"/>
-            <a:ext cx="7688160" cy="534600"/>
+            <a:ext cx="7687440" cy="533880"/>
           </a:xfrm>
           <a:prstGeom prst="rect">
             <a:avLst/>
@@ -10841,7 +10891,7 @@
         <p:spPr>
           <a:xfrm>
             <a:off x="729360" y="2079000"/>
-            <a:ext cx="7688160" cy="2260440"/>
+            <a:ext cx="7687440" cy="2259720"/>
           </a:xfrm>
           <a:prstGeom prst="rect">
             <a:avLst/>
@@ -11083,7 +11133,7 @@
         <p:spPr>
           <a:xfrm>
             <a:off x="729360" y="1318680"/>
-            <a:ext cx="7688160" cy="534600"/>
+            <a:ext cx="7687440" cy="533880"/>
           </a:xfrm>
           <a:prstGeom prst="rect">
             <a:avLst/>
@@ -11145,7 +11195,7 @@
         <p:spPr>
           <a:xfrm>
             <a:off x="729360" y="2079000"/>
-            <a:ext cx="7688160" cy="2260440"/>
+            <a:ext cx="7687440" cy="2259720"/>
           </a:xfrm>
           <a:prstGeom prst="rect">
             <a:avLst/>
@@ -11713,7 +11763,7 @@
         <p:spPr>
           <a:xfrm>
             <a:off x="1130760" y="1224720"/>
-            <a:ext cx="6508080" cy="3763800"/>
+            <a:ext cx="6507360" cy="3763080"/>
           </a:xfrm>
           <a:prstGeom prst="rect">
             <a:avLst/>
@@ -11781,7 +11831,7 @@
         <p:spPr>
           <a:xfrm>
             <a:off x="729360" y="1318680"/>
-            <a:ext cx="7688160" cy="534600"/>
+            <a:ext cx="7687440" cy="533880"/>
           </a:xfrm>
           <a:prstGeom prst="rect">
             <a:avLst/>
@@ -11843,7 +11893,7 @@
         <p:spPr>
           <a:xfrm>
             <a:off x="729360" y="2079000"/>
-            <a:ext cx="7688160" cy="2260440"/>
+            <a:ext cx="7687440" cy="2259720"/>
           </a:xfrm>
           <a:prstGeom prst="rect">
             <a:avLst/>
@@ -12322,7 +12372,7 @@
         <p:spPr>
           <a:xfrm>
             <a:off x="729360" y="1318680"/>
-            <a:ext cx="7688160" cy="534600"/>
+            <a:ext cx="7687440" cy="533880"/>
           </a:xfrm>
           <a:prstGeom prst="rect">
             <a:avLst/>
@@ -12384,7 +12434,7 @@
         <p:spPr>
           <a:xfrm>
             <a:off x="729360" y="2079000"/>
-            <a:ext cx="7688160" cy="2260440"/>
+            <a:ext cx="7687440" cy="2259720"/>
           </a:xfrm>
           <a:prstGeom prst="rect">
             <a:avLst/>
@@ -12597,7 +12647,7 @@
         <p:spPr>
           <a:xfrm>
             <a:off x="729360" y="1318680"/>
-            <a:ext cx="7688160" cy="534600"/>
+            <a:ext cx="7687440" cy="533880"/>
           </a:xfrm>
           <a:prstGeom prst="rect">
             <a:avLst/>
@@ -12659,7 +12709,7 @@
         <p:spPr>
           <a:xfrm>
             <a:off x="729360" y="2079000"/>
-            <a:ext cx="7688160" cy="2260440"/>
+            <a:ext cx="7687440" cy="2259720"/>
           </a:xfrm>
           <a:prstGeom prst="rect">
             <a:avLst/>
@@ -13025,7 +13075,7 @@
         <p:spPr>
           <a:xfrm>
             <a:off x="729360" y="1318680"/>
-            <a:ext cx="7688160" cy="534600"/>
+            <a:ext cx="7687440" cy="533880"/>
           </a:xfrm>
           <a:prstGeom prst="rect">
             <a:avLst/>
@@ -13087,7 +13137,7 @@
         <p:spPr>
           <a:xfrm>
             <a:off x="6528960" y="2079000"/>
-            <a:ext cx="1888560" cy="2260440"/>
+            <a:ext cx="1887840" cy="2259720"/>
           </a:xfrm>
           <a:prstGeom prst="rect">
             <a:avLst/>
@@ -13202,7 +13252,7 @@
         <p:spPr>
           <a:xfrm>
             <a:off x="729360" y="2079000"/>
-            <a:ext cx="5798880" cy="2586960"/>
+            <a:ext cx="5798160" cy="2586240"/>
           </a:xfrm>
           <a:prstGeom prst="rect">
             <a:avLst/>
@@ -13270,7 +13320,7 @@
         <p:spPr>
           <a:xfrm>
             <a:off x="729360" y="1318680"/>
-            <a:ext cx="7688160" cy="534600"/>
+            <a:ext cx="7687440" cy="533880"/>
           </a:xfrm>
           <a:prstGeom prst="rect">
             <a:avLst/>
@@ -13347,7 +13397,7 @@
         <p:spPr>
           <a:xfrm>
             <a:off x="729360" y="2079000"/>
-            <a:ext cx="7688160" cy="2260440"/>
+            <a:ext cx="7687440" cy="2259720"/>
           </a:xfrm>
           <a:prstGeom prst="rect">
             <a:avLst/>
@@ -13878,7 +13928,7 @@
         <p:spPr>
           <a:xfrm>
             <a:off x="729360" y="1318680"/>
-            <a:ext cx="7688160" cy="534600"/>
+            <a:ext cx="7687440" cy="533880"/>
           </a:xfrm>
           <a:prstGeom prst="rect">
             <a:avLst/>
@@ -13940,7 +13990,7 @@
         <p:spPr>
           <a:xfrm>
             <a:off x="729360" y="2079000"/>
-            <a:ext cx="7688160" cy="2720880"/>
+            <a:ext cx="7687440" cy="2720160"/>
           </a:xfrm>
           <a:prstGeom prst="rect">
             <a:avLst/>
@@ -13992,7 +14042,7 @@
             </a:endParaRPr>
           </a:p>
           <a:p>
-            <a:pPr marL="457200" indent="-297720">
+            <a:pPr marL="457200" indent="-297000">
               <a:lnSpc>
                 <a:spcPct val="100000"/>
               </a:lnSpc>
@@ -14030,7 +14080,7 @@
             </a:endParaRPr>
           </a:p>
           <a:p>
-            <a:pPr lvl="1" marL="914400" indent="-297720">
+            <a:pPr lvl="1" marL="914400" indent="-297000">
               <a:lnSpc>
                 <a:spcPct val="100000"/>
               </a:lnSpc>
@@ -14068,7 +14118,7 @@
             </a:endParaRPr>
           </a:p>
           <a:p>
-            <a:pPr lvl="1" marL="914400" indent="-297720">
+            <a:pPr lvl="1" marL="914400" indent="-297000">
               <a:lnSpc>
                 <a:spcPct val="100000"/>
               </a:lnSpc>
@@ -14106,7 +14156,7 @@
             </a:endParaRPr>
           </a:p>
           <a:p>
-            <a:pPr marL="457200" indent="-297720">
+            <a:pPr marL="457200" indent="-297000">
               <a:lnSpc>
                 <a:spcPct val="100000"/>
               </a:lnSpc>
@@ -14144,7 +14194,7 @@
             </a:endParaRPr>
           </a:p>
           <a:p>
-            <a:pPr marL="457200" indent="-297720">
+            <a:pPr marL="457200" indent="-297000">
               <a:lnSpc>
                 <a:spcPct val="100000"/>
               </a:lnSpc>
@@ -14241,7 +14291,7 @@
         <p:spPr>
           <a:xfrm>
             <a:off x="729360" y="1318680"/>
-            <a:ext cx="7688160" cy="534600"/>
+            <a:ext cx="7687440" cy="533880"/>
           </a:xfrm>
           <a:prstGeom prst="rect">
             <a:avLst/>
@@ -14303,7 +14353,7 @@
         <p:spPr>
           <a:xfrm>
             <a:off x="729360" y="2079000"/>
-            <a:ext cx="7688160" cy="2260440"/>
+            <a:ext cx="7687440" cy="2259720"/>
           </a:xfrm>
           <a:prstGeom prst="rect">
             <a:avLst/>
@@ -14804,7 +14854,7 @@
         <p:spPr>
           <a:xfrm>
             <a:off x="729360" y="1318680"/>
-            <a:ext cx="7688160" cy="534600"/>
+            <a:ext cx="7687440" cy="533880"/>
           </a:xfrm>
           <a:prstGeom prst="rect">
             <a:avLst/>
@@ -14866,7 +14916,7 @@
         <p:spPr>
           <a:xfrm>
             <a:off x="727560" y="2060280"/>
-            <a:ext cx="7688160" cy="2260440"/>
+            <a:ext cx="7687440" cy="2259720"/>
           </a:xfrm>
           <a:prstGeom prst="rect">
             <a:avLst/>
@@ -14885,7 +14935,7 @@
         <p:txBody>
           <a:bodyPr lIns="90000" rIns="90000" tIns="91440" bIns="91440"/>
           <a:p>
-            <a:pPr marL="457200" indent="-342360">
+            <a:pPr marL="457200" indent="-341640">
               <a:lnSpc>
                 <a:spcPct val="100000"/>
               </a:lnSpc>
@@ -14998,7 +15048,7 @@
             </a:endParaRPr>
           </a:p>
           <a:p>
-            <a:pPr marL="457200" indent="-342360">
+            <a:pPr marL="457200" indent="-341640">
               <a:lnSpc>
                 <a:spcPct val="100000"/>
               </a:lnSpc>
@@ -15155,7 +15205,7 @@
         <p:spPr>
           <a:xfrm>
             <a:off x="729360" y="1318680"/>
-            <a:ext cx="7688160" cy="534600"/>
+            <a:ext cx="7687440" cy="533880"/>
           </a:xfrm>
           <a:prstGeom prst="rect">
             <a:avLst/>
@@ -15217,7 +15267,7 @@
         <p:spPr>
           <a:xfrm>
             <a:off x="729360" y="2079000"/>
-            <a:ext cx="7688160" cy="2260440"/>
+            <a:ext cx="7687440" cy="2259720"/>
           </a:xfrm>
           <a:prstGeom prst="rect">
             <a:avLst/>
@@ -15427,7 +15477,7 @@
         <p:spPr>
           <a:xfrm>
             <a:off x="729360" y="1318680"/>
-            <a:ext cx="7688160" cy="534600"/>
+            <a:ext cx="7687440" cy="533880"/>
           </a:xfrm>
           <a:prstGeom prst="rect">
             <a:avLst/>
@@ -15493,7 +15543,7 @@
         <p:spPr>
           <a:xfrm>
             <a:off x="1375200" y="1909080"/>
-            <a:ext cx="4944600" cy="3187440"/>
+            <a:ext cx="4943880" cy="3186720"/>
           </a:xfrm>
           <a:prstGeom prst="rect">
             <a:avLst/>
@@ -15561,7 +15611,7 @@
         <p:spPr>
           <a:xfrm>
             <a:off x="729360" y="1318680"/>
-            <a:ext cx="7688160" cy="534600"/>
+            <a:ext cx="7687440" cy="533880"/>
           </a:xfrm>
           <a:prstGeom prst="rect">
             <a:avLst/>
@@ -15623,7 +15673,7 @@
         <p:spPr>
           <a:xfrm>
             <a:off x="729360" y="2079000"/>
-            <a:ext cx="7688160" cy="2260440"/>
+            <a:ext cx="7687440" cy="2259720"/>
           </a:xfrm>
           <a:prstGeom prst="rect">
             <a:avLst/>
@@ -15642,7 +15692,7 @@
         <p:txBody>
           <a:bodyPr lIns="90000" rIns="90000" tIns="91440" bIns="91440"/>
           <a:p>
-            <a:pPr marL="457200" indent="-297720">
+            <a:pPr marL="457200" indent="-297000">
               <a:lnSpc>
                 <a:spcPct val="100000"/>
               </a:lnSpc>
@@ -15681,7 +15731,7 @@
             </a:endParaRPr>
           </a:p>
           <a:p>
-            <a:pPr marL="457200" indent="-297720">
+            <a:pPr marL="457200" indent="-297000">
               <a:lnSpc>
                 <a:spcPct val="100000"/>
               </a:lnSpc>
@@ -15720,7 +15770,7 @@
             </a:endParaRPr>
           </a:p>
           <a:p>
-            <a:pPr marL="457200" indent="-297720">
+            <a:pPr marL="457200" indent="-297000">
               <a:lnSpc>
                 <a:spcPct val="100000"/>
               </a:lnSpc>
@@ -15759,7 +15809,7 @@
             </a:endParaRPr>
           </a:p>
           <a:p>
-            <a:pPr marL="457200" indent="-297720">
+            <a:pPr marL="457200" indent="-297000">
               <a:lnSpc>
                 <a:spcPct val="100000"/>
               </a:lnSpc>
@@ -15875,7 +15925,7 @@
         <p:spPr>
           <a:xfrm>
             <a:off x="729360" y="1318680"/>
-            <a:ext cx="7688160" cy="534600"/>
+            <a:ext cx="7687440" cy="533880"/>
           </a:xfrm>
           <a:prstGeom prst="rect">
             <a:avLst/>
@@ -15937,7 +15987,7 @@
         <p:spPr>
           <a:xfrm>
             <a:off x="729360" y="2079000"/>
-            <a:ext cx="7688160" cy="2260440"/>
+            <a:ext cx="7687440" cy="2259720"/>
           </a:xfrm>
           <a:prstGeom prst="rect">
             <a:avLst/>
@@ -16213,7 +16263,7 @@
         <p:spPr>
           <a:xfrm>
             <a:off x="729360" y="1318680"/>
-            <a:ext cx="7688160" cy="534600"/>
+            <a:ext cx="7687440" cy="533880"/>
           </a:xfrm>
           <a:prstGeom prst="rect">
             <a:avLst/>
@@ -16275,7 +16325,7 @@
         <p:spPr>
           <a:xfrm>
             <a:off x="729360" y="2079000"/>
-            <a:ext cx="7688160" cy="2260440"/>
+            <a:ext cx="7687440" cy="2259720"/>
           </a:xfrm>
           <a:prstGeom prst="rect">
             <a:avLst/>
@@ -16485,7 +16535,7 @@
         <p:spPr>
           <a:xfrm>
             <a:off x="729360" y="1318680"/>
-            <a:ext cx="7688160" cy="534600"/>
+            <a:ext cx="7687440" cy="533880"/>
           </a:xfrm>
           <a:prstGeom prst="rect">
             <a:avLst/>
@@ -16547,7 +16597,7 @@
         <p:spPr>
           <a:xfrm>
             <a:off x="729360" y="2079000"/>
-            <a:ext cx="7688160" cy="2260440"/>
+            <a:ext cx="7687440" cy="2259720"/>
           </a:xfrm>
           <a:prstGeom prst="rect">
             <a:avLst/>
@@ -16757,7 +16807,7 @@
         <p:spPr>
           <a:xfrm>
             <a:off x="729360" y="1318680"/>
-            <a:ext cx="7688160" cy="534600"/>
+            <a:ext cx="7687440" cy="533880"/>
           </a:xfrm>
           <a:prstGeom prst="rect">
             <a:avLst/>
@@ -16819,7 +16869,7 @@
         <p:spPr>
           <a:xfrm>
             <a:off x="5922360" y="2079000"/>
-            <a:ext cx="2495160" cy="2260440"/>
+            <a:ext cx="2494440" cy="2259720"/>
           </a:xfrm>
           <a:prstGeom prst="rect">
             <a:avLst/>
@@ -16885,7 +16935,7 @@
         <p:spPr>
           <a:xfrm>
             <a:off x="729360" y="1909080"/>
-            <a:ext cx="5037480" cy="2836800"/>
+            <a:ext cx="5036760" cy="2836080"/>
           </a:xfrm>
           <a:prstGeom prst="rect">
             <a:avLst/>
@@ -16953,7 +17003,7 @@
         <p:spPr>
           <a:xfrm>
             <a:off x="729360" y="1318680"/>
-            <a:ext cx="7688160" cy="534600"/>
+            <a:ext cx="7687440" cy="533880"/>
           </a:xfrm>
           <a:prstGeom prst="rect">
             <a:avLst/>
@@ -17015,7 +17065,7 @@
         <p:spPr>
           <a:xfrm>
             <a:off x="729360" y="2079000"/>
-            <a:ext cx="7688160" cy="2260440"/>
+            <a:ext cx="7687440" cy="2259720"/>
           </a:xfrm>
           <a:prstGeom prst="rect">
             <a:avLst/>
@@ -17159,7 +17209,7 @@
         <p:spPr>
           <a:xfrm>
             <a:off x="729360" y="1318680"/>
-            <a:ext cx="7688160" cy="534600"/>
+            <a:ext cx="7687440" cy="533880"/>
           </a:xfrm>
           <a:prstGeom prst="rect">
             <a:avLst/>
@@ -17221,7 +17271,7 @@
         <p:spPr>
           <a:xfrm>
             <a:off x="729360" y="2079000"/>
-            <a:ext cx="7688160" cy="2260440"/>
+            <a:ext cx="7687440" cy="2259720"/>
           </a:xfrm>
           <a:prstGeom prst="rect">
             <a:avLst/>
@@ -17240,7 +17290,7 @@
         <p:txBody>
           <a:bodyPr lIns="90000" rIns="90000" tIns="91440" bIns="91440"/>
           <a:p>
-            <a:pPr marL="457200" indent="-297720">
+            <a:pPr marL="457200" indent="-297000">
               <a:lnSpc>
                 <a:spcPct val="100000"/>
               </a:lnSpc>
@@ -17279,7 +17329,7 @@
             </a:endParaRPr>
           </a:p>
           <a:p>
-            <a:pPr marL="457200" indent="-297720">
+            <a:pPr marL="457200" indent="-297000">
               <a:lnSpc>
                 <a:spcPct val="100000"/>
               </a:lnSpc>
@@ -17318,7 +17368,7 @@
             </a:endParaRPr>
           </a:p>
           <a:p>
-            <a:pPr marL="457200" indent="-297720">
+            <a:pPr marL="457200" indent="-297000">
               <a:lnSpc>
                 <a:spcPct val="100000"/>
               </a:lnSpc>
@@ -17434,7 +17484,7 @@
         <p:spPr>
           <a:xfrm>
             <a:off x="729360" y="1318680"/>
-            <a:ext cx="7688160" cy="534600"/>
+            <a:ext cx="7687440" cy="533880"/>
           </a:xfrm>
           <a:prstGeom prst="rect">
             <a:avLst/>
@@ -17496,7 +17546,7 @@
         <p:spPr>
           <a:xfrm>
             <a:off x="729360" y="2079000"/>
-            <a:ext cx="7688160" cy="2260440"/>
+            <a:ext cx="7687440" cy="2259720"/>
           </a:xfrm>
           <a:prstGeom prst="rect">
             <a:avLst/>
@@ -17614,7 +17664,7 @@
             </a:endParaRPr>
           </a:p>
           <a:p>
-            <a:pPr marL="698400" indent="-310320">
+            <a:pPr marL="698400" indent="-309600">
               <a:lnSpc>
                 <a:spcPct val="100000"/>
               </a:lnSpc>
@@ -17652,7 +17702,7 @@
             </a:endParaRPr>
           </a:p>
           <a:p>
-            <a:pPr marL="698400" indent="-310320">
+            <a:pPr marL="698400" indent="-309600">
               <a:lnSpc>
                 <a:spcPct val="100000"/>
               </a:lnSpc>
@@ -17690,7 +17740,7 @@
             </a:endParaRPr>
           </a:p>
           <a:p>
-            <a:pPr marL="698400" indent="-310320">
+            <a:pPr marL="698400" indent="-309600">
               <a:lnSpc>
                 <a:spcPct val="100000"/>
               </a:lnSpc>
@@ -17729,22 +17779,37 @@
                 <a:latin typeface="Lato"/>
                 <a:ea typeface="Lato"/>
               </a:rPr>
-              <a:t> web frameworks</a:t>
-            </a:r>
-            <a:endParaRPr b="0" lang="en-US" sz="1800" spc="-1" strike="noStrike">
-              <a:solidFill>
-                <a:srgbClr val="000000"/>
-              </a:solidFill>
-              <a:uFill>
-                <a:solidFill>
-                  <a:srgbClr val="ffffff"/>
-                </a:solidFill>
-              </a:uFill>
-              <a:latin typeface="Arial"/>
-            </a:endParaRPr>
-          </a:p>
-          <a:p>
-            <a:pPr marL="698400" indent="-310320">
+              <a:t> </a:t>
+            </a:r>
+            <a:r>
+              <a:rPr b="0" lang="en-US" sz="1300" spc="-1" strike="noStrike">
+                <a:solidFill>
+                  <a:srgbClr val="34302d"/>
+                </a:solidFill>
+                <a:uFill>
+                  <a:solidFill>
+                    <a:srgbClr val="ffffff"/>
+                  </a:solidFill>
+                </a:uFill>
+                <a:latin typeface="Lato"/>
+                <a:ea typeface="Lato"/>
+              </a:rPr>
+              <a:t>web frameworks</a:t>
+            </a:r>
+            <a:endParaRPr b="0" lang="en-US" sz="1800" spc="-1" strike="noStrike">
+              <a:solidFill>
+                <a:srgbClr val="000000"/>
+              </a:solidFill>
+              <a:uFill>
+                <a:solidFill>
+                  <a:srgbClr val="ffffff"/>
+                </a:solidFill>
+              </a:uFill>
+              <a:latin typeface="Arial"/>
+            </a:endParaRPr>
+          </a:p>
+          <a:p>
+            <a:pPr marL="698400" indent="-309600">
               <a:lnSpc>
                 <a:spcPct val="100000"/>
               </a:lnSpc>
@@ -17782,7 +17847,7 @@
             </a:endParaRPr>
           </a:p>
           <a:p>
-            <a:pPr marL="698400" indent="-310320">
+            <a:pPr marL="698400" indent="-309600">
               <a:lnSpc>
                 <a:spcPct val="100000"/>
               </a:lnSpc>
@@ -17897,7 +17962,7 @@
         <p:spPr>
           <a:xfrm>
             <a:off x="729360" y="1318680"/>
-            <a:ext cx="7688160" cy="534600"/>
+            <a:ext cx="7687440" cy="533880"/>
           </a:xfrm>
           <a:prstGeom prst="rect">
             <a:avLst/>
@@ -17959,7 +18024,7 @@
         <p:spPr>
           <a:xfrm>
             <a:off x="729360" y="2079000"/>
-            <a:ext cx="7688160" cy="2260440"/>
+            <a:ext cx="7687440" cy="2259720"/>
           </a:xfrm>
           <a:prstGeom prst="rect">
             <a:avLst/>
@@ -18136,7 +18201,7 @@
         <p:spPr>
           <a:xfrm>
             <a:off x="729360" y="1318680"/>
-            <a:ext cx="7688160" cy="534600"/>
+            <a:ext cx="7687440" cy="533880"/>
           </a:xfrm>
           <a:prstGeom prst="rect">
             <a:avLst/>
@@ -18198,7 +18263,7 @@
         <p:spPr>
           <a:xfrm>
             <a:off x="729360" y="2079000"/>
-            <a:ext cx="7688160" cy="2260440"/>
+            <a:ext cx="7687440" cy="2259720"/>
           </a:xfrm>
           <a:prstGeom prst="rect">
             <a:avLst/>
@@ -18408,7 +18473,7 @@
         <p:spPr>
           <a:xfrm>
             <a:off x="729360" y="1318680"/>
-            <a:ext cx="7688160" cy="534600"/>
+            <a:ext cx="7687440" cy="533880"/>
           </a:xfrm>
           <a:prstGeom prst="rect">
             <a:avLst/>
@@ -18470,7 +18535,7 @@
         <p:spPr>
           <a:xfrm>
             <a:off x="729360" y="2079000"/>
-            <a:ext cx="7688160" cy="2260440"/>
+            <a:ext cx="7687440" cy="2259720"/>
           </a:xfrm>
           <a:prstGeom prst="rect">
             <a:avLst/>
@@ -18614,7 +18679,7 @@
         <p:spPr>
           <a:xfrm>
             <a:off x="729360" y="1318680"/>
-            <a:ext cx="7688160" cy="534600"/>
+            <a:ext cx="7687440" cy="533880"/>
           </a:xfrm>
           <a:prstGeom prst="rect">
             <a:avLst/>
@@ -18676,7 +18741,7 @@
         <p:spPr>
           <a:xfrm>
             <a:off x="729360" y="2079000"/>
-            <a:ext cx="7688160" cy="2260440"/>
+            <a:ext cx="7687440" cy="2259720"/>
           </a:xfrm>
           <a:prstGeom prst="rect">
             <a:avLst/>
@@ -19600,7 +19665,7 @@
         <p:spPr>
           <a:xfrm>
             <a:off x="729360" y="1318680"/>
-            <a:ext cx="7688160" cy="534600"/>
+            <a:ext cx="7687440" cy="533880"/>
           </a:xfrm>
           <a:prstGeom prst="rect">
             <a:avLst/>
@@ -19662,7 +19727,7 @@
         <p:spPr>
           <a:xfrm>
             <a:off x="729360" y="2079000"/>
-            <a:ext cx="7688160" cy="2260440"/>
+            <a:ext cx="7687440" cy="2259720"/>
           </a:xfrm>
           <a:prstGeom prst="rect">
             <a:avLst/>
@@ -19888,7 +19953,7 @@
         <p:spPr>
           <a:xfrm>
             <a:off x="729360" y="1318680"/>
-            <a:ext cx="7688160" cy="534600"/>
+            <a:ext cx="7687440" cy="533880"/>
           </a:xfrm>
           <a:prstGeom prst="rect">
             <a:avLst/>
@@ -19950,7 +20015,7 @@
         <p:spPr>
           <a:xfrm>
             <a:off x="729360" y="2079000"/>
-            <a:ext cx="7688160" cy="2260440"/>
+            <a:ext cx="7687440" cy="2259720"/>
           </a:xfrm>
           <a:prstGeom prst="rect">
             <a:avLst/>
@@ -20187,7 +20252,7 @@
         <p:spPr>
           <a:xfrm>
             <a:off x="729360" y="1318680"/>
-            <a:ext cx="7688160" cy="534600"/>
+            <a:ext cx="7687440" cy="533880"/>
           </a:xfrm>
           <a:prstGeom prst="rect">
             <a:avLst/>
@@ -20253,7 +20318,7 @@
         <p:spPr>
           <a:xfrm>
             <a:off x="510480" y="2373120"/>
-            <a:ext cx="8252640" cy="1671480"/>
+            <a:ext cx="8251920" cy="1670760"/>
           </a:xfrm>
           <a:prstGeom prst="rect">
             <a:avLst/>
@@ -20321,7 +20386,7 @@
         <p:spPr>
           <a:xfrm>
             <a:off x="729360" y="1318680"/>
-            <a:ext cx="7688160" cy="534600"/>
+            <a:ext cx="7687440" cy="533880"/>
           </a:xfrm>
           <a:prstGeom prst="rect">
             <a:avLst/>
@@ -20383,7 +20448,7 @@
         <p:spPr>
           <a:xfrm>
             <a:off x="729360" y="2079000"/>
-            <a:ext cx="3790440" cy="2260440"/>
+            <a:ext cx="3789720" cy="2259720"/>
           </a:xfrm>
           <a:prstGeom prst="rect">
             <a:avLst/>
@@ -20482,7 +20547,7 @@
         <p:spPr>
           <a:xfrm>
             <a:off x="4627080" y="1952280"/>
-            <a:ext cx="3790080" cy="2513880"/>
+            <a:ext cx="3789360" cy="2513160"/>
           </a:xfrm>
           <a:prstGeom prst="rect">
             <a:avLst/>
@@ -20550,7 +20615,7 @@
         <p:spPr>
           <a:xfrm>
             <a:off x="729360" y="1318680"/>
-            <a:ext cx="7688160" cy="534600"/>
+            <a:ext cx="7687440" cy="533880"/>
           </a:xfrm>
           <a:prstGeom prst="rect">
             <a:avLst/>
@@ -20612,7 +20677,7 @@
         <p:spPr>
           <a:xfrm>
             <a:off x="729360" y="2079000"/>
-            <a:ext cx="7688160" cy="2260440"/>
+            <a:ext cx="7687440" cy="2259720"/>
           </a:xfrm>
           <a:prstGeom prst="rect">
             <a:avLst/>
@@ -20967,7 +21032,7 @@
         <p:spPr>
           <a:xfrm>
             <a:off x="729360" y="1318680"/>
-            <a:ext cx="7688160" cy="534600"/>
+            <a:ext cx="7687440" cy="533880"/>
           </a:xfrm>
           <a:prstGeom prst="rect">
             <a:avLst/>
@@ -21029,7 +21094,7 @@
         <p:spPr>
           <a:xfrm>
             <a:off x="729360" y="2079000"/>
-            <a:ext cx="7688160" cy="2260440"/>
+            <a:ext cx="7687440" cy="2259720"/>
           </a:xfrm>
           <a:prstGeom prst="rect">
             <a:avLst/>
@@ -21356,7 +21421,7 @@
         <p:spPr>
           <a:xfrm>
             <a:off x="729360" y="1318680"/>
-            <a:ext cx="7688160" cy="534600"/>
+            <a:ext cx="7687440" cy="533880"/>
           </a:xfrm>
           <a:prstGeom prst="rect">
             <a:avLst/>
@@ -21418,7 +21483,7 @@
         <p:spPr>
           <a:xfrm>
             <a:off x="820440" y="2301480"/>
-            <a:ext cx="7596720" cy="2340720"/>
+            <a:ext cx="7596000" cy="2340000"/>
           </a:xfrm>
           <a:prstGeom prst="rect">
             <a:avLst/>
@@ -21574,7 +21639,7 @@
         <p:spPr>
           <a:xfrm>
             <a:off x="729360" y="1318680"/>
-            <a:ext cx="7688160" cy="534600"/>
+            <a:ext cx="7687440" cy="533880"/>
           </a:xfrm>
           <a:prstGeom prst="rect">
             <a:avLst/>
@@ -21640,7 +21705,7 @@
         <p:spPr>
           <a:xfrm>
             <a:off x="1453320" y="2256480"/>
-            <a:ext cx="2066040" cy="1942560"/>
+            <a:ext cx="2065320" cy="1941840"/>
           </a:xfrm>
           <a:prstGeom prst="rect">
             <a:avLst/>
@@ -21663,7 +21728,7 @@
         <p:spPr>
           <a:xfrm>
             <a:off x="4383000" y="2256480"/>
-            <a:ext cx="2971080" cy="1409040"/>
+            <a:ext cx="2970360" cy="1408320"/>
           </a:xfrm>
           <a:prstGeom prst="rect">
             <a:avLst/>
@@ -21682,7 +21747,7 @@
         <p:spPr>
           <a:xfrm>
             <a:off x="4493160" y="3849120"/>
-            <a:ext cx="2750760" cy="439560"/>
+            <a:ext cx="2750040" cy="438840"/>
           </a:xfrm>
           <a:prstGeom prst="rect">
             <a:avLst/>
@@ -21793,7 +21858,7 @@
         <p:spPr>
           <a:xfrm>
             <a:off x="729360" y="1318680"/>
-            <a:ext cx="7688160" cy="534600"/>
+            <a:ext cx="7687440" cy="533880"/>
           </a:xfrm>
           <a:prstGeom prst="rect">
             <a:avLst/>
@@ -21859,7 +21924,7 @@
         <p:spPr>
           <a:xfrm>
             <a:off x="1443240" y="2316600"/>
-            <a:ext cx="2323440" cy="1828080"/>
+            <a:ext cx="2322720" cy="1827360"/>
           </a:xfrm>
           <a:prstGeom prst="rect">
             <a:avLst/>
@@ -21882,7 +21947,7 @@
         <p:spPr>
           <a:xfrm>
             <a:off x="5560920" y="2297520"/>
-            <a:ext cx="2342520" cy="1866240"/>
+            <a:ext cx="2341800" cy="1865520"/>
           </a:xfrm>
           <a:prstGeom prst="rect">
             <a:avLst/>
@@ -21901,7 +21966,7 @@
         <p:spPr>
           <a:xfrm>
             <a:off x="4203000" y="3272400"/>
-            <a:ext cx="830160" cy="360"/>
+            <a:ext cx="829440" cy="360"/>
           </a:xfrm>
           <a:custGeom>
             <a:avLst/>
@@ -21993,7 +22058,7 @@
         <p:spPr>
           <a:xfrm>
             <a:off x="729360" y="1318680"/>
-            <a:ext cx="7688160" cy="534600"/>
+            <a:ext cx="7687440" cy="533880"/>
           </a:xfrm>
           <a:prstGeom prst="rect">
             <a:avLst/>
@@ -22059,7 +22124,7 @@
         <p:spPr>
           <a:xfrm>
             <a:off x="1783440" y="2736720"/>
-            <a:ext cx="2332800" cy="894600"/>
+            <a:ext cx="2332080" cy="893880"/>
           </a:xfrm>
           <a:prstGeom prst="rect">
             <a:avLst/>
@@ -22082,7 +22147,7 @@
         <p:spPr>
           <a:xfrm>
             <a:off x="5150160" y="2779560"/>
-            <a:ext cx="3142440" cy="808920"/>
+            <a:ext cx="3141720" cy="808200"/>
           </a:xfrm>
           <a:prstGeom prst="rect">
             <a:avLst/>
@@ -22101,7 +22166,7 @@
         <p:spPr>
           <a:xfrm>
             <a:off x="4353120" y="3242160"/>
-            <a:ext cx="449640" cy="360"/>
+            <a:ext cx="448920" cy="360"/>
           </a:xfrm>
           <a:custGeom>
             <a:avLst/>
@@ -22193,7 +22258,7 @@
         <p:spPr>
           <a:xfrm>
             <a:off x="729360" y="1318680"/>
-            <a:ext cx="5063760" cy="534600"/>
+            <a:ext cx="5063040" cy="533880"/>
           </a:xfrm>
           <a:prstGeom prst="rect">
             <a:avLst/>
@@ -22259,7 +22324,7 @@
         <p:spPr>
           <a:xfrm>
             <a:off x="5866920" y="3098160"/>
-            <a:ext cx="2675880" cy="1571040"/>
+            <a:ext cx="2675160" cy="1570320"/>
           </a:xfrm>
           <a:prstGeom prst="rect">
             <a:avLst/>
@@ -22282,7 +22347,7 @@
         <p:spPr>
           <a:xfrm>
             <a:off x="729360" y="3098160"/>
-            <a:ext cx="4190400" cy="1532880"/>
+            <a:ext cx="4189680" cy="1532160"/>
           </a:xfrm>
           <a:prstGeom prst="rect">
             <a:avLst/>
@@ -22301,7 +22366,7 @@
         <p:spPr>
           <a:xfrm>
             <a:off x="5153400" y="3884040"/>
-            <a:ext cx="479520" cy="360"/>
+            <a:ext cx="478800" cy="360"/>
           </a:xfrm>
           <a:custGeom>
             <a:avLst/>
@@ -22348,7 +22413,7 @@
         <p:spPr>
           <a:xfrm>
             <a:off x="6048720" y="1074960"/>
-            <a:ext cx="2218680" cy="1561320"/>
+            <a:ext cx="2217960" cy="1560600"/>
           </a:xfrm>
           <a:prstGeom prst="rect">
             <a:avLst/>
@@ -22366,8 +22431,8 @@
         </p:nvSpPr>
         <p:spPr>
           <a:xfrm flipH="1" rot="10800000">
-            <a:off x="5913360" y="3322080"/>
-            <a:ext cx="379800" cy="379800"/>
+            <a:off x="6671880" y="4081320"/>
+            <a:ext cx="379080" cy="379080"/>
           </a:xfrm>
           <a:custGeom>
             <a:avLst/>
@@ -22459,7 +22524,7 @@
         <p:spPr>
           <a:xfrm>
             <a:off x="729360" y="1318680"/>
-            <a:ext cx="7688160" cy="534600"/>
+            <a:ext cx="7687440" cy="533880"/>
           </a:xfrm>
           <a:prstGeom prst="rect">
             <a:avLst/>
@@ -22521,7 +22586,7 @@
         <p:spPr>
           <a:xfrm>
             <a:off x="729360" y="2079000"/>
-            <a:ext cx="3182760" cy="2260440"/>
+            <a:ext cx="3182040" cy="2259720"/>
           </a:xfrm>
           <a:prstGeom prst="rect">
             <a:avLst/>
@@ -22653,7 +22718,7 @@
         <p:spPr>
           <a:xfrm>
             <a:off x="4255200" y="2576520"/>
-            <a:ext cx="3876120" cy="1399320"/>
+            <a:ext cx="3875400" cy="1398600"/>
           </a:xfrm>
           <a:prstGeom prst="rect">
             <a:avLst/>
@@ -22721,7 +22786,7 @@
         <p:spPr>
           <a:xfrm>
             <a:off x="729360" y="1318680"/>
-            <a:ext cx="7688160" cy="534600"/>
+            <a:ext cx="7687440" cy="533880"/>
           </a:xfrm>
           <a:prstGeom prst="rect">
             <a:avLst/>
@@ -22783,7 +22848,7 @@
         <p:spPr>
           <a:xfrm>
             <a:off x="729360" y="2079000"/>
-            <a:ext cx="2782080" cy="2260440"/>
+            <a:ext cx="2781360" cy="2259720"/>
           </a:xfrm>
           <a:prstGeom prst="rect">
             <a:avLst/>
@@ -22849,7 +22914,7 @@
         <p:spPr>
           <a:xfrm>
             <a:off x="3674520" y="2185920"/>
-            <a:ext cx="5326200" cy="2046240"/>
+            <a:ext cx="5325480" cy="2045520"/>
           </a:xfrm>
           <a:prstGeom prst="rect">
             <a:avLst/>
@@ -22917,7 +22982,7 @@
         <p:spPr>
           <a:xfrm>
             <a:off x="729360" y="1318680"/>
-            <a:ext cx="7688160" cy="534600"/>
+            <a:ext cx="7687440" cy="533880"/>
           </a:xfrm>
           <a:prstGeom prst="rect">
             <a:avLst/>
@@ -22979,7 +23044,7 @@
         <p:spPr>
           <a:xfrm>
             <a:off x="729360" y="2079000"/>
-            <a:ext cx="7688160" cy="2260440"/>
+            <a:ext cx="7687440" cy="2259720"/>
           </a:xfrm>
           <a:prstGeom prst="rect">
             <a:avLst/>
@@ -23184,7 +23249,7 @@
             </a:endParaRPr>
           </a:p>
           <a:p>
-            <a:pPr marL="482760" indent="-310320" algn="just">
+            <a:pPr marL="482760" indent="-309600" algn="just">
               <a:lnSpc>
                 <a:spcPct val="100000"/>
               </a:lnSpc>
@@ -23222,7 +23287,7 @@
             </a:endParaRPr>
           </a:p>
           <a:p>
-            <a:pPr marL="482760" indent="-310320" algn="just">
+            <a:pPr marL="482760" indent="-309600" algn="just">
               <a:lnSpc>
                 <a:spcPct val="100000"/>
               </a:lnSpc>
@@ -23260,7 +23325,7 @@
             </a:endParaRPr>
           </a:p>
           <a:p>
-            <a:pPr marL="482760" indent="-310320" algn="just">
+            <a:pPr marL="482760" indent="-309600" algn="just">
               <a:lnSpc>
                 <a:spcPct val="100000"/>
               </a:lnSpc>
@@ -23298,7 +23363,7 @@
             </a:endParaRPr>
           </a:p>
           <a:p>
-            <a:pPr marL="482760" indent="-310320" algn="just">
+            <a:pPr marL="482760" indent="-309600" algn="just">
               <a:lnSpc>
                 <a:spcPct val="100000"/>
               </a:lnSpc>
@@ -23395,7 +23460,7 @@
         <p:spPr>
           <a:xfrm>
             <a:off x="729360" y="1318680"/>
-            <a:ext cx="7688160" cy="534600"/>
+            <a:ext cx="7687440" cy="533880"/>
           </a:xfrm>
           <a:prstGeom prst="rect">
             <a:avLst/>
@@ -23457,7 +23522,7 @@
         <p:spPr>
           <a:xfrm>
             <a:off x="729360" y="2079000"/>
-            <a:ext cx="7198920" cy="2260440"/>
+            <a:ext cx="7198200" cy="2259720"/>
           </a:xfrm>
           <a:prstGeom prst="rect">
             <a:avLst/>
@@ -23487,7 +23552,7 @@
         <p:spPr>
           <a:xfrm>
             <a:off x="4300200" y="2002680"/>
-            <a:ext cx="4015800" cy="2816640"/>
+            <a:ext cx="4015080" cy="2815920"/>
           </a:xfrm>
           <a:prstGeom prst="rect">
             <a:avLst/>
@@ -23510,7 +23575,7 @@
         <p:spPr>
           <a:xfrm>
             <a:off x="424800" y="1940760"/>
-            <a:ext cx="3943800" cy="2652840"/>
+            <a:ext cx="3943080" cy="2652120"/>
           </a:xfrm>
           <a:prstGeom prst="rect">
             <a:avLst/>
@@ -23578,7 +23643,7 @@
         <p:spPr>
           <a:xfrm>
             <a:off x="729360" y="1318680"/>
-            <a:ext cx="7688160" cy="534600"/>
+            <a:ext cx="7687440" cy="533880"/>
           </a:xfrm>
           <a:prstGeom prst="rect">
             <a:avLst/>
@@ -23640,7 +23705,7 @@
         <p:spPr>
           <a:xfrm>
             <a:off x="729360" y="2079000"/>
-            <a:ext cx="7688160" cy="2260440"/>
+            <a:ext cx="7687440" cy="2259720"/>
           </a:xfrm>
           <a:prstGeom prst="rect">
             <a:avLst/>
@@ -23787,7 +23852,7 @@
         <p:spPr>
           <a:xfrm>
             <a:off x="729360" y="1318680"/>
-            <a:ext cx="7688160" cy="534600"/>
+            <a:ext cx="7687440" cy="533880"/>
           </a:xfrm>
           <a:prstGeom prst="rect">
             <a:avLst/>
@@ -23844,7 +23909,7 @@
         <p:spPr>
           <a:xfrm>
             <a:off x="729360" y="2079000"/>
-            <a:ext cx="7688160" cy="2260440"/>
+            <a:ext cx="7687440" cy="2259720"/>
           </a:xfrm>
           <a:prstGeom prst="rect">
             <a:avLst/>
@@ -23863,7 +23928,7 @@
         <p:txBody>
           <a:bodyPr lIns="0" rIns="0" tIns="0" bIns="0"/>
           <a:p>
-            <a:pPr marL="432000" indent="-323640">
+            <a:pPr marL="432000" indent="-322920">
               <a:lnSpc>
                 <a:spcPct val="100000"/>
               </a:lnSpc>
@@ -23885,6 +23950,7 @@
                   </a:solidFill>
                 </a:uFill>
                 <a:latin typeface="Arial"/>
+                <a:ea typeface="DejaVu Sans"/>
               </a:rPr>
               <a:t>The Java Persistence API provides a POJO persistence model for object-relational mapping. The Java Persistence API was developed by the EJB 3.0 software expert group as part of JSR 220, but its use is </a:t>
             </a:r>
@@ -23899,6 +23965,7 @@
                   </a:solidFill>
                 </a:uFill>
                 <a:latin typeface="Arial"/>
+                <a:ea typeface="DejaVu Sans"/>
               </a:rPr>
               <a:t>not</a:t>
             </a:r>
@@ -23913,6 +23980,7 @@
                   </a:solidFill>
                 </a:uFill>
                 <a:latin typeface="Arial"/>
+                <a:ea typeface="DejaVu Sans"/>
               </a:rPr>
               <a:t> </a:t>
             </a:r>
@@ -23927,6 +23995,7 @@
                   </a:solidFill>
                 </a:uFill>
                 <a:latin typeface="Arial"/>
+                <a:ea typeface="DejaVu Sans"/>
               </a:rPr>
               <a:t>limited</a:t>
             </a:r>
@@ -23941,6 +24010,7 @@
                   </a:solidFill>
                 </a:uFill>
                 <a:latin typeface="Arial"/>
+                <a:ea typeface="DejaVu Sans"/>
               </a:rPr>
               <a:t> to EJB software components. It can also be used directly by web applications and application clients, and even outside the Java EE platform.</a:t>
             </a:r>
@@ -23957,7 +24027,7 @@
             </a:endParaRPr>
           </a:p>
           <a:p>
-            <a:pPr marL="432000" indent="-323640">
+            <a:pPr marL="432000" indent="-322920">
               <a:lnSpc>
                 <a:spcPct val="100000"/>
               </a:lnSpc>
@@ -23979,6 +24049,7 @@
                   </a:solidFill>
                 </a:uFill>
                 <a:latin typeface="Arial"/>
+                <a:ea typeface="DejaVu Sans"/>
               </a:rPr>
               <a:t>JPA implementations: Weblogic(JavaEE), Spring Data(Hibernate)</a:t>
             </a:r>
@@ -24054,7 +24125,7 @@
         <p:spPr>
           <a:xfrm>
             <a:off x="729360" y="1318680"/>
-            <a:ext cx="7688160" cy="534600"/>
+            <a:ext cx="7687440" cy="533880"/>
           </a:xfrm>
           <a:prstGeom prst="rect">
             <a:avLst/>
@@ -24141,7 +24212,7 @@
         <p:spPr>
           <a:xfrm>
             <a:off x="729360" y="2079000"/>
-            <a:ext cx="7688160" cy="2260440"/>
+            <a:ext cx="7687440" cy="2259720"/>
           </a:xfrm>
           <a:prstGeom prst="rect">
             <a:avLst/>
@@ -24160,7 +24231,7 @@
         <p:txBody>
           <a:bodyPr lIns="0" rIns="0" tIns="0" bIns="0"/>
           <a:p>
-            <a:pPr marL="432000" indent="-323640">
+            <a:pPr marL="432000" indent="-322920">
               <a:lnSpc>
                 <a:spcPct val="100000"/>
               </a:lnSpc>
@@ -24182,6 +24253,7 @@
                   </a:solidFill>
                 </a:uFill>
                 <a:latin typeface="Arial"/>
+                <a:ea typeface="DejaVu Sans"/>
               </a:rPr>
               <a:t>Spring Data’s mission is to provide a familiar and consistent, Spring-based programming model for data access while still retaining the special traits of the underlying data store.</a:t>
             </a:r>
@@ -24198,7 +24270,7 @@
             </a:endParaRPr>
           </a:p>
           <a:p>
-            <a:pPr marL="432000" indent="-323640">
+            <a:pPr marL="432000" indent="-322920">
               <a:lnSpc>
                 <a:spcPct val="100000"/>
               </a:lnSpc>
@@ -24220,6 +24292,7 @@
                   </a:solidFill>
                 </a:uFill>
                 <a:latin typeface="Arial"/>
+                <a:ea typeface="DejaVu Sans"/>
               </a:rPr>
               <a:t>For JPA/RDBMS, Hibernate is the default implementation.</a:t>
             </a:r>
@@ -24236,7 +24309,7 @@
             </a:endParaRPr>
           </a:p>
           <a:p>
-            <a:pPr marL="432000" indent="-323640">
+            <a:pPr marL="432000" indent="-322920">
               <a:lnSpc>
                 <a:spcPct val="100000"/>
               </a:lnSpc>
@@ -24258,6 +24331,7 @@
                   </a:solidFill>
                 </a:uFill>
                 <a:latin typeface="Arial"/>
+                <a:ea typeface="DejaVu Sans"/>
               </a:rPr>
               <a:t>Try to avoid using Hibernate specific syntax (Annotations, HibernateTemplate etc.)</a:t>
             </a:r>
@@ -24333,7 +24407,7 @@
         <p:spPr>
           <a:xfrm>
             <a:off x="729360" y="1318680"/>
-            <a:ext cx="7688160" cy="534600"/>
+            <a:ext cx="7687440" cy="533880"/>
           </a:xfrm>
           <a:prstGeom prst="rect">
             <a:avLst/>
@@ -24420,7 +24494,7 @@
         <p:spPr>
           <a:xfrm>
             <a:off x="729360" y="2079000"/>
-            <a:ext cx="7688160" cy="2260440"/>
+            <a:ext cx="7687440" cy="2259720"/>
           </a:xfrm>
           <a:prstGeom prst="rect">
             <a:avLst/>
@@ -24439,7 +24513,7 @@
         <p:txBody>
           <a:bodyPr lIns="0" rIns="0" tIns="0" bIns="0"/>
           <a:p>
-            <a:pPr marL="432000" indent="-323640">
+            <a:pPr marL="432000" indent="-322920">
               <a:lnSpc>
                 <a:spcPct val="100000"/>
               </a:lnSpc>
@@ -24461,6 +24535,7 @@
                   </a:solidFill>
                 </a:uFill>
                 <a:latin typeface="Arial"/>
+                <a:ea typeface="DejaVu Sans"/>
               </a:rPr>
               <a:t>    </a:t>
             </a:r>
@@ -24475,23 +24550,24 @@
                   </a:solidFill>
                 </a:uFill>
                 <a:latin typeface="Arial"/>
+                <a:ea typeface="DejaVu Sans"/>
               </a:rPr>
               <a:t>Spring Data Commons - Core Spring concepts underpinning every Spring Data project.</a:t>
             </a:r>
-            <a:endParaRPr b="0" lang="en-US" sz="1200" spc="-1" strike="noStrike">
-              <a:solidFill>
-                <a:srgbClr val="000000"/>
-              </a:solidFill>
-              <a:uFill>
-                <a:solidFill>
-                  <a:srgbClr val="ffffff"/>
-                </a:solidFill>
-              </a:uFill>
-              <a:latin typeface="Arial"/>
-            </a:endParaRPr>
-          </a:p>
-          <a:p>
-            <a:pPr marL="432000" indent="-323640">
+            <a:endParaRPr b="0" lang="en-US" sz="1800" spc="-1" strike="noStrike">
+              <a:solidFill>
+                <a:srgbClr val="000000"/>
+              </a:solidFill>
+              <a:uFill>
+                <a:solidFill>
+                  <a:srgbClr val="ffffff"/>
+                </a:solidFill>
+              </a:uFill>
+              <a:latin typeface="Arial"/>
+            </a:endParaRPr>
+          </a:p>
+          <a:p>
+            <a:pPr marL="432000" indent="-322920">
               <a:lnSpc>
                 <a:spcPct val="100000"/>
               </a:lnSpc>
@@ -24513,6 +24589,7 @@
                   </a:solidFill>
                 </a:uFill>
                 <a:latin typeface="Arial"/>
+                <a:ea typeface="DejaVu Sans"/>
               </a:rPr>
               <a:t>    </a:t>
             </a:r>
@@ -24527,23 +24604,24 @@
                   </a:solidFill>
                 </a:uFill>
                 <a:latin typeface="Arial"/>
+                <a:ea typeface="DejaVu Sans"/>
               </a:rPr>
               <a:t>Spring Data Gemfire - Provides easy configuration and access to GemFire from Spring applications.</a:t>
             </a:r>
-            <a:endParaRPr b="0" lang="en-US" sz="1200" spc="-1" strike="noStrike">
-              <a:solidFill>
-                <a:srgbClr val="000000"/>
-              </a:solidFill>
-              <a:uFill>
-                <a:solidFill>
-                  <a:srgbClr val="ffffff"/>
-                </a:solidFill>
-              </a:uFill>
-              <a:latin typeface="Arial"/>
-            </a:endParaRPr>
-          </a:p>
-          <a:p>
-            <a:pPr marL="432000" indent="-323640">
+            <a:endParaRPr b="0" lang="en-US" sz="1800" spc="-1" strike="noStrike">
+              <a:solidFill>
+                <a:srgbClr val="000000"/>
+              </a:solidFill>
+              <a:uFill>
+                <a:solidFill>
+                  <a:srgbClr val="ffffff"/>
+                </a:solidFill>
+              </a:uFill>
+              <a:latin typeface="Arial"/>
+            </a:endParaRPr>
+          </a:p>
+          <a:p>
+            <a:pPr marL="432000" indent="-322920">
               <a:lnSpc>
                 <a:spcPct val="100000"/>
               </a:lnSpc>
@@ -24565,6 +24643,7 @@
                   </a:solidFill>
                 </a:uFill>
                 <a:latin typeface="Arial"/>
+                <a:ea typeface="DejaVu Sans"/>
               </a:rPr>
               <a:t>    </a:t>
             </a:r>
@@ -24579,23 +24658,24 @@
                   </a:solidFill>
                 </a:uFill>
                 <a:latin typeface="Arial"/>
+                <a:ea typeface="DejaVu Sans"/>
               </a:rPr>
               <a:t>Spring Data JPA - Makes it easy to implement JPA-based repositories.</a:t>
             </a:r>
-            <a:endParaRPr b="0" lang="en-US" sz="1200" spc="-1" strike="noStrike">
-              <a:solidFill>
-                <a:srgbClr val="000000"/>
-              </a:solidFill>
-              <a:uFill>
-                <a:solidFill>
-                  <a:srgbClr val="ffffff"/>
-                </a:solidFill>
-              </a:uFill>
-              <a:latin typeface="Arial"/>
-            </a:endParaRPr>
-          </a:p>
-          <a:p>
-            <a:pPr marL="432000" indent="-323640">
+            <a:endParaRPr b="0" lang="en-US" sz="1800" spc="-1" strike="noStrike">
+              <a:solidFill>
+                <a:srgbClr val="000000"/>
+              </a:solidFill>
+              <a:uFill>
+                <a:solidFill>
+                  <a:srgbClr val="ffffff"/>
+                </a:solidFill>
+              </a:uFill>
+              <a:latin typeface="Arial"/>
+            </a:endParaRPr>
+          </a:p>
+          <a:p>
+            <a:pPr marL="432000" indent="-322920">
               <a:lnSpc>
                 <a:spcPct val="100000"/>
               </a:lnSpc>
@@ -24617,6 +24697,7 @@
                   </a:solidFill>
                 </a:uFill>
                 <a:latin typeface="Arial"/>
+                <a:ea typeface="DejaVu Sans"/>
               </a:rPr>
               <a:t>    </a:t>
             </a:r>
@@ -24631,23 +24712,24 @@
                   </a:solidFill>
                 </a:uFill>
                 <a:latin typeface="Arial"/>
+                <a:ea typeface="DejaVu Sans"/>
               </a:rPr>
               <a:t>Spring Data KeyValue - Map-based repositories and SPIs to easily build a Spring Data module for key-value stores.</a:t>
             </a:r>
-            <a:endParaRPr b="0" lang="en-US" sz="1200" spc="-1" strike="noStrike">
-              <a:solidFill>
-                <a:srgbClr val="000000"/>
-              </a:solidFill>
-              <a:uFill>
-                <a:solidFill>
-                  <a:srgbClr val="ffffff"/>
-                </a:solidFill>
-              </a:uFill>
-              <a:latin typeface="Arial"/>
-            </a:endParaRPr>
-          </a:p>
-          <a:p>
-            <a:pPr marL="432000" indent="-323640">
+            <a:endParaRPr b="0" lang="en-US" sz="1800" spc="-1" strike="noStrike">
+              <a:solidFill>
+                <a:srgbClr val="000000"/>
+              </a:solidFill>
+              <a:uFill>
+                <a:solidFill>
+                  <a:srgbClr val="ffffff"/>
+                </a:solidFill>
+              </a:uFill>
+              <a:latin typeface="Arial"/>
+            </a:endParaRPr>
+          </a:p>
+          <a:p>
+            <a:pPr marL="432000" indent="-322920">
               <a:lnSpc>
                 <a:spcPct val="100000"/>
               </a:lnSpc>
@@ -24669,6 +24751,7 @@
                   </a:solidFill>
                 </a:uFill>
                 <a:latin typeface="Arial"/>
+                <a:ea typeface="DejaVu Sans"/>
               </a:rPr>
               <a:t>    </a:t>
             </a:r>
@@ -24683,23 +24766,24 @@
                   </a:solidFill>
                 </a:uFill>
                 <a:latin typeface="Arial"/>
+                <a:ea typeface="DejaVu Sans"/>
               </a:rPr>
               <a:t>Spring Data LDAP - Provides Spring Data repository support for Spring LDAP.</a:t>
             </a:r>
-            <a:endParaRPr b="0" lang="en-US" sz="1200" spc="-1" strike="noStrike">
-              <a:solidFill>
-                <a:srgbClr val="000000"/>
-              </a:solidFill>
-              <a:uFill>
-                <a:solidFill>
-                  <a:srgbClr val="ffffff"/>
-                </a:solidFill>
-              </a:uFill>
-              <a:latin typeface="Arial"/>
-            </a:endParaRPr>
-          </a:p>
-          <a:p>
-            <a:pPr marL="432000" indent="-323640">
+            <a:endParaRPr b="0" lang="en-US" sz="1800" spc="-1" strike="noStrike">
+              <a:solidFill>
+                <a:srgbClr val="000000"/>
+              </a:solidFill>
+              <a:uFill>
+                <a:solidFill>
+                  <a:srgbClr val="ffffff"/>
+                </a:solidFill>
+              </a:uFill>
+              <a:latin typeface="Arial"/>
+            </a:endParaRPr>
+          </a:p>
+          <a:p>
+            <a:pPr marL="432000" indent="-322920">
               <a:lnSpc>
                 <a:spcPct val="100000"/>
               </a:lnSpc>
@@ -24721,6 +24805,7 @@
                   </a:solidFill>
                 </a:uFill>
                 <a:latin typeface="Arial"/>
+                <a:ea typeface="DejaVu Sans"/>
               </a:rPr>
               <a:t>    </a:t>
             </a:r>
@@ -24735,23 +24820,24 @@
                   </a:solidFill>
                 </a:uFill>
                 <a:latin typeface="Arial"/>
+                <a:ea typeface="DejaVu Sans"/>
               </a:rPr>
               <a:t>Spring Data MongoDB - Spring based, object-document support and repositories for MongoDB.</a:t>
             </a:r>
-            <a:endParaRPr b="0" lang="en-US" sz="1200" spc="-1" strike="noStrike">
-              <a:solidFill>
-                <a:srgbClr val="000000"/>
-              </a:solidFill>
-              <a:uFill>
-                <a:solidFill>
-                  <a:srgbClr val="ffffff"/>
-                </a:solidFill>
-              </a:uFill>
-              <a:latin typeface="Arial"/>
-            </a:endParaRPr>
-          </a:p>
-          <a:p>
-            <a:pPr marL="432000" indent="-323640">
+            <a:endParaRPr b="0" lang="en-US" sz="1800" spc="-1" strike="noStrike">
+              <a:solidFill>
+                <a:srgbClr val="000000"/>
+              </a:solidFill>
+              <a:uFill>
+                <a:solidFill>
+                  <a:srgbClr val="ffffff"/>
+                </a:solidFill>
+              </a:uFill>
+              <a:latin typeface="Arial"/>
+            </a:endParaRPr>
+          </a:p>
+          <a:p>
+            <a:pPr marL="432000" indent="-322920">
               <a:lnSpc>
                 <a:spcPct val="100000"/>
               </a:lnSpc>
@@ -24773,6 +24859,7 @@
                   </a:solidFill>
                 </a:uFill>
                 <a:latin typeface="Arial"/>
+                <a:ea typeface="DejaVu Sans"/>
               </a:rPr>
               <a:t>    </a:t>
             </a:r>
@@ -24787,23 +24874,24 @@
                   </a:solidFill>
                 </a:uFill>
                 <a:latin typeface="Arial"/>
+                <a:ea typeface="DejaVu Sans"/>
               </a:rPr>
               <a:t>Spring Data REST - Exports Spring Data repositories as hypermedia-driven RESTful resources.</a:t>
             </a:r>
-            <a:endParaRPr b="0" lang="en-US" sz="1200" spc="-1" strike="noStrike">
-              <a:solidFill>
-                <a:srgbClr val="000000"/>
-              </a:solidFill>
-              <a:uFill>
-                <a:solidFill>
-                  <a:srgbClr val="ffffff"/>
-                </a:solidFill>
-              </a:uFill>
-              <a:latin typeface="Arial"/>
-            </a:endParaRPr>
-          </a:p>
-          <a:p>
-            <a:pPr marL="432000" indent="-323640">
+            <a:endParaRPr b="0" lang="en-US" sz="1800" spc="-1" strike="noStrike">
+              <a:solidFill>
+                <a:srgbClr val="000000"/>
+              </a:solidFill>
+              <a:uFill>
+                <a:solidFill>
+                  <a:srgbClr val="ffffff"/>
+                </a:solidFill>
+              </a:uFill>
+              <a:latin typeface="Arial"/>
+            </a:endParaRPr>
+          </a:p>
+          <a:p>
+            <a:pPr marL="432000" indent="-322920">
               <a:lnSpc>
                 <a:spcPct val="100000"/>
               </a:lnSpc>
@@ -24825,6 +24913,7 @@
                   </a:solidFill>
                 </a:uFill>
                 <a:latin typeface="Arial"/>
+                <a:ea typeface="DejaVu Sans"/>
               </a:rPr>
               <a:t>    </a:t>
             </a:r>
@@ -24839,23 +24928,24 @@
                   </a:solidFill>
                 </a:uFill>
                 <a:latin typeface="Arial"/>
+                <a:ea typeface="DejaVu Sans"/>
               </a:rPr>
               <a:t>Spring Data Redis - Provides easy configuration and access to Redis from Spring applications.</a:t>
             </a:r>
-            <a:endParaRPr b="0" lang="en-US" sz="1200" spc="-1" strike="noStrike">
-              <a:solidFill>
-                <a:srgbClr val="000000"/>
-              </a:solidFill>
-              <a:uFill>
-                <a:solidFill>
-                  <a:srgbClr val="ffffff"/>
-                </a:solidFill>
-              </a:uFill>
-              <a:latin typeface="Arial"/>
-            </a:endParaRPr>
-          </a:p>
-          <a:p>
-            <a:pPr marL="432000" indent="-323640">
+            <a:endParaRPr b="0" lang="en-US" sz="1800" spc="-1" strike="noStrike">
+              <a:solidFill>
+                <a:srgbClr val="000000"/>
+              </a:solidFill>
+              <a:uFill>
+                <a:solidFill>
+                  <a:srgbClr val="ffffff"/>
+                </a:solidFill>
+              </a:uFill>
+              <a:latin typeface="Arial"/>
+            </a:endParaRPr>
+          </a:p>
+          <a:p>
+            <a:pPr marL="432000" indent="-322920">
               <a:lnSpc>
                 <a:spcPct val="100000"/>
               </a:lnSpc>
@@ -24877,6 +24967,7 @@
                   </a:solidFill>
                 </a:uFill>
                 <a:latin typeface="Arial"/>
+                <a:ea typeface="DejaVu Sans"/>
               </a:rPr>
               <a:t>    </a:t>
             </a:r>
@@ -24891,23 +24982,24 @@
                   </a:solidFill>
                 </a:uFill>
                 <a:latin typeface="Arial"/>
+                <a:ea typeface="DejaVu Sans"/>
               </a:rPr>
               <a:t>Spring Data for Apache Cassandra - Spring Data module for Apache Cassandra.</a:t>
             </a:r>
-            <a:endParaRPr b="0" lang="en-US" sz="1200" spc="-1" strike="noStrike">
-              <a:solidFill>
-                <a:srgbClr val="000000"/>
-              </a:solidFill>
-              <a:uFill>
-                <a:solidFill>
-                  <a:srgbClr val="ffffff"/>
-                </a:solidFill>
-              </a:uFill>
-              <a:latin typeface="Arial"/>
-            </a:endParaRPr>
-          </a:p>
-          <a:p>
-            <a:pPr marL="432000" indent="-323640">
+            <a:endParaRPr b="0" lang="en-US" sz="1800" spc="-1" strike="noStrike">
+              <a:solidFill>
+                <a:srgbClr val="000000"/>
+              </a:solidFill>
+              <a:uFill>
+                <a:solidFill>
+                  <a:srgbClr val="ffffff"/>
+                </a:solidFill>
+              </a:uFill>
+              <a:latin typeface="Arial"/>
+            </a:endParaRPr>
+          </a:p>
+          <a:p>
+            <a:pPr marL="432000" indent="-322920">
               <a:lnSpc>
                 <a:spcPct val="100000"/>
               </a:lnSpc>
@@ -24929,6 +25021,7 @@
                   </a:solidFill>
                 </a:uFill>
                 <a:latin typeface="Arial"/>
+                <a:ea typeface="DejaVu Sans"/>
               </a:rPr>
               <a:t>    </a:t>
             </a:r>
@@ -24943,23 +25036,24 @@
                   </a:solidFill>
                 </a:uFill>
                 <a:latin typeface="Arial"/>
+                <a:ea typeface="DejaVu Sans"/>
               </a:rPr>
               <a:t>Spring Data for Apache Solr - Spring Data module for Apache Solr.</a:t>
             </a:r>
-            <a:endParaRPr b="0" lang="en-US" sz="1200" spc="-1" strike="noStrike">
-              <a:solidFill>
-                <a:srgbClr val="000000"/>
-              </a:solidFill>
-              <a:uFill>
-                <a:solidFill>
-                  <a:srgbClr val="ffffff"/>
-                </a:solidFill>
-              </a:uFill>
-              <a:latin typeface="Arial"/>
-            </a:endParaRPr>
-          </a:p>
-          <a:p>
-            <a:pPr marL="432000" indent="-323640">
+            <a:endParaRPr b="0" lang="en-US" sz="1800" spc="-1" strike="noStrike">
+              <a:solidFill>
+                <a:srgbClr val="000000"/>
+              </a:solidFill>
+              <a:uFill>
+                <a:solidFill>
+                  <a:srgbClr val="ffffff"/>
+                </a:solidFill>
+              </a:uFill>
+              <a:latin typeface="Arial"/>
+            </a:endParaRPr>
+          </a:p>
+          <a:p>
+            <a:pPr marL="432000" indent="-322920">
               <a:lnSpc>
                 <a:spcPct val="100000"/>
               </a:lnSpc>
@@ -24981,10 +25075,11 @@
                   </a:solidFill>
                 </a:uFill>
                 <a:latin typeface="Arial"/>
+                <a:ea typeface="DejaVu Sans"/>
               </a:rPr>
               <a:t> </a:t>
             </a:r>
-            <a:endParaRPr b="0" lang="en-US" sz="1200" spc="-1" strike="noStrike">
+            <a:endParaRPr b="0" lang="en-US" sz="1800" spc="-1" strike="noStrike">
               <a:solidFill>
                 <a:srgbClr val="000000"/>
               </a:solidFill>
@@ -25056,7 +25151,7 @@
         <p:spPr>
           <a:xfrm>
             <a:off x="729360" y="1318680"/>
-            <a:ext cx="7688160" cy="534600"/>
+            <a:ext cx="7687440" cy="533880"/>
           </a:xfrm>
           <a:prstGeom prst="rect">
             <a:avLst/>
@@ -25117,7 +25212,7 @@
         <p:spPr>
           <a:xfrm>
             <a:off x="2442600" y="2040480"/>
-            <a:ext cx="4323600" cy="2256840"/>
+            <a:ext cx="4322880" cy="2256120"/>
           </a:xfrm>
           <a:prstGeom prst="rect">
             <a:avLst/>
@@ -25185,7 +25280,7 @@
         <p:spPr>
           <a:xfrm>
             <a:off x="729360" y="1318680"/>
-            <a:ext cx="7688160" cy="534600"/>
+            <a:ext cx="7687440" cy="533880"/>
           </a:xfrm>
           <a:prstGeom prst="rect">
             <a:avLst/>
@@ -25242,7 +25337,7 @@
         <p:spPr>
           <a:xfrm>
             <a:off x="731880" y="2011680"/>
-            <a:ext cx="3382920" cy="2564640"/>
+            <a:ext cx="3382200" cy="2563920"/>
           </a:xfrm>
           <a:prstGeom prst="rect">
             <a:avLst/>
@@ -25272,6 +25367,7 @@
                   </a:solidFill>
                 </a:uFill>
                 <a:latin typeface="Courier 10 Pitch"/>
+                <a:ea typeface="DejaVu Sans"/>
               </a:rPr>
               <a:t>@Entity</a:t>
             </a:r>
@@ -25299,6 +25395,7 @@
                   </a:solidFill>
                 </a:uFill>
                 <a:latin typeface="Courier 10 Pitch"/>
+                <a:ea typeface="DejaVu Sans"/>
               </a:rPr>
               <a:t>public class User {</a:t>
             </a:r>
@@ -25339,6 +25436,7 @@
                   </a:solidFill>
                 </a:uFill>
                 <a:latin typeface="Courier 10 Pitch"/>
+                <a:ea typeface="DejaVu Sans"/>
               </a:rPr>
               <a:t>    </a:t>
             </a:r>
@@ -25353,6 +25451,7 @@
                   </a:solidFill>
                 </a:uFill>
                 <a:latin typeface="Courier 10 Pitch"/>
+                <a:ea typeface="DejaVu Sans"/>
               </a:rPr>
               <a:t>@Id</a:t>
             </a:r>
@@ -25380,6 +25479,7 @@
                   </a:solidFill>
                 </a:uFill>
                 <a:latin typeface="Courier 10 Pitch"/>
+                <a:ea typeface="DejaVu Sans"/>
               </a:rPr>
               <a:t>    </a:t>
             </a:r>
@@ -25394,6 +25494,7 @@
                   </a:solidFill>
                 </a:uFill>
                 <a:latin typeface="Courier 10 Pitch"/>
+                <a:ea typeface="DejaVu Sans"/>
               </a:rPr>
               <a:t>long id;</a:t>
             </a:r>
@@ -25421,6 +25522,7 @@
                   </a:solidFill>
                 </a:uFill>
                 <a:latin typeface="Courier 10 Pitch"/>
+                <a:ea typeface="DejaVu Sans"/>
               </a:rPr>
               <a:t>    </a:t>
             </a:r>
@@ -25435,6 +25537,7 @@
                   </a:solidFill>
                 </a:uFill>
                 <a:latin typeface="Courier 10 Pitch"/>
+                <a:ea typeface="DejaVu Sans"/>
               </a:rPr>
               <a:t>@Column(name = "user_name")</a:t>
             </a:r>
@@ -25462,6 +25565,7 @@
                   </a:solidFill>
                 </a:uFill>
                 <a:latin typeface="Courier 10 Pitch"/>
+                <a:ea typeface="DejaVu Sans"/>
               </a:rPr>
               <a:t>    </a:t>
             </a:r>
@@ -25476,6 +25580,7 @@
                   </a:solidFill>
                 </a:uFill>
                 <a:latin typeface="Courier 10 Pitch"/>
+                <a:ea typeface="DejaVu Sans"/>
               </a:rPr>
               <a:t>String userName;</a:t>
             </a:r>
@@ -25503,6 +25608,7 @@
                   </a:solidFill>
                 </a:uFill>
                 <a:latin typeface="Courier 10 Pitch"/>
+                <a:ea typeface="DejaVu Sans"/>
               </a:rPr>
               <a:t>    </a:t>
             </a:r>
@@ -25517,6 +25623,7 @@
                   </a:solidFill>
                 </a:uFill>
                 <a:latin typeface="Courier 10 Pitch"/>
+                <a:ea typeface="DejaVu Sans"/>
               </a:rPr>
               <a:t>String password;</a:t>
             </a:r>
@@ -25544,6 +25651,7 @@
                   </a:solidFill>
                 </a:uFill>
                 <a:latin typeface="Courier 10 Pitch"/>
+                <a:ea typeface="DejaVu Sans"/>
               </a:rPr>
               <a:t>    </a:t>
             </a:r>
@@ -25558,6 +25666,7 @@
                   </a:solidFill>
                 </a:uFill>
                 <a:latin typeface="Courier 10 Pitch"/>
+                <a:ea typeface="DejaVu Sans"/>
               </a:rPr>
               <a:t>String description;</a:t>
             </a:r>
@@ -25585,6 +25694,7 @@
                   </a:solidFill>
                 </a:uFill>
                 <a:latin typeface="Courier 10 Pitch"/>
+                <a:ea typeface="DejaVu Sans"/>
               </a:rPr>
               <a:t>    </a:t>
             </a:r>
@@ -25599,6 +25709,7 @@
                   </a:solidFill>
                 </a:uFill>
                 <a:latin typeface="Courier 10 Pitch"/>
+                <a:ea typeface="DejaVu Sans"/>
               </a:rPr>
               <a:t>Date birthday;</a:t>
             </a:r>
@@ -25639,6 +25750,7 @@
                   </a:solidFill>
                 </a:uFill>
                 <a:latin typeface="Courier 10 Pitch"/>
+                <a:ea typeface="DejaVu Sans"/>
               </a:rPr>
               <a:t>    </a:t>
             </a:r>
@@ -25653,6 +25765,7 @@
                   </a:solidFill>
                 </a:uFill>
                 <a:latin typeface="Courier 10 Pitch"/>
+                <a:ea typeface="DejaVu Sans"/>
               </a:rPr>
               <a:t>@ManyToOne</a:t>
             </a:r>
@@ -25680,6 +25793,7 @@
                   </a:solidFill>
                 </a:uFill>
                 <a:latin typeface="Courier 10 Pitch"/>
+                <a:ea typeface="DejaVu Sans"/>
               </a:rPr>
               <a:t>    </a:t>
             </a:r>
@@ -25694,6 +25808,7 @@
                   </a:solidFill>
                 </a:uFill>
                 <a:latin typeface="Courier 10 Pitch"/>
+                <a:ea typeface="DejaVu Sans"/>
               </a:rPr>
               <a:t>@JsonBackReference</a:t>
             </a:r>
@@ -25721,6 +25836,7 @@
                   </a:solidFill>
                 </a:uFill>
                 <a:latin typeface="Courier 10 Pitch"/>
+                <a:ea typeface="DejaVu Sans"/>
               </a:rPr>
               <a:t>    </a:t>
             </a:r>
@@ -25735,6 +25851,7 @@
                   </a:solidFill>
                 </a:uFill>
                 <a:latin typeface="Courier 10 Pitch"/>
+                <a:ea typeface="DejaVu Sans"/>
               </a:rPr>
               <a:t>Role role;</a:t>
             </a:r>
@@ -25761,7 +25878,7 @@
         <p:spPr>
           <a:xfrm>
             <a:off x="4937760" y="2011680"/>
-            <a:ext cx="3382920" cy="2741400"/>
+            <a:ext cx="3382200" cy="2740680"/>
           </a:xfrm>
           <a:prstGeom prst="rect">
             <a:avLst/>
@@ -25791,6 +25908,7 @@
                   </a:solidFill>
                 </a:uFill>
                 <a:latin typeface="Courier 10 Pitch"/>
+                <a:ea typeface="DejaVu Sans"/>
               </a:rPr>
               <a:t>@Entity</a:t>
             </a:r>
@@ -25818,6 +25936,7 @@
                   </a:solidFill>
                 </a:uFill>
                 <a:latin typeface="Courier 10 Pitch"/>
+                <a:ea typeface="DejaVu Sans"/>
               </a:rPr>
               <a:t>public class Role {</a:t>
             </a:r>
@@ -25845,6 +25964,7 @@
                   </a:solidFill>
                 </a:uFill>
                 <a:latin typeface="Courier 10 Pitch"/>
+                <a:ea typeface="DejaVu Sans"/>
               </a:rPr>
               <a:t>    </a:t>
             </a:r>
@@ -25859,6 +25979,7 @@
                   </a:solidFill>
                 </a:uFill>
                 <a:latin typeface="Courier 10 Pitch"/>
+                <a:ea typeface="DejaVu Sans"/>
               </a:rPr>
               <a:t>@Id</a:t>
             </a:r>
@@ -25886,6 +26007,7 @@
                   </a:solidFill>
                 </a:uFill>
                 <a:latin typeface="Courier 10 Pitch"/>
+                <a:ea typeface="DejaVu Sans"/>
               </a:rPr>
               <a:t>    </a:t>
             </a:r>
@@ -25900,6 +26022,7 @@
                   </a:solidFill>
                 </a:uFill>
                 <a:latin typeface="Courier 10 Pitch"/>
+                <a:ea typeface="DejaVu Sans"/>
               </a:rPr>
               <a:t>long id;</a:t>
             </a:r>
@@ -25927,6 +26050,7 @@
                   </a:solidFill>
                 </a:uFill>
                 <a:latin typeface="Courier 10 Pitch"/>
+                <a:ea typeface="DejaVu Sans"/>
               </a:rPr>
               <a:t>    </a:t>
             </a:r>
@@ -25941,6 +26065,7 @@
                   </a:solidFill>
                 </a:uFill>
                 <a:latin typeface="Courier 10 Pitch"/>
+                <a:ea typeface="DejaVu Sans"/>
               </a:rPr>
               <a:t>String name;</a:t>
             </a:r>
@@ -25968,6 +26093,7 @@
                   </a:solidFill>
                 </a:uFill>
                 <a:latin typeface="Courier 10 Pitch"/>
+                <a:ea typeface="DejaVu Sans"/>
               </a:rPr>
               <a:t>    </a:t>
             </a:r>
@@ -25982,6 +26108,7 @@
                   </a:solidFill>
                 </a:uFill>
                 <a:latin typeface="Courier 10 Pitch"/>
+                <a:ea typeface="DejaVu Sans"/>
               </a:rPr>
               <a:t>String description;</a:t>
             </a:r>
@@ -26022,6 +26149,7 @@
                   </a:solidFill>
                 </a:uFill>
                 <a:latin typeface="Courier 10 Pitch"/>
+                <a:ea typeface="DejaVu Sans"/>
               </a:rPr>
               <a:t>    </a:t>
             </a:r>
@@ -26036,6 +26164,7 @@
                   </a:solidFill>
                 </a:uFill>
                 <a:latin typeface="Courier 10 Pitch"/>
+                <a:ea typeface="DejaVu Sans"/>
               </a:rPr>
               <a:t>@OneToMany(fetch= FetchType.</a:t>
             </a:r>
@@ -26050,6 +26179,7 @@
                   </a:solidFill>
                 </a:uFill>
                 <a:latin typeface="Courier 10 Pitch"/>
+                <a:ea typeface="DejaVu Sans"/>
               </a:rPr>
               <a:t>EAGER</a:t>
             </a:r>
@@ -26064,6 +26194,7 @@
                   </a:solidFill>
                 </a:uFill>
                 <a:latin typeface="Courier 10 Pitch"/>
+                <a:ea typeface="DejaVu Sans"/>
               </a:rPr>
               <a:t>, cascade = CascadeType.ALL, mappedBy="role")</a:t>
             </a:r>
@@ -26091,6 +26222,7 @@
                   </a:solidFill>
                 </a:uFill>
                 <a:latin typeface="Courier 10 Pitch"/>
+                <a:ea typeface="DejaVu Sans"/>
               </a:rPr>
               <a:t>    </a:t>
             </a:r>
@@ -26105,6 +26237,7 @@
                   </a:solidFill>
                 </a:uFill>
                 <a:latin typeface="Courier 10 Pitch"/>
+                <a:ea typeface="DejaVu Sans"/>
               </a:rPr>
               <a:t>@JsonManagedReference</a:t>
             </a:r>
@@ -26132,6 +26265,7 @@
                   </a:solidFill>
                 </a:uFill>
                 <a:latin typeface="Courier 10 Pitch"/>
+                <a:ea typeface="DejaVu Sans"/>
               </a:rPr>
               <a:t>    </a:t>
             </a:r>
@@ -26146,6 +26280,7 @@
                   </a:solidFill>
                 </a:uFill>
                 <a:latin typeface="Courier 10 Pitch"/>
+                <a:ea typeface="DejaVu Sans"/>
               </a:rPr>
               <a:t>Set&lt;User&gt; users;</a:t>
             </a:r>
@@ -26186,6 +26321,7 @@
                   </a:solidFill>
                 </a:uFill>
                 <a:latin typeface="Courier 10 Pitch"/>
+                <a:ea typeface="DejaVu Sans"/>
               </a:rPr>
               <a:t>Avoid using EAGER as much as possible.</a:t>
             </a:r>
@@ -26261,7 +26397,7 @@
         <p:spPr>
           <a:xfrm>
             <a:off x="729360" y="1318680"/>
-            <a:ext cx="7688160" cy="534600"/>
+            <a:ext cx="7687440" cy="533880"/>
           </a:xfrm>
           <a:prstGeom prst="rect">
             <a:avLst/>
@@ -26318,7 +26454,7 @@
         <p:spPr>
           <a:xfrm>
             <a:off x="729360" y="2079000"/>
-            <a:ext cx="7688160" cy="2260440"/>
+            <a:ext cx="7687440" cy="2259720"/>
           </a:xfrm>
           <a:prstGeom prst="rect">
             <a:avLst/>
@@ -26337,7 +26473,7 @@
         <p:txBody>
           <a:bodyPr lIns="0" rIns="0" tIns="0" bIns="0"/>
           <a:p>
-            <a:pPr marL="432000" indent="-323640">
+            <a:pPr marL="432000" indent="-322920">
               <a:lnSpc>
                 <a:spcPct val="100000"/>
               </a:lnSpc>
@@ -26359,6 +26495,7 @@
                   </a:solidFill>
                 </a:uFill>
                 <a:latin typeface="Arial"/>
+                <a:ea typeface="DejaVu Sans"/>
               </a:rPr>
               <a:t>The underlying implementation of the Spring Data is Hibernate</a:t>
             </a:r>
@@ -26375,7 +26512,7 @@
             </a:endParaRPr>
           </a:p>
           <a:p>
-            <a:pPr marL="432000" indent="-323640">
+            <a:pPr marL="432000" indent="-322920">
               <a:lnSpc>
                 <a:spcPct val="100000"/>
               </a:lnSpc>
@@ -26397,6 +26534,7 @@
                   </a:solidFill>
                 </a:uFill>
                 <a:latin typeface="Arial"/>
+                <a:ea typeface="DejaVu Sans"/>
               </a:rPr>
               <a:t>Try to avoid using Hibernate specific syntax to make the implementation switchable</a:t>
             </a:r>
@@ -26413,7 +26551,7 @@
             </a:endParaRPr>
           </a:p>
           <a:p>
-            <a:pPr marL="432000" indent="-323640">
+            <a:pPr marL="432000" indent="-322920">
               <a:lnSpc>
                 <a:spcPct val="100000"/>
               </a:lnSpc>
@@ -26435,6 +26573,7 @@
                   </a:solidFill>
                 </a:uFill>
                 <a:latin typeface="Arial"/>
+                <a:ea typeface="DejaVu Sans"/>
               </a:rPr>
               <a:t>Hibernate has two levels of cache</a:t>
             </a:r>
@@ -26451,7 +26590,7 @@
             </a:endParaRPr>
           </a:p>
           <a:p>
-            <a:pPr marL="432000" indent="-323640">
+            <a:pPr marL="432000" indent="-322920">
               <a:lnSpc>
                 <a:spcPct val="100000"/>
               </a:lnSpc>
@@ -26473,6 +26612,7 @@
                   </a:solidFill>
                 </a:uFill>
                 <a:latin typeface="Arial"/>
+                <a:ea typeface="DejaVu Sans"/>
               </a:rPr>
               <a:t>Second-level cache is very tricky</a:t>
             </a:r>
@@ -26548,7 +26688,7 @@
         <p:spPr>
           <a:xfrm>
             <a:off x="729360" y="1318680"/>
-            <a:ext cx="7688160" cy="534600"/>
+            <a:ext cx="7687440" cy="533880"/>
           </a:xfrm>
           <a:prstGeom prst="rect">
             <a:avLst/>
@@ -26605,7 +26745,7 @@
         <p:spPr>
           <a:xfrm>
             <a:off x="729360" y="2079000"/>
-            <a:ext cx="7688160" cy="2260440"/>
+            <a:ext cx="7687440" cy="2259720"/>
           </a:xfrm>
           <a:prstGeom prst="rect">
             <a:avLst/>
@@ -26624,7 +26764,7 @@
         <p:txBody>
           <a:bodyPr lIns="0" rIns="0" tIns="0" bIns="0"/>
           <a:p>
-            <a:pPr marL="432000" indent="-323640">
+            <a:pPr marL="432000" indent="-322920">
               <a:lnSpc>
                 <a:spcPct val="100000"/>
               </a:lnSpc>
@@ -26646,6 +26786,7 @@
                   </a:solidFill>
                 </a:uFill>
                 <a:latin typeface="Arial"/>
+                <a:ea typeface="DejaVu Sans"/>
               </a:rPr>
               <a:t>Unit testing is the act of testing a small component, or unit, of your software application. Because the scope of each individual unit test is so limited, the only way to achieve it is to write code that tests your code, usually using a framework like Junit.</a:t>
             </a:r>
@@ -26662,7 +26803,7 @@
             </a:endParaRPr>
           </a:p>
           <a:p>
-            <a:pPr marL="432000" indent="-323640">
+            <a:pPr marL="432000" indent="-322920">
               <a:lnSpc>
                 <a:spcPct val="100000"/>
               </a:lnSpc>
@@ -26684,6 +26825,7 @@
                   </a:solidFill>
                 </a:uFill>
                 <a:latin typeface="Arial"/>
+                <a:ea typeface="DejaVu Sans"/>
               </a:rPr>
               <a:t>Unit testing is intended to improve code quality and working efficiency</a:t>
             </a:r>
@@ -26700,7 +26842,7 @@
             </a:endParaRPr>
           </a:p>
           <a:p>
-            <a:pPr marL="432000" indent="-323640">
+            <a:pPr marL="432000" indent="-322920">
               <a:lnSpc>
                 <a:spcPct val="100000"/>
               </a:lnSpc>
@@ -26722,6 +26864,7 @@
                   </a:solidFill>
                 </a:uFill>
                 <a:latin typeface="Arial"/>
+                <a:ea typeface="DejaVu Sans"/>
               </a:rPr>
               <a:t>It’s very important to control the scope of unit testing</a:t>
             </a:r>
@@ -26738,7 +26881,7 @@
             </a:endParaRPr>
           </a:p>
           <a:p>
-            <a:pPr marL="432000" indent="-323640">
+            <a:pPr marL="432000" indent="-322920">
               <a:lnSpc>
                 <a:spcPct val="100000"/>
               </a:lnSpc>
@@ -26760,6 +26903,7 @@
                   </a:solidFill>
                 </a:uFill>
                 <a:latin typeface="Arial"/>
+                <a:ea typeface="DejaVu Sans"/>
               </a:rPr>
               <a:t>The word “unit testing” is very frequently misused</a:t>
             </a:r>
@@ -26776,7 +26920,7 @@
             </a:endParaRPr>
           </a:p>
           <a:p>
-            <a:pPr marL="432000" indent="-323640">
+            <a:pPr marL="432000" indent="-322920">
               <a:lnSpc>
                 <a:spcPct val="100000"/>
               </a:lnSpc>
@@ -26798,6 +26942,7 @@
                   </a:solidFill>
                 </a:uFill>
                 <a:latin typeface="Arial"/>
+                <a:ea typeface="DejaVu Sans"/>
               </a:rPr>
               <a:t>As a developer, we need to decide if we actually need to write unit test code</a:t>
             </a:r>
@@ -26814,7 +26959,7 @@
             </a:endParaRPr>
           </a:p>
           <a:p>
-            <a:pPr marL="432000" indent="-323640">
+            <a:pPr marL="432000" indent="-322920">
               <a:lnSpc>
                 <a:spcPct val="100000"/>
               </a:lnSpc>
@@ -26836,6 +26981,7 @@
                   </a:solidFill>
                 </a:uFill>
                 <a:latin typeface="Arial"/>
+                <a:ea typeface="DejaVu Sans"/>
               </a:rPr>
               <a:t>Test-driven development</a:t>
             </a:r>
@@ -26911,7 +27057,7 @@
         <p:spPr>
           <a:xfrm>
             <a:off x="729360" y="1318680"/>
-            <a:ext cx="7688160" cy="534600"/>
+            <a:ext cx="7687440" cy="533880"/>
           </a:xfrm>
           <a:prstGeom prst="rect">
             <a:avLst/>
@@ -26968,7 +27114,7 @@
         <p:spPr>
           <a:xfrm>
             <a:off x="729360" y="2079000"/>
-            <a:ext cx="7688160" cy="2260440"/>
+            <a:ext cx="7687440" cy="2259720"/>
           </a:xfrm>
           <a:prstGeom prst="rect">
             <a:avLst/>
@@ -26987,7 +27133,7 @@
         <p:txBody>
           <a:bodyPr lIns="0" rIns="0" tIns="0" bIns="0"/>
           <a:p>
-            <a:pPr marL="432000" indent="-323640">
+            <a:pPr marL="432000" indent="-322920">
               <a:lnSpc>
                 <a:spcPct val="100000"/>
               </a:lnSpc>
@@ -27009,6 +27155,7 @@
                   </a:solidFill>
                 </a:uFill>
                 <a:latin typeface="Arial"/>
+                <a:ea typeface="DejaVu Sans"/>
               </a:rPr>
               <a:t>Consider writing unit tests:</a:t>
             </a:r>
@@ -27025,7 +27172,7 @@
             </a:endParaRPr>
           </a:p>
           <a:p>
-            <a:pPr marL="432000" indent="-323640">
+            <a:pPr marL="432000" indent="-322920">
               <a:lnSpc>
                 <a:spcPct val="100000"/>
               </a:lnSpc>
@@ -27047,6 +27194,7 @@
                   </a:solidFill>
                 </a:uFill>
                 <a:latin typeface="Arial"/>
+                <a:ea typeface="DejaVu Sans"/>
               </a:rPr>
               <a:t>When the logic behind the method is complex enough that you feel you need to test extensively to verify that it works.</a:t>
             </a:r>
@@ -27063,7 +27211,7 @@
             </a:endParaRPr>
           </a:p>
           <a:p>
-            <a:pPr marL="432000" indent="-323640">
+            <a:pPr marL="432000" indent="-322920">
               <a:lnSpc>
                 <a:spcPct val="100000"/>
               </a:lnSpc>
@@ -27085,6 +27233,7 @@
                   </a:solidFill>
                 </a:uFill>
                 <a:latin typeface="Arial"/>
+                <a:ea typeface="DejaVu Sans"/>
               </a:rPr>
               <a:t>When a particular code function breaks and it takes longer than a minute or so to fix it.</a:t>
             </a:r>
@@ -27101,7 +27250,7 @@
             </a:endParaRPr>
           </a:p>
           <a:p>
-            <a:pPr marL="432000" indent="-323640">
+            <a:pPr marL="432000" indent="-322920">
               <a:lnSpc>
                 <a:spcPct val="100000"/>
               </a:lnSpc>
@@ -27123,6 +27272,7 @@
                   </a:solidFill>
                 </a:uFill>
                 <a:latin typeface="Arial"/>
+                <a:ea typeface="DejaVu Sans"/>
               </a:rPr>
               <a:t>Whenever it takes less time to write a unit test to verify that code works than to start up the system, log in, recreate your scenario, etc.</a:t>
             </a:r>
@@ -27139,7 +27289,7 @@
             </a:endParaRPr>
           </a:p>
           <a:p>
-            <a:pPr marL="432000" indent="-323640">
+            <a:pPr marL="432000" indent="-322920">
               <a:lnSpc>
                 <a:spcPct val="100000"/>
               </a:lnSpc>
@@ -27161,6 +27311,7 @@
                   </a:solidFill>
                 </a:uFill>
                 <a:latin typeface="Arial"/>
+                <a:ea typeface="DejaVu Sans"/>
               </a:rPr>
               <a:t> </a:t>
             </a:r>
@@ -27177,7 +27328,7 @@
             </a:endParaRPr>
           </a:p>
           <a:p>
-            <a:pPr marL="432000" indent="-323640">
+            <a:pPr marL="432000" indent="-322920">
               <a:lnSpc>
                 <a:spcPct val="100000"/>
               </a:lnSpc>
@@ -27199,6 +27350,7 @@
                   </a:solidFill>
                 </a:uFill>
                 <a:latin typeface="Arial"/>
+                <a:ea typeface="DejaVu Sans"/>
               </a:rPr>
               <a:t>Consider avoiding unit tests:</a:t>
             </a:r>
@@ -27215,7 +27367,7 @@
             </a:endParaRPr>
           </a:p>
           <a:p>
-            <a:pPr marL="432000" indent="-323640">
+            <a:pPr marL="432000" indent="-322920">
               <a:lnSpc>
                 <a:spcPct val="100000"/>
               </a:lnSpc>
@@ -27237,6 +27389,7 @@
                   </a:solidFill>
                 </a:uFill>
                 <a:latin typeface="Arial"/>
+                <a:ea typeface="DejaVu Sans"/>
               </a:rPr>
               <a:t>When elaborate frameworks need to be created or installed (such as mock objects and dependency injection) just to get the tests to work.</a:t>
             </a:r>
@@ -27253,7 +27406,7 @@
             </a:endParaRPr>
           </a:p>
           <a:p>
-            <a:pPr marL="432000" indent="-323640">
+            <a:pPr marL="432000" indent="-322920">
               <a:lnSpc>
                 <a:spcPct val="100000"/>
               </a:lnSpc>
@@ -27275,6 +27428,7 @@
                   </a:solidFill>
                 </a:uFill>
                 <a:latin typeface="Arial"/>
+                <a:ea typeface="DejaVu Sans"/>
               </a:rPr>
               <a:t>When the tests are applied to code that, if broken, has very little bearing whatsoever on the overall software quality.</a:t>
             </a:r>
@@ -27291,7 +27445,7 @@
             </a:endParaRPr>
           </a:p>
           <a:p>
-            <a:pPr marL="432000" indent="-323640">
+            <a:pPr marL="432000" indent="-322920">
               <a:lnSpc>
                 <a:spcPct val="100000"/>
               </a:lnSpc>
@@ -27313,6 +27467,7 @@
                   </a:solidFill>
                 </a:uFill>
                 <a:latin typeface="Arial"/>
+                <a:ea typeface="DejaVu Sans"/>
               </a:rPr>
               <a:t>When the costs of maintaining the set of tests are higher than the costs of maintaining the actual product code.</a:t>
             </a:r>
@@ -27388,7 +27543,7 @@
         <p:spPr>
           <a:xfrm>
             <a:off x="729360" y="1318680"/>
-            <a:ext cx="7688160" cy="534600"/>
+            <a:ext cx="7687440" cy="533880"/>
           </a:xfrm>
           <a:prstGeom prst="rect">
             <a:avLst/>
@@ -27445,7 +27600,7 @@
         <p:spPr>
           <a:xfrm>
             <a:off x="729360" y="2079000"/>
-            <a:ext cx="7688160" cy="2260440"/>
+            <a:ext cx="7687440" cy="2259720"/>
           </a:xfrm>
           <a:prstGeom prst="rect">
             <a:avLst/>
@@ -27464,7 +27619,7 @@
         <p:txBody>
           <a:bodyPr lIns="0" rIns="0" tIns="0" bIns="0"/>
           <a:p>
-            <a:pPr marL="432000" indent="-323640">
+            <a:pPr marL="432000" indent="-322920">
               <a:lnSpc>
                 <a:spcPct val="100000"/>
               </a:lnSpc>
@@ -27486,6 +27641,7 @@
                   </a:solidFill>
                 </a:uFill>
                 <a:latin typeface="Arial"/>
+                <a:ea typeface="DejaVu Sans"/>
               </a:rPr>
               <a:t>JUnit is a unit testing framework for Java programming language. JUnit has been important in the development of test-driven development, and is one of a family of unit testing frameworks collectively known as xUnit, that originated with Junit.</a:t>
             </a:r>
@@ -27512,7 +27668,7 @@
         <p:spPr>
           <a:xfrm>
             <a:off x="1188720" y="2950920"/>
-            <a:ext cx="5577480" cy="2192400"/>
+            <a:ext cx="5576760" cy="2191680"/>
           </a:xfrm>
           <a:prstGeom prst="rect">
             <a:avLst/>
@@ -27542,6 +27698,7 @@
                   </a:solidFill>
                 </a:uFill>
                 <a:latin typeface="Courier 10 Pitch"/>
+                <a:ea typeface="DejaVu Sans"/>
               </a:rPr>
               <a:t>public class TestJunit {</a:t>
             </a:r>
@@ -27569,6 +27726,7 @@
                   </a:solidFill>
                 </a:uFill>
                 <a:latin typeface="Courier 10 Pitch"/>
+                <a:ea typeface="DejaVu Sans"/>
               </a:rPr>
               <a:t>	</a:t>
             </a:r>
@@ -27596,6 +27754,7 @@
                   </a:solidFill>
                 </a:uFill>
                 <a:latin typeface="Courier 10 Pitch"/>
+                <a:ea typeface="DejaVu Sans"/>
               </a:rPr>
               <a:t>   </a:t>
             </a:r>
@@ -27610,6 +27769,7 @@
                   </a:solidFill>
                 </a:uFill>
                 <a:latin typeface="Courier 10 Pitch"/>
+                <a:ea typeface="DejaVu Sans"/>
               </a:rPr>
               <a:t>String message = "Hello World";</a:t>
             </a:r>
@@ -27624,6 +27784,7 @@
                   </a:solidFill>
                 </a:uFill>
                 <a:latin typeface="Courier 10 Pitch"/>
+                <a:ea typeface="DejaVu Sans"/>
               </a:rPr>
               <a:t>	</a:t>
             </a:r>
@@ -27651,6 +27812,7 @@
                   </a:solidFill>
                 </a:uFill>
                 <a:latin typeface="Courier 10 Pitch"/>
+                <a:ea typeface="DejaVu Sans"/>
               </a:rPr>
               <a:t>   </a:t>
             </a:r>
@@ -27665,6 +27827,7 @@
                   </a:solidFill>
                 </a:uFill>
                 <a:latin typeface="Courier 10 Pitch"/>
+                <a:ea typeface="DejaVu Sans"/>
               </a:rPr>
               <a:t>MessageUtil messageUtil = new MessageUtil(message);</a:t>
             </a:r>
@@ -27705,6 +27868,7 @@
                   </a:solidFill>
                 </a:uFill>
                 <a:latin typeface="Courier 10 Pitch"/>
+                <a:ea typeface="DejaVu Sans"/>
               </a:rPr>
               <a:t>   </a:t>
             </a:r>
@@ -27719,6 +27883,7 @@
                   </a:solidFill>
                 </a:uFill>
                 <a:latin typeface="Courier 10 Pitch"/>
+                <a:ea typeface="DejaVu Sans"/>
               </a:rPr>
               <a:t>@Test</a:t>
             </a:r>
@@ -27746,6 +27911,7 @@
                   </a:solidFill>
                 </a:uFill>
                 <a:latin typeface="Courier 10 Pitch"/>
+                <a:ea typeface="DejaVu Sans"/>
               </a:rPr>
               <a:t>   </a:t>
             </a:r>
@@ -27760,6 +27926,7 @@
                   </a:solidFill>
                 </a:uFill>
                 <a:latin typeface="Courier 10 Pitch"/>
+                <a:ea typeface="DejaVu Sans"/>
               </a:rPr>
               <a:t>public void testPrintMessage() {</a:t>
             </a:r>
@@ -27787,6 +27954,7 @@
                   </a:solidFill>
                 </a:uFill>
                 <a:latin typeface="Courier 10 Pitch"/>
+                <a:ea typeface="DejaVu Sans"/>
               </a:rPr>
               <a:t>      </a:t>
             </a:r>
@@ -27801,6 +27969,7 @@
                   </a:solidFill>
                 </a:uFill>
                 <a:latin typeface="Courier 10 Pitch"/>
+                <a:ea typeface="DejaVu Sans"/>
               </a:rPr>
               <a:t>assertEquals(message,messageUtil.printMessage());</a:t>
             </a:r>
@@ -27828,6 +27997,7 @@
                   </a:solidFill>
                 </a:uFill>
                 <a:latin typeface="Courier 10 Pitch"/>
+                <a:ea typeface="DejaVu Sans"/>
               </a:rPr>
               <a:t>   </a:t>
             </a:r>
@@ -27842,6 +28012,7 @@
                   </a:solidFill>
                 </a:uFill>
                 <a:latin typeface="Courier 10 Pitch"/>
+                <a:ea typeface="DejaVu Sans"/>
               </a:rPr>
               <a:t>}</a:t>
             </a:r>
@@ -27869,6 +28040,7 @@
                   </a:solidFill>
                 </a:uFill>
                 <a:latin typeface="Courier 10 Pitch"/>
+                <a:ea typeface="DejaVu Sans"/>
               </a:rPr>
               <a:t>}</a:t>
             </a:r>
@@ -27944,7 +28116,7 @@
         <p:spPr>
           <a:xfrm>
             <a:off x="729360" y="1318680"/>
-            <a:ext cx="7688160" cy="534600"/>
+            <a:ext cx="7687440" cy="533880"/>
           </a:xfrm>
           <a:prstGeom prst="rect">
             <a:avLst/>
@@ -28006,7 +28178,7 @@
         <p:spPr>
           <a:xfrm>
             <a:off x="729360" y="2079000"/>
-            <a:ext cx="3488040" cy="2260440"/>
+            <a:ext cx="3487320" cy="2259720"/>
           </a:xfrm>
           <a:prstGeom prst="rect">
             <a:avLst/>
@@ -28138,7 +28310,7 @@
         <p:spPr>
           <a:xfrm>
             <a:off x="4579920" y="1987920"/>
-            <a:ext cx="3837600" cy="2806560"/>
+            <a:ext cx="3836880" cy="2805840"/>
           </a:xfrm>
           <a:prstGeom prst="rect">
             <a:avLst/>
@@ -28157,6 +28329,383 @@
           <p:childTnLst>
             <p:seq>
               <p:cTn id="14" nodeType="mainSeq"/>
+              <p:prevCondLst>
+                <p:cond delay="0" evt="onPrev">
+                  <p:tgtEl>
+                    <p:sldTgt/>
+                  </p:tgtEl>
+                </p:cond>
+              </p:prevCondLst>
+              <p:nextCondLst>
+                <p:cond delay="0" evt="onNext">
+                  <p:tgtEl>
+                    <p:sldTgt/>
+                  </p:tgtEl>
+                </p:cond>
+              </p:nextCondLst>
+            </p:seq>
+          </p:childTnLst>
+        </p:cTn>
+      </p:par>
+    </p:tnLst>
+  </p:timing>
+</p:sld>
+</file>
+
+<file path=ppt/slides/slide70.xml><?xml version="1.0" encoding="utf-8"?>
+<p:sld xmlns:a="http://schemas.openxmlformats.org/drawingml/2006/main" xmlns:p="http://schemas.openxmlformats.org/presentationml/2006/main" xmlns:r="http://schemas.openxmlformats.org/officeDocument/2006/relationships" xmlns:p14="http://schemas.microsoft.com/office/powerpoint/2010/main" xmlns:p15="http://schemas.microsoft.com/office/powerpoint/2012/main" xmlns:mc="http://schemas.openxmlformats.org/markup-compatibility/2006">
+  <p:cSld>
+    <p:spTree>
+      <p:nvGrpSpPr>
+        <p:cNvPr id="1" name=""/>
+        <p:cNvGrpSpPr/>
+        <p:nvPr/>
+      </p:nvGrpSpPr>
+      <p:grpSpPr>
+        <a:xfrm>
+          <a:off x="0" y="0"/>
+          <a:ext cx="0" cy="0"/>
+          <a:chOff x="0" y="0"/>
+          <a:chExt cx="0" cy="0"/>
+        </a:xfrm>
+      </p:grpSpPr>
+      <p:sp>
+        <p:nvSpPr>
+          <p:cNvPr id="239" name="CustomShape 1"/>
+          <p:cNvSpPr/>
+          <p:nvPr/>
+        </p:nvSpPr>
+        <p:spPr>
+          <a:xfrm>
+            <a:off x="729360" y="1318680"/>
+            <a:ext cx="7687440" cy="533880"/>
+          </a:xfrm>
+          <a:prstGeom prst="rect">
+            <a:avLst/>
+          </a:prstGeom>
+          <a:noFill/>
+          <a:ln>
+            <a:noFill/>
+          </a:ln>
+        </p:spPr>
+        <p:style>
+          <a:lnRef idx="0"/>
+          <a:fillRef idx="0"/>
+          <a:effectRef idx="0"/>
+          <a:fontRef idx="minor"/>
+        </p:style>
+        <p:txBody>
+          <a:bodyPr lIns="90000" rIns="90000" tIns="91440" bIns="91440"/>
+          <a:p>
+            <a:pPr>
+              <a:lnSpc>
+                <a:spcPct val="100000"/>
+              </a:lnSpc>
+            </a:pPr>
+            <a:r>
+              <a:rPr b="1" lang="en-US" sz="2600" spc="-1" strike="noStrike">
+                <a:solidFill>
+                  <a:srgbClr val="1a1a1a"/>
+                </a:solidFill>
+                <a:uFill>
+                  <a:solidFill>
+                    <a:srgbClr val="ffffff"/>
+                  </a:solidFill>
+                </a:uFill>
+                <a:latin typeface="Raleway"/>
+                <a:ea typeface="Raleway"/>
+              </a:rPr>
+              <a:t>Design Pattern</a:t>
+            </a:r>
+            <a:endParaRPr b="0" lang="en-US" sz="1800" spc="-1" strike="noStrike">
+              <a:solidFill>
+                <a:srgbClr val="000000"/>
+              </a:solidFill>
+              <a:uFill>
+                <a:solidFill>
+                  <a:srgbClr val="ffffff"/>
+                </a:solidFill>
+              </a:uFill>
+              <a:latin typeface="Arial"/>
+            </a:endParaRPr>
+          </a:p>
+        </p:txBody>
+      </p:sp>
+      <p:sp>
+        <p:nvSpPr>
+          <p:cNvPr id="240" name="CustomShape 2"/>
+          <p:cNvSpPr/>
+          <p:nvPr/>
+        </p:nvSpPr>
+        <p:spPr>
+          <a:xfrm>
+            <a:off x="729360" y="2079000"/>
+            <a:ext cx="7687440" cy="2259720"/>
+          </a:xfrm>
+          <a:prstGeom prst="rect">
+            <a:avLst/>
+          </a:prstGeom>
+          <a:noFill/>
+          <a:ln>
+            <a:noFill/>
+          </a:ln>
+        </p:spPr>
+        <p:style>
+          <a:lnRef idx="0"/>
+          <a:fillRef idx="0"/>
+          <a:effectRef idx="0"/>
+          <a:fontRef idx="minor"/>
+        </p:style>
+        <p:txBody>
+          <a:bodyPr lIns="90000" rIns="90000" tIns="91440" bIns="91440"/>
+          <a:p>
+            <a:pPr>
+              <a:lnSpc>
+                <a:spcPct val="122000"/>
+              </a:lnSpc>
+            </a:pPr>
+            <a:r>
+              <a:rPr b="0" lang="en-US" sz="1300" spc="-1" strike="noStrike">
+                <a:solidFill>
+                  <a:srgbClr val="2a2a2a"/>
+                </a:solidFill>
+                <a:uFill>
+                  <a:solidFill>
+                    <a:srgbClr val="ffffff"/>
+                  </a:solidFill>
+                </a:uFill>
+                <a:latin typeface="Lato"/>
+                <a:ea typeface="Lato"/>
+              </a:rPr>
+              <a:t>Creational: Factory, Builder, Singleton, Dependency Injection, Prototype</a:t>
+            </a:r>
+            <a:endParaRPr b="0" lang="en-US" sz="1800" spc="-1" strike="noStrike">
+              <a:solidFill>
+                <a:srgbClr val="000000"/>
+              </a:solidFill>
+              <a:uFill>
+                <a:solidFill>
+                  <a:srgbClr val="ffffff"/>
+                </a:solidFill>
+              </a:uFill>
+              <a:latin typeface="Arial"/>
+            </a:endParaRPr>
+          </a:p>
+          <a:p>
+            <a:pPr>
+              <a:lnSpc>
+                <a:spcPct val="122000"/>
+              </a:lnSpc>
+            </a:pPr>
+            <a:r>
+              <a:rPr b="0" lang="en-US" sz="1300" spc="-1" strike="noStrike">
+                <a:solidFill>
+                  <a:srgbClr val="2a2a2a"/>
+                </a:solidFill>
+                <a:uFill>
+                  <a:solidFill>
+                    <a:srgbClr val="ffffff"/>
+                  </a:solidFill>
+                </a:uFill>
+                <a:latin typeface="Lato"/>
+                <a:ea typeface="Lato"/>
+              </a:rPr>
+              <a:t>Structural: Adapter, Facade, Proxy, Composite, Decorator, Flyweight</a:t>
+            </a:r>
+            <a:endParaRPr b="0" lang="en-US" sz="1800" spc="-1" strike="noStrike">
+              <a:solidFill>
+                <a:srgbClr val="000000"/>
+              </a:solidFill>
+              <a:uFill>
+                <a:solidFill>
+                  <a:srgbClr val="ffffff"/>
+                </a:solidFill>
+              </a:uFill>
+              <a:latin typeface="Arial"/>
+            </a:endParaRPr>
+          </a:p>
+          <a:p>
+            <a:pPr>
+              <a:lnSpc>
+                <a:spcPct val="122000"/>
+              </a:lnSpc>
+            </a:pPr>
+            <a:r>
+              <a:rPr b="0" lang="en-US" sz="1300" spc="-1" strike="noStrike">
+                <a:solidFill>
+                  <a:srgbClr val="2a2a2a"/>
+                </a:solidFill>
+                <a:uFill>
+                  <a:solidFill>
+                    <a:srgbClr val="ffffff"/>
+                  </a:solidFill>
+                </a:uFill>
+                <a:latin typeface="Lato"/>
+                <a:ea typeface="Lato"/>
+              </a:rPr>
+              <a:t>Behavioral: Strategy, Visitor, Template, State, Observer, Memento, Mediator, Chain of Responsibility</a:t>
+            </a:r>
+            <a:endParaRPr b="0" lang="en-US" sz="1800" spc="-1" strike="noStrike">
+              <a:solidFill>
+                <a:srgbClr val="000000"/>
+              </a:solidFill>
+              <a:uFill>
+                <a:solidFill>
+                  <a:srgbClr val="ffffff"/>
+                </a:solidFill>
+              </a:uFill>
+              <a:latin typeface="Arial"/>
+            </a:endParaRPr>
+          </a:p>
+          <a:p>
+            <a:pPr>
+              <a:lnSpc>
+                <a:spcPct val="122000"/>
+              </a:lnSpc>
+            </a:pPr>
+            <a:endParaRPr b="0" lang="en-US" sz="1800" spc="-1" strike="noStrike">
+              <a:solidFill>
+                <a:srgbClr val="000000"/>
+              </a:solidFill>
+              <a:uFill>
+                <a:solidFill>
+                  <a:srgbClr val="ffffff"/>
+                </a:solidFill>
+              </a:uFill>
+              <a:latin typeface="Arial"/>
+            </a:endParaRPr>
+          </a:p>
+          <a:p>
+            <a:pPr>
+              <a:lnSpc>
+                <a:spcPct val="122000"/>
+              </a:lnSpc>
+            </a:pPr>
+            <a:r>
+              <a:rPr b="0" lang="en-US" sz="1300" spc="-1" strike="noStrike">
+                <a:solidFill>
+                  <a:srgbClr val="2a2a2a"/>
+                </a:solidFill>
+                <a:uFill>
+                  <a:solidFill>
+                    <a:srgbClr val="ffffff"/>
+                  </a:solidFill>
+                </a:uFill>
+                <a:latin typeface="Lato"/>
+                <a:ea typeface="Lato"/>
+              </a:rPr>
+              <a:t>OOP is the best “design pattern”.</a:t>
+            </a:r>
+            <a:endParaRPr b="0" lang="en-US" sz="1800" spc="-1" strike="noStrike">
+              <a:solidFill>
+                <a:srgbClr val="000000"/>
+              </a:solidFill>
+              <a:uFill>
+                <a:solidFill>
+                  <a:srgbClr val="ffffff"/>
+                </a:solidFill>
+              </a:uFill>
+              <a:latin typeface="Arial"/>
+            </a:endParaRPr>
+          </a:p>
+          <a:p>
+            <a:pPr>
+              <a:lnSpc>
+                <a:spcPct val="122000"/>
+              </a:lnSpc>
+            </a:pPr>
+            <a:r>
+              <a:rPr b="0" lang="en-US" sz="1300" spc="-1" strike="noStrike">
+                <a:solidFill>
+                  <a:srgbClr val="2a2a2a"/>
+                </a:solidFill>
+                <a:uFill>
+                  <a:solidFill>
+                    <a:srgbClr val="ffffff"/>
+                  </a:solidFill>
+                </a:uFill>
+                <a:latin typeface="Lato"/>
+                <a:ea typeface="Lato"/>
+              </a:rPr>
+              <a:t>More than 50% of time no pattern is required.</a:t>
+            </a:r>
+            <a:endParaRPr b="0" lang="en-US" sz="1800" spc="-1" strike="noStrike">
+              <a:solidFill>
+                <a:srgbClr val="000000"/>
+              </a:solidFill>
+              <a:uFill>
+                <a:solidFill>
+                  <a:srgbClr val="ffffff"/>
+                </a:solidFill>
+              </a:uFill>
+              <a:latin typeface="Arial"/>
+            </a:endParaRPr>
+          </a:p>
+          <a:p>
+            <a:pPr>
+              <a:lnSpc>
+                <a:spcPct val="122000"/>
+              </a:lnSpc>
+            </a:pPr>
+            <a:endParaRPr b="0" lang="en-US" sz="1800" spc="-1" strike="noStrike">
+              <a:solidFill>
+                <a:srgbClr val="000000"/>
+              </a:solidFill>
+              <a:uFill>
+                <a:solidFill>
+                  <a:srgbClr val="ffffff"/>
+                </a:solidFill>
+              </a:uFill>
+              <a:latin typeface="Arial"/>
+            </a:endParaRPr>
+          </a:p>
+          <a:p>
+            <a:pPr>
+              <a:lnSpc>
+                <a:spcPct val="135000"/>
+              </a:lnSpc>
+            </a:pPr>
+            <a:endParaRPr b="0" lang="en-US" sz="1800" spc="-1" strike="noStrike">
+              <a:solidFill>
+                <a:srgbClr val="000000"/>
+              </a:solidFill>
+              <a:uFill>
+                <a:solidFill>
+                  <a:srgbClr val="ffffff"/>
+                </a:solidFill>
+              </a:uFill>
+              <a:latin typeface="Arial"/>
+            </a:endParaRPr>
+          </a:p>
+          <a:p>
+            <a:pPr>
+              <a:lnSpc>
+                <a:spcPct val="100000"/>
+              </a:lnSpc>
+            </a:pPr>
+            <a:endParaRPr b="0" lang="en-US" sz="1800" spc="-1" strike="noStrike">
+              <a:solidFill>
+                <a:srgbClr val="000000"/>
+              </a:solidFill>
+              <a:uFill>
+                <a:solidFill>
+                  <a:srgbClr val="ffffff"/>
+                </a:solidFill>
+              </a:uFill>
+              <a:latin typeface="Arial"/>
+            </a:endParaRPr>
+          </a:p>
+        </p:txBody>
+      </p:sp>
+    </p:spTree>
+  </p:cSld>
+  <p:timing>
+    <p:tnLst>
+      <p:par>
+        <p:cTn id="139" dur="indefinite" restart="never" nodeType="tmRoot">
+          <p:childTnLst>
+            <p:seq>
+              <p:cTn id="140" nodeType="mainSeq"/>
               <p:prevCondLst>
                 <p:cond delay="0" evt="onPrev">
                   <p:tgtEl>
@@ -28206,7 +28755,7 @@
         <p:spPr>
           <a:xfrm>
             <a:off x="729360" y="1318680"/>
-            <a:ext cx="7688160" cy="534600"/>
+            <a:ext cx="7687440" cy="533880"/>
           </a:xfrm>
           <a:prstGeom prst="rect">
             <a:avLst/>
@@ -28268,7 +28817,7 @@
         <p:spPr>
           <a:xfrm>
             <a:off x="729360" y="2079000"/>
-            <a:ext cx="3378960" cy="2260440"/>
+            <a:ext cx="3378240" cy="2259720"/>
           </a:xfrm>
           <a:prstGeom prst="rect">
             <a:avLst/>
@@ -28320,7 +28869,7 @@
             </a:endParaRPr>
           </a:p>
           <a:p>
-            <a:pPr marL="457200" indent="-310320">
+            <a:pPr marL="457200" indent="-309600">
               <a:lnSpc>
                 <a:spcPct val="100000"/>
               </a:lnSpc>
@@ -28358,7 +28907,7 @@
             </a:endParaRPr>
           </a:p>
           <a:p>
-            <a:pPr marL="457200" indent="-310320">
+            <a:pPr marL="457200" indent="-309600">
               <a:lnSpc>
                 <a:spcPct val="100000"/>
               </a:lnSpc>
@@ -28396,7 +28945,7 @@
             </a:endParaRPr>
           </a:p>
           <a:p>
-            <a:pPr marL="457200" indent="-310320">
+            <a:pPr marL="457200" indent="-309600">
               <a:lnSpc>
                 <a:spcPct val="100000"/>
               </a:lnSpc>
@@ -28464,7 +29013,7 @@
             </a:endParaRPr>
           </a:p>
           <a:p>
-            <a:pPr marL="457200" indent="-310320">
+            <a:pPr marL="457200" indent="-309600">
               <a:lnSpc>
                 <a:spcPct val="100000"/>
               </a:lnSpc>
@@ -28582,7 +29131,7 @@
         <p:spPr>
           <a:xfrm>
             <a:off x="4157640" y="2079000"/>
-            <a:ext cx="4259880" cy="2672280"/>
+            <a:ext cx="4259160" cy="2671560"/>
           </a:xfrm>
           <a:prstGeom prst="rect">
             <a:avLst/>
@@ -28650,7 +29199,7 @@
         <p:spPr>
           <a:xfrm>
             <a:off x="729360" y="1318680"/>
-            <a:ext cx="7688160" cy="534600"/>
+            <a:ext cx="7687440" cy="533880"/>
           </a:xfrm>
           <a:prstGeom prst="rect">
             <a:avLst/>
@@ -28712,7 +29261,7 @@
         <p:spPr>
           <a:xfrm>
             <a:off x="729360" y="2079000"/>
-            <a:ext cx="7688160" cy="2260440"/>
+            <a:ext cx="7687440" cy="2259720"/>
           </a:xfrm>
           <a:prstGeom prst="rect">
             <a:avLst/>

--- a/JaveEE.pptx
+++ b/JaveEE.pptx
@@ -3064,7 +3064,7 @@
         <p:spPr>
           <a:xfrm>
             <a:off x="0" y="0"/>
-            <a:ext cx="9142200" cy="486000"/>
+            <a:ext cx="9141840" cy="485640"/>
           </a:xfrm>
           <a:prstGeom prst="rect">
             <a:avLst/>
@@ -3091,8 +3091,8 @@
         </p:nvSpPr>
         <p:spPr>
           <a:xfrm rot="16200000">
-            <a:off x="1366560" y="1029240"/>
-            <a:ext cx="43920" cy="371160"/>
+            <a:off x="1366560" y="1029600"/>
+            <a:ext cx="43560" cy="370800"/>
           </a:xfrm>
           <a:prstGeom prst="rect">
             <a:avLst/>
@@ -3119,8 +3119,8 @@
         </p:nvSpPr>
         <p:spPr>
           <a:xfrm rot="16200000">
-            <a:off x="995400" y="1027800"/>
-            <a:ext cx="43920" cy="374040"/>
+            <a:off x="995400" y="1028160"/>
+            <a:ext cx="43560" cy="373680"/>
           </a:xfrm>
           <a:prstGeom prst="rect">
             <a:avLst/>
@@ -3152,7 +3152,7 @@
         <p:spPr>
           <a:xfrm>
             <a:off x="152280" y="135720"/>
-            <a:ext cx="2255760" cy="255240"/>
+            <a:ext cx="2255400" cy="254880"/>
           </a:xfrm>
           <a:prstGeom prst="rect">
             <a:avLst/>
@@ -3175,7 +3175,7 @@
         <p:spPr>
           <a:xfrm>
             <a:off x="457200" y="205200"/>
-            <a:ext cx="8229240" cy="858600"/>
+            <a:ext cx="8228880" cy="858240"/>
           </a:xfrm>
           <a:prstGeom prst="rect">
             <a:avLst/>
@@ -3185,20 +3185,6 @@
           <a:bodyPr lIns="0" rIns="0" tIns="0" bIns="0" anchor="ctr"/>
           <a:p>
             <a:pPr algn="ctr"/>
-            <a:r>
-              <a:rPr b="0" lang="en-CA" sz="4400" spc="-1" strike="noStrike">
-                <a:solidFill>
-                  <a:srgbClr val="000000"/>
-                </a:solidFill>
-                <a:uFill>
-                  <a:solidFill>
-                    <a:srgbClr val="ffffff"/>
-                  </a:solidFill>
-                </a:uFill>
-                <a:latin typeface="Arial"/>
-              </a:rPr>
-              <a:t>Click to edit the title text format</a:t>
-            </a:r>
             <a:endParaRPr b="0" lang="en-CA" sz="4400" spc="-1" strike="noStrike">
               <a:solidFill>
                 <a:srgbClr val="000000"/>
@@ -3534,7 +3520,7 @@
         <p:spPr>
           <a:xfrm>
             <a:off x="0" y="0"/>
-            <a:ext cx="9142200" cy="486000"/>
+            <a:ext cx="9141840" cy="485640"/>
           </a:xfrm>
           <a:prstGeom prst="rect">
             <a:avLst/>
@@ -3561,8 +3547,8 @@
         </p:nvSpPr>
         <p:spPr>
           <a:xfrm rot="16200000">
-            <a:off x="1366560" y="1029240"/>
-            <a:ext cx="43920" cy="371160"/>
+            <a:off x="1366560" y="1029600"/>
+            <a:ext cx="43560" cy="370800"/>
           </a:xfrm>
           <a:prstGeom prst="rect">
             <a:avLst/>
@@ -3589,8 +3575,8 @@
         </p:nvSpPr>
         <p:spPr>
           <a:xfrm rot="16200000">
-            <a:off x="995400" y="1027800"/>
-            <a:ext cx="43920" cy="374040"/>
+            <a:off x="995400" y="1028160"/>
+            <a:ext cx="43560" cy="373680"/>
           </a:xfrm>
           <a:prstGeom prst="rect">
             <a:avLst/>
@@ -3622,7 +3608,7 @@
         <p:spPr>
           <a:xfrm>
             <a:off x="152280" y="152280"/>
-            <a:ext cx="2255760" cy="255240"/>
+            <a:ext cx="2255400" cy="254880"/>
           </a:xfrm>
           <a:prstGeom prst="rect">
             <a:avLst/>
@@ -3997,7 +3983,7 @@
         <p:spPr>
           <a:xfrm>
             <a:off x="729360" y="1322280"/>
-            <a:ext cx="7686360" cy="1662840"/>
+            <a:ext cx="7686000" cy="1662480"/>
           </a:xfrm>
           <a:prstGeom prst="rect">
             <a:avLst/>
@@ -4059,7 +4045,7 @@
         <p:spPr>
           <a:xfrm>
             <a:off x="729720" y="3173040"/>
-            <a:ext cx="7686360" cy="539280"/>
+            <a:ext cx="7686000" cy="538920"/>
           </a:xfrm>
           <a:prstGeom prst="rect">
             <a:avLst/>
@@ -4213,6 +4199,33 @@
       </p:sp>
     </p:spTree>
   </p:cSld>
+  <p:timing>
+    <p:tnLst>
+      <p:par>
+        <p:cTn id="1" dur="indefinite" restart="never" nodeType="tmRoot">
+          <p:childTnLst>
+            <p:seq>
+              <p:cTn id="2" nodeType="mainSeq"/>
+              <p:prevCondLst>
+                <p:cond delay="0" evt="onPrev">
+                  <p:tgtEl>
+                    <p:sldTgt/>
+                  </p:tgtEl>
+                </p:cond>
+              </p:prevCondLst>
+              <p:nextCondLst>
+                <p:cond delay="0" evt="onNext">
+                  <p:tgtEl>
+                    <p:sldTgt/>
+                  </p:tgtEl>
+                </p:cond>
+              </p:nextCondLst>
+            </p:seq>
+          </p:childTnLst>
+        </p:cTn>
+      </p:par>
+    </p:tnLst>
+  </p:timing>
 </p:sld>
 </file>
 
@@ -4242,7 +4255,7 @@
         <p:spPr>
           <a:xfrm>
             <a:off x="729360" y="1318680"/>
-            <a:ext cx="7687080" cy="533520"/>
+            <a:ext cx="7686720" cy="533160"/>
           </a:xfrm>
           <a:prstGeom prst="rect">
             <a:avLst/>
@@ -4304,7 +4317,7 @@
         <p:spPr>
           <a:xfrm>
             <a:off x="729360" y="2079000"/>
-            <a:ext cx="7687080" cy="2259360"/>
+            <a:ext cx="7686720" cy="2259000"/>
           </a:xfrm>
           <a:prstGeom prst="rect">
             <a:avLst/>
@@ -4556,6 +4569,33 @@
       </p:sp>
     </p:spTree>
   </p:cSld>
+  <p:timing>
+    <p:tnLst>
+      <p:par>
+        <p:cTn id="19" dur="indefinite" restart="never" nodeType="tmRoot">
+          <p:childTnLst>
+            <p:seq>
+              <p:cTn id="20" nodeType="mainSeq"/>
+              <p:prevCondLst>
+                <p:cond delay="0" evt="onPrev">
+                  <p:tgtEl>
+                    <p:sldTgt/>
+                  </p:tgtEl>
+                </p:cond>
+              </p:prevCondLst>
+              <p:nextCondLst>
+                <p:cond delay="0" evt="onNext">
+                  <p:tgtEl>
+                    <p:sldTgt/>
+                  </p:tgtEl>
+                </p:cond>
+              </p:nextCondLst>
+            </p:seq>
+          </p:childTnLst>
+        </p:cTn>
+      </p:par>
+    </p:tnLst>
+  </p:timing>
 </p:sld>
 </file>
 
@@ -4585,7 +4625,7 @@
         <p:spPr>
           <a:xfrm>
             <a:off x="729360" y="1318680"/>
-            <a:ext cx="7687080" cy="533520"/>
+            <a:ext cx="7686720" cy="533160"/>
           </a:xfrm>
           <a:prstGeom prst="rect">
             <a:avLst/>
@@ -4647,7 +4687,7 @@
         <p:spPr>
           <a:xfrm>
             <a:off x="729360" y="2079000"/>
-            <a:ext cx="7687080" cy="2259360"/>
+            <a:ext cx="7686720" cy="2259000"/>
           </a:xfrm>
           <a:prstGeom prst="rect">
             <a:avLst/>
@@ -4966,6 +5006,33 @@
       </p:sp>
     </p:spTree>
   </p:cSld>
+  <p:timing>
+    <p:tnLst>
+      <p:par>
+        <p:cTn id="21" dur="indefinite" restart="never" nodeType="tmRoot">
+          <p:childTnLst>
+            <p:seq>
+              <p:cTn id="22" nodeType="mainSeq"/>
+              <p:prevCondLst>
+                <p:cond delay="0" evt="onPrev">
+                  <p:tgtEl>
+                    <p:sldTgt/>
+                  </p:tgtEl>
+                </p:cond>
+              </p:prevCondLst>
+              <p:nextCondLst>
+                <p:cond delay="0" evt="onNext">
+                  <p:tgtEl>
+                    <p:sldTgt/>
+                  </p:tgtEl>
+                </p:cond>
+              </p:nextCondLst>
+            </p:seq>
+          </p:childTnLst>
+        </p:cTn>
+      </p:par>
+    </p:tnLst>
+  </p:timing>
 </p:sld>
 </file>
 
@@ -4995,7 +5062,7 @@
         <p:spPr>
           <a:xfrm>
             <a:off x="729360" y="1318680"/>
-            <a:ext cx="7687080" cy="533520"/>
+            <a:ext cx="7686720" cy="533160"/>
           </a:xfrm>
           <a:prstGeom prst="rect">
             <a:avLst/>
@@ -5057,7 +5124,7 @@
         <p:spPr>
           <a:xfrm>
             <a:off x="729360" y="2079000"/>
-            <a:ext cx="7687080" cy="2259360"/>
+            <a:ext cx="7686720" cy="2259000"/>
           </a:xfrm>
           <a:prstGeom prst="rect">
             <a:avLst/>
@@ -5175,6 +5242,33 @@
       </p:sp>
     </p:spTree>
   </p:cSld>
+  <p:timing>
+    <p:tnLst>
+      <p:par>
+        <p:cTn id="23" dur="indefinite" restart="never" nodeType="tmRoot">
+          <p:childTnLst>
+            <p:seq>
+              <p:cTn id="24" nodeType="mainSeq"/>
+              <p:prevCondLst>
+                <p:cond delay="0" evt="onPrev">
+                  <p:tgtEl>
+                    <p:sldTgt/>
+                  </p:tgtEl>
+                </p:cond>
+              </p:prevCondLst>
+              <p:nextCondLst>
+                <p:cond delay="0" evt="onNext">
+                  <p:tgtEl>
+                    <p:sldTgt/>
+                  </p:tgtEl>
+                </p:cond>
+              </p:nextCondLst>
+            </p:seq>
+          </p:childTnLst>
+        </p:cTn>
+      </p:par>
+    </p:tnLst>
+  </p:timing>
 </p:sld>
 </file>
 
@@ -5204,7 +5298,7 @@
         <p:spPr>
           <a:xfrm>
             <a:off x="729360" y="1318680"/>
-            <a:ext cx="7687080" cy="533520"/>
+            <a:ext cx="7686720" cy="533160"/>
           </a:xfrm>
           <a:prstGeom prst="rect">
             <a:avLst/>
@@ -5266,7 +5360,7 @@
         <p:spPr>
           <a:xfrm>
             <a:off x="729360" y="2079000"/>
-            <a:ext cx="7687080" cy="2259360"/>
+            <a:ext cx="7686720" cy="2259000"/>
           </a:xfrm>
           <a:prstGeom prst="rect">
             <a:avLst/>
@@ -5486,6 +5580,33 @@
       </p:sp>
     </p:spTree>
   </p:cSld>
+  <p:timing>
+    <p:tnLst>
+      <p:par>
+        <p:cTn id="25" dur="indefinite" restart="never" nodeType="tmRoot">
+          <p:childTnLst>
+            <p:seq>
+              <p:cTn id="26" nodeType="mainSeq"/>
+              <p:prevCondLst>
+                <p:cond delay="0" evt="onPrev">
+                  <p:tgtEl>
+                    <p:sldTgt/>
+                  </p:tgtEl>
+                </p:cond>
+              </p:prevCondLst>
+              <p:nextCondLst>
+                <p:cond delay="0" evt="onNext">
+                  <p:tgtEl>
+                    <p:sldTgt/>
+                  </p:tgtEl>
+                </p:cond>
+              </p:nextCondLst>
+            </p:seq>
+          </p:childTnLst>
+        </p:cTn>
+      </p:par>
+    </p:tnLst>
+  </p:timing>
 </p:sld>
 </file>
 
@@ -5515,7 +5636,7 @@
         <p:spPr>
           <a:xfrm>
             <a:off x="729360" y="1318680"/>
-            <a:ext cx="7687080" cy="533520"/>
+            <a:ext cx="7686720" cy="533160"/>
           </a:xfrm>
           <a:prstGeom prst="rect">
             <a:avLst/>
@@ -5577,7 +5698,7 @@
         <p:spPr>
           <a:xfrm>
             <a:off x="729360" y="2079000"/>
-            <a:ext cx="7687080" cy="2259360"/>
+            <a:ext cx="7686720" cy="2259000"/>
           </a:xfrm>
           <a:prstGeom prst="rect">
             <a:avLst/>
@@ -5846,6 +5967,33 @@
       </p:sp>
     </p:spTree>
   </p:cSld>
+  <p:timing>
+    <p:tnLst>
+      <p:par>
+        <p:cTn id="27" dur="indefinite" restart="never" nodeType="tmRoot">
+          <p:childTnLst>
+            <p:seq>
+              <p:cTn id="28" nodeType="mainSeq"/>
+              <p:prevCondLst>
+                <p:cond delay="0" evt="onPrev">
+                  <p:tgtEl>
+                    <p:sldTgt/>
+                  </p:tgtEl>
+                </p:cond>
+              </p:prevCondLst>
+              <p:nextCondLst>
+                <p:cond delay="0" evt="onNext">
+                  <p:tgtEl>
+                    <p:sldTgt/>
+                  </p:tgtEl>
+                </p:cond>
+              </p:nextCondLst>
+            </p:seq>
+          </p:childTnLst>
+        </p:cTn>
+      </p:par>
+    </p:tnLst>
+  </p:timing>
 </p:sld>
 </file>
 
@@ -5875,7 +6023,7 @@
         <p:spPr>
           <a:xfrm>
             <a:off x="729360" y="1318680"/>
-            <a:ext cx="7687080" cy="533520"/>
+            <a:ext cx="7686720" cy="533160"/>
           </a:xfrm>
           <a:prstGeom prst="rect">
             <a:avLst/>
@@ -5937,7 +6085,7 @@
         <p:spPr>
           <a:xfrm>
             <a:off x="729360" y="2079000"/>
-            <a:ext cx="7687080" cy="2259360"/>
+            <a:ext cx="7686720" cy="2259000"/>
           </a:xfrm>
           <a:prstGeom prst="rect">
             <a:avLst/>
@@ -6400,6 +6548,33 @@
       </p:sp>
     </p:spTree>
   </p:cSld>
+  <p:timing>
+    <p:tnLst>
+      <p:par>
+        <p:cTn id="29" dur="indefinite" restart="never" nodeType="tmRoot">
+          <p:childTnLst>
+            <p:seq>
+              <p:cTn id="30" nodeType="mainSeq"/>
+              <p:prevCondLst>
+                <p:cond delay="0" evt="onPrev">
+                  <p:tgtEl>
+                    <p:sldTgt/>
+                  </p:tgtEl>
+                </p:cond>
+              </p:prevCondLst>
+              <p:nextCondLst>
+                <p:cond delay="0" evt="onNext">
+                  <p:tgtEl>
+                    <p:sldTgt/>
+                  </p:tgtEl>
+                </p:cond>
+              </p:nextCondLst>
+            </p:seq>
+          </p:childTnLst>
+        </p:cTn>
+      </p:par>
+    </p:tnLst>
+  </p:timing>
 </p:sld>
 </file>
 
@@ -6429,7 +6604,7 @@
         <p:spPr>
           <a:xfrm>
             <a:off x="729360" y="1318680"/>
-            <a:ext cx="7687080" cy="533520"/>
+            <a:ext cx="7686720" cy="533160"/>
           </a:xfrm>
           <a:prstGeom prst="rect">
             <a:avLst/>
@@ -6491,7 +6666,7 @@
         <p:spPr>
           <a:xfrm>
             <a:off x="729360" y="2079000"/>
-            <a:ext cx="7687080" cy="2259360"/>
+            <a:ext cx="7686720" cy="2259000"/>
           </a:xfrm>
           <a:prstGeom prst="rect">
             <a:avLst/>
@@ -7359,6 +7534,33 @@
       </p:sp>
     </p:spTree>
   </p:cSld>
+  <p:timing>
+    <p:tnLst>
+      <p:par>
+        <p:cTn id="31" dur="indefinite" restart="never" nodeType="tmRoot">
+          <p:childTnLst>
+            <p:seq>
+              <p:cTn id="32" nodeType="mainSeq"/>
+              <p:prevCondLst>
+                <p:cond delay="0" evt="onPrev">
+                  <p:tgtEl>
+                    <p:sldTgt/>
+                  </p:tgtEl>
+                </p:cond>
+              </p:prevCondLst>
+              <p:nextCondLst>
+                <p:cond delay="0" evt="onNext">
+                  <p:tgtEl>
+                    <p:sldTgt/>
+                  </p:tgtEl>
+                </p:cond>
+              </p:nextCondLst>
+            </p:seq>
+          </p:childTnLst>
+        </p:cTn>
+      </p:par>
+    </p:tnLst>
+  </p:timing>
 </p:sld>
 </file>
 
@@ -7388,7 +7590,7 @@
         <p:spPr>
           <a:xfrm>
             <a:off x="729360" y="1318680"/>
-            <a:ext cx="7687080" cy="533520"/>
+            <a:ext cx="7686720" cy="533160"/>
           </a:xfrm>
           <a:prstGeom prst="rect">
             <a:avLst/>
@@ -7450,7 +7652,7 @@
         <p:spPr>
           <a:xfrm>
             <a:off x="729360" y="2079000"/>
-            <a:ext cx="7687080" cy="2259360"/>
+            <a:ext cx="7686720" cy="2259000"/>
           </a:xfrm>
           <a:prstGeom prst="rect">
             <a:avLst/>
@@ -7958,6 +8160,33 @@
       </p:sp>
     </p:spTree>
   </p:cSld>
+  <p:timing>
+    <p:tnLst>
+      <p:par>
+        <p:cTn id="33" dur="indefinite" restart="never" nodeType="tmRoot">
+          <p:childTnLst>
+            <p:seq>
+              <p:cTn id="34" nodeType="mainSeq"/>
+              <p:prevCondLst>
+                <p:cond delay="0" evt="onPrev">
+                  <p:tgtEl>
+                    <p:sldTgt/>
+                  </p:tgtEl>
+                </p:cond>
+              </p:prevCondLst>
+              <p:nextCondLst>
+                <p:cond delay="0" evt="onNext">
+                  <p:tgtEl>
+                    <p:sldTgt/>
+                  </p:tgtEl>
+                </p:cond>
+              </p:nextCondLst>
+            </p:seq>
+          </p:childTnLst>
+        </p:cTn>
+      </p:par>
+    </p:tnLst>
+  </p:timing>
 </p:sld>
 </file>
 
@@ -7987,7 +8216,7 @@
         <p:spPr>
           <a:xfrm>
             <a:off x="729360" y="1318680"/>
-            <a:ext cx="7687080" cy="533520"/>
+            <a:ext cx="7686720" cy="533160"/>
           </a:xfrm>
           <a:prstGeom prst="rect">
             <a:avLst/>
@@ -8049,7 +8278,7 @@
         <p:spPr>
           <a:xfrm>
             <a:off x="729360" y="2079000"/>
-            <a:ext cx="7687080" cy="2259360"/>
+            <a:ext cx="7686720" cy="2259000"/>
           </a:xfrm>
           <a:prstGeom prst="rect">
             <a:avLst/>
@@ -8185,6 +8414,33 @@
       </p:sp>
     </p:spTree>
   </p:cSld>
+  <p:timing>
+    <p:tnLst>
+      <p:par>
+        <p:cTn id="35" dur="indefinite" restart="never" nodeType="tmRoot">
+          <p:childTnLst>
+            <p:seq>
+              <p:cTn id="36" nodeType="mainSeq"/>
+              <p:prevCondLst>
+                <p:cond delay="0" evt="onPrev">
+                  <p:tgtEl>
+                    <p:sldTgt/>
+                  </p:tgtEl>
+                </p:cond>
+              </p:prevCondLst>
+              <p:nextCondLst>
+                <p:cond delay="0" evt="onNext">
+                  <p:tgtEl>
+                    <p:sldTgt/>
+                  </p:tgtEl>
+                </p:cond>
+              </p:nextCondLst>
+            </p:seq>
+          </p:childTnLst>
+        </p:cTn>
+      </p:par>
+    </p:tnLst>
+  </p:timing>
 </p:sld>
 </file>
 
@@ -8214,7 +8470,7 @@
         <p:spPr>
           <a:xfrm>
             <a:off x="729360" y="1318680"/>
-            <a:ext cx="7687080" cy="533520"/>
+            <a:ext cx="7686720" cy="533160"/>
           </a:xfrm>
           <a:prstGeom prst="rect">
             <a:avLst/>
@@ -8276,7 +8532,7 @@
         <p:spPr>
           <a:xfrm>
             <a:off x="729360" y="2079000"/>
-            <a:ext cx="7687080" cy="2259360"/>
+            <a:ext cx="7686720" cy="2259000"/>
           </a:xfrm>
           <a:prstGeom prst="rect">
             <a:avLst/>
@@ -8496,6 +8752,33 @@
       </p:sp>
     </p:spTree>
   </p:cSld>
+  <p:timing>
+    <p:tnLst>
+      <p:par>
+        <p:cTn id="37" dur="indefinite" restart="never" nodeType="tmRoot">
+          <p:childTnLst>
+            <p:seq>
+              <p:cTn id="38" nodeType="mainSeq"/>
+              <p:prevCondLst>
+                <p:cond delay="0" evt="onPrev">
+                  <p:tgtEl>
+                    <p:sldTgt/>
+                  </p:tgtEl>
+                </p:cond>
+              </p:prevCondLst>
+              <p:nextCondLst>
+                <p:cond delay="0" evt="onNext">
+                  <p:tgtEl>
+                    <p:sldTgt/>
+                  </p:tgtEl>
+                </p:cond>
+              </p:nextCondLst>
+            </p:seq>
+          </p:childTnLst>
+        </p:cTn>
+      </p:par>
+    </p:tnLst>
+  </p:timing>
 </p:sld>
 </file>
 
@@ -8525,7 +8808,7 @@
         <p:spPr>
           <a:xfrm>
             <a:off x="729360" y="1318680"/>
-            <a:ext cx="7687080" cy="533520"/>
+            <a:ext cx="7686720" cy="533160"/>
           </a:xfrm>
           <a:prstGeom prst="rect">
             <a:avLst/>
@@ -8587,7 +8870,7 @@
         <p:spPr>
           <a:xfrm>
             <a:off x="729360" y="2079000"/>
-            <a:ext cx="7687080" cy="2259360"/>
+            <a:ext cx="7686720" cy="2259000"/>
           </a:xfrm>
           <a:prstGeom prst="rect">
             <a:avLst/>
@@ -8840,6 +9123,33 @@
       </p:sp>
     </p:spTree>
   </p:cSld>
+  <p:timing>
+    <p:tnLst>
+      <p:par>
+        <p:cTn id="3" dur="indefinite" restart="never" nodeType="tmRoot">
+          <p:childTnLst>
+            <p:seq>
+              <p:cTn id="4" nodeType="mainSeq"/>
+              <p:prevCondLst>
+                <p:cond delay="0" evt="onPrev">
+                  <p:tgtEl>
+                    <p:sldTgt/>
+                  </p:tgtEl>
+                </p:cond>
+              </p:prevCondLst>
+              <p:nextCondLst>
+                <p:cond delay="0" evt="onNext">
+                  <p:tgtEl>
+                    <p:sldTgt/>
+                  </p:tgtEl>
+                </p:cond>
+              </p:nextCondLst>
+            </p:seq>
+          </p:childTnLst>
+        </p:cTn>
+      </p:par>
+    </p:tnLst>
+  </p:timing>
 </p:sld>
 </file>
 
@@ -8869,7 +9179,7 @@
         <p:spPr>
           <a:xfrm>
             <a:off x="729360" y="1273320"/>
-            <a:ext cx="7687080" cy="624240"/>
+            <a:ext cx="7686720" cy="623880"/>
           </a:xfrm>
           <a:prstGeom prst="rect">
             <a:avLst/>
@@ -8956,7 +9266,7 @@
         <p:spPr>
           <a:xfrm>
             <a:off x="731520" y="2377440"/>
-            <a:ext cx="7679880" cy="2247120"/>
+            <a:ext cx="7679520" cy="2246760"/>
           </a:xfrm>
           <a:prstGeom prst="rect">
             <a:avLst/>
@@ -9176,6 +9486,33 @@
       </p:sp>
     </p:spTree>
   </p:cSld>
+  <p:timing>
+    <p:tnLst>
+      <p:par>
+        <p:cTn id="39" dur="indefinite" restart="never" nodeType="tmRoot">
+          <p:childTnLst>
+            <p:seq>
+              <p:cTn id="40" nodeType="mainSeq"/>
+              <p:prevCondLst>
+                <p:cond delay="0" evt="onPrev">
+                  <p:tgtEl>
+                    <p:sldTgt/>
+                  </p:tgtEl>
+                </p:cond>
+              </p:prevCondLst>
+              <p:nextCondLst>
+                <p:cond delay="0" evt="onNext">
+                  <p:tgtEl>
+                    <p:sldTgt/>
+                  </p:tgtEl>
+                </p:cond>
+              </p:nextCondLst>
+            </p:seq>
+          </p:childTnLst>
+        </p:cTn>
+      </p:par>
+    </p:tnLst>
+  </p:timing>
 </p:sld>
 </file>
 
@@ -9205,7 +9542,7 @@
         <p:spPr>
           <a:xfrm>
             <a:off x="729360" y="1318680"/>
-            <a:ext cx="7687080" cy="533520"/>
+            <a:ext cx="7686720" cy="533160"/>
           </a:xfrm>
           <a:prstGeom prst="rect">
             <a:avLst/>
@@ -9267,7 +9604,7 @@
         <p:spPr>
           <a:xfrm>
             <a:off x="729360" y="2079000"/>
-            <a:ext cx="7687080" cy="2259360"/>
+            <a:ext cx="7686720" cy="2259000"/>
           </a:xfrm>
           <a:prstGeom prst="rect">
             <a:avLst/>
@@ -10027,6 +10364,33 @@
       </p:sp>
     </p:spTree>
   </p:cSld>
+  <p:timing>
+    <p:tnLst>
+      <p:par>
+        <p:cTn id="41" dur="indefinite" restart="never" nodeType="tmRoot">
+          <p:childTnLst>
+            <p:seq>
+              <p:cTn id="42" nodeType="mainSeq"/>
+              <p:prevCondLst>
+                <p:cond delay="0" evt="onPrev">
+                  <p:tgtEl>
+                    <p:sldTgt/>
+                  </p:tgtEl>
+                </p:cond>
+              </p:prevCondLst>
+              <p:nextCondLst>
+                <p:cond delay="0" evt="onNext">
+                  <p:tgtEl>
+                    <p:sldTgt/>
+                  </p:tgtEl>
+                </p:cond>
+              </p:nextCondLst>
+            </p:seq>
+          </p:childTnLst>
+        </p:cTn>
+      </p:par>
+    </p:tnLst>
+  </p:timing>
 </p:sld>
 </file>
 
@@ -10056,7 +10420,7 @@
         <p:spPr>
           <a:xfrm>
             <a:off x="729360" y="1318680"/>
-            <a:ext cx="7687080" cy="533520"/>
+            <a:ext cx="7686720" cy="533160"/>
           </a:xfrm>
           <a:prstGeom prst="rect">
             <a:avLst/>
@@ -10118,7 +10482,7 @@
         <p:spPr>
           <a:xfrm>
             <a:off x="729360" y="2079000"/>
-            <a:ext cx="4561560" cy="2259360"/>
+            <a:ext cx="4561200" cy="2259000"/>
           </a:xfrm>
           <a:prstGeom prst="rect">
             <a:avLst/>
@@ -10250,7 +10614,7 @@
         <p:spPr>
           <a:xfrm>
             <a:off x="5465520" y="2079000"/>
-            <a:ext cx="2950920" cy="2760480"/>
+            <a:ext cx="2950560" cy="2760120"/>
           </a:xfrm>
           <a:prstGeom prst="rect">
             <a:avLst/>
@@ -10262,6 +10626,33 @@
       </p:pic>
     </p:spTree>
   </p:cSld>
+  <p:timing>
+    <p:tnLst>
+      <p:par>
+        <p:cTn id="43" dur="indefinite" restart="never" nodeType="tmRoot">
+          <p:childTnLst>
+            <p:seq>
+              <p:cTn id="44" nodeType="mainSeq"/>
+              <p:prevCondLst>
+                <p:cond delay="0" evt="onPrev">
+                  <p:tgtEl>
+                    <p:sldTgt/>
+                  </p:tgtEl>
+                </p:cond>
+              </p:prevCondLst>
+              <p:nextCondLst>
+                <p:cond delay="0" evt="onNext">
+                  <p:tgtEl>
+                    <p:sldTgt/>
+                  </p:tgtEl>
+                </p:cond>
+              </p:nextCondLst>
+            </p:seq>
+          </p:childTnLst>
+        </p:cTn>
+      </p:par>
+    </p:tnLst>
+  </p:timing>
 </p:sld>
 </file>
 
@@ -10291,7 +10682,7 @@
         <p:spPr>
           <a:xfrm>
             <a:off x="729360" y="1318680"/>
-            <a:ext cx="7687080" cy="533520"/>
+            <a:ext cx="7686720" cy="533160"/>
           </a:xfrm>
           <a:prstGeom prst="rect">
             <a:avLst/>
@@ -10357,7 +10748,7 @@
         <p:spPr>
           <a:xfrm>
             <a:off x="2501640" y="2079000"/>
-            <a:ext cx="4404600" cy="2693880"/>
+            <a:ext cx="4404240" cy="2693520"/>
           </a:xfrm>
           <a:prstGeom prst="rect">
             <a:avLst/>
@@ -10369,6 +10760,33 @@
       </p:pic>
     </p:spTree>
   </p:cSld>
+  <p:timing>
+    <p:tnLst>
+      <p:par>
+        <p:cTn id="45" dur="indefinite" restart="never" nodeType="tmRoot">
+          <p:childTnLst>
+            <p:seq>
+              <p:cTn id="46" nodeType="mainSeq"/>
+              <p:prevCondLst>
+                <p:cond delay="0" evt="onPrev">
+                  <p:tgtEl>
+                    <p:sldTgt/>
+                  </p:tgtEl>
+                </p:cond>
+              </p:prevCondLst>
+              <p:nextCondLst>
+                <p:cond delay="0" evt="onNext">
+                  <p:tgtEl>
+                    <p:sldTgt/>
+                  </p:tgtEl>
+                </p:cond>
+              </p:nextCondLst>
+            </p:seq>
+          </p:childTnLst>
+        </p:cTn>
+      </p:par>
+    </p:tnLst>
+  </p:timing>
 </p:sld>
 </file>
 
@@ -10398,7 +10816,7 @@
         <p:spPr>
           <a:xfrm>
             <a:off x="729360" y="1318680"/>
-            <a:ext cx="7687080" cy="533520"/>
+            <a:ext cx="7686720" cy="533160"/>
           </a:xfrm>
           <a:prstGeom prst="rect">
             <a:avLst/>
@@ -10460,7 +10878,7 @@
         <p:spPr>
           <a:xfrm>
             <a:off x="729360" y="2079000"/>
-            <a:ext cx="7687080" cy="2259360"/>
+            <a:ext cx="7686720" cy="2259000"/>
           </a:xfrm>
           <a:prstGeom prst="rect">
             <a:avLst/>
@@ -10646,6 +11064,33 @@
       </p:sp>
     </p:spTree>
   </p:cSld>
+  <p:timing>
+    <p:tnLst>
+      <p:par>
+        <p:cTn id="47" dur="indefinite" restart="never" nodeType="tmRoot">
+          <p:childTnLst>
+            <p:seq>
+              <p:cTn id="48" nodeType="mainSeq"/>
+              <p:prevCondLst>
+                <p:cond delay="0" evt="onPrev">
+                  <p:tgtEl>
+                    <p:sldTgt/>
+                  </p:tgtEl>
+                </p:cond>
+              </p:prevCondLst>
+              <p:nextCondLst>
+                <p:cond delay="0" evt="onNext">
+                  <p:tgtEl>
+                    <p:sldTgt/>
+                  </p:tgtEl>
+                </p:cond>
+              </p:nextCondLst>
+            </p:seq>
+          </p:childTnLst>
+        </p:cTn>
+      </p:par>
+    </p:tnLst>
+  </p:timing>
 </p:sld>
 </file>
 
@@ -10675,7 +11120,7 @@
         <p:spPr>
           <a:xfrm>
             <a:off x="729360" y="1318680"/>
-            <a:ext cx="7687080" cy="533520"/>
+            <a:ext cx="7686720" cy="533160"/>
           </a:xfrm>
           <a:prstGeom prst="rect">
             <a:avLst/>
@@ -10737,7 +11182,7 @@
         <p:spPr>
           <a:xfrm>
             <a:off x="729360" y="2079000"/>
-            <a:ext cx="7687080" cy="2259360"/>
+            <a:ext cx="7686720" cy="2259000"/>
           </a:xfrm>
           <a:prstGeom prst="rect">
             <a:avLst/>
@@ -11245,6 +11690,33 @@
       </p:sp>
     </p:spTree>
   </p:cSld>
+  <p:timing>
+    <p:tnLst>
+      <p:par>
+        <p:cTn id="49" dur="indefinite" restart="never" nodeType="tmRoot">
+          <p:childTnLst>
+            <p:seq>
+              <p:cTn id="50" nodeType="mainSeq"/>
+              <p:prevCondLst>
+                <p:cond delay="0" evt="onPrev">
+                  <p:tgtEl>
+                    <p:sldTgt/>
+                  </p:tgtEl>
+                </p:cond>
+              </p:prevCondLst>
+              <p:nextCondLst>
+                <p:cond delay="0" evt="onNext">
+                  <p:tgtEl>
+                    <p:sldTgt/>
+                  </p:tgtEl>
+                </p:cond>
+              </p:nextCondLst>
+            </p:seq>
+          </p:childTnLst>
+        </p:cTn>
+      </p:par>
+    </p:tnLst>
+  </p:timing>
 </p:sld>
 </file>
 
@@ -11278,7 +11750,7 @@
         <p:spPr>
           <a:xfrm>
             <a:off x="1130760" y="1224720"/>
-            <a:ext cx="6507000" cy="3762720"/>
+            <a:ext cx="6506640" cy="3762360"/>
           </a:xfrm>
           <a:prstGeom prst="rect">
             <a:avLst/>
@@ -11290,6 +11762,33 @@
       </p:pic>
     </p:spTree>
   </p:cSld>
+  <p:timing>
+    <p:tnLst>
+      <p:par>
+        <p:cTn id="51" dur="indefinite" restart="never" nodeType="tmRoot">
+          <p:childTnLst>
+            <p:seq>
+              <p:cTn id="52" nodeType="mainSeq"/>
+              <p:prevCondLst>
+                <p:cond delay="0" evt="onPrev">
+                  <p:tgtEl>
+                    <p:sldTgt/>
+                  </p:tgtEl>
+                </p:cond>
+              </p:prevCondLst>
+              <p:nextCondLst>
+                <p:cond delay="0" evt="onNext">
+                  <p:tgtEl>
+                    <p:sldTgt/>
+                  </p:tgtEl>
+                </p:cond>
+              </p:nextCondLst>
+            </p:seq>
+          </p:childTnLst>
+        </p:cTn>
+      </p:par>
+    </p:tnLst>
+  </p:timing>
 </p:sld>
 </file>
 
@@ -11319,7 +11818,7 @@
         <p:spPr>
           <a:xfrm>
             <a:off x="729360" y="1318680"/>
-            <a:ext cx="7687080" cy="533520"/>
+            <a:ext cx="7686720" cy="533160"/>
           </a:xfrm>
           <a:prstGeom prst="rect">
             <a:avLst/>
@@ -11381,7 +11880,7 @@
         <p:spPr>
           <a:xfrm>
             <a:off x="729360" y="2079000"/>
-            <a:ext cx="7687080" cy="2259360"/>
+            <a:ext cx="7686720" cy="2259000"/>
           </a:xfrm>
           <a:prstGeom prst="rect">
             <a:avLst/>
@@ -11804,6 +12303,33 @@
       </p:sp>
     </p:spTree>
   </p:cSld>
+  <p:timing>
+    <p:tnLst>
+      <p:par>
+        <p:cTn id="53" dur="indefinite" restart="never" nodeType="tmRoot">
+          <p:childTnLst>
+            <p:seq>
+              <p:cTn id="54" nodeType="mainSeq"/>
+              <p:prevCondLst>
+                <p:cond delay="0" evt="onPrev">
+                  <p:tgtEl>
+                    <p:sldTgt/>
+                  </p:tgtEl>
+                </p:cond>
+              </p:prevCondLst>
+              <p:nextCondLst>
+                <p:cond delay="0" evt="onNext">
+                  <p:tgtEl>
+                    <p:sldTgt/>
+                  </p:tgtEl>
+                </p:cond>
+              </p:nextCondLst>
+            </p:seq>
+          </p:childTnLst>
+        </p:cTn>
+      </p:par>
+    </p:tnLst>
+  </p:timing>
 </p:sld>
 </file>
 
@@ -11833,7 +12359,7 @@
         <p:spPr>
           <a:xfrm>
             <a:off x="729360" y="1318680"/>
-            <a:ext cx="7687080" cy="533520"/>
+            <a:ext cx="7686720" cy="533160"/>
           </a:xfrm>
           <a:prstGeom prst="rect">
             <a:avLst/>
@@ -11895,7 +12421,7 @@
         <p:spPr>
           <a:xfrm>
             <a:off x="729360" y="2079000"/>
-            <a:ext cx="7687080" cy="2259360"/>
+            <a:ext cx="7686720" cy="2259000"/>
           </a:xfrm>
           <a:prstGeom prst="rect">
             <a:avLst/>
@@ -12052,6 +12578,33 @@
       </p:sp>
     </p:spTree>
   </p:cSld>
+  <p:timing>
+    <p:tnLst>
+      <p:par>
+        <p:cTn id="55" dur="indefinite" restart="never" nodeType="tmRoot">
+          <p:childTnLst>
+            <p:seq>
+              <p:cTn id="56" nodeType="mainSeq"/>
+              <p:prevCondLst>
+                <p:cond delay="0" evt="onPrev">
+                  <p:tgtEl>
+                    <p:sldTgt/>
+                  </p:tgtEl>
+                </p:cond>
+              </p:prevCondLst>
+              <p:nextCondLst>
+                <p:cond delay="0" evt="onNext">
+                  <p:tgtEl>
+                    <p:sldTgt/>
+                  </p:tgtEl>
+                </p:cond>
+              </p:nextCondLst>
+            </p:seq>
+          </p:childTnLst>
+        </p:cTn>
+      </p:par>
+    </p:tnLst>
+  </p:timing>
 </p:sld>
 </file>
 
@@ -12081,7 +12634,7 @@
         <p:spPr>
           <a:xfrm>
             <a:off x="729360" y="1318680"/>
-            <a:ext cx="7687080" cy="533520"/>
+            <a:ext cx="7686720" cy="533160"/>
           </a:xfrm>
           <a:prstGeom prst="rect">
             <a:avLst/>
@@ -12143,7 +12696,7 @@
         <p:spPr>
           <a:xfrm>
             <a:off x="729360" y="2079000"/>
-            <a:ext cx="7687080" cy="2259360"/>
+            <a:ext cx="7686720" cy="2259000"/>
           </a:xfrm>
           <a:prstGeom prst="rect">
             <a:avLst/>
@@ -12453,6 +13006,33 @@
       </p:sp>
     </p:spTree>
   </p:cSld>
+  <p:timing>
+    <p:tnLst>
+      <p:par>
+        <p:cTn id="57" dur="indefinite" restart="never" nodeType="tmRoot">
+          <p:childTnLst>
+            <p:seq>
+              <p:cTn id="58" nodeType="mainSeq"/>
+              <p:prevCondLst>
+                <p:cond delay="0" evt="onPrev">
+                  <p:tgtEl>
+                    <p:sldTgt/>
+                  </p:tgtEl>
+                </p:cond>
+              </p:prevCondLst>
+              <p:nextCondLst>
+                <p:cond delay="0" evt="onNext">
+                  <p:tgtEl>
+                    <p:sldTgt/>
+                  </p:tgtEl>
+                </p:cond>
+              </p:nextCondLst>
+            </p:seq>
+          </p:childTnLst>
+        </p:cTn>
+      </p:par>
+    </p:tnLst>
+  </p:timing>
 </p:sld>
 </file>
 
@@ -12482,7 +13062,7 @@
         <p:spPr>
           <a:xfrm>
             <a:off x="729360" y="1318680"/>
-            <a:ext cx="7687080" cy="533520"/>
+            <a:ext cx="7686720" cy="533160"/>
           </a:xfrm>
           <a:prstGeom prst="rect">
             <a:avLst/>
@@ -12544,7 +13124,7 @@
         <p:spPr>
           <a:xfrm>
             <a:off x="6528960" y="2079000"/>
-            <a:ext cx="1887480" cy="2259360"/>
+            <a:ext cx="1887120" cy="2259000"/>
           </a:xfrm>
           <a:prstGeom prst="rect">
             <a:avLst/>
@@ -12659,7 +13239,7 @@
         <p:spPr>
           <a:xfrm>
             <a:off x="729360" y="2079000"/>
-            <a:ext cx="5797800" cy="2585880"/>
+            <a:ext cx="5797440" cy="2585520"/>
           </a:xfrm>
           <a:prstGeom prst="rect">
             <a:avLst/>
@@ -12671,6 +13251,33 @@
       </p:pic>
     </p:spTree>
   </p:cSld>
+  <p:timing>
+    <p:tnLst>
+      <p:par>
+        <p:cTn id="5" dur="indefinite" restart="never" nodeType="tmRoot">
+          <p:childTnLst>
+            <p:seq>
+              <p:cTn id="6" nodeType="mainSeq"/>
+              <p:prevCondLst>
+                <p:cond delay="0" evt="onPrev">
+                  <p:tgtEl>
+                    <p:sldTgt/>
+                  </p:tgtEl>
+                </p:cond>
+              </p:prevCondLst>
+              <p:nextCondLst>
+                <p:cond delay="0" evt="onNext">
+                  <p:tgtEl>
+                    <p:sldTgt/>
+                  </p:tgtEl>
+                </p:cond>
+              </p:nextCondLst>
+            </p:seq>
+          </p:childTnLst>
+        </p:cTn>
+      </p:par>
+    </p:tnLst>
+  </p:timing>
 </p:sld>
 </file>
 
@@ -12700,7 +13307,7 @@
         <p:spPr>
           <a:xfrm>
             <a:off x="729360" y="1318680"/>
-            <a:ext cx="7687080" cy="533520"/>
+            <a:ext cx="7686720" cy="533160"/>
           </a:xfrm>
           <a:prstGeom prst="rect">
             <a:avLst/>
@@ -12777,7 +13384,7 @@
         <p:spPr>
           <a:xfrm>
             <a:off x="729360" y="2079000"/>
-            <a:ext cx="7687080" cy="2259360"/>
+            <a:ext cx="7686720" cy="2259000"/>
           </a:xfrm>
           <a:prstGeom prst="rect">
             <a:avLst/>
@@ -13252,6 +13859,33 @@
       </p:sp>
     </p:spTree>
   </p:cSld>
+  <p:timing>
+    <p:tnLst>
+      <p:par>
+        <p:cTn id="59" dur="indefinite" restart="never" nodeType="tmRoot">
+          <p:childTnLst>
+            <p:seq>
+              <p:cTn id="60" nodeType="mainSeq"/>
+              <p:prevCondLst>
+                <p:cond delay="0" evt="onPrev">
+                  <p:tgtEl>
+                    <p:sldTgt/>
+                  </p:tgtEl>
+                </p:cond>
+              </p:prevCondLst>
+              <p:nextCondLst>
+                <p:cond delay="0" evt="onNext">
+                  <p:tgtEl>
+                    <p:sldTgt/>
+                  </p:tgtEl>
+                </p:cond>
+              </p:nextCondLst>
+            </p:seq>
+          </p:childTnLst>
+        </p:cTn>
+      </p:par>
+    </p:tnLst>
+  </p:timing>
 </p:sld>
 </file>
 
@@ -13281,7 +13915,7 @@
         <p:spPr>
           <a:xfrm>
             <a:off x="729360" y="1318680"/>
-            <a:ext cx="7687080" cy="533520"/>
+            <a:ext cx="7686720" cy="533160"/>
           </a:xfrm>
           <a:prstGeom prst="rect">
             <a:avLst/>
@@ -13343,7 +13977,7 @@
         <p:spPr>
           <a:xfrm>
             <a:off x="729360" y="2079000"/>
-            <a:ext cx="7687080" cy="2719800"/>
+            <a:ext cx="7686720" cy="2719440"/>
           </a:xfrm>
           <a:prstGeom prst="rect">
             <a:avLst/>
@@ -13395,7 +14029,7 @@
             </a:endParaRPr>
           </a:p>
           <a:p>
-            <a:pPr marL="457200" indent="-296640">
+            <a:pPr marL="457200" indent="-296280">
               <a:lnSpc>
                 <a:spcPct val="100000"/>
               </a:lnSpc>
@@ -13433,7 +14067,7 @@
             </a:endParaRPr>
           </a:p>
           <a:p>
-            <a:pPr lvl="1" marL="914400" indent="-296640">
+            <a:pPr lvl="1" marL="914400" indent="-296280">
               <a:lnSpc>
                 <a:spcPct val="100000"/>
               </a:lnSpc>
@@ -13471,7 +14105,7 @@
             </a:endParaRPr>
           </a:p>
           <a:p>
-            <a:pPr lvl="1" marL="914400" indent="-296640">
+            <a:pPr lvl="1" marL="914400" indent="-296280">
               <a:lnSpc>
                 <a:spcPct val="100000"/>
               </a:lnSpc>
@@ -13509,7 +14143,7 @@
             </a:endParaRPr>
           </a:p>
           <a:p>
-            <a:pPr marL="457200" indent="-296640">
+            <a:pPr marL="457200" indent="-296280">
               <a:lnSpc>
                 <a:spcPct val="100000"/>
               </a:lnSpc>
@@ -13547,7 +14181,7 @@
             </a:endParaRPr>
           </a:p>
           <a:p>
-            <a:pPr marL="457200" indent="-296640">
+            <a:pPr marL="457200" indent="-296280">
               <a:lnSpc>
                 <a:spcPct val="100000"/>
               </a:lnSpc>
@@ -13588,6 +14222,33 @@
       </p:sp>
     </p:spTree>
   </p:cSld>
+  <p:timing>
+    <p:tnLst>
+      <p:par>
+        <p:cTn id="61" dur="indefinite" restart="never" nodeType="tmRoot">
+          <p:childTnLst>
+            <p:seq>
+              <p:cTn id="62" nodeType="mainSeq"/>
+              <p:prevCondLst>
+                <p:cond delay="0" evt="onPrev">
+                  <p:tgtEl>
+                    <p:sldTgt/>
+                  </p:tgtEl>
+                </p:cond>
+              </p:prevCondLst>
+              <p:nextCondLst>
+                <p:cond delay="0" evt="onNext">
+                  <p:tgtEl>
+                    <p:sldTgt/>
+                  </p:tgtEl>
+                </p:cond>
+              </p:nextCondLst>
+            </p:seq>
+          </p:childTnLst>
+        </p:cTn>
+      </p:par>
+    </p:tnLst>
+  </p:timing>
 </p:sld>
 </file>
 
@@ -13617,7 +14278,7 @@
         <p:spPr>
           <a:xfrm>
             <a:off x="729360" y="1318680"/>
-            <a:ext cx="7687080" cy="533520"/>
+            <a:ext cx="7686720" cy="533160"/>
           </a:xfrm>
           <a:prstGeom prst="rect">
             <a:avLst/>
@@ -13679,7 +14340,7 @@
         <p:spPr>
           <a:xfrm>
             <a:off x="729360" y="2079000"/>
-            <a:ext cx="7687080" cy="2259360"/>
+            <a:ext cx="7686720" cy="2259000"/>
           </a:xfrm>
           <a:prstGeom prst="rect">
             <a:avLst/>
@@ -14124,6 +14785,33 @@
       </p:sp>
     </p:spTree>
   </p:cSld>
+  <p:timing>
+    <p:tnLst>
+      <p:par>
+        <p:cTn id="63" dur="indefinite" restart="never" nodeType="tmRoot">
+          <p:childTnLst>
+            <p:seq>
+              <p:cTn id="64" nodeType="mainSeq"/>
+              <p:prevCondLst>
+                <p:cond delay="0" evt="onPrev">
+                  <p:tgtEl>
+                    <p:sldTgt/>
+                  </p:tgtEl>
+                </p:cond>
+              </p:prevCondLst>
+              <p:nextCondLst>
+                <p:cond delay="0" evt="onNext">
+                  <p:tgtEl>
+                    <p:sldTgt/>
+                  </p:tgtEl>
+                </p:cond>
+              </p:nextCondLst>
+            </p:seq>
+          </p:childTnLst>
+        </p:cTn>
+      </p:par>
+    </p:tnLst>
+  </p:timing>
 </p:sld>
 </file>
 
@@ -14153,7 +14841,7 @@
         <p:spPr>
           <a:xfrm>
             <a:off x="729360" y="1318680"/>
-            <a:ext cx="7687080" cy="533520"/>
+            <a:ext cx="7686720" cy="533160"/>
           </a:xfrm>
           <a:prstGeom prst="rect">
             <a:avLst/>
@@ -14215,7 +14903,7 @@
         <p:spPr>
           <a:xfrm>
             <a:off x="727560" y="2060280"/>
-            <a:ext cx="7687080" cy="2259360"/>
+            <a:ext cx="7686720" cy="2259000"/>
           </a:xfrm>
           <a:prstGeom prst="rect">
             <a:avLst/>
@@ -14234,7 +14922,7 @@
         <p:txBody>
           <a:bodyPr lIns="90000" rIns="90000" tIns="91440" bIns="91440"/>
           <a:p>
-            <a:pPr marL="457200" indent="-341280">
+            <a:pPr marL="457200" indent="-340920">
               <a:lnSpc>
                 <a:spcPct val="100000"/>
               </a:lnSpc>
@@ -14347,7 +15035,7 @@
             </a:endParaRPr>
           </a:p>
           <a:p>
-            <a:pPr marL="457200" indent="-341280">
+            <a:pPr marL="457200" indent="-340920">
               <a:lnSpc>
                 <a:spcPct val="100000"/>
               </a:lnSpc>
@@ -14448,6 +15136,33 @@
       </p:sp>
     </p:spTree>
   </p:cSld>
+  <p:timing>
+    <p:tnLst>
+      <p:par>
+        <p:cTn id="65" dur="indefinite" restart="never" nodeType="tmRoot">
+          <p:childTnLst>
+            <p:seq>
+              <p:cTn id="66" nodeType="mainSeq"/>
+              <p:prevCondLst>
+                <p:cond delay="0" evt="onPrev">
+                  <p:tgtEl>
+                    <p:sldTgt/>
+                  </p:tgtEl>
+                </p:cond>
+              </p:prevCondLst>
+              <p:nextCondLst>
+                <p:cond delay="0" evt="onNext">
+                  <p:tgtEl>
+                    <p:sldTgt/>
+                  </p:tgtEl>
+                </p:cond>
+              </p:nextCondLst>
+            </p:seq>
+          </p:childTnLst>
+        </p:cTn>
+      </p:par>
+    </p:tnLst>
+  </p:timing>
 </p:sld>
 </file>
 
@@ -14477,7 +15192,7 @@
         <p:spPr>
           <a:xfrm>
             <a:off x="729360" y="1318680"/>
-            <a:ext cx="7687080" cy="533520"/>
+            <a:ext cx="7686720" cy="533160"/>
           </a:xfrm>
           <a:prstGeom prst="rect">
             <a:avLst/>
@@ -14539,7 +15254,7 @@
         <p:spPr>
           <a:xfrm>
             <a:off x="729360" y="2079000"/>
-            <a:ext cx="7687080" cy="2259360"/>
+            <a:ext cx="7686720" cy="2259000"/>
           </a:xfrm>
           <a:prstGeom prst="rect">
             <a:avLst/>
@@ -14693,6 +15408,33 @@
       </p:sp>
     </p:spTree>
   </p:cSld>
+  <p:timing>
+    <p:tnLst>
+      <p:par>
+        <p:cTn id="67" dur="indefinite" restart="never" nodeType="tmRoot">
+          <p:childTnLst>
+            <p:seq>
+              <p:cTn id="68" nodeType="mainSeq"/>
+              <p:prevCondLst>
+                <p:cond delay="0" evt="onPrev">
+                  <p:tgtEl>
+                    <p:sldTgt/>
+                  </p:tgtEl>
+                </p:cond>
+              </p:prevCondLst>
+              <p:nextCondLst>
+                <p:cond delay="0" evt="onNext">
+                  <p:tgtEl>
+                    <p:sldTgt/>
+                  </p:tgtEl>
+                </p:cond>
+              </p:nextCondLst>
+            </p:seq>
+          </p:childTnLst>
+        </p:cTn>
+      </p:par>
+    </p:tnLst>
+  </p:timing>
 </p:sld>
 </file>
 
@@ -14722,7 +15464,7 @@
         <p:spPr>
           <a:xfrm>
             <a:off x="729360" y="1318680"/>
-            <a:ext cx="7687080" cy="533520"/>
+            <a:ext cx="7686720" cy="533160"/>
           </a:xfrm>
           <a:prstGeom prst="rect">
             <a:avLst/>
@@ -14788,7 +15530,7 @@
         <p:spPr>
           <a:xfrm>
             <a:off x="1375200" y="1909080"/>
-            <a:ext cx="4943520" cy="3186360"/>
+            <a:ext cx="4943160" cy="3186000"/>
           </a:xfrm>
           <a:prstGeom prst="rect">
             <a:avLst/>
@@ -14800,6 +15542,33 @@
       </p:pic>
     </p:spTree>
   </p:cSld>
+  <p:timing>
+    <p:tnLst>
+      <p:par>
+        <p:cTn id="69" dur="indefinite" restart="never" nodeType="tmRoot">
+          <p:childTnLst>
+            <p:seq>
+              <p:cTn id="70" nodeType="mainSeq"/>
+              <p:prevCondLst>
+                <p:cond delay="0" evt="onPrev">
+                  <p:tgtEl>
+                    <p:sldTgt/>
+                  </p:tgtEl>
+                </p:cond>
+              </p:prevCondLst>
+              <p:nextCondLst>
+                <p:cond delay="0" evt="onNext">
+                  <p:tgtEl>
+                    <p:sldTgt/>
+                  </p:tgtEl>
+                </p:cond>
+              </p:nextCondLst>
+            </p:seq>
+          </p:childTnLst>
+        </p:cTn>
+      </p:par>
+    </p:tnLst>
+  </p:timing>
 </p:sld>
 </file>
 
@@ -14829,7 +15598,7 @@
         <p:spPr>
           <a:xfrm>
             <a:off x="729360" y="1318680"/>
-            <a:ext cx="7687080" cy="533520"/>
+            <a:ext cx="7686720" cy="533160"/>
           </a:xfrm>
           <a:prstGeom prst="rect">
             <a:avLst/>
@@ -14891,7 +15660,7 @@
         <p:spPr>
           <a:xfrm>
             <a:off x="729360" y="2079000"/>
-            <a:ext cx="7687080" cy="2259360"/>
+            <a:ext cx="7686720" cy="2259000"/>
           </a:xfrm>
           <a:prstGeom prst="rect">
             <a:avLst/>
@@ -14910,7 +15679,7 @@
         <p:txBody>
           <a:bodyPr lIns="90000" rIns="90000" tIns="91440" bIns="91440"/>
           <a:p>
-            <a:pPr marL="457200" indent="-296640">
+            <a:pPr marL="457200" indent="-296280">
               <a:lnSpc>
                 <a:spcPct val="100000"/>
               </a:lnSpc>
@@ -14949,7 +15718,7 @@
             </a:endParaRPr>
           </a:p>
           <a:p>
-            <a:pPr marL="457200" indent="-296640">
+            <a:pPr marL="457200" indent="-296280">
               <a:lnSpc>
                 <a:spcPct val="100000"/>
               </a:lnSpc>
@@ -14988,7 +15757,7 @@
             </a:endParaRPr>
           </a:p>
           <a:p>
-            <a:pPr marL="457200" indent="-296640">
+            <a:pPr marL="457200" indent="-296280">
               <a:lnSpc>
                 <a:spcPct val="100000"/>
               </a:lnSpc>
@@ -15027,7 +15796,7 @@
             </a:endParaRPr>
           </a:p>
           <a:p>
-            <a:pPr marL="457200" indent="-296640">
+            <a:pPr marL="457200" indent="-296280">
               <a:lnSpc>
                 <a:spcPct val="100000"/>
               </a:lnSpc>
@@ -15087,6 +15856,33 @@
       </p:sp>
     </p:spTree>
   </p:cSld>
+  <p:timing>
+    <p:tnLst>
+      <p:par>
+        <p:cTn id="71" dur="indefinite" restart="never" nodeType="tmRoot">
+          <p:childTnLst>
+            <p:seq>
+              <p:cTn id="72" nodeType="mainSeq"/>
+              <p:prevCondLst>
+                <p:cond delay="0" evt="onPrev">
+                  <p:tgtEl>
+                    <p:sldTgt/>
+                  </p:tgtEl>
+                </p:cond>
+              </p:prevCondLst>
+              <p:nextCondLst>
+                <p:cond delay="0" evt="onNext">
+                  <p:tgtEl>
+                    <p:sldTgt/>
+                  </p:tgtEl>
+                </p:cond>
+              </p:nextCondLst>
+            </p:seq>
+          </p:childTnLst>
+        </p:cTn>
+      </p:par>
+    </p:tnLst>
+  </p:timing>
 </p:sld>
 </file>
 
@@ -15116,7 +15912,7 @@
         <p:spPr>
           <a:xfrm>
             <a:off x="729360" y="1318680"/>
-            <a:ext cx="7687080" cy="533520"/>
+            <a:ext cx="7686720" cy="533160"/>
           </a:xfrm>
           <a:prstGeom prst="rect">
             <a:avLst/>
@@ -15178,7 +15974,7 @@
         <p:spPr>
           <a:xfrm>
             <a:off x="729360" y="2079000"/>
-            <a:ext cx="7687080" cy="2259360"/>
+            <a:ext cx="7686720" cy="2259000"/>
           </a:xfrm>
           <a:prstGeom prst="rect">
             <a:avLst/>
@@ -15398,6 +16194,33 @@
       </p:sp>
     </p:spTree>
   </p:cSld>
+  <p:timing>
+    <p:tnLst>
+      <p:par>
+        <p:cTn id="73" dur="indefinite" restart="never" nodeType="tmRoot">
+          <p:childTnLst>
+            <p:seq>
+              <p:cTn id="74" nodeType="mainSeq"/>
+              <p:prevCondLst>
+                <p:cond delay="0" evt="onPrev">
+                  <p:tgtEl>
+                    <p:sldTgt/>
+                  </p:tgtEl>
+                </p:cond>
+              </p:prevCondLst>
+              <p:nextCondLst>
+                <p:cond delay="0" evt="onNext">
+                  <p:tgtEl>
+                    <p:sldTgt/>
+                  </p:tgtEl>
+                </p:cond>
+              </p:nextCondLst>
+            </p:seq>
+          </p:childTnLst>
+        </p:cTn>
+      </p:par>
+    </p:tnLst>
+  </p:timing>
 </p:sld>
 </file>
 
@@ -15427,7 +16250,7 @@
         <p:spPr>
           <a:xfrm>
             <a:off x="729360" y="1318680"/>
-            <a:ext cx="7687080" cy="533520"/>
+            <a:ext cx="7686720" cy="533160"/>
           </a:xfrm>
           <a:prstGeom prst="rect">
             <a:avLst/>
@@ -15489,7 +16312,7 @@
         <p:spPr>
           <a:xfrm>
             <a:off x="729360" y="2079000"/>
-            <a:ext cx="7687080" cy="2259360"/>
+            <a:ext cx="7686720" cy="2259000"/>
           </a:xfrm>
           <a:prstGeom prst="rect">
             <a:avLst/>
@@ -15643,6 +16466,33 @@
       </p:sp>
     </p:spTree>
   </p:cSld>
+  <p:timing>
+    <p:tnLst>
+      <p:par>
+        <p:cTn id="75" dur="indefinite" restart="never" nodeType="tmRoot">
+          <p:childTnLst>
+            <p:seq>
+              <p:cTn id="76" nodeType="mainSeq"/>
+              <p:prevCondLst>
+                <p:cond delay="0" evt="onPrev">
+                  <p:tgtEl>
+                    <p:sldTgt/>
+                  </p:tgtEl>
+                </p:cond>
+              </p:prevCondLst>
+              <p:nextCondLst>
+                <p:cond delay="0" evt="onNext">
+                  <p:tgtEl>
+                    <p:sldTgt/>
+                  </p:tgtEl>
+                </p:cond>
+              </p:nextCondLst>
+            </p:seq>
+          </p:childTnLst>
+        </p:cTn>
+      </p:par>
+    </p:tnLst>
+  </p:timing>
 </p:sld>
 </file>
 
@@ -15672,7 +16522,7 @@
         <p:spPr>
           <a:xfrm>
             <a:off x="729360" y="1318680"/>
-            <a:ext cx="7687080" cy="533520"/>
+            <a:ext cx="7686720" cy="533160"/>
           </a:xfrm>
           <a:prstGeom prst="rect">
             <a:avLst/>
@@ -15734,7 +16584,7 @@
         <p:spPr>
           <a:xfrm>
             <a:off x="729360" y="2079000"/>
-            <a:ext cx="7687080" cy="2259360"/>
+            <a:ext cx="7686720" cy="2259000"/>
           </a:xfrm>
           <a:prstGeom prst="rect">
             <a:avLst/>
@@ -15888,6 +16738,33 @@
       </p:sp>
     </p:spTree>
   </p:cSld>
+  <p:timing>
+    <p:tnLst>
+      <p:par>
+        <p:cTn id="77" dur="indefinite" restart="never" nodeType="tmRoot">
+          <p:childTnLst>
+            <p:seq>
+              <p:cTn id="78" nodeType="mainSeq"/>
+              <p:prevCondLst>
+                <p:cond delay="0" evt="onPrev">
+                  <p:tgtEl>
+                    <p:sldTgt/>
+                  </p:tgtEl>
+                </p:cond>
+              </p:prevCondLst>
+              <p:nextCondLst>
+                <p:cond delay="0" evt="onNext">
+                  <p:tgtEl>
+                    <p:sldTgt/>
+                  </p:tgtEl>
+                </p:cond>
+              </p:nextCondLst>
+            </p:seq>
+          </p:childTnLst>
+        </p:cTn>
+      </p:par>
+    </p:tnLst>
+  </p:timing>
 </p:sld>
 </file>
 
@@ -15917,7 +16794,7 @@
         <p:spPr>
           <a:xfrm>
             <a:off x="729360" y="1318680"/>
-            <a:ext cx="7687080" cy="533520"/>
+            <a:ext cx="7686720" cy="533160"/>
           </a:xfrm>
           <a:prstGeom prst="rect">
             <a:avLst/>
@@ -15979,7 +16856,7 @@
         <p:spPr>
           <a:xfrm>
             <a:off x="5922360" y="2079000"/>
-            <a:ext cx="2494080" cy="2259360"/>
+            <a:ext cx="2493720" cy="2259000"/>
           </a:xfrm>
           <a:prstGeom prst="rect">
             <a:avLst/>
@@ -16045,7 +16922,7 @@
         <p:spPr>
           <a:xfrm>
             <a:off x="729360" y="1909080"/>
-            <a:ext cx="5036400" cy="2835720"/>
+            <a:ext cx="5036040" cy="2835360"/>
           </a:xfrm>
           <a:prstGeom prst="rect">
             <a:avLst/>
@@ -16057,6 +16934,33 @@
       </p:pic>
     </p:spTree>
   </p:cSld>
+  <p:timing>
+    <p:tnLst>
+      <p:par>
+        <p:cTn id="7" dur="indefinite" restart="never" nodeType="tmRoot">
+          <p:childTnLst>
+            <p:seq>
+              <p:cTn id="8" nodeType="mainSeq"/>
+              <p:prevCondLst>
+                <p:cond delay="0" evt="onPrev">
+                  <p:tgtEl>
+                    <p:sldTgt/>
+                  </p:tgtEl>
+                </p:cond>
+              </p:prevCondLst>
+              <p:nextCondLst>
+                <p:cond delay="0" evt="onNext">
+                  <p:tgtEl>
+                    <p:sldTgt/>
+                  </p:tgtEl>
+                </p:cond>
+              </p:nextCondLst>
+            </p:seq>
+          </p:childTnLst>
+        </p:cTn>
+      </p:par>
+    </p:tnLst>
+  </p:timing>
 </p:sld>
 </file>
 
@@ -16086,7 +16990,7 @@
         <p:spPr>
           <a:xfrm>
             <a:off x="729360" y="1318680"/>
-            <a:ext cx="7687080" cy="533520"/>
+            <a:ext cx="7686720" cy="533160"/>
           </a:xfrm>
           <a:prstGeom prst="rect">
             <a:avLst/>
@@ -16148,7 +17052,7 @@
         <p:spPr>
           <a:xfrm>
             <a:off x="729360" y="2079000"/>
-            <a:ext cx="7687080" cy="2259360"/>
+            <a:ext cx="7686720" cy="2259000"/>
           </a:xfrm>
           <a:prstGeom prst="rect">
             <a:avLst/>
@@ -16236,6 +17140,33 @@
       </p:sp>
     </p:spTree>
   </p:cSld>
+  <p:timing>
+    <p:tnLst>
+      <p:par>
+        <p:cTn id="79" dur="indefinite" restart="never" nodeType="tmRoot">
+          <p:childTnLst>
+            <p:seq>
+              <p:cTn id="80" nodeType="mainSeq"/>
+              <p:prevCondLst>
+                <p:cond delay="0" evt="onPrev">
+                  <p:tgtEl>
+                    <p:sldTgt/>
+                  </p:tgtEl>
+                </p:cond>
+              </p:prevCondLst>
+              <p:nextCondLst>
+                <p:cond delay="0" evt="onNext">
+                  <p:tgtEl>
+                    <p:sldTgt/>
+                  </p:tgtEl>
+                </p:cond>
+              </p:nextCondLst>
+            </p:seq>
+          </p:childTnLst>
+        </p:cTn>
+      </p:par>
+    </p:tnLst>
+  </p:timing>
 </p:sld>
 </file>
 
@@ -16265,7 +17196,7 @@
         <p:spPr>
           <a:xfrm>
             <a:off x="729360" y="1318680"/>
-            <a:ext cx="7687080" cy="533520"/>
+            <a:ext cx="7686720" cy="533160"/>
           </a:xfrm>
           <a:prstGeom prst="rect">
             <a:avLst/>
@@ -16327,7 +17258,7 @@
         <p:spPr>
           <a:xfrm>
             <a:off x="729360" y="2079000"/>
-            <a:ext cx="7687080" cy="2259360"/>
+            <a:ext cx="7686720" cy="2259000"/>
           </a:xfrm>
           <a:prstGeom prst="rect">
             <a:avLst/>
@@ -16346,7 +17277,7 @@
         <p:txBody>
           <a:bodyPr lIns="90000" rIns="90000" tIns="91440" bIns="91440"/>
           <a:p>
-            <a:pPr marL="457200" indent="-296640">
+            <a:pPr marL="457200" indent="-296280">
               <a:lnSpc>
                 <a:spcPct val="100000"/>
               </a:lnSpc>
@@ -16385,7 +17316,7 @@
             </a:endParaRPr>
           </a:p>
           <a:p>
-            <a:pPr marL="457200" indent="-296640">
+            <a:pPr marL="457200" indent="-296280">
               <a:lnSpc>
                 <a:spcPct val="100000"/>
               </a:lnSpc>
@@ -16424,7 +17355,7 @@
             </a:endParaRPr>
           </a:p>
           <a:p>
-            <a:pPr marL="457200" indent="-296640">
+            <a:pPr marL="457200" indent="-296280">
               <a:lnSpc>
                 <a:spcPct val="100000"/>
               </a:lnSpc>
@@ -16484,6 +17415,33 @@
       </p:sp>
     </p:spTree>
   </p:cSld>
+  <p:timing>
+    <p:tnLst>
+      <p:par>
+        <p:cTn id="81" dur="indefinite" restart="never" nodeType="tmRoot">
+          <p:childTnLst>
+            <p:seq>
+              <p:cTn id="82" nodeType="mainSeq"/>
+              <p:prevCondLst>
+                <p:cond delay="0" evt="onPrev">
+                  <p:tgtEl>
+                    <p:sldTgt/>
+                  </p:tgtEl>
+                </p:cond>
+              </p:prevCondLst>
+              <p:nextCondLst>
+                <p:cond delay="0" evt="onNext">
+                  <p:tgtEl>
+                    <p:sldTgt/>
+                  </p:tgtEl>
+                </p:cond>
+              </p:nextCondLst>
+            </p:seq>
+          </p:childTnLst>
+        </p:cTn>
+      </p:par>
+    </p:tnLst>
+  </p:timing>
 </p:sld>
 </file>
 
@@ -16513,7 +17471,7 @@
         <p:spPr>
           <a:xfrm>
             <a:off x="729360" y="1318680"/>
-            <a:ext cx="7687080" cy="533520"/>
+            <a:ext cx="7686720" cy="533160"/>
           </a:xfrm>
           <a:prstGeom prst="rect">
             <a:avLst/>
@@ -16575,7 +17533,7 @@
         <p:spPr>
           <a:xfrm>
             <a:off x="729360" y="2079000"/>
-            <a:ext cx="7687080" cy="2259360"/>
+            <a:ext cx="7686720" cy="2259000"/>
           </a:xfrm>
           <a:prstGeom prst="rect">
             <a:avLst/>
@@ -16693,7 +17651,7 @@
             </a:endParaRPr>
           </a:p>
           <a:p>
-            <a:pPr marL="698400" indent="-309240">
+            <a:pPr marL="698400" indent="-308880">
               <a:lnSpc>
                 <a:spcPct val="100000"/>
               </a:lnSpc>
@@ -16731,7 +17689,7 @@
             </a:endParaRPr>
           </a:p>
           <a:p>
-            <a:pPr marL="698400" indent="-309240">
+            <a:pPr marL="698400" indent="-308880">
               <a:lnSpc>
                 <a:spcPct val="100000"/>
               </a:lnSpc>
@@ -16769,7 +17727,7 @@
             </a:endParaRPr>
           </a:p>
           <a:p>
-            <a:pPr marL="698400" indent="-309240">
+            <a:pPr marL="698400" indent="-308880">
               <a:lnSpc>
                 <a:spcPct val="100000"/>
               </a:lnSpc>
@@ -16808,22 +17766,37 @@
                 <a:latin typeface="Lato"/>
                 <a:ea typeface="Lato"/>
               </a:rPr>
-              <a:t> web frameworks</a:t>
-            </a:r>
-            <a:endParaRPr b="0" lang="en-CA" sz="1800" spc="-1" strike="noStrike">
-              <a:solidFill>
-                <a:srgbClr val="000000"/>
-              </a:solidFill>
-              <a:uFill>
-                <a:solidFill>
-                  <a:srgbClr val="ffffff"/>
-                </a:solidFill>
-              </a:uFill>
-              <a:latin typeface="Arial"/>
-            </a:endParaRPr>
-          </a:p>
-          <a:p>
-            <a:pPr marL="698400" indent="-309240">
+              <a:t> </a:t>
+            </a:r>
+            <a:r>
+              <a:rPr b="0" lang="en-CA" sz="1300" spc="-1" strike="noStrike">
+                <a:solidFill>
+                  <a:srgbClr val="34302d"/>
+                </a:solidFill>
+                <a:uFill>
+                  <a:solidFill>
+                    <a:srgbClr val="ffffff"/>
+                  </a:solidFill>
+                </a:uFill>
+                <a:latin typeface="Lato"/>
+                <a:ea typeface="Lato"/>
+              </a:rPr>
+              <a:t>web frameworks</a:t>
+            </a:r>
+            <a:endParaRPr b="0" lang="en-CA" sz="1800" spc="-1" strike="noStrike">
+              <a:solidFill>
+                <a:srgbClr val="000000"/>
+              </a:solidFill>
+              <a:uFill>
+                <a:solidFill>
+                  <a:srgbClr val="ffffff"/>
+                </a:solidFill>
+              </a:uFill>
+              <a:latin typeface="Arial"/>
+            </a:endParaRPr>
+          </a:p>
+          <a:p>
+            <a:pPr marL="698400" indent="-308880">
               <a:lnSpc>
                 <a:spcPct val="100000"/>
               </a:lnSpc>
@@ -16861,7 +17834,7 @@
             </a:endParaRPr>
           </a:p>
           <a:p>
-            <a:pPr marL="698400" indent="-309240">
+            <a:pPr marL="698400" indent="-308880">
               <a:lnSpc>
                 <a:spcPct val="100000"/>
               </a:lnSpc>
@@ -16920,6 +17893,33 @@
       </p:sp>
     </p:spTree>
   </p:cSld>
+  <p:timing>
+    <p:tnLst>
+      <p:par>
+        <p:cTn id="83" dur="indefinite" restart="never" nodeType="tmRoot">
+          <p:childTnLst>
+            <p:seq>
+              <p:cTn id="84" nodeType="mainSeq"/>
+              <p:prevCondLst>
+                <p:cond delay="0" evt="onPrev">
+                  <p:tgtEl>
+                    <p:sldTgt/>
+                  </p:tgtEl>
+                </p:cond>
+              </p:prevCondLst>
+              <p:nextCondLst>
+                <p:cond delay="0" evt="onNext">
+                  <p:tgtEl>
+                    <p:sldTgt/>
+                  </p:tgtEl>
+                </p:cond>
+              </p:nextCondLst>
+            </p:seq>
+          </p:childTnLst>
+        </p:cTn>
+      </p:par>
+    </p:tnLst>
+  </p:timing>
 </p:sld>
 </file>
 
@@ -16949,7 +17949,7 @@
         <p:spPr>
           <a:xfrm>
             <a:off x="729360" y="1318680"/>
-            <a:ext cx="7687080" cy="533520"/>
+            <a:ext cx="7686720" cy="533160"/>
           </a:xfrm>
           <a:prstGeom prst="rect">
             <a:avLst/>
@@ -17011,7 +18011,7 @@
         <p:spPr>
           <a:xfrm>
             <a:off x="729360" y="2079000"/>
-            <a:ext cx="7687080" cy="2259360"/>
+            <a:ext cx="7686720" cy="2259000"/>
           </a:xfrm>
           <a:prstGeom prst="rect">
             <a:avLst/>
@@ -17129,7 +18129,7 @@
             </a:endParaRPr>
           </a:p>
           <a:p>
-            <a:pPr marL="698400" indent="-309240">
+            <a:pPr marL="698400" indent="-308880">
               <a:lnSpc>
                 <a:spcPct val="100000"/>
               </a:lnSpc>
@@ -17167,7 +18167,7 @@
             </a:endParaRPr>
           </a:p>
           <a:p>
-            <a:pPr marL="698400" indent="-309240">
+            <a:pPr marL="698400" indent="-308880">
               <a:lnSpc>
                 <a:spcPct val="100000"/>
               </a:lnSpc>
@@ -17205,7 +18205,7 @@
             </a:endParaRPr>
           </a:p>
           <a:p>
-            <a:pPr marL="698400" indent="-309240">
+            <a:pPr marL="698400" indent="-308880">
               <a:lnSpc>
                 <a:spcPct val="100000"/>
               </a:lnSpc>
@@ -17244,22 +18244,37 @@
                 <a:latin typeface="Lato"/>
                 <a:ea typeface="Lato"/>
               </a:rPr>
-              <a:t> web frameworks</a:t>
-            </a:r>
-            <a:endParaRPr b="0" lang="en-CA" sz="1800" spc="-1" strike="noStrike">
-              <a:solidFill>
-                <a:srgbClr val="000000"/>
-              </a:solidFill>
-              <a:uFill>
-                <a:solidFill>
-                  <a:srgbClr val="ffffff"/>
-                </a:solidFill>
-              </a:uFill>
-              <a:latin typeface="Arial"/>
-            </a:endParaRPr>
-          </a:p>
-          <a:p>
-            <a:pPr marL="698400" indent="-309240">
+              <a:t> </a:t>
+            </a:r>
+            <a:r>
+              <a:rPr b="0" lang="en-CA" sz="1300" spc="-1" strike="noStrike">
+                <a:solidFill>
+                  <a:srgbClr val="34302d"/>
+                </a:solidFill>
+                <a:uFill>
+                  <a:solidFill>
+                    <a:srgbClr val="ffffff"/>
+                  </a:solidFill>
+                </a:uFill>
+                <a:latin typeface="Lato"/>
+                <a:ea typeface="Lato"/>
+              </a:rPr>
+              <a:t>web frameworks</a:t>
+            </a:r>
+            <a:endParaRPr b="0" lang="en-CA" sz="1800" spc="-1" strike="noStrike">
+              <a:solidFill>
+                <a:srgbClr val="000000"/>
+              </a:solidFill>
+              <a:uFill>
+                <a:solidFill>
+                  <a:srgbClr val="ffffff"/>
+                </a:solidFill>
+              </a:uFill>
+              <a:latin typeface="Arial"/>
+            </a:endParaRPr>
+          </a:p>
+          <a:p>
+            <a:pPr marL="698400" indent="-308880">
               <a:lnSpc>
                 <a:spcPct val="100000"/>
               </a:lnSpc>
@@ -17297,7 +18312,7 @@
             </a:endParaRPr>
           </a:p>
           <a:p>
-            <a:pPr marL="698400" indent="-309240">
+            <a:pPr marL="698400" indent="-308880">
               <a:lnSpc>
                 <a:spcPct val="100000"/>
               </a:lnSpc>
@@ -17356,6 +18371,33 @@
       </p:sp>
     </p:spTree>
   </p:cSld>
+  <p:timing>
+    <p:tnLst>
+      <p:par>
+        <p:cTn id="85" dur="indefinite" restart="never" nodeType="tmRoot">
+          <p:childTnLst>
+            <p:seq>
+              <p:cTn id="86" nodeType="mainSeq"/>
+              <p:prevCondLst>
+                <p:cond delay="0" evt="onPrev">
+                  <p:tgtEl>
+                    <p:sldTgt/>
+                  </p:tgtEl>
+                </p:cond>
+              </p:prevCondLst>
+              <p:nextCondLst>
+                <p:cond delay="0" evt="onNext">
+                  <p:tgtEl>
+                    <p:sldTgt/>
+                  </p:tgtEl>
+                </p:cond>
+              </p:nextCondLst>
+            </p:seq>
+          </p:childTnLst>
+        </p:cTn>
+      </p:par>
+    </p:tnLst>
+  </p:timing>
 </p:sld>
 </file>
 
@@ -17385,7 +18427,7 @@
         <p:spPr>
           <a:xfrm>
             <a:off x="729360" y="1318680"/>
-            <a:ext cx="7687080" cy="533520"/>
+            <a:ext cx="7686720" cy="533160"/>
           </a:xfrm>
           <a:prstGeom prst="rect">
             <a:avLst/>
@@ -17447,7 +18489,7 @@
         <p:spPr>
           <a:xfrm>
             <a:off x="729360" y="2079000"/>
-            <a:ext cx="7687080" cy="2259360"/>
+            <a:ext cx="7686720" cy="2259000"/>
           </a:xfrm>
           <a:prstGeom prst="rect">
             <a:avLst/>
@@ -17568,6 +18610,33 @@
       </p:sp>
     </p:spTree>
   </p:cSld>
+  <p:timing>
+    <p:tnLst>
+      <p:par>
+        <p:cTn id="87" dur="indefinite" restart="never" nodeType="tmRoot">
+          <p:childTnLst>
+            <p:seq>
+              <p:cTn id="88" nodeType="mainSeq"/>
+              <p:prevCondLst>
+                <p:cond delay="0" evt="onPrev">
+                  <p:tgtEl>
+                    <p:sldTgt/>
+                  </p:tgtEl>
+                </p:cond>
+              </p:prevCondLst>
+              <p:nextCondLst>
+                <p:cond delay="0" evt="onNext">
+                  <p:tgtEl>
+                    <p:sldTgt/>
+                  </p:tgtEl>
+                </p:cond>
+              </p:nextCondLst>
+            </p:seq>
+          </p:childTnLst>
+        </p:cTn>
+      </p:par>
+    </p:tnLst>
+  </p:timing>
 </p:sld>
 </file>
 
@@ -17597,7 +18666,7 @@
         <p:spPr>
           <a:xfrm>
             <a:off x="729360" y="1318680"/>
-            <a:ext cx="7687080" cy="533520"/>
+            <a:ext cx="7686720" cy="533160"/>
           </a:xfrm>
           <a:prstGeom prst="rect">
             <a:avLst/>
@@ -17659,7 +18728,7 @@
         <p:spPr>
           <a:xfrm>
             <a:off x="729360" y="2079000"/>
-            <a:ext cx="7687080" cy="2259360"/>
+            <a:ext cx="7686720" cy="2259000"/>
           </a:xfrm>
           <a:prstGeom prst="rect">
             <a:avLst/>
@@ -17813,6 +18882,33 @@
       </p:sp>
     </p:spTree>
   </p:cSld>
+  <p:timing>
+    <p:tnLst>
+      <p:par>
+        <p:cTn id="89" dur="indefinite" restart="never" nodeType="tmRoot">
+          <p:childTnLst>
+            <p:seq>
+              <p:cTn id="90" nodeType="mainSeq"/>
+              <p:prevCondLst>
+                <p:cond delay="0" evt="onPrev">
+                  <p:tgtEl>
+                    <p:sldTgt/>
+                  </p:tgtEl>
+                </p:cond>
+              </p:prevCondLst>
+              <p:nextCondLst>
+                <p:cond delay="0" evt="onNext">
+                  <p:tgtEl>
+                    <p:sldTgt/>
+                  </p:tgtEl>
+                </p:cond>
+              </p:nextCondLst>
+            </p:seq>
+          </p:childTnLst>
+        </p:cTn>
+      </p:par>
+    </p:tnLst>
+  </p:timing>
 </p:sld>
 </file>
 
@@ -17842,7 +18938,7 @@
         <p:spPr>
           <a:xfrm>
             <a:off x="729360" y="1318680"/>
-            <a:ext cx="7687080" cy="533520"/>
+            <a:ext cx="7686720" cy="533160"/>
           </a:xfrm>
           <a:prstGeom prst="rect">
             <a:avLst/>
@@ -17904,7 +19000,7 @@
         <p:spPr>
           <a:xfrm>
             <a:off x="729360" y="2079000"/>
-            <a:ext cx="7687080" cy="2259360"/>
+            <a:ext cx="7686720" cy="2259000"/>
           </a:xfrm>
           <a:prstGeom prst="rect">
             <a:avLst/>
@@ -17992,6 +19088,33 @@
       </p:sp>
     </p:spTree>
   </p:cSld>
+  <p:timing>
+    <p:tnLst>
+      <p:par>
+        <p:cTn id="91" dur="indefinite" restart="never" nodeType="tmRoot">
+          <p:childTnLst>
+            <p:seq>
+              <p:cTn id="92" nodeType="mainSeq"/>
+              <p:prevCondLst>
+                <p:cond delay="0" evt="onPrev">
+                  <p:tgtEl>
+                    <p:sldTgt/>
+                  </p:tgtEl>
+                </p:cond>
+              </p:prevCondLst>
+              <p:nextCondLst>
+                <p:cond delay="0" evt="onNext">
+                  <p:tgtEl>
+                    <p:sldTgt/>
+                  </p:tgtEl>
+                </p:cond>
+              </p:nextCondLst>
+            </p:seq>
+          </p:childTnLst>
+        </p:cTn>
+      </p:par>
+    </p:tnLst>
+  </p:timing>
 </p:sld>
 </file>
 
@@ -18021,7 +19144,7 @@
         <p:spPr>
           <a:xfrm>
             <a:off x="729360" y="1318680"/>
-            <a:ext cx="7687080" cy="533520"/>
+            <a:ext cx="7686720" cy="533160"/>
           </a:xfrm>
           <a:prstGeom prst="rect">
             <a:avLst/>
@@ -18083,7 +19206,7 @@
         <p:spPr>
           <a:xfrm>
             <a:off x="729360" y="2079000"/>
-            <a:ext cx="7687080" cy="2259360"/>
+            <a:ext cx="7686720" cy="2259000"/>
           </a:xfrm>
           <a:prstGeom prst="rect">
             <a:avLst/>
@@ -18951,6 +20074,33 @@
       </p:sp>
     </p:spTree>
   </p:cSld>
+  <p:timing>
+    <p:tnLst>
+      <p:par>
+        <p:cTn id="93" dur="indefinite" restart="never" nodeType="tmRoot">
+          <p:childTnLst>
+            <p:seq>
+              <p:cTn id="94" nodeType="mainSeq"/>
+              <p:prevCondLst>
+                <p:cond delay="0" evt="onPrev">
+                  <p:tgtEl>
+                    <p:sldTgt/>
+                  </p:tgtEl>
+                </p:cond>
+              </p:prevCondLst>
+              <p:nextCondLst>
+                <p:cond delay="0" evt="onNext">
+                  <p:tgtEl>
+                    <p:sldTgt/>
+                  </p:tgtEl>
+                </p:cond>
+              </p:nextCondLst>
+            </p:seq>
+          </p:childTnLst>
+        </p:cTn>
+      </p:par>
+    </p:tnLst>
+  </p:timing>
 </p:sld>
 </file>
 
@@ -18980,7 +20130,7 @@
         <p:spPr>
           <a:xfrm>
             <a:off x="729360" y="1318680"/>
-            <a:ext cx="7687080" cy="533520"/>
+            <a:ext cx="7686720" cy="533160"/>
           </a:xfrm>
           <a:prstGeom prst="rect">
             <a:avLst/>
@@ -19042,7 +20192,7 @@
         <p:spPr>
           <a:xfrm>
             <a:off x="729360" y="2079000"/>
-            <a:ext cx="7687080" cy="2259360"/>
+            <a:ext cx="7686720" cy="2259000"/>
           </a:xfrm>
           <a:prstGeom prst="rect">
             <a:avLst/>
@@ -19212,6 +20362,33 @@
       </p:sp>
     </p:spTree>
   </p:cSld>
+  <p:timing>
+    <p:tnLst>
+      <p:par>
+        <p:cTn id="95" dur="indefinite" restart="never" nodeType="tmRoot">
+          <p:childTnLst>
+            <p:seq>
+              <p:cTn id="96" nodeType="mainSeq"/>
+              <p:prevCondLst>
+                <p:cond delay="0" evt="onPrev">
+                  <p:tgtEl>
+                    <p:sldTgt/>
+                  </p:tgtEl>
+                </p:cond>
+              </p:prevCondLst>
+              <p:nextCondLst>
+                <p:cond delay="0" evt="onNext">
+                  <p:tgtEl>
+                    <p:sldTgt/>
+                  </p:tgtEl>
+                </p:cond>
+              </p:nextCondLst>
+            </p:seq>
+          </p:childTnLst>
+        </p:cTn>
+      </p:par>
+    </p:tnLst>
+  </p:timing>
 </p:sld>
 </file>
 
@@ -19241,7 +20418,7 @@
         <p:spPr>
           <a:xfrm>
             <a:off x="729360" y="1318680"/>
-            <a:ext cx="7687080" cy="533520"/>
+            <a:ext cx="7686720" cy="533160"/>
           </a:xfrm>
           <a:prstGeom prst="rect">
             <a:avLst/>
@@ -19303,7 +20480,7 @@
         <p:spPr>
           <a:xfrm>
             <a:off x="729360" y="2079000"/>
-            <a:ext cx="7687080" cy="2259360"/>
+            <a:ext cx="7686720" cy="2259000"/>
           </a:xfrm>
           <a:prstGeom prst="rect">
             <a:avLst/>
@@ -19484,6 +20661,33 @@
       </p:sp>
     </p:spTree>
   </p:cSld>
+  <p:timing>
+    <p:tnLst>
+      <p:par>
+        <p:cTn id="97" dur="indefinite" restart="never" nodeType="tmRoot">
+          <p:childTnLst>
+            <p:seq>
+              <p:cTn id="98" nodeType="mainSeq"/>
+              <p:prevCondLst>
+                <p:cond delay="0" evt="onPrev">
+                  <p:tgtEl>
+                    <p:sldTgt/>
+                  </p:tgtEl>
+                </p:cond>
+              </p:prevCondLst>
+              <p:nextCondLst>
+                <p:cond delay="0" evt="onNext">
+                  <p:tgtEl>
+                    <p:sldTgt/>
+                  </p:tgtEl>
+                </p:cond>
+              </p:nextCondLst>
+            </p:seq>
+          </p:childTnLst>
+        </p:cTn>
+      </p:par>
+    </p:tnLst>
+  </p:timing>
 </p:sld>
 </file>
 
@@ -19513,7 +20717,7 @@
         <p:spPr>
           <a:xfrm>
             <a:off x="729360" y="1318680"/>
-            <a:ext cx="7687080" cy="533520"/>
+            <a:ext cx="7686720" cy="533160"/>
           </a:xfrm>
           <a:prstGeom prst="rect">
             <a:avLst/>
@@ -19575,7 +20779,7 @@
         <p:spPr>
           <a:xfrm>
             <a:off x="729360" y="2079000"/>
-            <a:ext cx="3789360" cy="2259360"/>
+            <a:ext cx="3789000" cy="2259000"/>
           </a:xfrm>
           <a:prstGeom prst="rect">
             <a:avLst/>
@@ -19674,7 +20878,7 @@
         <p:spPr>
           <a:xfrm>
             <a:off x="4627080" y="1952280"/>
-            <a:ext cx="3789000" cy="2512800"/>
+            <a:ext cx="3788640" cy="2512440"/>
           </a:xfrm>
           <a:prstGeom prst="rect">
             <a:avLst/>
@@ -19686,6 +20890,33 @@
       </p:pic>
     </p:spTree>
   </p:cSld>
+  <p:timing>
+    <p:tnLst>
+      <p:par>
+        <p:cTn id="9" dur="indefinite" restart="never" nodeType="tmRoot">
+          <p:childTnLst>
+            <p:seq>
+              <p:cTn id="10" nodeType="mainSeq"/>
+              <p:prevCondLst>
+                <p:cond delay="0" evt="onPrev">
+                  <p:tgtEl>
+                    <p:sldTgt/>
+                  </p:tgtEl>
+                </p:cond>
+              </p:prevCondLst>
+              <p:nextCondLst>
+                <p:cond delay="0" evt="onNext">
+                  <p:tgtEl>
+                    <p:sldTgt/>
+                  </p:tgtEl>
+                </p:cond>
+              </p:nextCondLst>
+            </p:seq>
+          </p:childTnLst>
+        </p:cTn>
+      </p:par>
+    </p:tnLst>
+  </p:timing>
 </p:sld>
 </file>
 
@@ -19715,7 +20946,7 @@
         <p:spPr>
           <a:xfrm>
             <a:off x="729360" y="1318680"/>
-            <a:ext cx="7687080" cy="533520"/>
+            <a:ext cx="7686720" cy="533160"/>
           </a:xfrm>
           <a:prstGeom prst="rect">
             <a:avLst/>
@@ -19781,7 +21012,7 @@
         <p:spPr>
           <a:xfrm>
             <a:off x="510480" y="2373120"/>
-            <a:ext cx="8251560" cy="1670400"/>
+            <a:ext cx="8251200" cy="1670040"/>
           </a:xfrm>
           <a:prstGeom prst="rect">
             <a:avLst/>
@@ -19793,6 +21024,33 @@
       </p:pic>
     </p:spTree>
   </p:cSld>
+  <p:timing>
+    <p:tnLst>
+      <p:par>
+        <p:cTn id="99" dur="indefinite" restart="never" nodeType="tmRoot">
+          <p:childTnLst>
+            <p:seq>
+              <p:cTn id="100" nodeType="mainSeq"/>
+              <p:prevCondLst>
+                <p:cond delay="0" evt="onPrev">
+                  <p:tgtEl>
+                    <p:sldTgt/>
+                  </p:tgtEl>
+                </p:cond>
+              </p:prevCondLst>
+              <p:nextCondLst>
+                <p:cond delay="0" evt="onNext">
+                  <p:tgtEl>
+                    <p:sldTgt/>
+                  </p:tgtEl>
+                </p:cond>
+              </p:nextCondLst>
+            </p:seq>
+          </p:childTnLst>
+        </p:cTn>
+      </p:par>
+    </p:tnLst>
+  </p:timing>
 </p:sld>
 </file>
 
@@ -19822,7 +21080,7 @@
         <p:spPr>
           <a:xfrm>
             <a:off x="729360" y="1318680"/>
-            <a:ext cx="7687080" cy="533520"/>
+            <a:ext cx="7686720" cy="533160"/>
           </a:xfrm>
           <a:prstGeom prst="rect">
             <a:avLst/>
@@ -19884,7 +21142,7 @@
         <p:spPr>
           <a:xfrm>
             <a:off x="729360" y="2079000"/>
-            <a:ext cx="7687080" cy="2259360"/>
+            <a:ext cx="7686720" cy="2259000"/>
           </a:xfrm>
           <a:prstGeom prst="rect">
             <a:avLst/>
@@ -20183,6 +21441,33 @@
       </p:sp>
     </p:spTree>
   </p:cSld>
+  <p:timing>
+    <p:tnLst>
+      <p:par>
+        <p:cTn id="101" dur="indefinite" restart="never" nodeType="tmRoot">
+          <p:childTnLst>
+            <p:seq>
+              <p:cTn id="102" nodeType="mainSeq"/>
+              <p:prevCondLst>
+                <p:cond delay="0" evt="onPrev">
+                  <p:tgtEl>
+                    <p:sldTgt/>
+                  </p:tgtEl>
+                </p:cond>
+              </p:prevCondLst>
+              <p:nextCondLst>
+                <p:cond delay="0" evt="onNext">
+                  <p:tgtEl>
+                    <p:sldTgt/>
+                  </p:tgtEl>
+                </p:cond>
+              </p:nextCondLst>
+            </p:seq>
+          </p:childTnLst>
+        </p:cTn>
+      </p:par>
+    </p:tnLst>
+  </p:timing>
 </p:sld>
 </file>
 
@@ -20212,7 +21497,7 @@
         <p:spPr>
           <a:xfrm>
             <a:off x="729360" y="1318680"/>
-            <a:ext cx="7687080" cy="533520"/>
+            <a:ext cx="7686720" cy="533160"/>
           </a:xfrm>
           <a:prstGeom prst="rect">
             <a:avLst/>
@@ -20274,7 +21559,7 @@
         <p:spPr>
           <a:xfrm>
             <a:off x="729360" y="2079000"/>
-            <a:ext cx="7687080" cy="2259360"/>
+            <a:ext cx="7686720" cy="2259000"/>
           </a:xfrm>
           <a:prstGeom prst="rect">
             <a:avLst/>
@@ -20545,6 +21830,33 @@
       </p:sp>
     </p:spTree>
   </p:cSld>
+  <p:timing>
+    <p:tnLst>
+      <p:par>
+        <p:cTn id="103" dur="indefinite" restart="never" nodeType="tmRoot">
+          <p:childTnLst>
+            <p:seq>
+              <p:cTn id="104" nodeType="mainSeq"/>
+              <p:prevCondLst>
+                <p:cond delay="0" evt="onPrev">
+                  <p:tgtEl>
+                    <p:sldTgt/>
+                  </p:tgtEl>
+                </p:cond>
+              </p:prevCondLst>
+              <p:nextCondLst>
+                <p:cond delay="0" evt="onNext">
+                  <p:tgtEl>
+                    <p:sldTgt/>
+                  </p:tgtEl>
+                </p:cond>
+              </p:nextCondLst>
+            </p:seq>
+          </p:childTnLst>
+        </p:cTn>
+      </p:par>
+    </p:tnLst>
+  </p:timing>
 </p:sld>
 </file>
 
@@ -20574,7 +21886,7 @@
         <p:spPr>
           <a:xfrm>
             <a:off x="729360" y="1318680"/>
-            <a:ext cx="7687080" cy="533520"/>
+            <a:ext cx="7686720" cy="533160"/>
           </a:xfrm>
           <a:prstGeom prst="rect">
             <a:avLst/>
@@ -20636,7 +21948,7 @@
         <p:spPr>
           <a:xfrm>
             <a:off x="820440" y="2301480"/>
-            <a:ext cx="7595640" cy="2339640"/>
+            <a:ext cx="7595280" cy="2339280"/>
           </a:xfrm>
           <a:prstGeom prst="rect">
             <a:avLst/>
@@ -20736,6 +22048,33 @@
       </p:sp>
     </p:spTree>
   </p:cSld>
+  <p:timing>
+    <p:tnLst>
+      <p:par>
+        <p:cTn id="105" dur="indefinite" restart="never" nodeType="tmRoot">
+          <p:childTnLst>
+            <p:seq>
+              <p:cTn id="106" nodeType="mainSeq"/>
+              <p:prevCondLst>
+                <p:cond delay="0" evt="onPrev">
+                  <p:tgtEl>
+                    <p:sldTgt/>
+                  </p:tgtEl>
+                </p:cond>
+              </p:prevCondLst>
+              <p:nextCondLst>
+                <p:cond delay="0" evt="onNext">
+                  <p:tgtEl>
+                    <p:sldTgt/>
+                  </p:tgtEl>
+                </p:cond>
+              </p:nextCondLst>
+            </p:seq>
+          </p:childTnLst>
+        </p:cTn>
+      </p:par>
+    </p:tnLst>
+  </p:timing>
 </p:sld>
 </file>
 
@@ -20765,7 +22104,7 @@
         <p:spPr>
           <a:xfrm>
             <a:off x="729360" y="1318680"/>
-            <a:ext cx="7687080" cy="533520"/>
+            <a:ext cx="7686720" cy="533160"/>
           </a:xfrm>
           <a:prstGeom prst="rect">
             <a:avLst/>
@@ -20831,7 +22170,7 @@
         <p:spPr>
           <a:xfrm>
             <a:off x="1453320" y="2256480"/>
-            <a:ext cx="2064960" cy="1941480"/>
+            <a:ext cx="2064600" cy="1941120"/>
           </a:xfrm>
           <a:prstGeom prst="rect">
             <a:avLst/>
@@ -20854,7 +22193,7 @@
         <p:spPr>
           <a:xfrm>
             <a:off x="4383000" y="2256480"/>
-            <a:ext cx="2970000" cy="1407960"/>
+            <a:ext cx="2969640" cy="1407600"/>
           </a:xfrm>
           <a:prstGeom prst="rect">
             <a:avLst/>
@@ -20873,7 +22212,7 @@
         <p:spPr>
           <a:xfrm>
             <a:off x="4493160" y="3849120"/>
-            <a:ext cx="2749680" cy="438480"/>
+            <a:ext cx="2749320" cy="438120"/>
           </a:xfrm>
           <a:prstGeom prst="rect">
             <a:avLst/>
@@ -20928,6 +22267,33 @@
       </p:sp>
     </p:spTree>
   </p:cSld>
+  <p:timing>
+    <p:tnLst>
+      <p:par>
+        <p:cTn id="107" dur="indefinite" restart="never" nodeType="tmRoot">
+          <p:childTnLst>
+            <p:seq>
+              <p:cTn id="108" nodeType="mainSeq"/>
+              <p:prevCondLst>
+                <p:cond delay="0" evt="onPrev">
+                  <p:tgtEl>
+                    <p:sldTgt/>
+                  </p:tgtEl>
+                </p:cond>
+              </p:prevCondLst>
+              <p:nextCondLst>
+                <p:cond delay="0" evt="onNext">
+                  <p:tgtEl>
+                    <p:sldTgt/>
+                  </p:tgtEl>
+                </p:cond>
+              </p:nextCondLst>
+            </p:seq>
+          </p:childTnLst>
+        </p:cTn>
+      </p:par>
+    </p:tnLst>
+  </p:timing>
 </p:sld>
 </file>
 
@@ -20957,7 +22323,7 @@
         <p:spPr>
           <a:xfrm>
             <a:off x="729360" y="1318680"/>
-            <a:ext cx="7687080" cy="533520"/>
+            <a:ext cx="7686720" cy="533160"/>
           </a:xfrm>
           <a:prstGeom prst="rect">
             <a:avLst/>
@@ -21023,7 +22389,7 @@
         <p:spPr>
           <a:xfrm>
             <a:off x="1443240" y="2316600"/>
-            <a:ext cx="2322360" cy="1827000"/>
+            <a:ext cx="2322000" cy="1826640"/>
           </a:xfrm>
           <a:prstGeom prst="rect">
             <a:avLst/>
@@ -21046,7 +22412,7 @@
         <p:spPr>
           <a:xfrm>
             <a:off x="5560920" y="2297520"/>
-            <a:ext cx="2341440" cy="1865160"/>
+            <a:ext cx="2341080" cy="1864800"/>
           </a:xfrm>
           <a:prstGeom prst="rect">
             <a:avLst/>
@@ -21065,7 +22431,7 @@
         <p:spPr>
           <a:xfrm>
             <a:off x="4203000" y="3272400"/>
-            <a:ext cx="829080" cy="360"/>
+            <a:ext cx="828720" cy="360"/>
           </a:xfrm>
           <a:custGeom>
             <a:avLst/>
@@ -21101,6 +22467,33 @@
       </p:sp>
     </p:spTree>
   </p:cSld>
+  <p:timing>
+    <p:tnLst>
+      <p:par>
+        <p:cTn id="109" dur="indefinite" restart="never" nodeType="tmRoot">
+          <p:childTnLst>
+            <p:seq>
+              <p:cTn id="110" nodeType="mainSeq"/>
+              <p:prevCondLst>
+                <p:cond delay="0" evt="onPrev">
+                  <p:tgtEl>
+                    <p:sldTgt/>
+                  </p:tgtEl>
+                </p:cond>
+              </p:prevCondLst>
+              <p:nextCondLst>
+                <p:cond delay="0" evt="onNext">
+                  <p:tgtEl>
+                    <p:sldTgt/>
+                  </p:tgtEl>
+                </p:cond>
+              </p:nextCondLst>
+            </p:seq>
+          </p:childTnLst>
+        </p:cTn>
+      </p:par>
+    </p:tnLst>
+  </p:timing>
 </p:sld>
 </file>
 
@@ -21130,7 +22523,7 @@
         <p:spPr>
           <a:xfrm>
             <a:off x="729360" y="1318680"/>
-            <a:ext cx="7687080" cy="533520"/>
+            <a:ext cx="7686720" cy="533160"/>
           </a:xfrm>
           <a:prstGeom prst="rect">
             <a:avLst/>
@@ -21196,7 +22589,7 @@
         <p:spPr>
           <a:xfrm>
             <a:off x="1783440" y="2736720"/>
-            <a:ext cx="2331720" cy="893520"/>
+            <a:ext cx="2331360" cy="893160"/>
           </a:xfrm>
           <a:prstGeom prst="rect">
             <a:avLst/>
@@ -21219,7 +22612,7 @@
         <p:spPr>
           <a:xfrm>
             <a:off x="5150160" y="2779560"/>
-            <a:ext cx="3141360" cy="807840"/>
+            <a:ext cx="3141000" cy="807480"/>
           </a:xfrm>
           <a:prstGeom prst="rect">
             <a:avLst/>
@@ -21238,7 +22631,7 @@
         <p:spPr>
           <a:xfrm>
             <a:off x="4353120" y="3242160"/>
-            <a:ext cx="448560" cy="360"/>
+            <a:ext cx="448200" cy="360"/>
           </a:xfrm>
           <a:custGeom>
             <a:avLst/>
@@ -21274,6 +22667,33 @@
       </p:sp>
     </p:spTree>
   </p:cSld>
+  <p:timing>
+    <p:tnLst>
+      <p:par>
+        <p:cTn id="111" dur="indefinite" restart="never" nodeType="tmRoot">
+          <p:childTnLst>
+            <p:seq>
+              <p:cTn id="112" nodeType="mainSeq"/>
+              <p:prevCondLst>
+                <p:cond delay="0" evt="onPrev">
+                  <p:tgtEl>
+                    <p:sldTgt/>
+                  </p:tgtEl>
+                </p:cond>
+              </p:prevCondLst>
+              <p:nextCondLst>
+                <p:cond delay="0" evt="onNext">
+                  <p:tgtEl>
+                    <p:sldTgt/>
+                  </p:tgtEl>
+                </p:cond>
+              </p:nextCondLst>
+            </p:seq>
+          </p:childTnLst>
+        </p:cTn>
+      </p:par>
+    </p:tnLst>
+  </p:timing>
 </p:sld>
 </file>
 
@@ -21303,7 +22723,7 @@
         <p:spPr>
           <a:xfrm>
             <a:off x="729360" y="1318680"/>
-            <a:ext cx="5062680" cy="533520"/>
+            <a:ext cx="5062320" cy="533160"/>
           </a:xfrm>
           <a:prstGeom prst="rect">
             <a:avLst/>
@@ -21369,7 +22789,7 @@
         <p:spPr>
           <a:xfrm>
             <a:off x="5866920" y="3098160"/>
-            <a:ext cx="2674800" cy="1569960"/>
+            <a:ext cx="2674440" cy="1569600"/>
           </a:xfrm>
           <a:prstGeom prst="rect">
             <a:avLst/>
@@ -21392,7 +22812,7 @@
         <p:spPr>
           <a:xfrm>
             <a:off x="729360" y="3098160"/>
-            <a:ext cx="4189320" cy="1531800"/>
+            <a:ext cx="4188960" cy="1531440"/>
           </a:xfrm>
           <a:prstGeom prst="rect">
             <a:avLst/>
@@ -21411,7 +22831,7 @@
         <p:spPr>
           <a:xfrm>
             <a:off x="5153400" y="3884040"/>
-            <a:ext cx="478440" cy="360"/>
+            <a:ext cx="478080" cy="360"/>
           </a:xfrm>
           <a:custGeom>
             <a:avLst/>
@@ -21458,7 +22878,7 @@
         <p:spPr>
           <a:xfrm>
             <a:off x="6048720" y="1074960"/>
-            <a:ext cx="2217600" cy="1560240"/>
+            <a:ext cx="2217240" cy="1559880"/>
           </a:xfrm>
           <a:prstGeom prst="rect">
             <a:avLst/>
@@ -21476,8 +22896,8 @@
         </p:nvSpPr>
         <p:spPr>
           <a:xfrm flipH="1" rot="10800000">
-            <a:off x="7050960" y="4460400"/>
-            <a:ext cx="378720" cy="378720"/>
+            <a:off x="7428960" y="4839120"/>
+            <a:ext cx="378360" cy="378360"/>
           </a:xfrm>
           <a:custGeom>
             <a:avLst/>
@@ -21516,10 +22936,10 @@
   <p:timing>
     <p:tnLst>
       <p:par>
-        <p:cTn id="1" dur="indefinite" restart="never" nodeType="tmRoot">
+        <p:cTn id="113" dur="indefinite" restart="never" nodeType="tmRoot">
           <p:childTnLst>
             <p:seq>
-              <p:cTn id="2" nodeType="mainSeq"/>
+              <p:cTn id="114" nodeType="mainSeq"/>
               <p:prevCondLst>
                 <p:cond delay="0" evt="onPrev">
                   <p:tgtEl>
@@ -21569,7 +22989,7 @@
         <p:spPr>
           <a:xfrm>
             <a:off x="729360" y="1318680"/>
-            <a:ext cx="7687080" cy="533520"/>
+            <a:ext cx="7686720" cy="533160"/>
           </a:xfrm>
           <a:prstGeom prst="rect">
             <a:avLst/>
@@ -21631,7 +23051,7 @@
         <p:spPr>
           <a:xfrm>
             <a:off x="729360" y="2079000"/>
-            <a:ext cx="3181680" cy="2259360"/>
+            <a:ext cx="3181320" cy="2259000"/>
           </a:xfrm>
           <a:prstGeom prst="rect">
             <a:avLst/>
@@ -21763,7 +23183,7 @@
         <p:spPr>
           <a:xfrm>
             <a:off x="4255200" y="2576520"/>
-            <a:ext cx="3875040" cy="1398240"/>
+            <a:ext cx="3874680" cy="1397880"/>
           </a:xfrm>
           <a:prstGeom prst="rect">
             <a:avLst/>
@@ -21778,10 +23198,10 @@
   <p:timing>
     <p:tnLst>
       <p:par>
-        <p:cTn id="3" dur="indefinite" restart="never" nodeType="tmRoot">
+        <p:cTn id="115" dur="indefinite" restart="never" nodeType="tmRoot">
           <p:childTnLst>
             <p:seq>
-              <p:cTn id="4" nodeType="mainSeq"/>
+              <p:cTn id="116" nodeType="mainSeq"/>
               <p:prevCondLst>
                 <p:cond delay="0" evt="onPrev">
                   <p:tgtEl>
@@ -21831,7 +23251,7 @@
         <p:spPr>
           <a:xfrm>
             <a:off x="729360" y="1318680"/>
-            <a:ext cx="7687080" cy="533520"/>
+            <a:ext cx="7686720" cy="533160"/>
           </a:xfrm>
           <a:prstGeom prst="rect">
             <a:avLst/>
@@ -21893,7 +23313,7 @@
         <p:spPr>
           <a:xfrm>
             <a:off x="729360" y="2079000"/>
-            <a:ext cx="2781000" cy="2259360"/>
+            <a:ext cx="2780640" cy="2259000"/>
           </a:xfrm>
           <a:prstGeom prst="rect">
             <a:avLst/>
@@ -21959,7 +23379,7 @@
         <p:spPr>
           <a:xfrm>
             <a:off x="3674520" y="2185920"/>
-            <a:ext cx="5325120" cy="2045160"/>
+            <a:ext cx="5324760" cy="2044800"/>
           </a:xfrm>
           <a:prstGeom prst="rect">
             <a:avLst/>
@@ -21974,10 +23394,10 @@
   <p:timing>
     <p:tnLst>
       <p:par>
-        <p:cTn id="5" dur="indefinite" restart="never" nodeType="tmRoot">
+        <p:cTn id="117" dur="indefinite" restart="never" nodeType="tmRoot">
           <p:childTnLst>
             <p:seq>
-              <p:cTn id="6" nodeType="mainSeq"/>
+              <p:cTn id="118" nodeType="mainSeq"/>
               <p:prevCondLst>
                 <p:cond delay="0" evt="onPrev">
                   <p:tgtEl>
@@ -22027,7 +23447,7 @@
         <p:spPr>
           <a:xfrm>
             <a:off x="729360" y="1318680"/>
-            <a:ext cx="7687080" cy="533520"/>
+            <a:ext cx="7686720" cy="533160"/>
           </a:xfrm>
           <a:prstGeom prst="rect">
             <a:avLst/>
@@ -22089,7 +23509,7 @@
         <p:spPr>
           <a:xfrm>
             <a:off x="729360" y="2079000"/>
-            <a:ext cx="7197840" cy="2259360"/>
+            <a:ext cx="7197480" cy="2259000"/>
           </a:xfrm>
           <a:prstGeom prst="rect">
             <a:avLst/>
@@ -22119,7 +23539,7 @@
         <p:spPr>
           <a:xfrm>
             <a:off x="4300200" y="2002680"/>
-            <a:ext cx="4014720" cy="2815560"/>
+            <a:ext cx="4014360" cy="2815200"/>
           </a:xfrm>
           <a:prstGeom prst="rect">
             <a:avLst/>
@@ -22142,7 +23562,7 @@
         <p:spPr>
           <a:xfrm>
             <a:off x="424800" y="1940760"/>
-            <a:ext cx="3942720" cy="2651760"/>
+            <a:ext cx="3942360" cy="2651400"/>
           </a:xfrm>
           <a:prstGeom prst="rect">
             <a:avLst/>
@@ -22154,6 +23574,33 @@
       </p:pic>
     </p:spTree>
   </p:cSld>
+  <p:timing>
+    <p:tnLst>
+      <p:par>
+        <p:cTn id="11" dur="indefinite" restart="never" nodeType="tmRoot">
+          <p:childTnLst>
+            <p:seq>
+              <p:cTn id="12" nodeType="mainSeq"/>
+              <p:prevCondLst>
+                <p:cond delay="0" evt="onPrev">
+                  <p:tgtEl>
+                    <p:sldTgt/>
+                  </p:tgtEl>
+                </p:cond>
+              </p:prevCondLst>
+              <p:nextCondLst>
+                <p:cond delay="0" evt="onNext">
+                  <p:tgtEl>
+                    <p:sldTgt/>
+                  </p:tgtEl>
+                </p:cond>
+              </p:nextCondLst>
+            </p:seq>
+          </p:childTnLst>
+        </p:cTn>
+      </p:par>
+    </p:tnLst>
+  </p:timing>
 </p:sld>
 </file>
 
@@ -22183,7 +23630,7 @@
         <p:spPr>
           <a:xfrm>
             <a:off x="729360" y="1318680"/>
-            <a:ext cx="7687080" cy="533520"/>
+            <a:ext cx="7686720" cy="533160"/>
           </a:xfrm>
           <a:prstGeom prst="rect">
             <a:avLst/>
@@ -22245,7 +23692,7 @@
         <p:spPr>
           <a:xfrm>
             <a:off x="729360" y="2079000"/>
-            <a:ext cx="7687080" cy="2259360"/>
+            <a:ext cx="7686720" cy="2259000"/>
           </a:xfrm>
           <a:prstGeom prst="rect">
             <a:avLst/>
@@ -22450,7 +23897,7 @@
             </a:endParaRPr>
           </a:p>
           <a:p>
-            <a:pPr marL="482760" indent="-309240" algn="just">
+            <a:pPr marL="482760" indent="-308880" algn="just">
               <a:lnSpc>
                 <a:spcPct val="100000"/>
               </a:lnSpc>
@@ -22488,7 +23935,7 @@
             </a:endParaRPr>
           </a:p>
           <a:p>
-            <a:pPr marL="482760" indent="-309240" algn="just">
+            <a:pPr marL="482760" indent="-308880" algn="just">
               <a:lnSpc>
                 <a:spcPct val="100000"/>
               </a:lnSpc>
@@ -22526,7 +23973,7 @@
             </a:endParaRPr>
           </a:p>
           <a:p>
-            <a:pPr marL="482760" indent="-309240" algn="just">
+            <a:pPr marL="482760" indent="-308880" algn="just">
               <a:lnSpc>
                 <a:spcPct val="100000"/>
               </a:lnSpc>
@@ -22564,7 +24011,7 @@
             </a:endParaRPr>
           </a:p>
           <a:p>
-            <a:pPr marL="482760" indent="-309240" algn="just">
+            <a:pPr marL="482760" indent="-308880" algn="just">
               <a:lnSpc>
                 <a:spcPct val="100000"/>
               </a:lnSpc>
@@ -22608,10 +24055,10 @@
   <p:timing>
     <p:tnLst>
       <p:par>
-        <p:cTn id="7" dur="indefinite" restart="never" nodeType="tmRoot">
+        <p:cTn id="119" dur="indefinite" restart="never" nodeType="tmRoot">
           <p:childTnLst>
             <p:seq>
-              <p:cTn id="8" nodeType="mainSeq"/>
+              <p:cTn id="120" nodeType="mainSeq"/>
               <p:prevCondLst>
                 <p:cond delay="0" evt="onPrev">
                   <p:tgtEl>
@@ -22661,7 +24108,7 @@
         <p:spPr>
           <a:xfrm>
             <a:off x="729360" y="1318680"/>
-            <a:ext cx="7687080" cy="533520"/>
+            <a:ext cx="7686720" cy="533160"/>
           </a:xfrm>
           <a:prstGeom prst="rect">
             <a:avLst/>
@@ -22723,7 +24170,7 @@
         <p:spPr>
           <a:xfrm>
             <a:off x="729360" y="2079000"/>
-            <a:ext cx="7687080" cy="2259360"/>
+            <a:ext cx="7686720" cy="2259000"/>
           </a:xfrm>
           <a:prstGeom prst="rect">
             <a:avLst/>
@@ -22817,10 +24264,10 @@
   <p:timing>
     <p:tnLst>
       <p:par>
-        <p:cTn id="9" dur="indefinite" restart="never" nodeType="tmRoot">
+        <p:cTn id="121" dur="indefinite" restart="never" nodeType="tmRoot">
           <p:childTnLst>
             <p:seq>
-              <p:cTn id="10" nodeType="mainSeq"/>
+              <p:cTn id="122" nodeType="mainSeq"/>
               <p:prevCondLst>
                 <p:cond delay="0" evt="onPrev">
                   <p:tgtEl>
@@ -22870,7 +24317,7 @@
         <p:spPr>
           <a:xfrm>
             <a:off x="729360" y="1318680"/>
-            <a:ext cx="7687080" cy="533520"/>
+            <a:ext cx="7686720" cy="533160"/>
           </a:xfrm>
           <a:prstGeom prst="rect">
             <a:avLst/>
@@ -22927,7 +24374,7 @@
         <p:spPr>
           <a:xfrm>
             <a:off x="729360" y="2079000"/>
-            <a:ext cx="7687080" cy="2259360"/>
+            <a:ext cx="7686720" cy="2259000"/>
           </a:xfrm>
           <a:prstGeom prst="rect">
             <a:avLst/>
@@ -22946,7 +24393,7 @@
         <p:txBody>
           <a:bodyPr lIns="0" rIns="0" tIns="0" bIns="0"/>
           <a:p>
-            <a:pPr marL="432000" indent="-322560">
+            <a:pPr marL="432000" indent="-322200">
               <a:lnSpc>
                 <a:spcPct val="100000"/>
               </a:lnSpc>
@@ -23045,7 +24492,7 @@
             </a:endParaRPr>
           </a:p>
           <a:p>
-            <a:pPr marL="432000" indent="-322560">
+            <a:pPr marL="432000" indent="-322200">
               <a:lnSpc>
                 <a:spcPct val="100000"/>
               </a:lnSpc>
@@ -23090,10 +24537,10 @@
   <p:timing>
     <p:tnLst>
       <p:par>
-        <p:cTn id="11" dur="indefinite" restart="never" nodeType="tmRoot">
+        <p:cTn id="123" dur="indefinite" restart="never" nodeType="tmRoot">
           <p:childTnLst>
             <p:seq>
-              <p:cTn id="12" nodeType="mainSeq"/>
+              <p:cTn id="124" nodeType="mainSeq"/>
               <p:prevCondLst>
                 <p:cond delay="0" evt="onPrev">
                   <p:tgtEl>
@@ -23143,7 +24590,7 @@
         <p:spPr>
           <a:xfrm>
             <a:off x="729360" y="1318680"/>
-            <a:ext cx="7687080" cy="533520"/>
+            <a:ext cx="7686720" cy="533160"/>
           </a:xfrm>
           <a:prstGeom prst="rect">
             <a:avLst/>
@@ -23230,7 +24677,7 @@
         <p:spPr>
           <a:xfrm>
             <a:off x="729360" y="2079000"/>
-            <a:ext cx="7687080" cy="2259360"/>
+            <a:ext cx="7686720" cy="2259000"/>
           </a:xfrm>
           <a:prstGeom prst="rect">
             <a:avLst/>
@@ -23249,7 +24696,7 @@
         <p:txBody>
           <a:bodyPr lIns="0" rIns="0" tIns="0" bIns="0"/>
           <a:p>
-            <a:pPr marL="432000" indent="-322560">
+            <a:pPr marL="432000" indent="-322200">
               <a:lnSpc>
                 <a:spcPct val="100000"/>
               </a:lnSpc>
@@ -23288,7 +24735,7 @@
             </a:endParaRPr>
           </a:p>
           <a:p>
-            <a:pPr marL="432000" indent="-322560">
+            <a:pPr marL="432000" indent="-322200">
               <a:lnSpc>
                 <a:spcPct val="100000"/>
               </a:lnSpc>
@@ -23327,7 +24774,7 @@
             </a:endParaRPr>
           </a:p>
           <a:p>
-            <a:pPr marL="432000" indent="-322560">
+            <a:pPr marL="432000" indent="-322200">
               <a:lnSpc>
                 <a:spcPct val="100000"/>
               </a:lnSpc>
@@ -23372,10 +24819,10 @@
   <p:timing>
     <p:tnLst>
       <p:par>
-        <p:cTn id="13" dur="indefinite" restart="never" nodeType="tmRoot">
+        <p:cTn id="125" dur="indefinite" restart="never" nodeType="tmRoot">
           <p:childTnLst>
             <p:seq>
-              <p:cTn id="14" nodeType="mainSeq"/>
+              <p:cTn id="126" nodeType="mainSeq"/>
               <p:prevCondLst>
                 <p:cond delay="0" evt="onPrev">
                   <p:tgtEl>
@@ -23425,7 +24872,7 @@
         <p:spPr>
           <a:xfrm>
             <a:off x="729360" y="1318680"/>
-            <a:ext cx="7687080" cy="533520"/>
+            <a:ext cx="7686720" cy="533160"/>
           </a:xfrm>
           <a:prstGeom prst="rect">
             <a:avLst/>
@@ -23512,7 +24959,7 @@
         <p:spPr>
           <a:xfrm>
             <a:off x="729360" y="2079000"/>
-            <a:ext cx="7687080" cy="2259360"/>
+            <a:ext cx="7686720" cy="2259000"/>
           </a:xfrm>
           <a:prstGeom prst="rect">
             <a:avLst/>
@@ -23531,7 +24978,7 @@
         <p:txBody>
           <a:bodyPr lIns="0" rIns="0" tIns="0" bIns="0"/>
           <a:p>
-            <a:pPr marL="432000" indent="-322560">
+            <a:pPr marL="432000" indent="-322200">
               <a:lnSpc>
                 <a:spcPct val="100000"/>
               </a:lnSpc>
@@ -23585,7 +25032,7 @@
             </a:endParaRPr>
           </a:p>
           <a:p>
-            <a:pPr marL="432000" indent="-322560">
+            <a:pPr marL="432000" indent="-322200">
               <a:lnSpc>
                 <a:spcPct val="100000"/>
               </a:lnSpc>
@@ -23639,7 +25086,7 @@
             </a:endParaRPr>
           </a:p>
           <a:p>
-            <a:pPr marL="432000" indent="-322560">
+            <a:pPr marL="432000" indent="-322200">
               <a:lnSpc>
                 <a:spcPct val="100000"/>
               </a:lnSpc>
@@ -23693,7 +25140,7 @@
             </a:endParaRPr>
           </a:p>
           <a:p>
-            <a:pPr marL="432000" indent="-322560">
+            <a:pPr marL="432000" indent="-322200">
               <a:lnSpc>
                 <a:spcPct val="100000"/>
               </a:lnSpc>
@@ -23747,7 +25194,7 @@
             </a:endParaRPr>
           </a:p>
           <a:p>
-            <a:pPr marL="432000" indent="-322560">
+            <a:pPr marL="432000" indent="-322200">
               <a:lnSpc>
                 <a:spcPct val="100000"/>
               </a:lnSpc>
@@ -23801,7 +25248,7 @@
             </a:endParaRPr>
           </a:p>
           <a:p>
-            <a:pPr marL="432000" indent="-322560">
+            <a:pPr marL="432000" indent="-322200">
               <a:lnSpc>
                 <a:spcPct val="100000"/>
               </a:lnSpc>
@@ -23855,7 +25302,7 @@
             </a:endParaRPr>
           </a:p>
           <a:p>
-            <a:pPr marL="432000" indent="-322560">
+            <a:pPr marL="432000" indent="-322200">
               <a:lnSpc>
                 <a:spcPct val="100000"/>
               </a:lnSpc>
@@ -23909,7 +25356,7 @@
             </a:endParaRPr>
           </a:p>
           <a:p>
-            <a:pPr marL="432000" indent="-322560">
+            <a:pPr marL="432000" indent="-322200">
               <a:lnSpc>
                 <a:spcPct val="100000"/>
               </a:lnSpc>
@@ -23963,7 +25410,7 @@
             </a:endParaRPr>
           </a:p>
           <a:p>
-            <a:pPr marL="432000" indent="-322560">
+            <a:pPr marL="432000" indent="-322200">
               <a:lnSpc>
                 <a:spcPct val="100000"/>
               </a:lnSpc>
@@ -24017,7 +25464,7 @@
             </a:endParaRPr>
           </a:p>
           <a:p>
-            <a:pPr marL="432000" indent="-322560">
+            <a:pPr marL="432000" indent="-322200">
               <a:lnSpc>
                 <a:spcPct val="100000"/>
               </a:lnSpc>
@@ -24071,7 +25518,7 @@
             </a:endParaRPr>
           </a:p>
           <a:p>
-            <a:pPr marL="432000" indent="-322560">
+            <a:pPr marL="432000" indent="-322200">
               <a:lnSpc>
                 <a:spcPct val="100000"/>
               </a:lnSpc>
@@ -24116,10 +25563,10 @@
   <p:timing>
     <p:tnLst>
       <p:par>
-        <p:cTn id="15" dur="indefinite" restart="never" nodeType="tmRoot">
+        <p:cTn id="127" dur="indefinite" restart="never" nodeType="tmRoot">
           <p:childTnLst>
             <p:seq>
-              <p:cTn id="16" nodeType="mainSeq"/>
+              <p:cTn id="128" nodeType="mainSeq"/>
               <p:prevCondLst>
                 <p:cond delay="0" evt="onPrev">
                   <p:tgtEl>
@@ -24169,7 +25616,7 @@
         <p:spPr>
           <a:xfrm>
             <a:off x="729360" y="1318680"/>
-            <a:ext cx="7687080" cy="533520"/>
+            <a:ext cx="7686720" cy="533160"/>
           </a:xfrm>
           <a:prstGeom prst="rect">
             <a:avLst/>
@@ -24230,7 +25677,7 @@
         <p:spPr>
           <a:xfrm>
             <a:off x="2442600" y="2040480"/>
-            <a:ext cx="4322520" cy="2255760"/>
+            <a:ext cx="4322160" cy="2255400"/>
           </a:xfrm>
           <a:prstGeom prst="rect">
             <a:avLst/>
@@ -24245,10 +25692,10 @@
   <p:timing>
     <p:tnLst>
       <p:par>
-        <p:cTn id="17" dur="indefinite" restart="never" nodeType="tmRoot">
+        <p:cTn id="129" dur="indefinite" restart="never" nodeType="tmRoot">
           <p:childTnLst>
             <p:seq>
-              <p:cTn id="18" nodeType="mainSeq"/>
+              <p:cTn id="130" nodeType="mainSeq"/>
               <p:prevCondLst>
                 <p:cond delay="0" evt="onPrev">
                   <p:tgtEl>
@@ -24298,7 +25745,7 @@
         <p:spPr>
           <a:xfrm>
             <a:off x="729360" y="1318680"/>
-            <a:ext cx="7687080" cy="533520"/>
+            <a:ext cx="7686720" cy="533160"/>
           </a:xfrm>
           <a:prstGeom prst="rect">
             <a:avLst/>
@@ -24355,7 +25802,7 @@
         <p:spPr>
           <a:xfrm>
             <a:off x="731880" y="2011680"/>
-            <a:ext cx="3381840" cy="2563560"/>
+            <a:ext cx="3381480" cy="2563200"/>
           </a:xfrm>
           <a:prstGeom prst="rect">
             <a:avLst/>
@@ -24896,7 +26343,7 @@
         <p:spPr>
           <a:xfrm>
             <a:off x="4937760" y="2011680"/>
-            <a:ext cx="3381840" cy="2740320"/>
+            <a:ext cx="3381480" cy="2739960"/>
           </a:xfrm>
           <a:prstGeom prst="rect">
             <a:avLst/>
@@ -25362,10 +26809,10 @@
   <p:timing>
     <p:tnLst>
       <p:par>
-        <p:cTn id="19" dur="indefinite" restart="never" nodeType="tmRoot">
+        <p:cTn id="131" dur="indefinite" restart="never" nodeType="tmRoot">
           <p:childTnLst>
             <p:seq>
-              <p:cTn id="20" nodeType="mainSeq"/>
+              <p:cTn id="132" nodeType="mainSeq"/>
               <p:prevCondLst>
                 <p:cond delay="0" evt="onPrev">
                   <p:tgtEl>
@@ -25415,7 +26862,7 @@
         <p:spPr>
           <a:xfrm>
             <a:off x="729360" y="1318680"/>
-            <a:ext cx="7687080" cy="533520"/>
+            <a:ext cx="7686720" cy="533160"/>
           </a:xfrm>
           <a:prstGeom prst="rect">
             <a:avLst/>
@@ -25472,7 +26919,7 @@
         <p:spPr>
           <a:xfrm>
             <a:off x="729360" y="2079000"/>
-            <a:ext cx="7687080" cy="2259360"/>
+            <a:ext cx="7686720" cy="2259000"/>
           </a:xfrm>
           <a:prstGeom prst="rect">
             <a:avLst/>
@@ -25491,7 +26938,7 @@
         <p:txBody>
           <a:bodyPr lIns="0" rIns="0" tIns="0" bIns="0"/>
           <a:p>
-            <a:pPr marL="432000" indent="-322560">
+            <a:pPr marL="432000" indent="-322200">
               <a:lnSpc>
                 <a:spcPct val="100000"/>
               </a:lnSpc>
@@ -25530,7 +26977,7 @@
             </a:endParaRPr>
           </a:p>
           <a:p>
-            <a:pPr marL="432000" indent="-322560">
+            <a:pPr marL="432000" indent="-322200">
               <a:lnSpc>
                 <a:spcPct val="100000"/>
               </a:lnSpc>
@@ -25569,7 +27016,7 @@
             </a:endParaRPr>
           </a:p>
           <a:p>
-            <a:pPr marL="432000" indent="-322560">
+            <a:pPr marL="432000" indent="-322200">
               <a:lnSpc>
                 <a:spcPct val="100000"/>
               </a:lnSpc>
@@ -25608,7 +27055,7 @@
             </a:endParaRPr>
           </a:p>
           <a:p>
-            <a:pPr marL="432000" indent="-322560">
+            <a:pPr marL="432000" indent="-322200">
               <a:lnSpc>
                 <a:spcPct val="100000"/>
               </a:lnSpc>
@@ -25653,10 +27100,10 @@
   <p:timing>
     <p:tnLst>
       <p:par>
-        <p:cTn id="21" dur="indefinite" restart="never" nodeType="tmRoot">
+        <p:cTn id="133" dur="indefinite" restart="never" nodeType="tmRoot">
           <p:childTnLst>
             <p:seq>
-              <p:cTn id="22" nodeType="mainSeq"/>
+              <p:cTn id="134" nodeType="mainSeq"/>
               <p:prevCondLst>
                 <p:cond delay="0" evt="onPrev">
                   <p:tgtEl>
@@ -25706,7 +27153,7 @@
         <p:spPr>
           <a:xfrm>
             <a:off x="729360" y="1318680"/>
-            <a:ext cx="7687080" cy="533520"/>
+            <a:ext cx="7686720" cy="533160"/>
           </a:xfrm>
           <a:prstGeom prst="rect">
             <a:avLst/>
@@ -25763,7 +27210,7 @@
         <p:spPr>
           <a:xfrm>
             <a:off x="729360" y="2079000"/>
-            <a:ext cx="7687080" cy="2259360"/>
+            <a:ext cx="7686720" cy="2259000"/>
           </a:xfrm>
           <a:prstGeom prst="rect">
             <a:avLst/>
@@ -25782,7 +27229,7 @@
         <p:txBody>
           <a:bodyPr lIns="0" rIns="0" tIns="0" bIns="0"/>
           <a:p>
-            <a:pPr marL="432000" indent="-322560">
+            <a:pPr marL="432000" indent="-322200">
               <a:lnSpc>
                 <a:spcPct val="100000"/>
               </a:lnSpc>
@@ -25821,7 +27268,7 @@
             </a:endParaRPr>
           </a:p>
           <a:p>
-            <a:pPr marL="432000" indent="-322560">
+            <a:pPr marL="432000" indent="-322200">
               <a:lnSpc>
                 <a:spcPct val="100000"/>
               </a:lnSpc>
@@ -25860,7 +27307,7 @@
             </a:endParaRPr>
           </a:p>
           <a:p>
-            <a:pPr marL="432000" indent="-322560">
+            <a:pPr marL="432000" indent="-322200">
               <a:lnSpc>
                 <a:spcPct val="100000"/>
               </a:lnSpc>
@@ -25899,7 +27346,7 @@
             </a:endParaRPr>
           </a:p>
           <a:p>
-            <a:pPr marL="432000" indent="-322560">
+            <a:pPr marL="432000" indent="-322200">
               <a:lnSpc>
                 <a:spcPct val="100000"/>
               </a:lnSpc>
@@ -25938,7 +27385,7 @@
             </a:endParaRPr>
           </a:p>
           <a:p>
-            <a:pPr marL="432000" indent="-322560">
+            <a:pPr marL="432000" indent="-322200">
               <a:lnSpc>
                 <a:spcPct val="100000"/>
               </a:lnSpc>
@@ -25977,7 +27424,7 @@
             </a:endParaRPr>
           </a:p>
           <a:p>
-            <a:pPr marL="432000" indent="-322560">
+            <a:pPr marL="432000" indent="-322200">
               <a:lnSpc>
                 <a:spcPct val="100000"/>
               </a:lnSpc>
@@ -26022,10 +27469,10 @@
   <p:timing>
     <p:tnLst>
       <p:par>
-        <p:cTn id="23" dur="indefinite" restart="never" nodeType="tmRoot">
+        <p:cTn id="135" dur="indefinite" restart="never" nodeType="tmRoot">
           <p:childTnLst>
             <p:seq>
-              <p:cTn id="24" nodeType="mainSeq"/>
+              <p:cTn id="136" nodeType="mainSeq"/>
               <p:prevCondLst>
                 <p:cond delay="0" evt="onPrev">
                   <p:tgtEl>
@@ -26075,7 +27522,7 @@
         <p:spPr>
           <a:xfrm>
             <a:off x="729360" y="1318680"/>
-            <a:ext cx="7687080" cy="533520"/>
+            <a:ext cx="7686720" cy="533160"/>
           </a:xfrm>
           <a:prstGeom prst="rect">
             <a:avLst/>
@@ -26132,7 +27579,7 @@
         <p:spPr>
           <a:xfrm>
             <a:off x="729360" y="2079000"/>
-            <a:ext cx="7687080" cy="2259360"/>
+            <a:ext cx="7686720" cy="2259000"/>
           </a:xfrm>
           <a:prstGeom prst="rect">
             <a:avLst/>
@@ -26151,7 +27598,7 @@
         <p:txBody>
           <a:bodyPr lIns="0" rIns="0" tIns="0" bIns="0"/>
           <a:p>
-            <a:pPr marL="432000" indent="-322560">
+            <a:pPr marL="432000" indent="-322200">
               <a:lnSpc>
                 <a:spcPct val="100000"/>
               </a:lnSpc>
@@ -26190,7 +27637,7 @@
             </a:endParaRPr>
           </a:p>
           <a:p>
-            <a:pPr marL="432000" indent="-322560">
+            <a:pPr marL="432000" indent="-322200">
               <a:lnSpc>
                 <a:spcPct val="100000"/>
               </a:lnSpc>
@@ -26229,7 +27676,7 @@
             </a:endParaRPr>
           </a:p>
           <a:p>
-            <a:pPr marL="432000" indent="-322560">
+            <a:pPr marL="432000" indent="-322200">
               <a:lnSpc>
                 <a:spcPct val="100000"/>
               </a:lnSpc>
@@ -26268,7 +27715,7 @@
             </a:endParaRPr>
           </a:p>
           <a:p>
-            <a:pPr marL="432000" indent="-322560">
+            <a:pPr marL="432000" indent="-322200">
               <a:lnSpc>
                 <a:spcPct val="100000"/>
               </a:lnSpc>
@@ -26307,7 +27754,7 @@
             </a:endParaRPr>
           </a:p>
           <a:p>
-            <a:pPr marL="432000" indent="-322560">
+            <a:pPr marL="432000" indent="-322200">
               <a:lnSpc>
                 <a:spcPct val="100000"/>
               </a:lnSpc>
@@ -26346,7 +27793,7 @@
             </a:endParaRPr>
           </a:p>
           <a:p>
-            <a:pPr marL="432000" indent="-322560">
+            <a:pPr marL="432000" indent="-322200">
               <a:lnSpc>
                 <a:spcPct val="100000"/>
               </a:lnSpc>
@@ -26385,7 +27832,7 @@
             </a:endParaRPr>
           </a:p>
           <a:p>
-            <a:pPr marL="432000" indent="-322560">
+            <a:pPr marL="432000" indent="-322200">
               <a:lnSpc>
                 <a:spcPct val="100000"/>
               </a:lnSpc>
@@ -26424,7 +27871,7 @@
             </a:endParaRPr>
           </a:p>
           <a:p>
-            <a:pPr marL="432000" indent="-322560">
+            <a:pPr marL="432000" indent="-322200">
               <a:lnSpc>
                 <a:spcPct val="100000"/>
               </a:lnSpc>
@@ -26463,7 +27910,7 @@
             </a:endParaRPr>
           </a:p>
           <a:p>
-            <a:pPr marL="432000" indent="-322560">
+            <a:pPr marL="432000" indent="-322200">
               <a:lnSpc>
                 <a:spcPct val="100000"/>
               </a:lnSpc>
@@ -26508,10 +27955,10 @@
   <p:timing>
     <p:tnLst>
       <p:par>
-        <p:cTn id="25" dur="indefinite" restart="never" nodeType="tmRoot">
+        <p:cTn id="137" dur="indefinite" restart="never" nodeType="tmRoot">
           <p:childTnLst>
             <p:seq>
-              <p:cTn id="26" nodeType="mainSeq"/>
+              <p:cTn id="138" nodeType="mainSeq"/>
               <p:prevCondLst>
                 <p:cond delay="0" evt="onPrev">
                   <p:tgtEl>
@@ -26561,7 +28008,7 @@
         <p:spPr>
           <a:xfrm>
             <a:off x="729360" y="1318680"/>
-            <a:ext cx="7687080" cy="533520"/>
+            <a:ext cx="7686720" cy="533160"/>
           </a:xfrm>
           <a:prstGeom prst="rect">
             <a:avLst/>
@@ -26623,7 +28070,7 @@
         <p:spPr>
           <a:xfrm>
             <a:off x="729360" y="2079000"/>
-            <a:ext cx="3486960" cy="2259360"/>
+            <a:ext cx="3486600" cy="2259000"/>
           </a:xfrm>
           <a:prstGeom prst="rect">
             <a:avLst/>
@@ -26755,7 +28202,7 @@
         <p:spPr>
           <a:xfrm>
             <a:off x="4579920" y="1987920"/>
-            <a:ext cx="3836520" cy="2805480"/>
+            <a:ext cx="3836160" cy="2805120"/>
           </a:xfrm>
           <a:prstGeom prst="rect">
             <a:avLst/>
@@ -26767,6 +28214,33 @@
       </p:pic>
     </p:spTree>
   </p:cSld>
+  <p:timing>
+    <p:tnLst>
+      <p:par>
+        <p:cTn id="13" dur="indefinite" restart="never" nodeType="tmRoot">
+          <p:childTnLst>
+            <p:seq>
+              <p:cTn id="14" nodeType="mainSeq"/>
+              <p:prevCondLst>
+                <p:cond delay="0" evt="onPrev">
+                  <p:tgtEl>
+                    <p:sldTgt/>
+                  </p:tgtEl>
+                </p:cond>
+              </p:prevCondLst>
+              <p:nextCondLst>
+                <p:cond delay="0" evt="onNext">
+                  <p:tgtEl>
+                    <p:sldTgt/>
+                  </p:tgtEl>
+                </p:cond>
+              </p:nextCondLst>
+            </p:seq>
+          </p:childTnLst>
+        </p:cTn>
+      </p:par>
+    </p:tnLst>
+  </p:timing>
 </p:sld>
 </file>
 
@@ -26796,7 +28270,7 @@
         <p:spPr>
           <a:xfrm>
             <a:off x="729360" y="1318680"/>
-            <a:ext cx="7687080" cy="533520"/>
+            <a:ext cx="7686720" cy="533160"/>
           </a:xfrm>
           <a:prstGeom prst="rect">
             <a:avLst/>
@@ -26853,7 +28327,7 @@
         <p:spPr>
           <a:xfrm>
             <a:off x="729360" y="2079000"/>
-            <a:ext cx="7687080" cy="2259360"/>
+            <a:ext cx="7686720" cy="2259000"/>
           </a:xfrm>
           <a:prstGeom prst="rect">
             <a:avLst/>
@@ -26872,7 +28346,7 @@
         <p:txBody>
           <a:bodyPr lIns="0" rIns="0" tIns="0" bIns="0"/>
           <a:p>
-            <a:pPr marL="432000" indent="-322560">
+            <a:pPr marL="432000" indent="-322200">
               <a:lnSpc>
                 <a:spcPct val="100000"/>
               </a:lnSpc>
@@ -26921,7 +28395,7 @@
         <p:spPr>
           <a:xfrm>
             <a:off x="1188720" y="2950920"/>
-            <a:ext cx="5576400" cy="2191320"/>
+            <a:ext cx="5576040" cy="2190960"/>
           </a:xfrm>
           <a:prstGeom prst="rect">
             <a:avLst/>
@@ -27316,10 +28790,10 @@
   <p:timing>
     <p:tnLst>
       <p:par>
-        <p:cTn id="27" dur="indefinite" restart="never" nodeType="tmRoot">
+        <p:cTn id="139" dur="indefinite" restart="never" nodeType="tmRoot">
           <p:childTnLst>
             <p:seq>
-              <p:cTn id="28" nodeType="mainSeq"/>
+              <p:cTn id="140" nodeType="mainSeq"/>
               <p:prevCondLst>
                 <p:cond delay="0" evt="onPrev">
                   <p:tgtEl>
@@ -27369,7 +28843,7 @@
         <p:spPr>
           <a:xfrm>
             <a:off x="729360" y="1318680"/>
-            <a:ext cx="7687080" cy="533520"/>
+            <a:ext cx="7686720" cy="533160"/>
           </a:xfrm>
           <a:prstGeom prst="rect">
             <a:avLst/>
@@ -27431,7 +28905,7 @@
         <p:spPr>
           <a:xfrm>
             <a:off x="729360" y="2079000"/>
-            <a:ext cx="7687080" cy="2259360"/>
+            <a:ext cx="7686720" cy="2259000"/>
           </a:xfrm>
           <a:prstGeom prst="rect">
             <a:avLst/>
@@ -27690,6 +29164,33 @@
       </p:sp>
     </p:spTree>
   </p:cSld>
+  <p:timing>
+    <p:tnLst>
+      <p:par>
+        <p:cTn id="141" dur="indefinite" restart="never" nodeType="tmRoot">
+          <p:childTnLst>
+            <p:seq>
+              <p:cTn id="142" nodeType="mainSeq"/>
+              <p:prevCondLst>
+                <p:cond delay="0" evt="onPrev">
+                  <p:tgtEl>
+                    <p:sldTgt/>
+                  </p:tgtEl>
+                </p:cond>
+              </p:prevCondLst>
+              <p:nextCondLst>
+                <p:cond delay="0" evt="onNext">
+                  <p:tgtEl>
+                    <p:sldTgt/>
+                  </p:tgtEl>
+                </p:cond>
+              </p:nextCondLst>
+            </p:seq>
+          </p:childTnLst>
+        </p:cTn>
+      </p:par>
+    </p:tnLst>
+  </p:timing>
 </p:sld>
 </file>
 
@@ -27719,7 +29220,7 @@
         <p:spPr>
           <a:xfrm>
             <a:off x="729360" y="1318680"/>
-            <a:ext cx="7687080" cy="533520"/>
+            <a:ext cx="7686720" cy="533160"/>
           </a:xfrm>
           <a:prstGeom prst="rect">
             <a:avLst/>
@@ -27781,7 +29282,7 @@
         <p:spPr>
           <a:xfrm>
             <a:off x="729360" y="2079000"/>
-            <a:ext cx="3377880" cy="2259360"/>
+            <a:ext cx="3377520" cy="2259000"/>
           </a:xfrm>
           <a:prstGeom prst="rect">
             <a:avLst/>
@@ -27833,7 +29334,7 @@
             </a:endParaRPr>
           </a:p>
           <a:p>
-            <a:pPr marL="457200" indent="-309240">
+            <a:pPr marL="457200" indent="-308880">
               <a:lnSpc>
                 <a:spcPct val="100000"/>
               </a:lnSpc>
@@ -27871,7 +29372,7 @@
             </a:endParaRPr>
           </a:p>
           <a:p>
-            <a:pPr marL="457200" indent="-309240">
+            <a:pPr marL="457200" indent="-308880">
               <a:lnSpc>
                 <a:spcPct val="100000"/>
               </a:lnSpc>
@@ -27909,7 +29410,7 @@
             </a:endParaRPr>
           </a:p>
           <a:p>
-            <a:pPr marL="457200" indent="-309240">
+            <a:pPr marL="457200" indent="-308880">
               <a:lnSpc>
                 <a:spcPct val="100000"/>
               </a:lnSpc>
@@ -27977,7 +29478,7 @@
             </a:endParaRPr>
           </a:p>
           <a:p>
-            <a:pPr marL="457200" indent="-309240">
+            <a:pPr marL="457200" indent="-308880">
               <a:lnSpc>
                 <a:spcPct val="100000"/>
               </a:lnSpc>
@@ -28095,7 +29596,7 @@
         <p:spPr>
           <a:xfrm>
             <a:off x="4157640" y="2079000"/>
-            <a:ext cx="4258800" cy="2671200"/>
+            <a:ext cx="4258440" cy="2670840"/>
           </a:xfrm>
           <a:prstGeom prst="rect">
             <a:avLst/>
@@ -28107,6 +29608,33 @@
       </p:pic>
     </p:spTree>
   </p:cSld>
+  <p:timing>
+    <p:tnLst>
+      <p:par>
+        <p:cTn id="15" dur="indefinite" restart="never" nodeType="tmRoot">
+          <p:childTnLst>
+            <p:seq>
+              <p:cTn id="16" nodeType="mainSeq"/>
+              <p:prevCondLst>
+                <p:cond delay="0" evt="onPrev">
+                  <p:tgtEl>
+                    <p:sldTgt/>
+                  </p:tgtEl>
+                </p:cond>
+              </p:prevCondLst>
+              <p:nextCondLst>
+                <p:cond delay="0" evt="onNext">
+                  <p:tgtEl>
+                    <p:sldTgt/>
+                  </p:tgtEl>
+                </p:cond>
+              </p:nextCondLst>
+            </p:seq>
+          </p:childTnLst>
+        </p:cTn>
+      </p:par>
+    </p:tnLst>
+  </p:timing>
 </p:sld>
 </file>
 
@@ -28136,7 +29664,7 @@
         <p:spPr>
           <a:xfrm>
             <a:off x="729360" y="1318680"/>
-            <a:ext cx="7687080" cy="533520"/>
+            <a:ext cx="7686720" cy="533160"/>
           </a:xfrm>
           <a:prstGeom prst="rect">
             <a:avLst/>
@@ -28198,7 +29726,7 @@
         <p:spPr>
           <a:xfrm>
             <a:off x="729360" y="2079000"/>
-            <a:ext cx="7687080" cy="2259360"/>
+            <a:ext cx="7686720" cy="2259000"/>
           </a:xfrm>
           <a:prstGeom prst="rect">
             <a:avLst/>
@@ -28319,6 +29847,33 @@
       </p:sp>
     </p:spTree>
   </p:cSld>
+  <p:timing>
+    <p:tnLst>
+      <p:par>
+        <p:cTn id="17" dur="indefinite" restart="never" nodeType="tmRoot">
+          <p:childTnLst>
+            <p:seq>
+              <p:cTn id="18" nodeType="mainSeq"/>
+              <p:prevCondLst>
+                <p:cond delay="0" evt="onPrev">
+                  <p:tgtEl>
+                    <p:sldTgt/>
+                  </p:tgtEl>
+                </p:cond>
+              </p:prevCondLst>
+              <p:nextCondLst>
+                <p:cond delay="0" evt="onNext">
+                  <p:tgtEl>
+                    <p:sldTgt/>
+                  </p:tgtEl>
+                </p:cond>
+              </p:nextCondLst>
+            </p:seq>
+          </p:childTnLst>
+        </p:cTn>
+      </p:par>
+    </p:tnLst>
+  </p:timing>
 </p:sld>
 </file>
 
